--- a/phase5/答辩ppt.pptx
+++ b/phase5/答辩ppt.pptx
@@ -2,13 +2,25 @@
 <file path=ppt/presentation.xml><?xml version="1.0" encoding="utf-8"?>
 <p:presentation xmlns:a="http://schemas.openxmlformats.org/drawingml/2006/main" xmlns:r="http://schemas.openxmlformats.org/officeDocument/2006/relationships" xmlns:p="http://schemas.openxmlformats.org/presentationml/2006/main" saveSubsetFonts="1">
   <p:sldMasterIdLst>
-    <p:sldMasterId id="2147483648" r:id="rId1"/>
+    <p:sldMasterId id="2147483660" r:id="rId1"/>
   </p:sldMasterIdLst>
+  <p:notesMasterIdLst>
+    <p:notesMasterId r:id="rId13"/>
+  </p:notesMasterIdLst>
   <p:sldIdLst>
     <p:sldId id="256" r:id="rId2"/>
     <p:sldId id="257" r:id="rId3"/>
+    <p:sldId id="258" r:id="rId4"/>
+    <p:sldId id="260" r:id="rId5"/>
+    <p:sldId id="261" r:id="rId6"/>
+    <p:sldId id="259" r:id="rId7"/>
+    <p:sldId id="262" r:id="rId8"/>
+    <p:sldId id="263" r:id="rId9"/>
+    <p:sldId id="264" r:id="rId10"/>
+    <p:sldId id="265" r:id="rId11"/>
+    <p:sldId id="266" r:id="rId12"/>
   </p:sldIdLst>
-  <p:sldSz cx="12192000" cy="6858000"/>
+  <p:sldSz cx="9144000" cy="6858000" type="screen4x3"/>
   <p:notesSz cx="6858000" cy="9144000"/>
   <p:defaultTextStyle>
     <a:defPPr>
@@ -105,7 +117,584 @@
       </a:defRPr>
     </a:lvl9pPr>
   </p:defaultTextStyle>
+  <p:extLst>
+    <p:ext uri="{EFAFB233-063F-42B5-8137-9DF3F51BA10A}">
+      <p15:sldGuideLst xmlns:p15="http://schemas.microsoft.com/office/powerpoint/2012/main"/>
+    </p:ext>
+  </p:extLst>
 </p:presentation>
+</file>
+
+<file path=ppt/notesMasters/notesMaster1.xml><?xml version="1.0" encoding="utf-8"?>
+<p:notesMaster xmlns:a="http://schemas.openxmlformats.org/drawingml/2006/main" xmlns:r="http://schemas.openxmlformats.org/officeDocument/2006/relationships" xmlns:p="http://schemas.openxmlformats.org/presentationml/2006/main">
+  <p:cSld>
+    <p:bg>
+      <p:bgRef idx="1001">
+        <a:schemeClr val="bg1"/>
+      </p:bgRef>
+    </p:bg>
+    <p:spTree>
+      <p:nvGrpSpPr>
+        <p:cNvPr id="1" name=""/>
+        <p:cNvGrpSpPr/>
+        <p:nvPr/>
+      </p:nvGrpSpPr>
+      <p:grpSpPr>
+        <a:xfrm>
+          <a:off x="0" y="0"/>
+          <a:ext cx="0" cy="0"/>
+          <a:chOff x="0" y="0"/>
+          <a:chExt cx="0" cy="0"/>
+        </a:xfrm>
+      </p:grpSpPr>
+      <p:sp>
+        <p:nvSpPr>
+          <p:cNvPr id="2" name="页眉占位符 1"/>
+          <p:cNvSpPr>
+            <a:spLocks noGrp="1"/>
+          </p:cNvSpPr>
+          <p:nvPr>
+            <p:ph type="hdr" sz="quarter"/>
+          </p:nvPr>
+        </p:nvSpPr>
+        <p:spPr>
+          <a:xfrm>
+            <a:off x="0" y="0"/>
+            <a:ext cx="2971800" cy="458788"/>
+          </a:xfrm>
+          <a:prstGeom prst="rect">
+            <a:avLst/>
+          </a:prstGeom>
+        </p:spPr>
+        <p:txBody>
+          <a:bodyPr vert="horz" lIns="91440" tIns="45720" rIns="91440" bIns="45720" rtlCol="0"/>
+          <a:lstStyle>
+            <a:lvl1pPr algn="l">
+              <a:defRPr sz="1200"/>
+            </a:lvl1pPr>
+          </a:lstStyle>
+          <a:p>
+            <a:endParaRPr kumimoji="1" lang="zh-CN" altLang="en-US"/>
+          </a:p>
+        </p:txBody>
+      </p:sp>
+      <p:sp>
+        <p:nvSpPr>
+          <p:cNvPr id="3" name="日期占位符 2"/>
+          <p:cNvSpPr>
+            <a:spLocks noGrp="1"/>
+          </p:cNvSpPr>
+          <p:nvPr>
+            <p:ph type="dt" idx="1"/>
+          </p:nvPr>
+        </p:nvSpPr>
+        <p:spPr>
+          <a:xfrm>
+            <a:off x="3884613" y="0"/>
+            <a:ext cx="2971800" cy="458788"/>
+          </a:xfrm>
+          <a:prstGeom prst="rect">
+            <a:avLst/>
+          </a:prstGeom>
+        </p:spPr>
+        <p:txBody>
+          <a:bodyPr vert="horz" lIns="91440" tIns="45720" rIns="91440" bIns="45720" rtlCol="0"/>
+          <a:lstStyle>
+            <a:lvl1pPr algn="r">
+              <a:defRPr sz="1200"/>
+            </a:lvl1pPr>
+          </a:lstStyle>
+          <a:p>
+            <a:fld id="{3BF1A040-9D4F-D541-A439-73F352E980A4}" type="datetimeFigureOut">
+              <a:rPr kumimoji="1" lang="zh-CN" altLang="en-US" smtClean="0"/>
+              <a:t>2017/12/10</a:t>
+            </a:fld>
+            <a:endParaRPr kumimoji="1" lang="zh-CN" altLang="en-US"/>
+          </a:p>
+        </p:txBody>
+      </p:sp>
+      <p:sp>
+        <p:nvSpPr>
+          <p:cNvPr id="4" name="幻灯片图像占位符 3"/>
+          <p:cNvSpPr>
+            <a:spLocks noGrp="1" noRot="1" noChangeAspect="1"/>
+          </p:cNvSpPr>
+          <p:nvPr>
+            <p:ph type="sldImg" idx="2"/>
+          </p:nvPr>
+        </p:nvSpPr>
+        <p:spPr>
+          <a:xfrm>
+            <a:off x="1371600" y="1143000"/>
+            <a:ext cx="4114800" cy="3086100"/>
+          </a:xfrm>
+          <a:prstGeom prst="rect">
+            <a:avLst/>
+          </a:prstGeom>
+          <a:noFill/>
+          <a:ln w="12700">
+            <a:solidFill>
+              <a:prstClr val="black"/>
+            </a:solidFill>
+          </a:ln>
+        </p:spPr>
+        <p:txBody>
+          <a:bodyPr vert="horz" lIns="91440" tIns="45720" rIns="91440" bIns="45720" rtlCol="0" anchor="ctr"/>
+          <a:lstStyle/>
+          <a:p>
+            <a:endParaRPr lang="zh-CN" altLang="en-US"/>
+          </a:p>
+        </p:txBody>
+      </p:sp>
+      <p:sp>
+        <p:nvSpPr>
+          <p:cNvPr id="5" name="备注占位符 4"/>
+          <p:cNvSpPr>
+            <a:spLocks noGrp="1"/>
+          </p:cNvSpPr>
+          <p:nvPr>
+            <p:ph type="body" sz="quarter" idx="3"/>
+          </p:nvPr>
+        </p:nvSpPr>
+        <p:spPr>
+          <a:xfrm>
+            <a:off x="685800" y="4400550"/>
+            <a:ext cx="5486400" cy="3600450"/>
+          </a:xfrm>
+          <a:prstGeom prst="rect">
+            <a:avLst/>
+          </a:prstGeom>
+        </p:spPr>
+        <p:txBody>
+          <a:bodyPr vert="horz" lIns="91440" tIns="45720" rIns="91440" bIns="45720" rtlCol="0"/>
+          <a:lstStyle/>
+          <a:p>
+            <a:pPr lvl="0"/>
+            <a:r>
+              <a:rPr kumimoji="1" lang="zh-CN" altLang="en-US" smtClean="0"/>
+              <a:t>单击此处编辑母版文本样式</a:t>
+            </a:r>
+          </a:p>
+          <a:p>
+            <a:pPr lvl="1"/>
+            <a:r>
+              <a:rPr kumimoji="1" lang="zh-CN" altLang="en-US" smtClean="0"/>
+              <a:t>二级</a:t>
+            </a:r>
+          </a:p>
+          <a:p>
+            <a:pPr lvl="2"/>
+            <a:r>
+              <a:rPr kumimoji="1" lang="zh-CN" altLang="en-US" smtClean="0"/>
+              <a:t>三级</a:t>
+            </a:r>
+          </a:p>
+          <a:p>
+            <a:pPr lvl="3"/>
+            <a:r>
+              <a:rPr kumimoji="1" lang="zh-CN" altLang="en-US" smtClean="0"/>
+              <a:t>四级</a:t>
+            </a:r>
+          </a:p>
+          <a:p>
+            <a:pPr lvl="4"/>
+            <a:r>
+              <a:rPr kumimoji="1" lang="zh-CN" altLang="en-US" smtClean="0"/>
+              <a:t>五级</a:t>
+            </a:r>
+            <a:endParaRPr kumimoji="1" lang="zh-CN" altLang="en-US"/>
+          </a:p>
+        </p:txBody>
+      </p:sp>
+      <p:sp>
+        <p:nvSpPr>
+          <p:cNvPr id="6" name="页脚占位符 5"/>
+          <p:cNvSpPr>
+            <a:spLocks noGrp="1"/>
+          </p:cNvSpPr>
+          <p:nvPr>
+            <p:ph type="ftr" sz="quarter" idx="4"/>
+          </p:nvPr>
+        </p:nvSpPr>
+        <p:spPr>
+          <a:xfrm>
+            <a:off x="0" y="8685213"/>
+            <a:ext cx="2971800" cy="458787"/>
+          </a:xfrm>
+          <a:prstGeom prst="rect">
+            <a:avLst/>
+          </a:prstGeom>
+        </p:spPr>
+        <p:txBody>
+          <a:bodyPr vert="horz" lIns="91440" tIns="45720" rIns="91440" bIns="45720" rtlCol="0" anchor="b"/>
+          <a:lstStyle>
+            <a:lvl1pPr algn="l">
+              <a:defRPr sz="1200"/>
+            </a:lvl1pPr>
+          </a:lstStyle>
+          <a:p>
+            <a:endParaRPr kumimoji="1" lang="zh-CN" altLang="en-US"/>
+          </a:p>
+        </p:txBody>
+      </p:sp>
+      <p:sp>
+        <p:nvSpPr>
+          <p:cNvPr id="7" name="幻灯片编号占位符 6"/>
+          <p:cNvSpPr>
+            <a:spLocks noGrp="1"/>
+          </p:cNvSpPr>
+          <p:nvPr>
+            <p:ph type="sldNum" sz="quarter" idx="5"/>
+          </p:nvPr>
+        </p:nvSpPr>
+        <p:spPr>
+          <a:xfrm>
+            <a:off x="3884613" y="8685213"/>
+            <a:ext cx="2971800" cy="458787"/>
+          </a:xfrm>
+          <a:prstGeom prst="rect">
+            <a:avLst/>
+          </a:prstGeom>
+        </p:spPr>
+        <p:txBody>
+          <a:bodyPr vert="horz" lIns="91440" tIns="45720" rIns="91440" bIns="45720" rtlCol="0" anchor="b"/>
+          <a:lstStyle>
+            <a:lvl1pPr algn="r">
+              <a:defRPr sz="1200"/>
+            </a:lvl1pPr>
+          </a:lstStyle>
+          <a:p>
+            <a:fld id="{014F928E-768F-664D-B9B7-8234C43BD995}" type="slidenum">
+              <a:rPr kumimoji="1" lang="zh-CN" altLang="en-US" smtClean="0"/>
+              <a:t>‹#›</a:t>
+            </a:fld>
+            <a:endParaRPr kumimoji="1" lang="zh-CN" altLang="en-US"/>
+          </a:p>
+        </p:txBody>
+      </p:sp>
+    </p:spTree>
+    <p:extLst>
+      <p:ext uri="{BB962C8B-B14F-4D97-AF65-F5344CB8AC3E}">
+        <p14:creationId xmlns:p14="http://schemas.microsoft.com/office/powerpoint/2010/main" val="1946916336"/>
+      </p:ext>
+    </p:extLst>
+  </p:cSld>
+  <p:clrMap bg1="lt1" tx1="dk1" bg2="lt2" tx2="dk2" accent1="accent1" accent2="accent2" accent3="accent3" accent4="accent4" accent5="accent5" accent6="accent6" hlink="hlink" folHlink="folHlink"/>
+  <p:notesStyle>
+    <a:lvl1pPr marL="0" algn="l" defTabSz="914400" rtl="0" eaLnBrk="1" latinLnBrk="0" hangingPunct="1">
+      <a:defRPr sz="1200" kern="1200">
+        <a:solidFill>
+          <a:schemeClr val="tx1"/>
+        </a:solidFill>
+        <a:latin typeface="+mn-lt"/>
+        <a:ea typeface="+mn-ea"/>
+        <a:cs typeface="+mn-cs"/>
+      </a:defRPr>
+    </a:lvl1pPr>
+    <a:lvl2pPr marL="457200" algn="l" defTabSz="914400" rtl="0" eaLnBrk="1" latinLnBrk="0" hangingPunct="1">
+      <a:defRPr sz="1200" kern="1200">
+        <a:solidFill>
+          <a:schemeClr val="tx1"/>
+        </a:solidFill>
+        <a:latin typeface="+mn-lt"/>
+        <a:ea typeface="+mn-ea"/>
+        <a:cs typeface="+mn-cs"/>
+      </a:defRPr>
+    </a:lvl2pPr>
+    <a:lvl3pPr marL="914400" algn="l" defTabSz="914400" rtl="0" eaLnBrk="1" latinLnBrk="0" hangingPunct="1">
+      <a:defRPr sz="1200" kern="1200">
+        <a:solidFill>
+          <a:schemeClr val="tx1"/>
+        </a:solidFill>
+        <a:latin typeface="+mn-lt"/>
+        <a:ea typeface="+mn-ea"/>
+        <a:cs typeface="+mn-cs"/>
+      </a:defRPr>
+    </a:lvl3pPr>
+    <a:lvl4pPr marL="1371600" algn="l" defTabSz="914400" rtl="0" eaLnBrk="1" latinLnBrk="0" hangingPunct="1">
+      <a:defRPr sz="1200" kern="1200">
+        <a:solidFill>
+          <a:schemeClr val="tx1"/>
+        </a:solidFill>
+        <a:latin typeface="+mn-lt"/>
+        <a:ea typeface="+mn-ea"/>
+        <a:cs typeface="+mn-cs"/>
+      </a:defRPr>
+    </a:lvl4pPr>
+    <a:lvl5pPr marL="1828800" algn="l" defTabSz="914400" rtl="0" eaLnBrk="1" latinLnBrk="0" hangingPunct="1">
+      <a:defRPr sz="1200" kern="1200">
+        <a:solidFill>
+          <a:schemeClr val="tx1"/>
+        </a:solidFill>
+        <a:latin typeface="+mn-lt"/>
+        <a:ea typeface="+mn-ea"/>
+        <a:cs typeface="+mn-cs"/>
+      </a:defRPr>
+    </a:lvl5pPr>
+    <a:lvl6pPr marL="2286000" algn="l" defTabSz="914400" rtl="0" eaLnBrk="1" latinLnBrk="0" hangingPunct="1">
+      <a:defRPr sz="1200" kern="1200">
+        <a:solidFill>
+          <a:schemeClr val="tx1"/>
+        </a:solidFill>
+        <a:latin typeface="+mn-lt"/>
+        <a:ea typeface="+mn-ea"/>
+        <a:cs typeface="+mn-cs"/>
+      </a:defRPr>
+    </a:lvl6pPr>
+    <a:lvl7pPr marL="2743200" algn="l" defTabSz="914400" rtl="0" eaLnBrk="1" latinLnBrk="0" hangingPunct="1">
+      <a:defRPr sz="1200" kern="1200">
+        <a:solidFill>
+          <a:schemeClr val="tx1"/>
+        </a:solidFill>
+        <a:latin typeface="+mn-lt"/>
+        <a:ea typeface="+mn-ea"/>
+        <a:cs typeface="+mn-cs"/>
+      </a:defRPr>
+    </a:lvl7pPr>
+    <a:lvl8pPr marL="3200400" algn="l" defTabSz="914400" rtl="0" eaLnBrk="1" latinLnBrk="0" hangingPunct="1">
+      <a:defRPr sz="1200" kern="1200">
+        <a:solidFill>
+          <a:schemeClr val="tx1"/>
+        </a:solidFill>
+        <a:latin typeface="+mn-lt"/>
+        <a:ea typeface="+mn-ea"/>
+        <a:cs typeface="+mn-cs"/>
+      </a:defRPr>
+    </a:lvl8pPr>
+    <a:lvl9pPr marL="3657600" algn="l" defTabSz="914400" rtl="0" eaLnBrk="1" latinLnBrk="0" hangingPunct="1">
+      <a:defRPr sz="1200" kern="1200">
+        <a:solidFill>
+          <a:schemeClr val="tx1"/>
+        </a:solidFill>
+        <a:latin typeface="+mn-lt"/>
+        <a:ea typeface="+mn-ea"/>
+        <a:cs typeface="+mn-cs"/>
+      </a:defRPr>
+    </a:lvl9pPr>
+  </p:notesStyle>
+</p:notesMaster>
+</file>
+
+<file path=ppt/notesSlides/notesSlide1.xml><?xml version="1.0" encoding="utf-8"?>
+<p:notes xmlns:a="http://schemas.openxmlformats.org/drawingml/2006/main" xmlns:r="http://schemas.openxmlformats.org/officeDocument/2006/relationships" xmlns:p="http://schemas.openxmlformats.org/presentationml/2006/main">
+  <p:cSld>
+    <p:spTree>
+      <p:nvGrpSpPr>
+        <p:cNvPr id="1" name=""/>
+        <p:cNvGrpSpPr/>
+        <p:nvPr/>
+      </p:nvGrpSpPr>
+      <p:grpSpPr>
+        <a:xfrm>
+          <a:off x="0" y="0"/>
+          <a:ext cx="0" cy="0"/>
+          <a:chOff x="0" y="0"/>
+          <a:chExt cx="0" cy="0"/>
+        </a:xfrm>
+      </p:grpSpPr>
+      <p:sp>
+        <p:nvSpPr>
+          <p:cNvPr id="2" name="幻灯片图像占位符 1"/>
+          <p:cNvSpPr>
+            <a:spLocks noGrp="1" noRot="1" noChangeAspect="1"/>
+          </p:cNvSpPr>
+          <p:nvPr>
+            <p:ph type="sldImg"/>
+          </p:nvPr>
+        </p:nvSpPr>
+        <p:spPr/>
+      </p:sp>
+      <p:sp>
+        <p:nvSpPr>
+          <p:cNvPr id="3" name="备注占位符 2"/>
+          <p:cNvSpPr>
+            <a:spLocks noGrp="1"/>
+          </p:cNvSpPr>
+          <p:nvPr>
+            <p:ph type="body" idx="1"/>
+          </p:nvPr>
+        </p:nvSpPr>
+        <p:spPr/>
+        <p:txBody>
+          <a:bodyPr/>
+          <a:lstStyle/>
+          <a:p>
+            <a:r>
+              <a:rPr kumimoji="1" lang="zh-CN" altLang="en-US" dirty="0" smtClean="0"/>
+              <a:t>在此前的研究中，我们实验室提出了时间树这一概念，以帮助用户管理复杂搜索过程。</a:t>
+            </a:r>
+            <a:endParaRPr kumimoji="1" lang="en-US" altLang="zh-CN" dirty="0" smtClean="0"/>
+          </a:p>
+          <a:p>
+            <a:r>
+              <a:rPr kumimoji="1" lang="zh-CN" altLang="en-US" dirty="0" smtClean="0"/>
+              <a:t>时间树是。。。。</a:t>
+            </a:r>
+            <a:endParaRPr kumimoji="1" lang="en-US" altLang="zh-CN" dirty="0" smtClean="0"/>
+          </a:p>
+          <a:p>
+            <a:r>
+              <a:rPr kumimoji="1" lang="zh-CN" altLang="en-US" dirty="0" smtClean="0"/>
+              <a:t>在我们自己使用时间树的过程中，我们都感到时间树确实能够帮助我们更好地进行搜索，因此我们猜想，时间树中蕴含有用户的搜索经验。</a:t>
+            </a:r>
+            <a:endParaRPr kumimoji="1" lang="en-US" altLang="zh-CN" dirty="0" smtClean="0"/>
+          </a:p>
+          <a:p>
+            <a:r>
+              <a:rPr kumimoji="1" lang="zh-CN" altLang="en-US" dirty="0" smtClean="0"/>
+              <a:t>因此我们就针对这一点，对面向搜索经验的查询推荐方法进行研究。</a:t>
+            </a:r>
+            <a:endParaRPr kumimoji="1" lang="zh-CN" altLang="en-US" dirty="0"/>
+          </a:p>
+        </p:txBody>
+      </p:sp>
+      <p:sp>
+        <p:nvSpPr>
+          <p:cNvPr id="4" name="幻灯片编号占位符 3"/>
+          <p:cNvSpPr>
+            <a:spLocks noGrp="1"/>
+          </p:cNvSpPr>
+          <p:nvPr>
+            <p:ph type="sldNum" sz="quarter" idx="10"/>
+          </p:nvPr>
+        </p:nvSpPr>
+        <p:spPr/>
+        <p:txBody>
+          <a:bodyPr/>
+          <a:lstStyle/>
+          <a:p>
+            <a:fld id="{014F928E-768F-664D-B9B7-8234C43BD995}" type="slidenum">
+              <a:rPr kumimoji="1" lang="zh-CN" altLang="en-US" smtClean="0"/>
+              <a:t>6</a:t>
+            </a:fld>
+            <a:endParaRPr kumimoji="1" lang="zh-CN" altLang="en-US"/>
+          </a:p>
+        </p:txBody>
+      </p:sp>
+    </p:spTree>
+    <p:extLst>
+      <p:ext uri="{BB962C8B-B14F-4D97-AF65-F5344CB8AC3E}">
+        <p14:creationId xmlns:p14="http://schemas.microsoft.com/office/powerpoint/2010/main" val="1648737941"/>
+      </p:ext>
+    </p:extLst>
+  </p:cSld>
+  <p:clrMapOvr>
+    <a:masterClrMapping/>
+  </p:clrMapOvr>
+</p:notes>
+</file>
+
+<file path=ppt/notesSlides/notesSlide2.xml><?xml version="1.0" encoding="utf-8"?>
+<p:notes xmlns:a="http://schemas.openxmlformats.org/drawingml/2006/main" xmlns:r="http://schemas.openxmlformats.org/officeDocument/2006/relationships" xmlns:p="http://schemas.openxmlformats.org/presentationml/2006/main">
+  <p:cSld>
+    <p:spTree>
+      <p:nvGrpSpPr>
+        <p:cNvPr id="1" name=""/>
+        <p:cNvGrpSpPr/>
+        <p:nvPr/>
+      </p:nvGrpSpPr>
+      <p:grpSpPr>
+        <a:xfrm>
+          <a:off x="0" y="0"/>
+          <a:ext cx="0" cy="0"/>
+          <a:chOff x="0" y="0"/>
+          <a:chExt cx="0" cy="0"/>
+        </a:xfrm>
+      </p:grpSpPr>
+      <p:sp>
+        <p:nvSpPr>
+          <p:cNvPr id="2" name="幻灯片图像占位符 1"/>
+          <p:cNvSpPr>
+            <a:spLocks noGrp="1" noRot="1" noChangeAspect="1"/>
+          </p:cNvSpPr>
+          <p:nvPr>
+            <p:ph type="sldImg"/>
+          </p:nvPr>
+        </p:nvSpPr>
+        <p:spPr/>
+      </p:sp>
+      <p:sp>
+        <p:nvSpPr>
+          <p:cNvPr id="3" name="备注占位符 2"/>
+          <p:cNvSpPr>
+            <a:spLocks noGrp="1"/>
+          </p:cNvSpPr>
+          <p:nvPr>
+            <p:ph type="body" idx="1"/>
+          </p:nvPr>
+        </p:nvSpPr>
+        <p:spPr/>
+        <p:txBody>
+          <a:bodyPr/>
+          <a:lstStyle/>
+          <a:p>
+            <a:r>
+              <a:rPr kumimoji="1" lang="zh-CN" altLang="en-US" dirty="0" smtClean="0"/>
+              <a:t>在此前的研究中，我们实验室提出了时间树这一概念，以帮助用户管理复杂搜索过程。</a:t>
+            </a:r>
+            <a:endParaRPr kumimoji="1" lang="en-US" altLang="zh-CN" dirty="0" smtClean="0"/>
+          </a:p>
+          <a:p>
+            <a:r>
+              <a:rPr kumimoji="1" lang="zh-CN" altLang="en-US" dirty="0" smtClean="0"/>
+              <a:t>时间树是。。。。</a:t>
+            </a:r>
+            <a:endParaRPr kumimoji="1" lang="en-US" altLang="zh-CN" dirty="0" smtClean="0"/>
+          </a:p>
+          <a:p>
+            <a:r>
+              <a:rPr kumimoji="1" lang="zh-CN" altLang="en-US" dirty="0" smtClean="0"/>
+              <a:t>在我们自己使用时间树的过程中，我们都感到时间树确实能够帮助我们更好地进行搜索，因此我们猜想，时间树中蕴含有用户的搜索经验。</a:t>
+            </a:r>
+            <a:endParaRPr kumimoji="1" lang="en-US" altLang="zh-CN" dirty="0" smtClean="0"/>
+          </a:p>
+          <a:p>
+            <a:r>
+              <a:rPr kumimoji="1" lang="zh-CN" altLang="en-US" dirty="0" smtClean="0"/>
+              <a:t>因此我们就针对这一点，对面向搜索经验的查询推荐</a:t>
+            </a:r>
+            <a:r>
+              <a:rPr kumimoji="1" lang="zh-CN" altLang="en-US" smtClean="0"/>
+              <a:t>方法进行研究。</a:t>
+            </a:r>
+            <a:endParaRPr kumimoji="1" lang="zh-CN" altLang="en-US" dirty="0"/>
+          </a:p>
+        </p:txBody>
+      </p:sp>
+      <p:sp>
+        <p:nvSpPr>
+          <p:cNvPr id="4" name="幻灯片编号占位符 3"/>
+          <p:cNvSpPr>
+            <a:spLocks noGrp="1"/>
+          </p:cNvSpPr>
+          <p:nvPr>
+            <p:ph type="sldNum" sz="quarter" idx="10"/>
+          </p:nvPr>
+        </p:nvSpPr>
+        <p:spPr/>
+        <p:txBody>
+          <a:bodyPr/>
+          <a:lstStyle/>
+          <a:p>
+            <a:fld id="{014F928E-768F-664D-B9B7-8234C43BD995}" type="slidenum">
+              <a:rPr kumimoji="1" lang="zh-CN" altLang="en-US" smtClean="0"/>
+              <a:t>7</a:t>
+            </a:fld>
+            <a:endParaRPr kumimoji="1" lang="zh-CN" altLang="en-US"/>
+          </a:p>
+        </p:txBody>
+      </p:sp>
+    </p:spTree>
+    <p:extLst>
+      <p:ext uri="{BB962C8B-B14F-4D97-AF65-F5344CB8AC3E}">
+        <p14:creationId xmlns:p14="http://schemas.microsoft.com/office/powerpoint/2010/main" val="1356071152"/>
+      </p:ext>
+    </p:extLst>
+  </p:cSld>
+  <p:clrMapOvr>
+    <a:masterClrMapping/>
+  </p:clrMapOvr>
+</p:notes>
 </file>
 
 <file path=ppt/slideLayouts/slideLayout1.xml><?xml version="1.0" encoding="utf-8"?>
@@ -127,7 +716,7 @@
       </p:grpSpPr>
       <p:sp>
         <p:nvSpPr>
-          <p:cNvPr id="2" name="标题 1"/>
+          <p:cNvPr id="2" name="Title 1"/>
           <p:cNvSpPr>
             <a:spLocks noGrp="1"/>
           </p:cNvSpPr>
@@ -137,8 +726,8 @@
         </p:nvSpPr>
         <p:spPr>
           <a:xfrm>
-            <a:off x="1524000" y="1122363"/>
-            <a:ext cx="9144000" cy="2387600"/>
+            <a:off x="685800" y="1122363"/>
+            <a:ext cx="7772400" cy="2387600"/>
           </a:xfrm>
         </p:spPr>
         <p:txBody>
@@ -150,16 +739,16 @@
           </a:lstStyle>
           <a:p>
             <a:r>
-              <a:rPr lang="zh-CN" altLang="en-US"/>
+              <a:rPr lang="zh-CN" altLang="en-US" smtClean="0"/>
               <a:t>单击此处编辑母版标题样式</a:t>
             </a:r>
-            <a:endParaRPr lang="zh-CN" altLang="en-US"/>
-          </a:p>
-        </p:txBody>
-      </p:sp>
-      <p:sp>
-        <p:nvSpPr>
-          <p:cNvPr id="3" name="副标题 2"/>
+            <a:endParaRPr lang="en-US" dirty="0"/>
+          </a:p>
+        </p:txBody>
+      </p:sp>
+      <p:sp>
+        <p:nvSpPr>
+          <p:cNvPr id="3" name="Subtitle 2"/>
           <p:cNvSpPr>
             <a:spLocks noGrp="1"/>
           </p:cNvSpPr>
@@ -169,8 +758,8 @@
         </p:nvSpPr>
         <p:spPr>
           <a:xfrm>
-            <a:off x="1524000" y="3602038"/>
-            <a:ext cx="9144000" cy="1655762"/>
+            <a:off x="1143000" y="3602038"/>
+            <a:ext cx="6858000" cy="1655762"/>
           </a:xfrm>
         </p:spPr>
         <p:txBody>
@@ -215,16 +804,16 @@
           </a:lstStyle>
           <a:p>
             <a:r>
-              <a:rPr lang="zh-CN" altLang="en-US"/>
-              <a:t>单击以编辑母版副标题样式</a:t>
-            </a:r>
-            <a:endParaRPr lang="zh-CN" altLang="en-US"/>
-          </a:p>
-        </p:txBody>
-      </p:sp>
-      <p:sp>
-        <p:nvSpPr>
-          <p:cNvPr id="4" name="日期占位符 3"/>
+              <a:rPr lang="zh-CN" altLang="en-US" smtClean="0"/>
+              <a:t>单击此处编辑母版副标题样式</a:t>
+            </a:r>
+            <a:endParaRPr lang="en-US" dirty="0"/>
+          </a:p>
+        </p:txBody>
+      </p:sp>
+      <p:sp>
+        <p:nvSpPr>
+          <p:cNvPr id="4" name="Date Placeholder 3"/>
           <p:cNvSpPr>
             <a:spLocks noGrp="1"/>
           </p:cNvSpPr>
@@ -239,7 +828,7 @@
           <a:p>
             <a:fld id="{D3EB90B3-9772-44C6-B209-B94CDEDEB265}" type="datetimeFigureOut">
               <a:rPr lang="zh-CN" altLang="en-US" smtClean="0"/>
-              <a:t>2017/11/30</a:t>
+              <a:t>2017/12/10</a:t>
             </a:fld>
             <a:endParaRPr lang="zh-CN" altLang="en-US"/>
           </a:p>
@@ -247,7 +836,7 @@
       </p:sp>
       <p:sp>
         <p:nvSpPr>
-          <p:cNvPr id="5" name="页脚占位符 4"/>
+          <p:cNvPr id="5" name="Footer Placeholder 4"/>
           <p:cNvSpPr>
             <a:spLocks noGrp="1"/>
           </p:cNvSpPr>
@@ -266,7 +855,7 @@
       </p:sp>
       <p:sp>
         <p:nvSpPr>
-          <p:cNvPr id="6" name="灯片编号占位符 5"/>
+          <p:cNvPr id="6" name="Slide Number Placeholder 5"/>
           <p:cNvSpPr>
             <a:spLocks noGrp="1"/>
           </p:cNvSpPr>
@@ -288,11 +877,6 @@
         </p:txBody>
       </p:sp>
     </p:spTree>
-    <p:extLst>
-      <p:ext uri="{BB962C8B-B14F-4D97-AF65-F5344CB8AC3E}">
-        <p14:creationId xmlns:p14="http://schemas.microsoft.com/office/powerpoint/2010/main" val="118534728"/>
-      </p:ext>
-    </p:extLst>
   </p:cSld>
   <p:clrMapOvr>
     <a:masterClrMapping/>
@@ -302,7 +886,7 @@
 
 <file path=ppt/slideLayouts/slideLayout10.xml><?xml version="1.0" encoding="utf-8"?>
 <p:sldLayout xmlns:a="http://schemas.openxmlformats.org/drawingml/2006/main" xmlns:r="http://schemas.openxmlformats.org/officeDocument/2006/relationships" xmlns:p="http://schemas.openxmlformats.org/presentationml/2006/main" type="vertTx" preserve="1">
-  <p:cSld name="标题和竖排文字">
+  <p:cSld name="标题和竖排文本">
     <p:spTree>
       <p:nvGrpSpPr>
         <p:cNvPr id="1" name=""/>
@@ -319,7 +903,7 @@
       </p:grpSpPr>
       <p:sp>
         <p:nvSpPr>
-          <p:cNvPr id="2" name="标题 1"/>
+          <p:cNvPr id="2" name="Title 1"/>
           <p:cNvSpPr>
             <a:spLocks noGrp="1"/>
           </p:cNvSpPr>
@@ -333,16 +917,16 @@
           <a:lstStyle/>
           <a:p>
             <a:r>
-              <a:rPr lang="zh-CN" altLang="en-US"/>
+              <a:rPr lang="zh-CN" altLang="en-US" smtClean="0"/>
               <a:t>单击此处编辑母版标题样式</a:t>
             </a:r>
-            <a:endParaRPr lang="zh-CN" altLang="en-US"/>
-          </a:p>
-        </p:txBody>
-      </p:sp>
-      <p:sp>
-        <p:nvSpPr>
-          <p:cNvPr id="3" name="竖排文字占位符 2"/>
+            <a:endParaRPr lang="en-US" dirty="0"/>
+          </a:p>
+        </p:txBody>
+      </p:sp>
+      <p:sp>
+        <p:nvSpPr>
+          <p:cNvPr id="3" name="Vertical Text Placeholder 2"/>
           <p:cNvSpPr>
             <a:spLocks noGrp="1"/>
           </p:cNvSpPr>
@@ -357,44 +941,44 @@
           <a:p>
             <a:pPr lvl="0"/>
             <a:r>
-              <a:rPr lang="zh-CN" altLang="en-US"/>
-              <a:t>编辑母版文本样式</a:t>
+              <a:rPr lang="zh-CN" altLang="en-US" smtClean="0"/>
+              <a:t>单击此处编辑母版文本样式</a:t>
             </a:r>
           </a:p>
           <a:p>
             <a:pPr lvl="1"/>
             <a:r>
-              <a:rPr lang="zh-CN" altLang="en-US"/>
-              <a:t>第二级</a:t>
+              <a:rPr lang="zh-CN" altLang="en-US" smtClean="0"/>
+              <a:t>二级</a:t>
             </a:r>
           </a:p>
           <a:p>
             <a:pPr lvl="2"/>
             <a:r>
-              <a:rPr lang="zh-CN" altLang="en-US"/>
-              <a:t>第三级</a:t>
+              <a:rPr lang="zh-CN" altLang="en-US" smtClean="0"/>
+              <a:t>三级</a:t>
             </a:r>
           </a:p>
           <a:p>
             <a:pPr lvl="3"/>
             <a:r>
-              <a:rPr lang="zh-CN" altLang="en-US"/>
-              <a:t>第四级</a:t>
+              <a:rPr lang="zh-CN" altLang="en-US" smtClean="0"/>
+              <a:t>四级</a:t>
             </a:r>
           </a:p>
           <a:p>
             <a:pPr lvl="4"/>
             <a:r>
-              <a:rPr lang="zh-CN" altLang="en-US"/>
-              <a:t>第五级</a:t>
-            </a:r>
-            <a:endParaRPr lang="zh-CN" altLang="en-US"/>
-          </a:p>
-        </p:txBody>
-      </p:sp>
-      <p:sp>
-        <p:nvSpPr>
-          <p:cNvPr id="4" name="日期占位符 3"/>
+              <a:rPr lang="zh-CN" altLang="en-US" smtClean="0"/>
+              <a:t>五级</a:t>
+            </a:r>
+            <a:endParaRPr lang="en-US" dirty="0"/>
+          </a:p>
+        </p:txBody>
+      </p:sp>
+      <p:sp>
+        <p:nvSpPr>
+          <p:cNvPr id="4" name="Date Placeholder 3"/>
           <p:cNvSpPr>
             <a:spLocks noGrp="1"/>
           </p:cNvSpPr>
@@ -409,7 +993,7 @@
           <a:p>
             <a:fld id="{D3EB90B3-9772-44C6-B209-B94CDEDEB265}" type="datetimeFigureOut">
               <a:rPr lang="zh-CN" altLang="en-US" smtClean="0"/>
-              <a:t>2017/11/30</a:t>
+              <a:t>2017/12/10</a:t>
             </a:fld>
             <a:endParaRPr lang="zh-CN" altLang="en-US"/>
           </a:p>
@@ -417,7 +1001,7 @@
       </p:sp>
       <p:sp>
         <p:nvSpPr>
-          <p:cNvPr id="5" name="页脚占位符 4"/>
+          <p:cNvPr id="5" name="Footer Placeholder 4"/>
           <p:cNvSpPr>
             <a:spLocks noGrp="1"/>
           </p:cNvSpPr>
@@ -436,7 +1020,7 @@
       </p:sp>
       <p:sp>
         <p:nvSpPr>
-          <p:cNvPr id="6" name="灯片编号占位符 5"/>
+          <p:cNvPr id="6" name="Slide Number Placeholder 5"/>
           <p:cNvSpPr>
             <a:spLocks noGrp="1"/>
           </p:cNvSpPr>
@@ -458,11 +1042,6 @@
         </p:txBody>
       </p:sp>
     </p:spTree>
-    <p:extLst>
-      <p:ext uri="{BB962C8B-B14F-4D97-AF65-F5344CB8AC3E}">
-        <p14:creationId xmlns:p14="http://schemas.microsoft.com/office/powerpoint/2010/main" val="545006082"/>
-      </p:ext>
-    </p:extLst>
   </p:cSld>
   <p:clrMapOvr>
     <a:masterClrMapping/>
@@ -472,7 +1051,7 @@
 
 <file path=ppt/slideLayouts/slideLayout11.xml><?xml version="1.0" encoding="utf-8"?>
 <p:sldLayout xmlns:a="http://schemas.openxmlformats.org/drawingml/2006/main" xmlns:r="http://schemas.openxmlformats.org/officeDocument/2006/relationships" xmlns:p="http://schemas.openxmlformats.org/presentationml/2006/main" type="vertTitleAndTx" preserve="1">
-  <p:cSld name="竖排标题与文本">
+  <p:cSld name="竖排标题和文本">
     <p:spTree>
       <p:nvGrpSpPr>
         <p:cNvPr id="1" name=""/>
@@ -489,7 +1068,7 @@
       </p:grpSpPr>
       <p:sp>
         <p:nvSpPr>
-          <p:cNvPr id="2" name="竖排标题 1"/>
+          <p:cNvPr id="2" name="Vertical Title 1"/>
           <p:cNvSpPr>
             <a:spLocks noGrp="1"/>
           </p:cNvSpPr>
@@ -499,8 +1078,8 @@
         </p:nvSpPr>
         <p:spPr>
           <a:xfrm>
-            <a:off x="8724900" y="365125"/>
-            <a:ext cx="2628900" cy="5811838"/>
+            <a:off x="6543675" y="365125"/>
+            <a:ext cx="1971675" cy="5811838"/>
           </a:xfrm>
         </p:spPr>
         <p:txBody>
@@ -508,16 +1087,16 @@
           <a:lstStyle/>
           <a:p>
             <a:r>
-              <a:rPr lang="zh-CN" altLang="en-US"/>
+              <a:rPr lang="zh-CN" altLang="en-US" smtClean="0"/>
               <a:t>单击此处编辑母版标题样式</a:t>
             </a:r>
-            <a:endParaRPr lang="zh-CN" altLang="en-US"/>
-          </a:p>
-        </p:txBody>
-      </p:sp>
-      <p:sp>
-        <p:nvSpPr>
-          <p:cNvPr id="3" name="竖排文字占位符 2"/>
+            <a:endParaRPr lang="en-US" dirty="0"/>
+          </a:p>
+        </p:txBody>
+      </p:sp>
+      <p:sp>
+        <p:nvSpPr>
+          <p:cNvPr id="3" name="Vertical Text Placeholder 2"/>
           <p:cNvSpPr>
             <a:spLocks noGrp="1"/>
           </p:cNvSpPr>
@@ -527,8 +1106,8 @@
         </p:nvSpPr>
         <p:spPr>
           <a:xfrm>
-            <a:off x="838200" y="365125"/>
-            <a:ext cx="7734300" cy="5811838"/>
+            <a:off x="628650" y="365125"/>
+            <a:ext cx="5800725" cy="5811838"/>
           </a:xfrm>
         </p:spPr>
         <p:txBody>
@@ -537,44 +1116,44 @@
           <a:p>
             <a:pPr lvl="0"/>
             <a:r>
-              <a:rPr lang="zh-CN" altLang="en-US"/>
-              <a:t>编辑母版文本样式</a:t>
+              <a:rPr lang="zh-CN" altLang="en-US" smtClean="0"/>
+              <a:t>单击此处编辑母版文本样式</a:t>
             </a:r>
           </a:p>
           <a:p>
             <a:pPr lvl="1"/>
             <a:r>
-              <a:rPr lang="zh-CN" altLang="en-US"/>
-              <a:t>第二级</a:t>
+              <a:rPr lang="zh-CN" altLang="en-US" smtClean="0"/>
+              <a:t>二级</a:t>
             </a:r>
           </a:p>
           <a:p>
             <a:pPr lvl="2"/>
             <a:r>
-              <a:rPr lang="zh-CN" altLang="en-US"/>
-              <a:t>第三级</a:t>
+              <a:rPr lang="zh-CN" altLang="en-US" smtClean="0"/>
+              <a:t>三级</a:t>
             </a:r>
           </a:p>
           <a:p>
             <a:pPr lvl="3"/>
             <a:r>
-              <a:rPr lang="zh-CN" altLang="en-US"/>
-              <a:t>第四级</a:t>
+              <a:rPr lang="zh-CN" altLang="en-US" smtClean="0"/>
+              <a:t>四级</a:t>
             </a:r>
           </a:p>
           <a:p>
             <a:pPr lvl="4"/>
             <a:r>
-              <a:rPr lang="zh-CN" altLang="en-US"/>
-              <a:t>第五级</a:t>
-            </a:r>
-            <a:endParaRPr lang="zh-CN" altLang="en-US"/>
-          </a:p>
-        </p:txBody>
-      </p:sp>
-      <p:sp>
-        <p:nvSpPr>
-          <p:cNvPr id="4" name="日期占位符 3"/>
+              <a:rPr lang="zh-CN" altLang="en-US" smtClean="0"/>
+              <a:t>五级</a:t>
+            </a:r>
+            <a:endParaRPr lang="en-US" dirty="0"/>
+          </a:p>
+        </p:txBody>
+      </p:sp>
+      <p:sp>
+        <p:nvSpPr>
+          <p:cNvPr id="4" name="Date Placeholder 3"/>
           <p:cNvSpPr>
             <a:spLocks noGrp="1"/>
           </p:cNvSpPr>
@@ -589,7 +1168,7 @@
           <a:p>
             <a:fld id="{D3EB90B3-9772-44C6-B209-B94CDEDEB265}" type="datetimeFigureOut">
               <a:rPr lang="zh-CN" altLang="en-US" smtClean="0"/>
-              <a:t>2017/11/30</a:t>
+              <a:t>2017/12/10</a:t>
             </a:fld>
             <a:endParaRPr lang="zh-CN" altLang="en-US"/>
           </a:p>
@@ -597,7 +1176,7 @@
       </p:sp>
       <p:sp>
         <p:nvSpPr>
-          <p:cNvPr id="5" name="页脚占位符 4"/>
+          <p:cNvPr id="5" name="Footer Placeholder 4"/>
           <p:cNvSpPr>
             <a:spLocks noGrp="1"/>
           </p:cNvSpPr>
@@ -616,7 +1195,7 @@
       </p:sp>
       <p:sp>
         <p:nvSpPr>
-          <p:cNvPr id="6" name="灯片编号占位符 5"/>
+          <p:cNvPr id="6" name="Slide Number Placeholder 5"/>
           <p:cNvSpPr>
             <a:spLocks noGrp="1"/>
           </p:cNvSpPr>
@@ -638,11 +1217,6 @@
         </p:txBody>
       </p:sp>
     </p:spTree>
-    <p:extLst>
-      <p:ext uri="{BB962C8B-B14F-4D97-AF65-F5344CB8AC3E}">
-        <p14:creationId xmlns:p14="http://schemas.microsoft.com/office/powerpoint/2010/main" val="343932116"/>
-      </p:ext>
-    </p:extLst>
   </p:cSld>
   <p:clrMapOvr>
     <a:masterClrMapping/>
@@ -669,7 +1243,7 @@
       </p:grpSpPr>
       <p:sp>
         <p:nvSpPr>
-          <p:cNvPr id="2" name="标题 1"/>
+          <p:cNvPr id="2" name="Title 1"/>
           <p:cNvSpPr>
             <a:spLocks noGrp="1"/>
           </p:cNvSpPr>
@@ -683,16 +1257,16 @@
           <a:lstStyle/>
           <a:p>
             <a:r>
-              <a:rPr lang="zh-CN" altLang="en-US"/>
+              <a:rPr lang="zh-CN" altLang="en-US" smtClean="0"/>
               <a:t>单击此处编辑母版标题样式</a:t>
             </a:r>
-            <a:endParaRPr lang="zh-CN" altLang="en-US"/>
-          </a:p>
-        </p:txBody>
-      </p:sp>
-      <p:sp>
-        <p:nvSpPr>
-          <p:cNvPr id="3" name="内容占位符 2"/>
+            <a:endParaRPr lang="en-US" dirty="0"/>
+          </a:p>
+        </p:txBody>
+      </p:sp>
+      <p:sp>
+        <p:nvSpPr>
+          <p:cNvPr id="3" name="Content Placeholder 2"/>
           <p:cNvSpPr>
             <a:spLocks noGrp="1"/>
           </p:cNvSpPr>
@@ -707,44 +1281,44 @@
           <a:p>
             <a:pPr lvl="0"/>
             <a:r>
-              <a:rPr lang="zh-CN" altLang="en-US"/>
-              <a:t>编辑母版文本样式</a:t>
+              <a:rPr lang="zh-CN" altLang="en-US" smtClean="0"/>
+              <a:t>单击此处编辑母版文本样式</a:t>
             </a:r>
           </a:p>
           <a:p>
             <a:pPr lvl="1"/>
             <a:r>
-              <a:rPr lang="zh-CN" altLang="en-US"/>
-              <a:t>第二级</a:t>
+              <a:rPr lang="zh-CN" altLang="en-US" smtClean="0"/>
+              <a:t>二级</a:t>
             </a:r>
           </a:p>
           <a:p>
             <a:pPr lvl="2"/>
             <a:r>
-              <a:rPr lang="zh-CN" altLang="en-US"/>
-              <a:t>第三级</a:t>
+              <a:rPr lang="zh-CN" altLang="en-US" smtClean="0"/>
+              <a:t>三级</a:t>
             </a:r>
           </a:p>
           <a:p>
             <a:pPr lvl="3"/>
             <a:r>
-              <a:rPr lang="zh-CN" altLang="en-US"/>
-              <a:t>第四级</a:t>
+              <a:rPr lang="zh-CN" altLang="en-US" smtClean="0"/>
+              <a:t>四级</a:t>
             </a:r>
           </a:p>
           <a:p>
             <a:pPr lvl="4"/>
             <a:r>
-              <a:rPr lang="zh-CN" altLang="en-US"/>
-              <a:t>第五级</a:t>
-            </a:r>
-            <a:endParaRPr lang="zh-CN" altLang="en-US"/>
-          </a:p>
-        </p:txBody>
-      </p:sp>
-      <p:sp>
-        <p:nvSpPr>
-          <p:cNvPr id="4" name="日期占位符 3"/>
+              <a:rPr lang="zh-CN" altLang="en-US" smtClean="0"/>
+              <a:t>五级</a:t>
+            </a:r>
+            <a:endParaRPr lang="en-US" dirty="0"/>
+          </a:p>
+        </p:txBody>
+      </p:sp>
+      <p:sp>
+        <p:nvSpPr>
+          <p:cNvPr id="4" name="Date Placeholder 3"/>
           <p:cNvSpPr>
             <a:spLocks noGrp="1"/>
           </p:cNvSpPr>
@@ -759,7 +1333,7 @@
           <a:p>
             <a:fld id="{D3EB90B3-9772-44C6-B209-B94CDEDEB265}" type="datetimeFigureOut">
               <a:rPr lang="zh-CN" altLang="en-US" smtClean="0"/>
-              <a:t>2017/11/30</a:t>
+              <a:t>2017/12/10</a:t>
             </a:fld>
             <a:endParaRPr lang="zh-CN" altLang="en-US"/>
           </a:p>
@@ -767,7 +1341,7 @@
       </p:sp>
       <p:sp>
         <p:nvSpPr>
-          <p:cNvPr id="5" name="页脚占位符 4"/>
+          <p:cNvPr id="5" name="Footer Placeholder 4"/>
           <p:cNvSpPr>
             <a:spLocks noGrp="1"/>
           </p:cNvSpPr>
@@ -786,7 +1360,7 @@
       </p:sp>
       <p:sp>
         <p:nvSpPr>
-          <p:cNvPr id="6" name="灯片编号占位符 5"/>
+          <p:cNvPr id="6" name="Slide Number Placeholder 5"/>
           <p:cNvSpPr>
             <a:spLocks noGrp="1"/>
           </p:cNvSpPr>
@@ -808,11 +1382,6 @@
         </p:txBody>
       </p:sp>
     </p:spTree>
-    <p:extLst>
-      <p:ext uri="{BB962C8B-B14F-4D97-AF65-F5344CB8AC3E}">
-        <p14:creationId xmlns:p14="http://schemas.microsoft.com/office/powerpoint/2010/main" val="953303881"/>
-      </p:ext>
-    </p:extLst>
   </p:cSld>
   <p:clrMapOvr>
     <a:masterClrMapping/>
@@ -839,7 +1408,7 @@
       </p:grpSpPr>
       <p:sp>
         <p:nvSpPr>
-          <p:cNvPr id="2" name="标题 1"/>
+          <p:cNvPr id="2" name="Title 1"/>
           <p:cNvSpPr>
             <a:spLocks noGrp="1"/>
           </p:cNvSpPr>
@@ -849,8 +1418,8 @@
         </p:nvSpPr>
         <p:spPr>
           <a:xfrm>
-            <a:off x="831850" y="1709738"/>
-            <a:ext cx="10515600" cy="2852737"/>
+            <a:off x="623888" y="1709739"/>
+            <a:ext cx="7886700" cy="2852737"/>
           </a:xfrm>
         </p:spPr>
         <p:txBody>
@@ -862,16 +1431,16 @@
           </a:lstStyle>
           <a:p>
             <a:r>
-              <a:rPr lang="zh-CN" altLang="en-US"/>
+              <a:rPr lang="zh-CN" altLang="en-US" smtClean="0"/>
               <a:t>单击此处编辑母版标题样式</a:t>
             </a:r>
-            <a:endParaRPr lang="zh-CN" altLang="en-US"/>
-          </a:p>
-        </p:txBody>
-      </p:sp>
-      <p:sp>
-        <p:nvSpPr>
-          <p:cNvPr id="3" name="文本占位符 2"/>
+            <a:endParaRPr lang="en-US" dirty="0"/>
+          </a:p>
+        </p:txBody>
+      </p:sp>
+      <p:sp>
+        <p:nvSpPr>
+          <p:cNvPr id="3" name="Text Placeholder 2"/>
           <p:cNvSpPr>
             <a:spLocks noGrp="1"/>
           </p:cNvSpPr>
@@ -881,8 +1450,8 @@
         </p:nvSpPr>
         <p:spPr>
           <a:xfrm>
-            <a:off x="831850" y="4589463"/>
-            <a:ext cx="10515600" cy="1500187"/>
+            <a:off x="623888" y="4589464"/>
+            <a:ext cx="7886700" cy="1500187"/>
           </a:xfrm>
         </p:spPr>
         <p:txBody>
@@ -892,9 +1461,7 @@
               <a:buNone/>
               <a:defRPr sz="2400">
                 <a:solidFill>
-                  <a:schemeClr val="tx1">
-                    <a:tint val="75000"/>
-                  </a:schemeClr>
+                  <a:schemeClr val="tx1"/>
                 </a:solidFill>
               </a:defRPr>
             </a:lvl1pPr>
@@ -982,15 +1549,15 @@
           <a:p>
             <a:pPr lvl="0"/>
             <a:r>
-              <a:rPr lang="zh-CN" altLang="en-US"/>
-              <a:t>编辑母版文本样式</a:t>
-            </a:r>
-          </a:p>
-        </p:txBody>
-      </p:sp>
-      <p:sp>
-        <p:nvSpPr>
-          <p:cNvPr id="4" name="日期占位符 3"/>
+              <a:rPr lang="zh-CN" altLang="en-US" smtClean="0"/>
+              <a:t>单击此处编辑母版文本样式</a:t>
+            </a:r>
+          </a:p>
+        </p:txBody>
+      </p:sp>
+      <p:sp>
+        <p:nvSpPr>
+          <p:cNvPr id="4" name="Date Placeholder 3"/>
           <p:cNvSpPr>
             <a:spLocks noGrp="1"/>
           </p:cNvSpPr>
@@ -1005,7 +1572,7 @@
           <a:p>
             <a:fld id="{D3EB90B3-9772-44C6-B209-B94CDEDEB265}" type="datetimeFigureOut">
               <a:rPr lang="zh-CN" altLang="en-US" smtClean="0"/>
-              <a:t>2017/11/30</a:t>
+              <a:t>2017/12/10</a:t>
             </a:fld>
             <a:endParaRPr lang="zh-CN" altLang="en-US"/>
           </a:p>
@@ -1013,7 +1580,7 @@
       </p:sp>
       <p:sp>
         <p:nvSpPr>
-          <p:cNvPr id="5" name="页脚占位符 4"/>
+          <p:cNvPr id="5" name="Footer Placeholder 4"/>
           <p:cNvSpPr>
             <a:spLocks noGrp="1"/>
           </p:cNvSpPr>
@@ -1032,7 +1599,7 @@
       </p:sp>
       <p:sp>
         <p:nvSpPr>
-          <p:cNvPr id="6" name="灯片编号占位符 5"/>
+          <p:cNvPr id="6" name="Slide Number Placeholder 5"/>
           <p:cNvSpPr>
             <a:spLocks noGrp="1"/>
           </p:cNvSpPr>
@@ -1054,11 +1621,6 @@
         </p:txBody>
       </p:sp>
     </p:spTree>
-    <p:extLst>
-      <p:ext uri="{BB962C8B-B14F-4D97-AF65-F5344CB8AC3E}">
-        <p14:creationId xmlns:p14="http://schemas.microsoft.com/office/powerpoint/2010/main" val="4170518028"/>
-      </p:ext>
-    </p:extLst>
   </p:cSld>
   <p:clrMapOvr>
     <a:masterClrMapping/>
@@ -1068,7 +1630,7 @@
 
 <file path=ppt/slideLayouts/slideLayout4.xml><?xml version="1.0" encoding="utf-8"?>
 <p:sldLayout xmlns:a="http://schemas.openxmlformats.org/drawingml/2006/main" xmlns:r="http://schemas.openxmlformats.org/officeDocument/2006/relationships" xmlns:p="http://schemas.openxmlformats.org/presentationml/2006/main" type="twoObj" preserve="1">
-  <p:cSld name="两栏内容">
+  <p:cSld name="两项内容">
     <p:spTree>
       <p:nvGrpSpPr>
         <p:cNvPr id="1" name=""/>
@@ -1085,7 +1647,7 @@
       </p:grpSpPr>
       <p:sp>
         <p:nvSpPr>
-          <p:cNvPr id="2" name="标题 1"/>
+          <p:cNvPr id="2" name="Title 1"/>
           <p:cNvSpPr>
             <a:spLocks noGrp="1"/>
           </p:cNvSpPr>
@@ -1099,16 +1661,16 @@
           <a:lstStyle/>
           <a:p>
             <a:r>
-              <a:rPr lang="zh-CN" altLang="en-US"/>
+              <a:rPr lang="zh-CN" altLang="en-US" smtClean="0"/>
               <a:t>单击此处编辑母版标题样式</a:t>
             </a:r>
-            <a:endParaRPr lang="zh-CN" altLang="en-US"/>
-          </a:p>
-        </p:txBody>
-      </p:sp>
-      <p:sp>
-        <p:nvSpPr>
-          <p:cNvPr id="3" name="内容占位符 2"/>
+            <a:endParaRPr lang="en-US" dirty="0"/>
+          </a:p>
+        </p:txBody>
+      </p:sp>
+      <p:sp>
+        <p:nvSpPr>
+          <p:cNvPr id="3" name="Content Placeholder 2"/>
           <p:cNvSpPr>
             <a:spLocks noGrp="1"/>
           </p:cNvSpPr>
@@ -1118,8 +1680,8 @@
         </p:nvSpPr>
         <p:spPr>
           <a:xfrm>
-            <a:off x="838200" y="1825625"/>
-            <a:ext cx="5181600" cy="4351338"/>
+            <a:off x="628650" y="1825625"/>
+            <a:ext cx="3886200" cy="4351338"/>
           </a:xfrm>
         </p:spPr>
         <p:txBody>
@@ -1128,44 +1690,44 @@
           <a:p>
             <a:pPr lvl="0"/>
             <a:r>
-              <a:rPr lang="zh-CN" altLang="en-US"/>
-              <a:t>编辑母版文本样式</a:t>
+              <a:rPr lang="zh-CN" altLang="en-US" smtClean="0"/>
+              <a:t>单击此处编辑母版文本样式</a:t>
             </a:r>
           </a:p>
           <a:p>
             <a:pPr lvl="1"/>
             <a:r>
-              <a:rPr lang="zh-CN" altLang="en-US"/>
-              <a:t>第二级</a:t>
+              <a:rPr lang="zh-CN" altLang="en-US" smtClean="0"/>
+              <a:t>二级</a:t>
             </a:r>
           </a:p>
           <a:p>
             <a:pPr lvl="2"/>
             <a:r>
-              <a:rPr lang="zh-CN" altLang="en-US"/>
-              <a:t>第三级</a:t>
+              <a:rPr lang="zh-CN" altLang="en-US" smtClean="0"/>
+              <a:t>三级</a:t>
             </a:r>
           </a:p>
           <a:p>
             <a:pPr lvl="3"/>
             <a:r>
-              <a:rPr lang="zh-CN" altLang="en-US"/>
-              <a:t>第四级</a:t>
+              <a:rPr lang="zh-CN" altLang="en-US" smtClean="0"/>
+              <a:t>四级</a:t>
             </a:r>
           </a:p>
           <a:p>
             <a:pPr lvl="4"/>
             <a:r>
-              <a:rPr lang="zh-CN" altLang="en-US"/>
-              <a:t>第五级</a:t>
-            </a:r>
-            <a:endParaRPr lang="zh-CN" altLang="en-US"/>
-          </a:p>
-        </p:txBody>
-      </p:sp>
-      <p:sp>
-        <p:nvSpPr>
-          <p:cNvPr id="4" name="内容占位符 3"/>
+              <a:rPr lang="zh-CN" altLang="en-US" smtClean="0"/>
+              <a:t>五级</a:t>
+            </a:r>
+            <a:endParaRPr lang="en-US" dirty="0"/>
+          </a:p>
+        </p:txBody>
+      </p:sp>
+      <p:sp>
+        <p:nvSpPr>
+          <p:cNvPr id="4" name="Content Placeholder 3"/>
           <p:cNvSpPr>
             <a:spLocks noGrp="1"/>
           </p:cNvSpPr>
@@ -1175,8 +1737,8 @@
         </p:nvSpPr>
         <p:spPr>
           <a:xfrm>
-            <a:off x="6172200" y="1825625"/>
-            <a:ext cx="5181600" cy="4351338"/>
+            <a:off x="4629150" y="1825625"/>
+            <a:ext cx="3886200" cy="4351338"/>
           </a:xfrm>
         </p:spPr>
         <p:txBody>
@@ -1185,44 +1747,44 @@
           <a:p>
             <a:pPr lvl="0"/>
             <a:r>
-              <a:rPr lang="zh-CN" altLang="en-US"/>
-              <a:t>编辑母版文本样式</a:t>
+              <a:rPr lang="zh-CN" altLang="en-US" smtClean="0"/>
+              <a:t>单击此处编辑母版文本样式</a:t>
             </a:r>
           </a:p>
           <a:p>
             <a:pPr lvl="1"/>
             <a:r>
-              <a:rPr lang="zh-CN" altLang="en-US"/>
-              <a:t>第二级</a:t>
+              <a:rPr lang="zh-CN" altLang="en-US" smtClean="0"/>
+              <a:t>二级</a:t>
             </a:r>
           </a:p>
           <a:p>
             <a:pPr lvl="2"/>
             <a:r>
-              <a:rPr lang="zh-CN" altLang="en-US"/>
-              <a:t>第三级</a:t>
+              <a:rPr lang="zh-CN" altLang="en-US" smtClean="0"/>
+              <a:t>三级</a:t>
             </a:r>
           </a:p>
           <a:p>
             <a:pPr lvl="3"/>
             <a:r>
-              <a:rPr lang="zh-CN" altLang="en-US"/>
-              <a:t>第四级</a:t>
+              <a:rPr lang="zh-CN" altLang="en-US" smtClean="0"/>
+              <a:t>四级</a:t>
             </a:r>
           </a:p>
           <a:p>
             <a:pPr lvl="4"/>
             <a:r>
-              <a:rPr lang="zh-CN" altLang="en-US"/>
-              <a:t>第五级</a:t>
-            </a:r>
-            <a:endParaRPr lang="zh-CN" altLang="en-US"/>
-          </a:p>
-        </p:txBody>
-      </p:sp>
-      <p:sp>
-        <p:nvSpPr>
-          <p:cNvPr id="5" name="日期占位符 4"/>
+              <a:rPr lang="zh-CN" altLang="en-US" smtClean="0"/>
+              <a:t>五级</a:t>
+            </a:r>
+            <a:endParaRPr lang="en-US" dirty="0"/>
+          </a:p>
+        </p:txBody>
+      </p:sp>
+      <p:sp>
+        <p:nvSpPr>
+          <p:cNvPr id="5" name="Date Placeholder 4"/>
           <p:cNvSpPr>
             <a:spLocks noGrp="1"/>
           </p:cNvSpPr>
@@ -1237,7 +1799,7 @@
           <a:p>
             <a:fld id="{D3EB90B3-9772-44C6-B209-B94CDEDEB265}" type="datetimeFigureOut">
               <a:rPr lang="zh-CN" altLang="en-US" smtClean="0"/>
-              <a:t>2017/11/30</a:t>
+              <a:t>2017/12/10</a:t>
             </a:fld>
             <a:endParaRPr lang="zh-CN" altLang="en-US"/>
           </a:p>
@@ -1245,7 +1807,7 @@
       </p:sp>
       <p:sp>
         <p:nvSpPr>
-          <p:cNvPr id="6" name="页脚占位符 5"/>
+          <p:cNvPr id="6" name="Footer Placeholder 5"/>
           <p:cNvSpPr>
             <a:spLocks noGrp="1"/>
           </p:cNvSpPr>
@@ -1264,7 +1826,7 @@
       </p:sp>
       <p:sp>
         <p:nvSpPr>
-          <p:cNvPr id="7" name="灯片编号占位符 6"/>
+          <p:cNvPr id="7" name="Slide Number Placeholder 6"/>
           <p:cNvSpPr>
             <a:spLocks noGrp="1"/>
           </p:cNvSpPr>
@@ -1286,11 +1848,6 @@
         </p:txBody>
       </p:sp>
     </p:spTree>
-    <p:extLst>
-      <p:ext uri="{BB962C8B-B14F-4D97-AF65-F5344CB8AC3E}">
-        <p14:creationId xmlns:p14="http://schemas.microsoft.com/office/powerpoint/2010/main" val="2680277774"/>
-      </p:ext>
-    </p:extLst>
   </p:cSld>
   <p:clrMapOvr>
     <a:masterClrMapping/>
@@ -1317,7 +1874,7 @@
       </p:grpSpPr>
       <p:sp>
         <p:nvSpPr>
-          <p:cNvPr id="2" name="标题 1"/>
+          <p:cNvPr id="2" name="Title 1"/>
           <p:cNvSpPr>
             <a:spLocks noGrp="1"/>
           </p:cNvSpPr>
@@ -1327,8 +1884,8 @@
         </p:nvSpPr>
         <p:spPr>
           <a:xfrm>
-            <a:off x="839788" y="365125"/>
-            <a:ext cx="10515600" cy="1325563"/>
+            <a:off x="629841" y="365126"/>
+            <a:ext cx="7886700" cy="1325563"/>
           </a:xfrm>
         </p:spPr>
         <p:txBody>
@@ -1336,16 +1893,16 @@
           <a:lstStyle/>
           <a:p>
             <a:r>
-              <a:rPr lang="zh-CN" altLang="en-US"/>
+              <a:rPr lang="zh-CN" altLang="en-US" smtClean="0"/>
               <a:t>单击此处编辑母版标题样式</a:t>
             </a:r>
-            <a:endParaRPr lang="zh-CN" altLang="en-US"/>
-          </a:p>
-        </p:txBody>
-      </p:sp>
-      <p:sp>
-        <p:nvSpPr>
-          <p:cNvPr id="3" name="文本占位符 2"/>
+            <a:endParaRPr lang="en-US" dirty="0"/>
+          </a:p>
+        </p:txBody>
+      </p:sp>
+      <p:sp>
+        <p:nvSpPr>
+          <p:cNvPr id="3" name="Text Placeholder 2"/>
           <p:cNvSpPr>
             <a:spLocks noGrp="1"/>
           </p:cNvSpPr>
@@ -1355,8 +1912,8 @@
         </p:nvSpPr>
         <p:spPr>
           <a:xfrm>
-            <a:off x="839788" y="1681163"/>
-            <a:ext cx="5157787" cy="823912"/>
+            <a:off x="629842" y="1681163"/>
+            <a:ext cx="3868340" cy="823912"/>
           </a:xfrm>
         </p:spPr>
         <p:txBody>
@@ -1402,15 +1959,15 @@
           <a:p>
             <a:pPr lvl="0"/>
             <a:r>
-              <a:rPr lang="zh-CN" altLang="en-US"/>
-              <a:t>编辑母版文本样式</a:t>
-            </a:r>
-          </a:p>
-        </p:txBody>
-      </p:sp>
-      <p:sp>
-        <p:nvSpPr>
-          <p:cNvPr id="4" name="内容占位符 3"/>
+              <a:rPr lang="zh-CN" altLang="en-US" smtClean="0"/>
+              <a:t>单击此处编辑母版文本样式</a:t>
+            </a:r>
+          </a:p>
+        </p:txBody>
+      </p:sp>
+      <p:sp>
+        <p:nvSpPr>
+          <p:cNvPr id="4" name="Content Placeholder 3"/>
           <p:cNvSpPr>
             <a:spLocks noGrp="1"/>
           </p:cNvSpPr>
@@ -1420,8 +1977,8 @@
         </p:nvSpPr>
         <p:spPr>
           <a:xfrm>
-            <a:off x="839788" y="2505075"/>
-            <a:ext cx="5157787" cy="3684588"/>
+            <a:off x="629842" y="2505075"/>
+            <a:ext cx="3868340" cy="3684588"/>
           </a:xfrm>
         </p:spPr>
         <p:txBody>
@@ -1430,44 +1987,44 @@
           <a:p>
             <a:pPr lvl="0"/>
             <a:r>
-              <a:rPr lang="zh-CN" altLang="en-US"/>
-              <a:t>编辑母版文本样式</a:t>
+              <a:rPr lang="zh-CN" altLang="en-US" smtClean="0"/>
+              <a:t>单击此处编辑母版文本样式</a:t>
             </a:r>
           </a:p>
           <a:p>
             <a:pPr lvl="1"/>
             <a:r>
-              <a:rPr lang="zh-CN" altLang="en-US"/>
-              <a:t>第二级</a:t>
+              <a:rPr lang="zh-CN" altLang="en-US" smtClean="0"/>
+              <a:t>二级</a:t>
             </a:r>
           </a:p>
           <a:p>
             <a:pPr lvl="2"/>
             <a:r>
-              <a:rPr lang="zh-CN" altLang="en-US"/>
-              <a:t>第三级</a:t>
+              <a:rPr lang="zh-CN" altLang="en-US" smtClean="0"/>
+              <a:t>三级</a:t>
             </a:r>
           </a:p>
           <a:p>
             <a:pPr lvl="3"/>
             <a:r>
-              <a:rPr lang="zh-CN" altLang="en-US"/>
-              <a:t>第四级</a:t>
+              <a:rPr lang="zh-CN" altLang="en-US" smtClean="0"/>
+              <a:t>四级</a:t>
             </a:r>
           </a:p>
           <a:p>
             <a:pPr lvl="4"/>
             <a:r>
-              <a:rPr lang="zh-CN" altLang="en-US"/>
-              <a:t>第五级</a:t>
-            </a:r>
-            <a:endParaRPr lang="zh-CN" altLang="en-US"/>
-          </a:p>
-        </p:txBody>
-      </p:sp>
-      <p:sp>
-        <p:nvSpPr>
-          <p:cNvPr id="5" name="文本占位符 4"/>
+              <a:rPr lang="zh-CN" altLang="en-US" smtClean="0"/>
+              <a:t>五级</a:t>
+            </a:r>
+            <a:endParaRPr lang="en-US" dirty="0"/>
+          </a:p>
+        </p:txBody>
+      </p:sp>
+      <p:sp>
+        <p:nvSpPr>
+          <p:cNvPr id="5" name="Text Placeholder 4"/>
           <p:cNvSpPr>
             <a:spLocks noGrp="1"/>
           </p:cNvSpPr>
@@ -1477,8 +2034,8 @@
         </p:nvSpPr>
         <p:spPr>
           <a:xfrm>
-            <a:off x="6172200" y="1681163"/>
-            <a:ext cx="5183188" cy="823912"/>
+            <a:off x="4629150" y="1681163"/>
+            <a:ext cx="3887391" cy="823912"/>
           </a:xfrm>
         </p:spPr>
         <p:txBody>
@@ -1524,15 +2081,15 @@
           <a:p>
             <a:pPr lvl="0"/>
             <a:r>
-              <a:rPr lang="zh-CN" altLang="en-US"/>
-              <a:t>编辑母版文本样式</a:t>
-            </a:r>
-          </a:p>
-        </p:txBody>
-      </p:sp>
-      <p:sp>
-        <p:nvSpPr>
-          <p:cNvPr id="6" name="内容占位符 5"/>
+              <a:rPr lang="zh-CN" altLang="en-US" smtClean="0"/>
+              <a:t>单击此处编辑母版文本样式</a:t>
+            </a:r>
+          </a:p>
+        </p:txBody>
+      </p:sp>
+      <p:sp>
+        <p:nvSpPr>
+          <p:cNvPr id="6" name="Content Placeholder 5"/>
           <p:cNvSpPr>
             <a:spLocks noGrp="1"/>
           </p:cNvSpPr>
@@ -1542,8 +2099,8 @@
         </p:nvSpPr>
         <p:spPr>
           <a:xfrm>
-            <a:off x="6172200" y="2505075"/>
-            <a:ext cx="5183188" cy="3684588"/>
+            <a:off x="4629150" y="2505075"/>
+            <a:ext cx="3887391" cy="3684588"/>
           </a:xfrm>
         </p:spPr>
         <p:txBody>
@@ -1552,44 +2109,44 @@
           <a:p>
             <a:pPr lvl="0"/>
             <a:r>
-              <a:rPr lang="zh-CN" altLang="en-US"/>
-              <a:t>编辑母版文本样式</a:t>
+              <a:rPr lang="zh-CN" altLang="en-US" smtClean="0"/>
+              <a:t>单击此处编辑母版文本样式</a:t>
             </a:r>
           </a:p>
           <a:p>
             <a:pPr lvl="1"/>
             <a:r>
-              <a:rPr lang="zh-CN" altLang="en-US"/>
-              <a:t>第二级</a:t>
+              <a:rPr lang="zh-CN" altLang="en-US" smtClean="0"/>
+              <a:t>二级</a:t>
             </a:r>
           </a:p>
           <a:p>
             <a:pPr lvl="2"/>
             <a:r>
-              <a:rPr lang="zh-CN" altLang="en-US"/>
-              <a:t>第三级</a:t>
+              <a:rPr lang="zh-CN" altLang="en-US" smtClean="0"/>
+              <a:t>三级</a:t>
             </a:r>
           </a:p>
           <a:p>
             <a:pPr lvl="3"/>
             <a:r>
-              <a:rPr lang="zh-CN" altLang="en-US"/>
-              <a:t>第四级</a:t>
+              <a:rPr lang="zh-CN" altLang="en-US" smtClean="0"/>
+              <a:t>四级</a:t>
             </a:r>
           </a:p>
           <a:p>
             <a:pPr lvl="4"/>
             <a:r>
-              <a:rPr lang="zh-CN" altLang="en-US"/>
-              <a:t>第五级</a:t>
-            </a:r>
-            <a:endParaRPr lang="zh-CN" altLang="en-US"/>
-          </a:p>
-        </p:txBody>
-      </p:sp>
-      <p:sp>
-        <p:nvSpPr>
-          <p:cNvPr id="7" name="日期占位符 6"/>
+              <a:rPr lang="zh-CN" altLang="en-US" smtClean="0"/>
+              <a:t>五级</a:t>
+            </a:r>
+            <a:endParaRPr lang="en-US" dirty="0"/>
+          </a:p>
+        </p:txBody>
+      </p:sp>
+      <p:sp>
+        <p:nvSpPr>
+          <p:cNvPr id="7" name="Date Placeholder 6"/>
           <p:cNvSpPr>
             <a:spLocks noGrp="1"/>
           </p:cNvSpPr>
@@ -1604,7 +2161,7 @@
           <a:p>
             <a:fld id="{D3EB90B3-9772-44C6-B209-B94CDEDEB265}" type="datetimeFigureOut">
               <a:rPr lang="zh-CN" altLang="en-US" smtClean="0"/>
-              <a:t>2017/11/30</a:t>
+              <a:t>2017/12/10</a:t>
             </a:fld>
             <a:endParaRPr lang="zh-CN" altLang="en-US"/>
           </a:p>
@@ -1612,7 +2169,7 @@
       </p:sp>
       <p:sp>
         <p:nvSpPr>
-          <p:cNvPr id="8" name="页脚占位符 7"/>
+          <p:cNvPr id="8" name="Footer Placeholder 7"/>
           <p:cNvSpPr>
             <a:spLocks noGrp="1"/>
           </p:cNvSpPr>
@@ -1631,7 +2188,7 @@
       </p:sp>
       <p:sp>
         <p:nvSpPr>
-          <p:cNvPr id="9" name="灯片编号占位符 8"/>
+          <p:cNvPr id="9" name="Slide Number Placeholder 8"/>
           <p:cNvSpPr>
             <a:spLocks noGrp="1"/>
           </p:cNvSpPr>
@@ -1653,11 +2210,6 @@
         </p:txBody>
       </p:sp>
     </p:spTree>
-    <p:extLst>
-      <p:ext uri="{BB962C8B-B14F-4D97-AF65-F5344CB8AC3E}">
-        <p14:creationId xmlns:p14="http://schemas.microsoft.com/office/powerpoint/2010/main" val="2188575693"/>
-      </p:ext>
-    </p:extLst>
   </p:cSld>
   <p:clrMapOvr>
     <a:masterClrMapping/>
@@ -1684,7 +2236,7 @@
       </p:grpSpPr>
       <p:sp>
         <p:nvSpPr>
-          <p:cNvPr id="2" name="标题 1"/>
+          <p:cNvPr id="2" name="Title 1"/>
           <p:cNvSpPr>
             <a:spLocks noGrp="1"/>
           </p:cNvSpPr>
@@ -1698,16 +2250,16 @@
           <a:lstStyle/>
           <a:p>
             <a:r>
-              <a:rPr lang="zh-CN" altLang="en-US"/>
+              <a:rPr lang="zh-CN" altLang="en-US" smtClean="0"/>
               <a:t>单击此处编辑母版标题样式</a:t>
             </a:r>
-            <a:endParaRPr lang="zh-CN" altLang="en-US"/>
-          </a:p>
-        </p:txBody>
-      </p:sp>
-      <p:sp>
-        <p:nvSpPr>
-          <p:cNvPr id="3" name="日期占位符 2"/>
+            <a:endParaRPr lang="en-US" dirty="0"/>
+          </a:p>
+        </p:txBody>
+      </p:sp>
+      <p:sp>
+        <p:nvSpPr>
+          <p:cNvPr id="3" name="Date Placeholder 2"/>
           <p:cNvSpPr>
             <a:spLocks noGrp="1"/>
           </p:cNvSpPr>
@@ -1722,7 +2274,7 @@
           <a:p>
             <a:fld id="{D3EB90B3-9772-44C6-B209-B94CDEDEB265}" type="datetimeFigureOut">
               <a:rPr lang="zh-CN" altLang="en-US" smtClean="0"/>
-              <a:t>2017/11/30</a:t>
+              <a:t>2017/12/10</a:t>
             </a:fld>
             <a:endParaRPr lang="zh-CN" altLang="en-US"/>
           </a:p>
@@ -1730,7 +2282,7 @@
       </p:sp>
       <p:sp>
         <p:nvSpPr>
-          <p:cNvPr id="4" name="页脚占位符 3"/>
+          <p:cNvPr id="4" name="Footer Placeholder 3"/>
           <p:cNvSpPr>
             <a:spLocks noGrp="1"/>
           </p:cNvSpPr>
@@ -1749,7 +2301,7 @@
       </p:sp>
       <p:sp>
         <p:nvSpPr>
-          <p:cNvPr id="5" name="灯片编号占位符 4"/>
+          <p:cNvPr id="5" name="Slide Number Placeholder 4"/>
           <p:cNvSpPr>
             <a:spLocks noGrp="1"/>
           </p:cNvSpPr>
@@ -1771,11 +2323,6 @@
         </p:txBody>
       </p:sp>
     </p:spTree>
-    <p:extLst>
-      <p:ext uri="{BB962C8B-B14F-4D97-AF65-F5344CB8AC3E}">
-        <p14:creationId xmlns:p14="http://schemas.microsoft.com/office/powerpoint/2010/main" val="3133699108"/>
-      </p:ext>
-    </p:extLst>
   </p:cSld>
   <p:clrMapOvr>
     <a:masterClrMapping/>
@@ -1802,7 +2349,7 @@
       </p:grpSpPr>
       <p:sp>
         <p:nvSpPr>
-          <p:cNvPr id="2" name="日期占位符 1"/>
+          <p:cNvPr id="2" name="Date Placeholder 1"/>
           <p:cNvSpPr>
             <a:spLocks noGrp="1"/>
           </p:cNvSpPr>
@@ -1817,7 +2364,7 @@
           <a:p>
             <a:fld id="{D3EB90B3-9772-44C6-B209-B94CDEDEB265}" type="datetimeFigureOut">
               <a:rPr lang="zh-CN" altLang="en-US" smtClean="0"/>
-              <a:t>2017/11/30</a:t>
+              <a:t>2017/12/10</a:t>
             </a:fld>
             <a:endParaRPr lang="zh-CN" altLang="en-US"/>
           </a:p>
@@ -1825,7 +2372,7 @@
       </p:sp>
       <p:sp>
         <p:nvSpPr>
-          <p:cNvPr id="3" name="页脚占位符 2"/>
+          <p:cNvPr id="3" name="Footer Placeholder 2"/>
           <p:cNvSpPr>
             <a:spLocks noGrp="1"/>
           </p:cNvSpPr>
@@ -1844,7 +2391,7 @@
       </p:sp>
       <p:sp>
         <p:nvSpPr>
-          <p:cNvPr id="4" name="灯片编号占位符 3"/>
+          <p:cNvPr id="4" name="Slide Number Placeholder 3"/>
           <p:cNvSpPr>
             <a:spLocks noGrp="1"/>
           </p:cNvSpPr>
@@ -1866,11 +2413,6 @@
         </p:txBody>
       </p:sp>
     </p:spTree>
-    <p:extLst>
-      <p:ext uri="{BB962C8B-B14F-4D97-AF65-F5344CB8AC3E}">
-        <p14:creationId xmlns:p14="http://schemas.microsoft.com/office/powerpoint/2010/main" val="958787196"/>
-      </p:ext>
-    </p:extLst>
   </p:cSld>
   <p:clrMapOvr>
     <a:masterClrMapping/>
@@ -1897,7 +2439,7 @@
       </p:grpSpPr>
       <p:sp>
         <p:nvSpPr>
-          <p:cNvPr id="2" name="标题 1"/>
+          <p:cNvPr id="2" name="Title 1"/>
           <p:cNvSpPr>
             <a:spLocks noGrp="1"/>
           </p:cNvSpPr>
@@ -1907,8 +2449,8 @@
         </p:nvSpPr>
         <p:spPr>
           <a:xfrm>
-            <a:off x="839788" y="457200"/>
-            <a:ext cx="3932237" cy="1600200"/>
+            <a:off x="629841" y="457200"/>
+            <a:ext cx="2949178" cy="1600200"/>
           </a:xfrm>
         </p:spPr>
         <p:txBody>
@@ -1920,16 +2462,16 @@
           </a:lstStyle>
           <a:p>
             <a:r>
-              <a:rPr lang="zh-CN" altLang="en-US"/>
+              <a:rPr lang="zh-CN" altLang="en-US" smtClean="0"/>
               <a:t>单击此处编辑母版标题样式</a:t>
             </a:r>
-            <a:endParaRPr lang="zh-CN" altLang="en-US"/>
-          </a:p>
-        </p:txBody>
-      </p:sp>
-      <p:sp>
-        <p:nvSpPr>
-          <p:cNvPr id="3" name="内容占位符 2"/>
+            <a:endParaRPr lang="en-US" dirty="0"/>
+          </a:p>
+        </p:txBody>
+      </p:sp>
+      <p:sp>
+        <p:nvSpPr>
+          <p:cNvPr id="3" name="Content Placeholder 2"/>
           <p:cNvSpPr>
             <a:spLocks noGrp="1"/>
           </p:cNvSpPr>
@@ -1939,8 +2481,8 @@
         </p:nvSpPr>
         <p:spPr>
           <a:xfrm>
-            <a:off x="5183188" y="987425"/>
-            <a:ext cx="6172200" cy="4873625"/>
+            <a:off x="3887391" y="987426"/>
+            <a:ext cx="4629150" cy="4873625"/>
           </a:xfrm>
         </p:spPr>
         <p:txBody>
@@ -1977,44 +2519,44 @@
           <a:p>
             <a:pPr lvl="0"/>
             <a:r>
-              <a:rPr lang="zh-CN" altLang="en-US"/>
-              <a:t>编辑母版文本样式</a:t>
+              <a:rPr lang="zh-CN" altLang="en-US" smtClean="0"/>
+              <a:t>单击此处编辑母版文本样式</a:t>
             </a:r>
           </a:p>
           <a:p>
             <a:pPr lvl="1"/>
             <a:r>
-              <a:rPr lang="zh-CN" altLang="en-US"/>
-              <a:t>第二级</a:t>
+              <a:rPr lang="zh-CN" altLang="en-US" smtClean="0"/>
+              <a:t>二级</a:t>
             </a:r>
           </a:p>
           <a:p>
             <a:pPr lvl="2"/>
             <a:r>
-              <a:rPr lang="zh-CN" altLang="en-US"/>
-              <a:t>第三级</a:t>
+              <a:rPr lang="zh-CN" altLang="en-US" smtClean="0"/>
+              <a:t>三级</a:t>
             </a:r>
           </a:p>
           <a:p>
             <a:pPr lvl="3"/>
             <a:r>
-              <a:rPr lang="zh-CN" altLang="en-US"/>
-              <a:t>第四级</a:t>
+              <a:rPr lang="zh-CN" altLang="en-US" smtClean="0"/>
+              <a:t>四级</a:t>
             </a:r>
           </a:p>
           <a:p>
             <a:pPr lvl="4"/>
             <a:r>
-              <a:rPr lang="zh-CN" altLang="en-US"/>
-              <a:t>第五级</a:t>
-            </a:r>
-            <a:endParaRPr lang="zh-CN" altLang="en-US"/>
-          </a:p>
-        </p:txBody>
-      </p:sp>
-      <p:sp>
-        <p:nvSpPr>
-          <p:cNvPr id="4" name="文本占位符 3"/>
+              <a:rPr lang="zh-CN" altLang="en-US" smtClean="0"/>
+              <a:t>五级</a:t>
+            </a:r>
+            <a:endParaRPr lang="en-US" dirty="0"/>
+          </a:p>
+        </p:txBody>
+      </p:sp>
+      <p:sp>
+        <p:nvSpPr>
+          <p:cNvPr id="4" name="Text Placeholder 3"/>
           <p:cNvSpPr>
             <a:spLocks noGrp="1"/>
           </p:cNvSpPr>
@@ -2024,8 +2566,8 @@
         </p:nvSpPr>
         <p:spPr>
           <a:xfrm>
-            <a:off x="839788" y="2057400"/>
-            <a:ext cx="3932237" cy="3811588"/>
+            <a:off x="629841" y="2057400"/>
+            <a:ext cx="2949178" cy="3811588"/>
           </a:xfrm>
         </p:spPr>
         <p:txBody>
@@ -2071,15 +2613,15 @@
           <a:p>
             <a:pPr lvl="0"/>
             <a:r>
-              <a:rPr lang="zh-CN" altLang="en-US"/>
-              <a:t>编辑母版文本样式</a:t>
-            </a:r>
-          </a:p>
-        </p:txBody>
-      </p:sp>
-      <p:sp>
-        <p:nvSpPr>
-          <p:cNvPr id="5" name="日期占位符 4"/>
+              <a:rPr lang="zh-CN" altLang="en-US" smtClean="0"/>
+              <a:t>单击此处编辑母版文本样式</a:t>
+            </a:r>
+          </a:p>
+        </p:txBody>
+      </p:sp>
+      <p:sp>
+        <p:nvSpPr>
+          <p:cNvPr id="5" name="Date Placeholder 4"/>
           <p:cNvSpPr>
             <a:spLocks noGrp="1"/>
           </p:cNvSpPr>
@@ -2094,7 +2636,7 @@
           <a:p>
             <a:fld id="{D3EB90B3-9772-44C6-B209-B94CDEDEB265}" type="datetimeFigureOut">
               <a:rPr lang="zh-CN" altLang="en-US" smtClean="0"/>
-              <a:t>2017/11/30</a:t>
+              <a:t>2017/12/10</a:t>
             </a:fld>
             <a:endParaRPr lang="zh-CN" altLang="en-US"/>
           </a:p>
@@ -2102,7 +2644,7 @@
       </p:sp>
       <p:sp>
         <p:nvSpPr>
-          <p:cNvPr id="6" name="页脚占位符 5"/>
+          <p:cNvPr id="6" name="Footer Placeholder 5"/>
           <p:cNvSpPr>
             <a:spLocks noGrp="1"/>
           </p:cNvSpPr>
@@ -2121,7 +2663,7 @@
       </p:sp>
       <p:sp>
         <p:nvSpPr>
-          <p:cNvPr id="7" name="灯片编号占位符 6"/>
+          <p:cNvPr id="7" name="Slide Number Placeholder 6"/>
           <p:cNvSpPr>
             <a:spLocks noGrp="1"/>
           </p:cNvSpPr>
@@ -2143,11 +2685,6 @@
         </p:txBody>
       </p:sp>
     </p:spTree>
-    <p:extLst>
-      <p:ext uri="{BB962C8B-B14F-4D97-AF65-F5344CB8AC3E}">
-        <p14:creationId xmlns:p14="http://schemas.microsoft.com/office/powerpoint/2010/main" val="1239729313"/>
-      </p:ext>
-    </p:extLst>
   </p:cSld>
   <p:clrMapOvr>
     <a:masterClrMapping/>
@@ -2174,7 +2711,7 @@
       </p:grpSpPr>
       <p:sp>
         <p:nvSpPr>
-          <p:cNvPr id="2" name="标题 1"/>
+          <p:cNvPr id="2" name="Title 1"/>
           <p:cNvSpPr>
             <a:spLocks noGrp="1"/>
           </p:cNvSpPr>
@@ -2184,8 +2721,8 @@
         </p:nvSpPr>
         <p:spPr>
           <a:xfrm>
-            <a:off x="839788" y="457200"/>
-            <a:ext cx="3932237" cy="1600200"/>
+            <a:off x="629841" y="457200"/>
+            <a:ext cx="2949178" cy="1600200"/>
           </a:xfrm>
         </p:spPr>
         <p:txBody>
@@ -2197,18 +2734,18 @@
           </a:lstStyle>
           <a:p>
             <a:r>
-              <a:rPr lang="zh-CN" altLang="en-US"/>
+              <a:rPr lang="zh-CN" altLang="en-US" smtClean="0"/>
               <a:t>单击此处编辑母版标题样式</a:t>
             </a:r>
-            <a:endParaRPr lang="zh-CN" altLang="en-US"/>
-          </a:p>
-        </p:txBody>
-      </p:sp>
-      <p:sp>
-        <p:nvSpPr>
-          <p:cNvPr id="3" name="图片占位符 2"/>
-          <p:cNvSpPr>
-            <a:spLocks noGrp="1"/>
+            <a:endParaRPr lang="en-US" dirty="0"/>
+          </a:p>
+        </p:txBody>
+      </p:sp>
+      <p:sp>
+        <p:nvSpPr>
+          <p:cNvPr id="3" name="Picture Placeholder 2"/>
+          <p:cNvSpPr>
+            <a:spLocks noGrp="1" noChangeAspect="1"/>
           </p:cNvSpPr>
           <p:nvPr>
             <p:ph type="pic" idx="1"/>
@@ -2216,12 +2753,12 @@
         </p:nvSpPr>
         <p:spPr>
           <a:xfrm>
-            <a:off x="5183188" y="987425"/>
-            <a:ext cx="6172200" cy="4873625"/>
-          </a:xfrm>
-        </p:spPr>
-        <p:txBody>
-          <a:bodyPr/>
+            <a:off x="3887391" y="987426"/>
+            <a:ext cx="4629150" cy="4873625"/>
+          </a:xfrm>
+        </p:spPr>
+        <p:txBody>
+          <a:bodyPr anchor="t"/>
           <a:lstStyle>
             <a:lvl1pPr marL="0" indent="0">
               <a:buNone/>
@@ -2261,13 +2798,17 @@
             </a:lvl9pPr>
           </a:lstStyle>
           <a:p>
-            <a:endParaRPr lang="zh-CN" altLang="en-US"/>
-          </a:p>
-        </p:txBody>
-      </p:sp>
-      <p:sp>
-        <p:nvSpPr>
-          <p:cNvPr id="4" name="文本占位符 3"/>
+            <a:r>
+              <a:rPr lang="zh-CN" altLang="en-US" smtClean="0"/>
+              <a:t>将图片拖动到占位符，或单击添加图标</a:t>
+            </a:r>
+            <a:endParaRPr lang="en-US" dirty="0"/>
+          </a:p>
+        </p:txBody>
+      </p:sp>
+      <p:sp>
+        <p:nvSpPr>
+          <p:cNvPr id="4" name="Text Placeholder 3"/>
           <p:cNvSpPr>
             <a:spLocks noGrp="1"/>
           </p:cNvSpPr>
@@ -2277,8 +2818,8 @@
         </p:nvSpPr>
         <p:spPr>
           <a:xfrm>
-            <a:off x="839788" y="2057400"/>
-            <a:ext cx="3932237" cy="3811588"/>
+            <a:off x="629841" y="2057400"/>
+            <a:ext cx="2949178" cy="3811588"/>
           </a:xfrm>
         </p:spPr>
         <p:txBody>
@@ -2324,15 +2865,15 @@
           <a:p>
             <a:pPr lvl="0"/>
             <a:r>
-              <a:rPr lang="zh-CN" altLang="en-US"/>
-              <a:t>编辑母版文本样式</a:t>
-            </a:r>
-          </a:p>
-        </p:txBody>
-      </p:sp>
-      <p:sp>
-        <p:nvSpPr>
-          <p:cNvPr id="5" name="日期占位符 4"/>
+              <a:rPr lang="zh-CN" altLang="en-US" smtClean="0"/>
+              <a:t>单击此处编辑母版文本样式</a:t>
+            </a:r>
+          </a:p>
+        </p:txBody>
+      </p:sp>
+      <p:sp>
+        <p:nvSpPr>
+          <p:cNvPr id="5" name="Date Placeholder 4"/>
           <p:cNvSpPr>
             <a:spLocks noGrp="1"/>
           </p:cNvSpPr>
@@ -2347,7 +2888,7 @@
           <a:p>
             <a:fld id="{D3EB90B3-9772-44C6-B209-B94CDEDEB265}" type="datetimeFigureOut">
               <a:rPr lang="zh-CN" altLang="en-US" smtClean="0"/>
-              <a:t>2017/11/30</a:t>
+              <a:t>2017/12/10</a:t>
             </a:fld>
             <a:endParaRPr lang="zh-CN" altLang="en-US"/>
           </a:p>
@@ -2355,7 +2896,7 @@
       </p:sp>
       <p:sp>
         <p:nvSpPr>
-          <p:cNvPr id="6" name="页脚占位符 5"/>
+          <p:cNvPr id="6" name="Footer Placeholder 5"/>
           <p:cNvSpPr>
             <a:spLocks noGrp="1"/>
           </p:cNvSpPr>
@@ -2374,7 +2915,7 @@
       </p:sp>
       <p:sp>
         <p:nvSpPr>
-          <p:cNvPr id="7" name="灯片编号占位符 6"/>
+          <p:cNvPr id="7" name="Slide Number Placeholder 6"/>
           <p:cNvSpPr>
             <a:spLocks noGrp="1"/>
           </p:cNvSpPr>
@@ -2396,11 +2937,6 @@
         </p:txBody>
       </p:sp>
     </p:spTree>
-    <p:extLst>
-      <p:ext uri="{BB962C8B-B14F-4D97-AF65-F5344CB8AC3E}">
-        <p14:creationId xmlns:p14="http://schemas.microsoft.com/office/powerpoint/2010/main" val="987042307"/>
-      </p:ext>
-    </p:extLst>
   </p:cSld>
   <p:clrMapOvr>
     <a:masterClrMapping/>
@@ -2419,7 +2955,7 @@
           </a:blip>
           <a:srcRect/>
           <a:stretch>
-            <a:fillRect/>
+            <a:fillRect l="-17000" r="-17000"/>
           </a:stretch>
         </a:blipFill>
         <a:effectLst/>
@@ -2441,7 +2977,7 @@
       </p:grpSpPr>
       <p:sp>
         <p:nvSpPr>
-          <p:cNvPr id="2" name="标题占位符 1"/>
+          <p:cNvPr id="2" name="Title Placeholder 1"/>
           <p:cNvSpPr>
             <a:spLocks noGrp="1"/>
           </p:cNvSpPr>
@@ -2451,8 +2987,8 @@
         </p:nvSpPr>
         <p:spPr>
           <a:xfrm>
-            <a:off x="838200" y="365125"/>
-            <a:ext cx="10515600" cy="1325563"/>
+            <a:off x="628650" y="365126"/>
+            <a:ext cx="7886700" cy="1325563"/>
           </a:xfrm>
           <a:prstGeom prst="rect">
             <a:avLst/>
@@ -2465,16 +3001,16 @@
           <a:lstStyle/>
           <a:p>
             <a:r>
-              <a:rPr lang="zh-CN" altLang="en-US"/>
+              <a:rPr lang="zh-CN" altLang="en-US" smtClean="0"/>
               <a:t>单击此处编辑母版标题样式</a:t>
             </a:r>
-            <a:endParaRPr lang="zh-CN" altLang="en-US"/>
-          </a:p>
-        </p:txBody>
-      </p:sp>
-      <p:sp>
-        <p:nvSpPr>
-          <p:cNvPr id="3" name="文本占位符 2"/>
+            <a:endParaRPr lang="en-US" dirty="0"/>
+          </a:p>
+        </p:txBody>
+      </p:sp>
+      <p:sp>
+        <p:nvSpPr>
+          <p:cNvPr id="3" name="Text Placeholder 2"/>
           <p:cNvSpPr>
             <a:spLocks noGrp="1"/>
           </p:cNvSpPr>
@@ -2484,8 +3020,8 @@
         </p:nvSpPr>
         <p:spPr>
           <a:xfrm>
-            <a:off x="838200" y="1825625"/>
-            <a:ext cx="10515600" cy="4351338"/>
+            <a:off x="628650" y="1825625"/>
+            <a:ext cx="7886700" cy="4351338"/>
           </a:xfrm>
           <a:prstGeom prst="rect">
             <a:avLst/>
@@ -2499,44 +3035,44 @@
           <a:p>
             <a:pPr lvl="0"/>
             <a:r>
-              <a:rPr lang="zh-CN" altLang="en-US"/>
-              <a:t>编辑母版文本样式</a:t>
+              <a:rPr lang="zh-CN" altLang="en-US" smtClean="0"/>
+              <a:t>单击此处编辑母版文本样式</a:t>
             </a:r>
           </a:p>
           <a:p>
             <a:pPr lvl="1"/>
             <a:r>
-              <a:rPr lang="zh-CN" altLang="en-US"/>
-              <a:t>第二级</a:t>
+              <a:rPr lang="zh-CN" altLang="en-US" smtClean="0"/>
+              <a:t>二级</a:t>
             </a:r>
           </a:p>
           <a:p>
             <a:pPr lvl="2"/>
             <a:r>
-              <a:rPr lang="zh-CN" altLang="en-US"/>
-              <a:t>第三级</a:t>
+              <a:rPr lang="zh-CN" altLang="en-US" smtClean="0"/>
+              <a:t>三级</a:t>
             </a:r>
           </a:p>
           <a:p>
             <a:pPr lvl="3"/>
             <a:r>
-              <a:rPr lang="zh-CN" altLang="en-US"/>
-              <a:t>第四级</a:t>
+              <a:rPr lang="zh-CN" altLang="en-US" smtClean="0"/>
+              <a:t>四级</a:t>
             </a:r>
           </a:p>
           <a:p>
             <a:pPr lvl="4"/>
             <a:r>
-              <a:rPr lang="zh-CN" altLang="en-US"/>
-              <a:t>第五级</a:t>
-            </a:r>
-            <a:endParaRPr lang="zh-CN" altLang="en-US"/>
-          </a:p>
-        </p:txBody>
-      </p:sp>
-      <p:sp>
-        <p:nvSpPr>
-          <p:cNvPr id="4" name="日期占位符 3"/>
+              <a:rPr lang="zh-CN" altLang="en-US" smtClean="0"/>
+              <a:t>五级</a:t>
+            </a:r>
+            <a:endParaRPr lang="en-US" dirty="0"/>
+          </a:p>
+        </p:txBody>
+      </p:sp>
+      <p:sp>
+        <p:nvSpPr>
+          <p:cNvPr id="4" name="Date Placeholder 3"/>
           <p:cNvSpPr>
             <a:spLocks noGrp="1"/>
           </p:cNvSpPr>
@@ -2546,8 +3082,8 @@
         </p:nvSpPr>
         <p:spPr>
           <a:xfrm>
-            <a:off x="838200" y="6356350"/>
-            <a:ext cx="2743200" cy="365125"/>
+            <a:off x="628650" y="6356351"/>
+            <a:ext cx="2057400" cy="365125"/>
           </a:xfrm>
           <a:prstGeom prst="rect">
             <a:avLst/>
@@ -2569,7 +3105,7 @@
           <a:p>
             <a:fld id="{D3EB90B3-9772-44C6-B209-B94CDEDEB265}" type="datetimeFigureOut">
               <a:rPr lang="zh-CN" altLang="en-US" smtClean="0"/>
-              <a:t>2017/11/30</a:t>
+              <a:t>2017/12/10</a:t>
             </a:fld>
             <a:endParaRPr lang="zh-CN" altLang="en-US"/>
           </a:p>
@@ -2577,7 +3113,7 @@
       </p:sp>
       <p:sp>
         <p:nvSpPr>
-          <p:cNvPr id="5" name="页脚占位符 4"/>
+          <p:cNvPr id="5" name="Footer Placeholder 4"/>
           <p:cNvSpPr>
             <a:spLocks noGrp="1"/>
           </p:cNvSpPr>
@@ -2587,8 +3123,8 @@
         </p:nvSpPr>
         <p:spPr>
           <a:xfrm>
-            <a:off x="4038600" y="6356350"/>
-            <a:ext cx="4114800" cy="365125"/>
+            <a:off x="3028950" y="6356351"/>
+            <a:ext cx="3086100" cy="365125"/>
           </a:xfrm>
           <a:prstGeom prst="rect">
             <a:avLst/>
@@ -2614,7 +3150,7 @@
       </p:sp>
       <p:sp>
         <p:nvSpPr>
-          <p:cNvPr id="6" name="灯片编号占位符 5"/>
+          <p:cNvPr id="6" name="Slide Number Placeholder 5"/>
           <p:cNvSpPr>
             <a:spLocks noGrp="1"/>
           </p:cNvSpPr>
@@ -2624,8 +3160,8 @@
         </p:nvSpPr>
         <p:spPr>
           <a:xfrm>
-            <a:off x="8610600" y="6356350"/>
-            <a:ext cx="2743200" cy="365125"/>
+            <a:off x="6457950" y="6356351"/>
+            <a:ext cx="2057400" cy="365125"/>
           </a:xfrm>
           <a:prstGeom prst="rect">
             <a:avLst/>
@@ -2656,23 +3192,23 @@
     </p:spTree>
     <p:extLst>
       <p:ext uri="{BB962C8B-B14F-4D97-AF65-F5344CB8AC3E}">
-        <p14:creationId xmlns:p14="http://schemas.microsoft.com/office/powerpoint/2010/main" val="1685357898"/>
+        <p14:creationId xmlns:p14="http://schemas.microsoft.com/office/powerpoint/2010/main" val="814365388"/>
       </p:ext>
     </p:extLst>
   </p:cSld>
   <p:clrMap bg1="lt1" tx1="dk1" bg2="lt2" tx2="dk2" accent1="accent1" accent2="accent2" accent3="accent3" accent4="accent4" accent5="accent5" accent6="accent6" hlink="hlink" folHlink="folHlink"/>
   <p:sldLayoutIdLst>
-    <p:sldLayoutId id="2147483649" r:id="rId1"/>
-    <p:sldLayoutId id="2147483650" r:id="rId2"/>
-    <p:sldLayoutId id="2147483651" r:id="rId3"/>
-    <p:sldLayoutId id="2147483652" r:id="rId4"/>
-    <p:sldLayoutId id="2147483653" r:id="rId5"/>
-    <p:sldLayoutId id="2147483654" r:id="rId6"/>
-    <p:sldLayoutId id="2147483655" r:id="rId7"/>
-    <p:sldLayoutId id="2147483656" r:id="rId8"/>
-    <p:sldLayoutId id="2147483657" r:id="rId9"/>
-    <p:sldLayoutId id="2147483658" r:id="rId10"/>
-    <p:sldLayoutId id="2147483659" r:id="rId11"/>
+    <p:sldLayoutId id="2147483661" r:id="rId1"/>
+    <p:sldLayoutId id="2147483662" r:id="rId2"/>
+    <p:sldLayoutId id="2147483663" r:id="rId3"/>
+    <p:sldLayoutId id="2147483664" r:id="rId4"/>
+    <p:sldLayoutId id="2147483665" r:id="rId5"/>
+    <p:sldLayoutId id="2147483666" r:id="rId6"/>
+    <p:sldLayoutId id="2147483667" r:id="rId7"/>
+    <p:sldLayoutId id="2147483668" r:id="rId8"/>
+    <p:sldLayoutId id="2147483669" r:id="rId9"/>
+    <p:sldLayoutId id="2147483670" r:id="rId10"/>
+    <p:sldLayoutId id="2147483671" r:id="rId11"/>
   </p:sldLayoutIdLst>
   <p:txStyles>
     <p:titleStyle>
@@ -2860,7 +3396,7 @@
     </p:bodyStyle>
     <p:otherStyle>
       <a:defPPr>
-        <a:defRPr lang="zh-CN"/>
+        <a:defRPr lang="en-US"/>
       </a:defPPr>
       <a:lvl1pPr marL="0" algn="l" defTabSz="914400" rtl="0" eaLnBrk="1" latinLnBrk="0" hangingPunct="1">
         <a:defRPr sz="1800" kern="1200">
@@ -2986,8 +3522,8 @@
         </p:nvSpPr>
         <p:spPr>
           <a:xfrm>
-            <a:off x="1533525" y="1360488"/>
-            <a:ext cx="9144000" cy="2387600"/>
+            <a:off x="1150144" y="1877616"/>
+            <a:ext cx="6858000" cy="1790700"/>
           </a:xfrm>
         </p:spPr>
         <p:txBody>
@@ -2997,12 +3533,32 @@
             <a:r>
               <a:rPr lang="zh-CN" altLang="en-US" dirty="0">
                 <a:solidFill>
-                  <a:srgbClr val="EEEEEE"/>
+                  <a:schemeClr val="bg2"/>
                 </a:solidFill>
                 <a:latin typeface="黑体" panose="02010609060101010101" pitchFamily="49" charset="-122"/>
                 <a:ea typeface="黑体" panose="02010609060101010101" pitchFamily="49" charset="-122"/>
               </a:rPr>
-              <a:t>面向搜索经验的</a:t>
+              <a:t>面</a:t>
+            </a:r>
+            <a:r>
+              <a:rPr lang="zh-CN" altLang="en-US" dirty="0">
+                <a:solidFill>
+                  <a:srgbClr val="EEEEEE"/>
+                </a:solidFill>
+                <a:latin typeface="黑体" panose="02010609060101010101" pitchFamily="49" charset="-122"/>
+                <a:ea typeface="黑体" panose="02010609060101010101" pitchFamily="49" charset="-122"/>
+              </a:rPr>
+              <a:t>向搜索经验的</a:t>
+            </a:r>
+            <a:r>
+              <a:rPr lang="en-US" altLang="zh-CN" dirty="0">
+                <a:solidFill>
+                  <a:srgbClr val="EEEEEE"/>
+                </a:solidFill>
+                <a:latin typeface="黑体" panose="02010609060101010101" pitchFamily="49" charset="-122"/>
+                <a:ea typeface="黑体" panose="02010609060101010101" pitchFamily="49" charset="-122"/>
+              </a:rPr>
+              <a:t/>
             </a:r>
             <a:br>
               <a:rPr lang="en-US" altLang="zh-CN" dirty="0">
@@ -3038,12 +3594,14 @@
         </p:nvSpPr>
         <p:spPr>
           <a:xfrm>
-            <a:off x="8896350" y="5202238"/>
-            <a:ext cx="3295650" cy="1655762"/>
-          </a:xfrm>
-        </p:spPr>
-        <p:txBody>
-          <a:bodyPr/>
+            <a:off x="6112192" y="4758928"/>
+            <a:ext cx="2791778" cy="1241822"/>
+          </a:xfrm>
+        </p:spPr>
+        <p:txBody>
+          <a:bodyPr>
+            <a:normAutofit fontScale="85000" lnSpcReduction="10000"/>
+          </a:bodyPr>
           <a:lstStyle/>
           <a:p>
             <a:pPr algn="just"/>
@@ -3100,6 +3658,396 @@
   <p:clrMapOvr>
     <a:masterClrMapping/>
   </p:clrMapOvr>
+  <p:timing>
+    <p:tnLst>
+      <p:par>
+        <p:cTn id="1" dur="indefinite" restart="never" nodeType="tmRoot"/>
+      </p:par>
+    </p:tnLst>
+  </p:timing>
+</p:sld>
+</file>
+
+<file path=ppt/slides/slide10.xml><?xml version="1.0" encoding="utf-8"?>
+<p:sld xmlns:a="http://schemas.openxmlformats.org/drawingml/2006/main" xmlns:r="http://schemas.openxmlformats.org/officeDocument/2006/relationships" xmlns:p="http://schemas.openxmlformats.org/presentationml/2006/main">
+  <p:cSld>
+    <p:spTree>
+      <p:nvGrpSpPr>
+        <p:cNvPr id="1" name=""/>
+        <p:cNvGrpSpPr/>
+        <p:nvPr/>
+      </p:nvGrpSpPr>
+      <p:grpSpPr>
+        <a:xfrm>
+          <a:off x="0" y="0"/>
+          <a:ext cx="0" cy="0"/>
+          <a:chOff x="0" y="0"/>
+          <a:chExt cx="0" cy="0"/>
+        </a:xfrm>
+      </p:grpSpPr>
+      <p:sp>
+        <p:nvSpPr>
+          <p:cNvPr id="4" name="文本框 3"/>
+          <p:cNvSpPr txBox="1"/>
+          <p:nvPr/>
+        </p:nvSpPr>
+        <p:spPr>
+          <a:xfrm>
+            <a:off x="274320" y="194310"/>
+            <a:ext cx="8172450" cy="523220"/>
+          </a:xfrm>
+          <a:prstGeom prst="rect">
+            <a:avLst/>
+          </a:prstGeom>
+          <a:noFill/>
+        </p:spPr>
+        <p:txBody>
+          <a:bodyPr wrap="square" rtlCol="0">
+            <a:spAutoFit/>
+          </a:bodyPr>
+          <a:lstStyle/>
+          <a:p>
+            <a:pPr marL="457200" indent="-457200">
+              <a:buFont typeface="Arial" charset="0"/>
+              <a:buChar char="•"/>
+            </a:pPr>
+            <a:r>
+              <a:rPr kumimoji="1" lang="zh-CN" altLang="en-US" sz="2800" dirty="0" smtClean="0">
+                <a:solidFill>
+                  <a:schemeClr val="bg2"/>
+                </a:solidFill>
+              </a:rPr>
+              <a:t>研究方法 </a:t>
+            </a:r>
+            <a:r>
+              <a:rPr kumimoji="1" lang="en-US" altLang="zh-CN" sz="2800" dirty="0" smtClean="0">
+                <a:solidFill>
+                  <a:schemeClr val="bg2"/>
+                </a:solidFill>
+              </a:rPr>
+              <a:t>-</a:t>
+            </a:r>
+            <a:r>
+              <a:rPr kumimoji="1" lang="zh-CN" altLang="en-US" sz="2800" dirty="0" smtClean="0">
+                <a:solidFill>
+                  <a:schemeClr val="bg2"/>
+                </a:solidFill>
+              </a:rPr>
+              <a:t> 面向搜索经验的查询推荐方法的提出</a:t>
+            </a:r>
+            <a:endParaRPr kumimoji="1" lang="zh-CN" altLang="en-US" sz="2800" dirty="0">
+              <a:solidFill>
+                <a:schemeClr val="bg2"/>
+              </a:solidFill>
+            </a:endParaRPr>
+          </a:p>
+        </p:txBody>
+      </p:sp>
+      <p:sp>
+        <p:nvSpPr>
+          <p:cNvPr id="9" name="文本框 8"/>
+          <p:cNvSpPr txBox="1"/>
+          <p:nvPr/>
+        </p:nvSpPr>
+        <p:spPr>
+          <a:xfrm>
+            <a:off x="800100" y="2789902"/>
+            <a:ext cx="7646670" cy="461665"/>
+          </a:xfrm>
+          <a:prstGeom prst="rect">
+            <a:avLst/>
+          </a:prstGeom>
+          <a:noFill/>
+        </p:spPr>
+        <p:txBody>
+          <a:bodyPr wrap="square" rtlCol="0">
+            <a:spAutoFit/>
+          </a:bodyPr>
+          <a:lstStyle/>
+          <a:p>
+            <a:pPr marL="342900" indent="-342900">
+              <a:buFont typeface="Arial" charset="0"/>
+              <a:buChar char="•"/>
+            </a:pPr>
+            <a:r>
+              <a:rPr kumimoji="1" lang="zh-CN" altLang="en-US" sz="2400" dirty="0" smtClean="0">
+                <a:solidFill>
+                  <a:schemeClr val="bg2"/>
+                </a:solidFill>
+              </a:rPr>
+              <a:t>面向因果经验的查询推荐方法</a:t>
+            </a:r>
+            <a:endParaRPr kumimoji="1" lang="zh-CN" altLang="en-US" sz="2400" dirty="0">
+              <a:solidFill>
+                <a:schemeClr val="bg2"/>
+              </a:solidFill>
+            </a:endParaRPr>
+          </a:p>
+        </p:txBody>
+      </p:sp>
+      <p:sp>
+        <p:nvSpPr>
+          <p:cNvPr id="10" name="文本框 9"/>
+          <p:cNvSpPr txBox="1"/>
+          <p:nvPr/>
+        </p:nvSpPr>
+        <p:spPr>
+          <a:xfrm>
+            <a:off x="800100" y="3399502"/>
+            <a:ext cx="7646670" cy="461665"/>
+          </a:xfrm>
+          <a:prstGeom prst="rect">
+            <a:avLst/>
+          </a:prstGeom>
+          <a:noFill/>
+        </p:spPr>
+        <p:txBody>
+          <a:bodyPr wrap="square" rtlCol="0">
+            <a:spAutoFit/>
+          </a:bodyPr>
+          <a:lstStyle/>
+          <a:p>
+            <a:pPr marL="342900" indent="-342900">
+              <a:buFont typeface="Arial" charset="0"/>
+              <a:buChar char="•"/>
+            </a:pPr>
+            <a:r>
+              <a:rPr kumimoji="1" lang="zh-CN" altLang="en-US" sz="2400" dirty="0" smtClean="0">
+                <a:solidFill>
+                  <a:schemeClr val="bg2"/>
+                </a:solidFill>
+              </a:rPr>
+              <a:t>子任务内部的查询推荐方法</a:t>
+            </a:r>
+            <a:endParaRPr kumimoji="1" lang="zh-CN" altLang="en-US" sz="2400" dirty="0">
+              <a:solidFill>
+                <a:schemeClr val="bg2"/>
+              </a:solidFill>
+            </a:endParaRPr>
+          </a:p>
+        </p:txBody>
+      </p:sp>
+      <p:sp>
+        <p:nvSpPr>
+          <p:cNvPr id="5" name="文本框 4"/>
+          <p:cNvSpPr txBox="1"/>
+          <p:nvPr/>
+        </p:nvSpPr>
+        <p:spPr>
+          <a:xfrm>
+            <a:off x="800100" y="4009102"/>
+            <a:ext cx="7646670" cy="461665"/>
+          </a:xfrm>
+          <a:prstGeom prst="rect">
+            <a:avLst/>
+          </a:prstGeom>
+          <a:noFill/>
+        </p:spPr>
+        <p:txBody>
+          <a:bodyPr wrap="square" rtlCol="0">
+            <a:spAutoFit/>
+          </a:bodyPr>
+          <a:lstStyle/>
+          <a:p>
+            <a:pPr marL="342900" indent="-342900">
+              <a:buFont typeface="Arial" charset="0"/>
+              <a:buChar char="•"/>
+            </a:pPr>
+            <a:r>
+              <a:rPr kumimoji="1" lang="zh-CN" altLang="en-US" sz="2400" dirty="0" smtClean="0">
+                <a:solidFill>
+                  <a:schemeClr val="bg2"/>
+                </a:solidFill>
+              </a:rPr>
+              <a:t>跨子任务的查询推荐方法</a:t>
+            </a:r>
+            <a:endParaRPr kumimoji="1" lang="zh-CN" altLang="en-US" sz="2400" dirty="0">
+              <a:solidFill>
+                <a:schemeClr val="bg2"/>
+              </a:solidFill>
+            </a:endParaRPr>
+          </a:p>
+        </p:txBody>
+      </p:sp>
+    </p:spTree>
+    <p:extLst>
+      <p:ext uri="{BB962C8B-B14F-4D97-AF65-F5344CB8AC3E}">
+        <p14:creationId xmlns:p14="http://schemas.microsoft.com/office/powerpoint/2010/main" val="252578498"/>
+      </p:ext>
+    </p:extLst>
+  </p:cSld>
+  <p:clrMapOvr>
+    <a:masterClrMapping/>
+  </p:clrMapOvr>
+  <p:timing>
+    <p:tnLst>
+      <p:par>
+        <p:cTn id="1" dur="indefinite" restart="never" nodeType="tmRoot"/>
+      </p:par>
+    </p:tnLst>
+  </p:timing>
+</p:sld>
+</file>
+
+<file path=ppt/slides/slide11.xml><?xml version="1.0" encoding="utf-8"?>
+<p:sld xmlns:a="http://schemas.openxmlformats.org/drawingml/2006/main" xmlns:r="http://schemas.openxmlformats.org/officeDocument/2006/relationships" xmlns:p="http://schemas.openxmlformats.org/presentationml/2006/main">
+  <p:cSld>
+    <p:spTree>
+      <p:nvGrpSpPr>
+        <p:cNvPr id="1" name=""/>
+        <p:cNvGrpSpPr/>
+        <p:nvPr/>
+      </p:nvGrpSpPr>
+      <p:grpSpPr>
+        <a:xfrm>
+          <a:off x="0" y="0"/>
+          <a:ext cx="0" cy="0"/>
+          <a:chOff x="0" y="0"/>
+          <a:chExt cx="0" cy="0"/>
+        </a:xfrm>
+      </p:grpSpPr>
+      <p:sp>
+        <p:nvSpPr>
+          <p:cNvPr id="4" name="文本框 3"/>
+          <p:cNvSpPr txBox="1"/>
+          <p:nvPr/>
+        </p:nvSpPr>
+        <p:spPr>
+          <a:xfrm>
+            <a:off x="274320" y="194310"/>
+            <a:ext cx="8869680" cy="523220"/>
+          </a:xfrm>
+          <a:prstGeom prst="rect">
+            <a:avLst/>
+          </a:prstGeom>
+          <a:noFill/>
+        </p:spPr>
+        <p:txBody>
+          <a:bodyPr wrap="square" rtlCol="0">
+            <a:spAutoFit/>
+          </a:bodyPr>
+          <a:lstStyle/>
+          <a:p>
+            <a:pPr marL="457200" indent="-457200">
+              <a:buFont typeface="Arial" charset="0"/>
+              <a:buChar char="•"/>
+            </a:pPr>
+            <a:r>
+              <a:rPr kumimoji="1" lang="zh-CN" altLang="en-US" sz="2800" dirty="0" smtClean="0">
+                <a:solidFill>
+                  <a:schemeClr val="bg2"/>
+                </a:solidFill>
+              </a:rPr>
+              <a:t>研究方法 </a:t>
+            </a:r>
+            <a:r>
+              <a:rPr kumimoji="1" lang="en-US" altLang="zh-CN" sz="2800" dirty="0" smtClean="0">
+                <a:solidFill>
+                  <a:schemeClr val="bg2"/>
+                </a:solidFill>
+              </a:rPr>
+              <a:t>-</a:t>
+            </a:r>
+            <a:r>
+              <a:rPr kumimoji="1" lang="zh-CN" altLang="en-US" sz="2800" dirty="0" smtClean="0">
+                <a:solidFill>
+                  <a:schemeClr val="bg2"/>
+                </a:solidFill>
+              </a:rPr>
+              <a:t> 面向搜索经验的查询推荐系统的设计实现</a:t>
+            </a:r>
+            <a:endParaRPr kumimoji="1" lang="zh-CN" altLang="en-US" sz="2800" dirty="0">
+              <a:solidFill>
+                <a:schemeClr val="bg2"/>
+              </a:solidFill>
+            </a:endParaRPr>
+          </a:p>
+        </p:txBody>
+      </p:sp>
+      <p:pic>
+        <p:nvPicPr>
+          <p:cNvPr id="2" name="图片 1"/>
+          <p:cNvPicPr>
+            <a:picLocks noChangeAspect="1"/>
+          </p:cNvPicPr>
+          <p:nvPr/>
+        </p:nvPicPr>
+        <p:blipFill rotWithShape="1">
+          <a:blip r:embed="rId2">
+            <a:extLst>
+              <a:ext uri="{28A0092B-C50C-407E-A947-70E740481C1C}">
+                <a14:useLocalDpi xmlns:a14="http://schemas.microsoft.com/office/drawing/2010/main" val="0"/>
+              </a:ext>
+            </a:extLst>
+          </a:blip>
+          <a:srcRect t="9646" b="6102"/>
+          <a:stretch/>
+        </p:blipFill>
+        <p:spPr>
+          <a:xfrm>
+            <a:off x="2434590" y="1485900"/>
+            <a:ext cx="5806440" cy="4892040"/>
+          </a:xfrm>
+          <a:prstGeom prst="rect">
+            <a:avLst/>
+          </a:prstGeom>
+        </p:spPr>
+      </p:pic>
+      <p:sp>
+        <p:nvSpPr>
+          <p:cNvPr id="3" name="文本框 2"/>
+          <p:cNvSpPr txBox="1"/>
+          <p:nvPr/>
+        </p:nvSpPr>
+        <p:spPr>
+          <a:xfrm>
+            <a:off x="1160502" y="3234690"/>
+            <a:ext cx="553998" cy="2171700"/>
+          </a:xfrm>
+          <a:prstGeom prst="rect">
+            <a:avLst/>
+          </a:prstGeom>
+          <a:noFill/>
+        </p:spPr>
+        <p:txBody>
+          <a:bodyPr vert="eaVert" wrap="square" rtlCol="0">
+            <a:spAutoFit/>
+          </a:bodyPr>
+          <a:lstStyle/>
+          <a:p>
+            <a:r>
+              <a:rPr kumimoji="1" lang="zh-CN" altLang="en-US" sz="2400" dirty="0" smtClean="0">
+                <a:solidFill>
+                  <a:schemeClr val="bg2"/>
+                </a:solidFill>
+              </a:rPr>
+              <a:t>系统架构</a:t>
+            </a:r>
+            <a:endParaRPr kumimoji="1" lang="zh-CN" altLang="en-US" sz="2400" dirty="0">
+              <a:solidFill>
+                <a:schemeClr val="bg2"/>
+              </a:solidFill>
+            </a:endParaRPr>
+          </a:p>
+        </p:txBody>
+      </p:sp>
+    </p:spTree>
+    <p:extLst>
+      <p:ext uri="{BB962C8B-B14F-4D97-AF65-F5344CB8AC3E}">
+        <p14:creationId xmlns:p14="http://schemas.microsoft.com/office/powerpoint/2010/main" val="1584667148"/>
+      </p:ext>
+    </p:extLst>
+  </p:cSld>
+  <p:clrMapOvr>
+    <a:masterClrMapping/>
+  </p:clrMapOvr>
+  <p:timing>
+    <p:tnLst>
+      <p:par>
+        <p:cTn id="1" dur="indefinite" restart="never" nodeType="tmRoot"/>
+      </p:par>
+    </p:tnLst>
+  </p:timing>
 </p:sld>
 </file>
 
@@ -3120,6 +4068,86 @@
           <a:chExt cx="0" cy="0"/>
         </a:xfrm>
       </p:grpSpPr>
+      <p:sp>
+        <p:nvSpPr>
+          <p:cNvPr id="2" name="文本框 1"/>
+          <p:cNvSpPr txBox="1"/>
+          <p:nvPr/>
+        </p:nvSpPr>
+        <p:spPr>
+          <a:xfrm>
+            <a:off x="1908810" y="2423160"/>
+            <a:ext cx="4229100" cy="1754326"/>
+          </a:xfrm>
+          <a:prstGeom prst="rect">
+            <a:avLst/>
+          </a:prstGeom>
+          <a:noFill/>
+        </p:spPr>
+        <p:txBody>
+          <a:bodyPr wrap="square" rtlCol="0">
+            <a:spAutoFit/>
+          </a:bodyPr>
+          <a:lstStyle/>
+          <a:p>
+            <a:pPr marL="285750" indent="-285750">
+              <a:buFont typeface="Arial" charset="0"/>
+              <a:buChar char="•"/>
+            </a:pPr>
+            <a:r>
+              <a:rPr kumimoji="1" lang="zh-CN" altLang="en-US" sz="3600" dirty="0" smtClean="0">
+                <a:solidFill>
+                  <a:schemeClr val="bg2"/>
+                </a:solidFill>
+              </a:rPr>
+              <a:t>研究背景</a:t>
+            </a:r>
+            <a:endParaRPr kumimoji="1" lang="en-US" altLang="zh-CN" sz="3600" dirty="0" smtClean="0">
+              <a:solidFill>
+                <a:schemeClr val="bg2"/>
+              </a:solidFill>
+            </a:endParaRPr>
+          </a:p>
+          <a:p>
+            <a:pPr marL="285750" indent="-285750">
+              <a:buFont typeface="Arial" charset="0"/>
+              <a:buChar char="•"/>
+            </a:pPr>
+            <a:r>
+              <a:rPr kumimoji="1" lang="zh-CN" altLang="en-US" sz="3600" dirty="0" smtClean="0">
+                <a:solidFill>
+                  <a:schemeClr val="bg2"/>
+                </a:solidFill>
+              </a:rPr>
+              <a:t>研究思路</a:t>
+            </a:r>
+            <a:endParaRPr kumimoji="1" lang="en-US" altLang="zh-CN" sz="3600" dirty="0" smtClean="0">
+              <a:solidFill>
+                <a:schemeClr val="bg2"/>
+              </a:solidFill>
+            </a:endParaRPr>
+          </a:p>
+          <a:p>
+            <a:pPr marL="285750" indent="-285750">
+              <a:buFont typeface="Arial" charset="0"/>
+              <a:buChar char="•"/>
+            </a:pPr>
+            <a:r>
+              <a:rPr kumimoji="1" lang="zh-CN" altLang="en-US" sz="3600" dirty="0" smtClean="0">
+                <a:solidFill>
+                  <a:schemeClr val="bg2"/>
+                </a:solidFill>
+              </a:rPr>
+              <a:t>研究方法</a:t>
+            </a:r>
+            <a:endParaRPr kumimoji="1" lang="zh-CN" altLang="en-US" sz="3600" dirty="0">
+              <a:solidFill>
+                <a:schemeClr val="bg2"/>
+              </a:solidFill>
+            </a:endParaRPr>
+          </a:p>
+        </p:txBody>
+      </p:sp>
     </p:spTree>
     <p:extLst>
       <p:ext uri="{BB962C8B-B14F-4D97-AF65-F5344CB8AC3E}">
@@ -3130,13 +4158,1627 @@
   <p:clrMapOvr>
     <a:masterClrMapping/>
   </p:clrMapOvr>
+  <p:timing>
+    <p:tnLst>
+      <p:par>
+        <p:cTn id="1" dur="indefinite" restart="never" nodeType="tmRoot"/>
+      </p:par>
+    </p:tnLst>
+  </p:timing>
+</p:sld>
+</file>
+
+<file path=ppt/slides/slide3.xml><?xml version="1.0" encoding="utf-8"?>
+<p:sld xmlns:a="http://schemas.openxmlformats.org/drawingml/2006/main" xmlns:r="http://schemas.openxmlformats.org/officeDocument/2006/relationships" xmlns:p="http://schemas.openxmlformats.org/presentationml/2006/main">
+  <p:cSld>
+    <p:spTree>
+      <p:nvGrpSpPr>
+        <p:cNvPr id="1" name=""/>
+        <p:cNvGrpSpPr/>
+        <p:nvPr/>
+      </p:nvGrpSpPr>
+      <p:grpSpPr>
+        <a:xfrm>
+          <a:off x="0" y="0"/>
+          <a:ext cx="0" cy="0"/>
+          <a:chOff x="0" y="0"/>
+          <a:chExt cx="0" cy="0"/>
+        </a:xfrm>
+      </p:grpSpPr>
+      <p:sp>
+        <p:nvSpPr>
+          <p:cNvPr id="4" name="文本框 3"/>
+          <p:cNvSpPr txBox="1"/>
+          <p:nvPr/>
+        </p:nvSpPr>
+        <p:spPr>
+          <a:xfrm>
+            <a:off x="274320" y="194310"/>
+            <a:ext cx="4640580" cy="523220"/>
+          </a:xfrm>
+          <a:prstGeom prst="rect">
+            <a:avLst/>
+          </a:prstGeom>
+          <a:noFill/>
+        </p:spPr>
+        <p:txBody>
+          <a:bodyPr wrap="square" rtlCol="0">
+            <a:spAutoFit/>
+          </a:bodyPr>
+          <a:lstStyle/>
+          <a:p>
+            <a:pPr marL="457200" indent="-457200">
+              <a:buFont typeface="Arial" charset="0"/>
+              <a:buChar char="•"/>
+            </a:pPr>
+            <a:r>
+              <a:rPr kumimoji="1" lang="zh-CN" altLang="en-US" sz="2800" dirty="0" smtClean="0">
+                <a:solidFill>
+                  <a:schemeClr val="bg2"/>
+                </a:solidFill>
+              </a:rPr>
+              <a:t>研究背景 </a:t>
+            </a:r>
+            <a:r>
+              <a:rPr kumimoji="1" lang="en-US" altLang="zh-CN" sz="2800" dirty="0" smtClean="0">
+                <a:solidFill>
+                  <a:schemeClr val="bg2"/>
+                </a:solidFill>
+              </a:rPr>
+              <a:t>-</a:t>
+            </a:r>
+            <a:r>
+              <a:rPr kumimoji="1" lang="zh-CN" altLang="en-US" sz="2800" dirty="0" smtClean="0">
+                <a:solidFill>
+                  <a:schemeClr val="bg2"/>
+                </a:solidFill>
+              </a:rPr>
+              <a:t> 复杂</a:t>
+            </a:r>
+            <a:r>
+              <a:rPr kumimoji="1" lang="zh-CN" altLang="en-US" sz="2800" dirty="0">
+                <a:solidFill>
+                  <a:schemeClr val="bg2"/>
+                </a:solidFill>
+              </a:rPr>
+              <a:t>搜索</a:t>
+            </a:r>
+          </a:p>
+        </p:txBody>
+      </p:sp>
+      <p:sp>
+        <p:nvSpPr>
+          <p:cNvPr id="8" name="文本框 7"/>
+          <p:cNvSpPr txBox="1"/>
+          <p:nvPr/>
+        </p:nvSpPr>
+        <p:spPr>
+          <a:xfrm>
+            <a:off x="754380" y="1821180"/>
+            <a:ext cx="7646670" cy="461665"/>
+          </a:xfrm>
+          <a:prstGeom prst="rect">
+            <a:avLst/>
+          </a:prstGeom>
+          <a:noFill/>
+        </p:spPr>
+        <p:txBody>
+          <a:bodyPr wrap="square" rtlCol="0">
+            <a:spAutoFit/>
+          </a:bodyPr>
+          <a:lstStyle/>
+          <a:p>
+            <a:r>
+              <a:rPr kumimoji="1" lang="zh-CN" altLang="en-US" sz="2400" dirty="0" smtClean="0">
+                <a:solidFill>
+                  <a:schemeClr val="bg2"/>
+                </a:solidFill>
+              </a:rPr>
+              <a:t>复杂搜索描述了用户在进行搜索过程中的</a:t>
+            </a:r>
+            <a:r>
+              <a:rPr kumimoji="1" lang="en-US" altLang="zh-CN" sz="2400" dirty="0" smtClean="0">
+                <a:solidFill>
+                  <a:schemeClr val="bg2"/>
+                </a:solidFill>
+              </a:rPr>
+              <a:t>3</a:t>
+            </a:r>
+            <a:r>
+              <a:rPr kumimoji="1" lang="zh-CN" altLang="en-US" sz="2400" dirty="0" smtClean="0">
+                <a:solidFill>
+                  <a:schemeClr val="bg2"/>
+                </a:solidFill>
+              </a:rPr>
+              <a:t>种典型场景：</a:t>
+            </a:r>
+            <a:endParaRPr kumimoji="1" lang="zh-CN" altLang="en-US" sz="2400" dirty="0">
+              <a:solidFill>
+                <a:schemeClr val="bg2"/>
+              </a:solidFill>
+            </a:endParaRPr>
+          </a:p>
+        </p:txBody>
+      </p:sp>
+      <p:sp>
+        <p:nvSpPr>
+          <p:cNvPr id="9" name="文本框 8"/>
+          <p:cNvSpPr txBox="1"/>
+          <p:nvPr/>
+        </p:nvSpPr>
+        <p:spPr>
+          <a:xfrm>
+            <a:off x="800100" y="2789902"/>
+            <a:ext cx="7646670" cy="461665"/>
+          </a:xfrm>
+          <a:prstGeom prst="rect">
+            <a:avLst/>
+          </a:prstGeom>
+          <a:noFill/>
+        </p:spPr>
+        <p:txBody>
+          <a:bodyPr wrap="square" rtlCol="0">
+            <a:spAutoFit/>
+          </a:bodyPr>
+          <a:lstStyle/>
+          <a:p>
+            <a:pPr marL="342900" indent="-342900">
+              <a:buFont typeface="Arial" charset="0"/>
+              <a:buChar char="•"/>
+            </a:pPr>
+            <a:r>
+              <a:rPr kumimoji="1" lang="zh-CN" altLang="en-US" sz="2400" dirty="0" smtClean="0">
+                <a:solidFill>
+                  <a:schemeClr val="bg2"/>
+                </a:solidFill>
+              </a:rPr>
+              <a:t>系统对信息的索引不够充分</a:t>
+            </a:r>
+            <a:endParaRPr kumimoji="1" lang="zh-CN" altLang="en-US" sz="2400" dirty="0">
+              <a:solidFill>
+                <a:schemeClr val="bg2"/>
+              </a:solidFill>
+            </a:endParaRPr>
+          </a:p>
+        </p:txBody>
+      </p:sp>
+      <p:sp>
+        <p:nvSpPr>
+          <p:cNvPr id="10" name="文本框 9"/>
+          <p:cNvSpPr txBox="1"/>
+          <p:nvPr/>
+        </p:nvSpPr>
+        <p:spPr>
+          <a:xfrm>
+            <a:off x="800100" y="3399502"/>
+            <a:ext cx="7646670" cy="461665"/>
+          </a:xfrm>
+          <a:prstGeom prst="rect">
+            <a:avLst/>
+          </a:prstGeom>
+          <a:noFill/>
+        </p:spPr>
+        <p:txBody>
+          <a:bodyPr wrap="square" rtlCol="0">
+            <a:spAutoFit/>
+          </a:bodyPr>
+          <a:lstStyle/>
+          <a:p>
+            <a:pPr marL="342900" indent="-342900">
+              <a:buFont typeface="Arial" charset="0"/>
+              <a:buChar char="•"/>
+            </a:pPr>
+            <a:r>
+              <a:rPr kumimoji="1" lang="zh-CN" altLang="en-US" sz="2400" dirty="0" smtClean="0">
+                <a:solidFill>
+                  <a:schemeClr val="bg2"/>
+                </a:solidFill>
+              </a:rPr>
+              <a:t>搜索任务本身需要浏览及探索</a:t>
+            </a:r>
+            <a:endParaRPr kumimoji="1" lang="zh-CN" altLang="en-US" sz="2400" dirty="0">
+              <a:solidFill>
+                <a:schemeClr val="bg2"/>
+              </a:solidFill>
+            </a:endParaRPr>
+          </a:p>
+        </p:txBody>
+      </p:sp>
+      <p:sp>
+        <p:nvSpPr>
+          <p:cNvPr id="11" name="文本框 10"/>
+          <p:cNvSpPr txBox="1"/>
+          <p:nvPr/>
+        </p:nvSpPr>
+        <p:spPr>
+          <a:xfrm>
+            <a:off x="800100" y="4009102"/>
+            <a:ext cx="7646670" cy="461665"/>
+          </a:xfrm>
+          <a:prstGeom prst="rect">
+            <a:avLst/>
+          </a:prstGeom>
+          <a:noFill/>
+        </p:spPr>
+        <p:txBody>
+          <a:bodyPr wrap="square" rtlCol="0">
+            <a:spAutoFit/>
+          </a:bodyPr>
+          <a:lstStyle/>
+          <a:p>
+            <a:pPr marL="342900" indent="-342900">
+              <a:buFont typeface="Arial" charset="0"/>
+              <a:buChar char="•"/>
+            </a:pPr>
+            <a:r>
+              <a:rPr kumimoji="1" lang="zh-CN" altLang="en-US" sz="2400" dirty="0" smtClean="0">
+                <a:solidFill>
+                  <a:schemeClr val="bg2"/>
+                </a:solidFill>
+              </a:rPr>
+              <a:t>用户难以对查询进行组织或定位信息领域</a:t>
+            </a:r>
+            <a:endParaRPr kumimoji="1" lang="zh-CN" altLang="en-US" sz="2400" dirty="0">
+              <a:solidFill>
+                <a:schemeClr val="bg2"/>
+              </a:solidFill>
+            </a:endParaRPr>
+          </a:p>
+        </p:txBody>
+      </p:sp>
+    </p:spTree>
+    <p:extLst>
+      <p:ext uri="{BB962C8B-B14F-4D97-AF65-F5344CB8AC3E}">
+        <p14:creationId xmlns:p14="http://schemas.microsoft.com/office/powerpoint/2010/main" val="1271286421"/>
+      </p:ext>
+    </p:extLst>
+  </p:cSld>
+  <p:clrMapOvr>
+    <a:masterClrMapping/>
+  </p:clrMapOvr>
+  <p:timing>
+    <p:tnLst>
+      <p:par>
+        <p:cTn id="1" dur="indefinite" restart="never" nodeType="tmRoot"/>
+      </p:par>
+    </p:tnLst>
+  </p:timing>
+</p:sld>
+</file>
+
+<file path=ppt/slides/slide4.xml><?xml version="1.0" encoding="utf-8"?>
+<p:sld xmlns:a="http://schemas.openxmlformats.org/drawingml/2006/main" xmlns:r="http://schemas.openxmlformats.org/officeDocument/2006/relationships" xmlns:p="http://schemas.openxmlformats.org/presentationml/2006/main">
+  <p:cSld>
+    <p:spTree>
+      <p:nvGrpSpPr>
+        <p:cNvPr id="1" name=""/>
+        <p:cNvGrpSpPr/>
+        <p:nvPr/>
+      </p:nvGrpSpPr>
+      <p:grpSpPr>
+        <a:xfrm>
+          <a:off x="0" y="0"/>
+          <a:ext cx="0" cy="0"/>
+          <a:chOff x="0" y="0"/>
+          <a:chExt cx="0" cy="0"/>
+        </a:xfrm>
+      </p:grpSpPr>
+      <p:sp>
+        <p:nvSpPr>
+          <p:cNvPr id="4" name="文本框 3"/>
+          <p:cNvSpPr txBox="1"/>
+          <p:nvPr/>
+        </p:nvSpPr>
+        <p:spPr>
+          <a:xfrm>
+            <a:off x="274320" y="194310"/>
+            <a:ext cx="4640580" cy="523220"/>
+          </a:xfrm>
+          <a:prstGeom prst="rect">
+            <a:avLst/>
+          </a:prstGeom>
+          <a:noFill/>
+        </p:spPr>
+        <p:txBody>
+          <a:bodyPr wrap="square" rtlCol="0">
+            <a:spAutoFit/>
+          </a:bodyPr>
+          <a:lstStyle/>
+          <a:p>
+            <a:pPr marL="457200" indent="-457200">
+              <a:buFont typeface="Arial" charset="0"/>
+              <a:buChar char="•"/>
+            </a:pPr>
+            <a:r>
+              <a:rPr kumimoji="1" lang="zh-CN" altLang="en-US" sz="2800" dirty="0" smtClean="0">
+                <a:solidFill>
+                  <a:schemeClr val="bg2"/>
+                </a:solidFill>
+              </a:rPr>
+              <a:t>研究背景 </a:t>
+            </a:r>
+            <a:r>
+              <a:rPr kumimoji="1" lang="en-US" altLang="zh-CN" sz="2800" dirty="0" smtClean="0">
+                <a:solidFill>
+                  <a:schemeClr val="bg2"/>
+                </a:solidFill>
+              </a:rPr>
+              <a:t>-</a:t>
+            </a:r>
+            <a:r>
+              <a:rPr kumimoji="1" lang="zh-CN" altLang="en-US" sz="2800" dirty="0" smtClean="0">
+                <a:solidFill>
+                  <a:schemeClr val="bg2"/>
+                </a:solidFill>
+              </a:rPr>
+              <a:t> 复杂</a:t>
+            </a:r>
+            <a:r>
+              <a:rPr kumimoji="1" lang="zh-CN" altLang="en-US" sz="2800" dirty="0">
+                <a:solidFill>
+                  <a:schemeClr val="bg2"/>
+                </a:solidFill>
+              </a:rPr>
+              <a:t>搜索</a:t>
+            </a:r>
+          </a:p>
+        </p:txBody>
+      </p:sp>
+      <p:sp>
+        <p:nvSpPr>
+          <p:cNvPr id="8" name="文本框 7"/>
+          <p:cNvSpPr txBox="1"/>
+          <p:nvPr/>
+        </p:nvSpPr>
+        <p:spPr>
+          <a:xfrm>
+            <a:off x="754380" y="1821180"/>
+            <a:ext cx="7646670" cy="461665"/>
+          </a:xfrm>
+          <a:prstGeom prst="rect">
+            <a:avLst/>
+          </a:prstGeom>
+          <a:noFill/>
+        </p:spPr>
+        <p:txBody>
+          <a:bodyPr wrap="square" rtlCol="0">
+            <a:spAutoFit/>
+          </a:bodyPr>
+          <a:lstStyle/>
+          <a:p>
+            <a:r>
+              <a:rPr kumimoji="1" lang="zh-CN" altLang="en-US" sz="2400" dirty="0" smtClean="0">
+                <a:solidFill>
+                  <a:schemeClr val="bg2"/>
+                </a:solidFill>
+              </a:rPr>
+              <a:t>用户的复杂搜索过程：</a:t>
+            </a:r>
+            <a:endParaRPr kumimoji="1" lang="zh-CN" altLang="en-US" sz="2400" dirty="0">
+              <a:solidFill>
+                <a:schemeClr val="bg2"/>
+              </a:solidFill>
+            </a:endParaRPr>
+          </a:p>
+        </p:txBody>
+      </p:sp>
+      <p:sp>
+        <p:nvSpPr>
+          <p:cNvPr id="9" name="文本框 8"/>
+          <p:cNvSpPr txBox="1"/>
+          <p:nvPr/>
+        </p:nvSpPr>
+        <p:spPr>
+          <a:xfrm>
+            <a:off x="800100" y="2789902"/>
+            <a:ext cx="7646670" cy="461665"/>
+          </a:xfrm>
+          <a:prstGeom prst="rect">
+            <a:avLst/>
+          </a:prstGeom>
+          <a:noFill/>
+        </p:spPr>
+        <p:txBody>
+          <a:bodyPr wrap="square" rtlCol="0">
+            <a:spAutoFit/>
+          </a:bodyPr>
+          <a:lstStyle/>
+          <a:p>
+            <a:pPr marL="342900" indent="-342900">
+              <a:buFont typeface="Arial" charset="0"/>
+              <a:buChar char="•"/>
+            </a:pPr>
+            <a:r>
+              <a:rPr kumimoji="1" lang="zh-CN" altLang="en-US" sz="2400" dirty="0" smtClean="0">
+                <a:solidFill>
+                  <a:schemeClr val="bg2"/>
+                </a:solidFill>
+              </a:rPr>
+              <a:t>周期长</a:t>
+            </a:r>
+            <a:endParaRPr kumimoji="1" lang="zh-CN" altLang="en-US" sz="2400" dirty="0">
+              <a:solidFill>
+                <a:schemeClr val="bg2"/>
+              </a:solidFill>
+            </a:endParaRPr>
+          </a:p>
+        </p:txBody>
+      </p:sp>
+      <p:sp>
+        <p:nvSpPr>
+          <p:cNvPr id="10" name="文本框 9"/>
+          <p:cNvSpPr txBox="1"/>
+          <p:nvPr/>
+        </p:nvSpPr>
+        <p:spPr>
+          <a:xfrm>
+            <a:off x="800100" y="3399502"/>
+            <a:ext cx="7646670" cy="461665"/>
+          </a:xfrm>
+          <a:prstGeom prst="rect">
+            <a:avLst/>
+          </a:prstGeom>
+          <a:noFill/>
+        </p:spPr>
+        <p:txBody>
+          <a:bodyPr wrap="square" rtlCol="0">
+            <a:spAutoFit/>
+          </a:bodyPr>
+          <a:lstStyle/>
+          <a:p>
+            <a:pPr marL="342900" indent="-342900">
+              <a:buFont typeface="Arial" charset="0"/>
+              <a:buChar char="•"/>
+            </a:pPr>
+            <a:r>
+              <a:rPr kumimoji="1" lang="zh-CN" altLang="en-US" sz="2400" dirty="0" smtClean="0">
+                <a:solidFill>
+                  <a:schemeClr val="bg2"/>
+                </a:solidFill>
+              </a:rPr>
+              <a:t>间断多</a:t>
+            </a:r>
+            <a:endParaRPr kumimoji="1" lang="zh-CN" altLang="en-US" sz="2400" dirty="0">
+              <a:solidFill>
+                <a:schemeClr val="bg2"/>
+              </a:solidFill>
+            </a:endParaRPr>
+          </a:p>
+        </p:txBody>
+      </p:sp>
+      <p:sp>
+        <p:nvSpPr>
+          <p:cNvPr id="11" name="文本框 10"/>
+          <p:cNvSpPr txBox="1"/>
+          <p:nvPr/>
+        </p:nvSpPr>
+        <p:spPr>
+          <a:xfrm>
+            <a:off x="800100" y="4009102"/>
+            <a:ext cx="7646670" cy="461665"/>
+          </a:xfrm>
+          <a:prstGeom prst="rect">
+            <a:avLst/>
+          </a:prstGeom>
+          <a:noFill/>
+        </p:spPr>
+        <p:txBody>
+          <a:bodyPr wrap="square" rtlCol="0">
+            <a:spAutoFit/>
+          </a:bodyPr>
+          <a:lstStyle/>
+          <a:p>
+            <a:pPr marL="342900" indent="-342900">
+              <a:buFont typeface="Arial" charset="0"/>
+              <a:buChar char="•"/>
+            </a:pPr>
+            <a:r>
+              <a:rPr kumimoji="1" lang="zh-CN" altLang="en-US" sz="2400" dirty="0" smtClean="0">
+                <a:solidFill>
+                  <a:schemeClr val="bg2"/>
+                </a:solidFill>
+              </a:rPr>
+              <a:t>信息负载重</a:t>
+            </a:r>
+            <a:endParaRPr kumimoji="1" lang="zh-CN" altLang="en-US" sz="2400" dirty="0">
+              <a:solidFill>
+                <a:schemeClr val="bg2"/>
+              </a:solidFill>
+            </a:endParaRPr>
+          </a:p>
+        </p:txBody>
+      </p:sp>
+    </p:spTree>
+    <p:extLst>
+      <p:ext uri="{BB962C8B-B14F-4D97-AF65-F5344CB8AC3E}">
+        <p14:creationId xmlns:p14="http://schemas.microsoft.com/office/powerpoint/2010/main" val="507530452"/>
+      </p:ext>
+    </p:extLst>
+  </p:cSld>
+  <p:clrMapOvr>
+    <a:masterClrMapping/>
+  </p:clrMapOvr>
+  <p:timing>
+    <p:tnLst>
+      <p:par>
+        <p:cTn id="1" dur="indefinite" restart="never" nodeType="tmRoot"/>
+      </p:par>
+    </p:tnLst>
+  </p:timing>
+</p:sld>
+</file>
+
+<file path=ppt/slides/slide5.xml><?xml version="1.0" encoding="utf-8"?>
+<p:sld xmlns:a="http://schemas.openxmlformats.org/drawingml/2006/main" xmlns:r="http://schemas.openxmlformats.org/officeDocument/2006/relationships" xmlns:p="http://schemas.openxmlformats.org/presentationml/2006/main">
+  <p:cSld>
+    <p:spTree>
+      <p:nvGrpSpPr>
+        <p:cNvPr id="1" name=""/>
+        <p:cNvGrpSpPr/>
+        <p:nvPr/>
+      </p:nvGrpSpPr>
+      <p:grpSpPr>
+        <a:xfrm>
+          <a:off x="0" y="0"/>
+          <a:ext cx="0" cy="0"/>
+          <a:chOff x="0" y="0"/>
+          <a:chExt cx="0" cy="0"/>
+        </a:xfrm>
+      </p:grpSpPr>
+      <p:sp>
+        <p:nvSpPr>
+          <p:cNvPr id="4" name="文本框 3"/>
+          <p:cNvSpPr txBox="1"/>
+          <p:nvPr/>
+        </p:nvSpPr>
+        <p:spPr>
+          <a:xfrm>
+            <a:off x="274320" y="194310"/>
+            <a:ext cx="6537960" cy="523220"/>
+          </a:xfrm>
+          <a:prstGeom prst="rect">
+            <a:avLst/>
+          </a:prstGeom>
+          <a:noFill/>
+        </p:spPr>
+        <p:txBody>
+          <a:bodyPr wrap="square" rtlCol="0">
+            <a:spAutoFit/>
+          </a:bodyPr>
+          <a:lstStyle/>
+          <a:p>
+            <a:pPr marL="457200" indent="-457200">
+              <a:buFont typeface="Arial" charset="0"/>
+              <a:buChar char="•"/>
+            </a:pPr>
+            <a:r>
+              <a:rPr kumimoji="1" lang="zh-CN" altLang="en-US" sz="2800" dirty="0" smtClean="0">
+                <a:solidFill>
+                  <a:schemeClr val="bg2"/>
+                </a:solidFill>
+              </a:rPr>
+              <a:t>研究背景 </a:t>
+            </a:r>
+            <a:r>
+              <a:rPr kumimoji="1" lang="en-US" altLang="zh-CN" sz="2800" dirty="0" smtClean="0">
+                <a:solidFill>
+                  <a:schemeClr val="bg2"/>
+                </a:solidFill>
+              </a:rPr>
+              <a:t>-</a:t>
+            </a:r>
+            <a:r>
+              <a:rPr kumimoji="1" lang="zh-CN" altLang="en-US" sz="2800" dirty="0" smtClean="0">
+                <a:solidFill>
+                  <a:schemeClr val="bg2"/>
+                </a:solidFill>
+              </a:rPr>
+              <a:t> 针对复杂搜索的查询推荐</a:t>
+            </a:r>
+            <a:endParaRPr kumimoji="1" lang="zh-CN" altLang="en-US" sz="2800" dirty="0">
+              <a:solidFill>
+                <a:schemeClr val="bg2"/>
+              </a:solidFill>
+            </a:endParaRPr>
+          </a:p>
+        </p:txBody>
+      </p:sp>
+      <p:sp>
+        <p:nvSpPr>
+          <p:cNvPr id="3" name="文本框 2"/>
+          <p:cNvSpPr txBox="1"/>
+          <p:nvPr/>
+        </p:nvSpPr>
+        <p:spPr>
+          <a:xfrm>
+            <a:off x="834390" y="2358390"/>
+            <a:ext cx="7646670" cy="830997"/>
+          </a:xfrm>
+          <a:prstGeom prst="rect">
+            <a:avLst/>
+          </a:prstGeom>
+          <a:noFill/>
+        </p:spPr>
+        <p:txBody>
+          <a:bodyPr wrap="square" rtlCol="0">
+            <a:spAutoFit/>
+          </a:bodyPr>
+          <a:lstStyle/>
+          <a:p>
+            <a:r>
+              <a:rPr kumimoji="1" lang="zh-CN" altLang="en-US" sz="2400" dirty="0" smtClean="0">
+                <a:solidFill>
+                  <a:schemeClr val="bg2"/>
+                </a:solidFill>
+              </a:rPr>
+              <a:t>传统的查询推荐方法不能很好地针对复杂搜索的特性进行</a:t>
+            </a:r>
+            <a:r>
+              <a:rPr kumimoji="1" lang="zh-CN" altLang="en-US" sz="2400" smtClean="0">
+                <a:solidFill>
+                  <a:schemeClr val="bg2"/>
+                </a:solidFill>
+              </a:rPr>
+              <a:t>查询推荐。</a:t>
+            </a:r>
+            <a:endParaRPr kumimoji="1" lang="zh-CN" altLang="en-US" sz="2400" dirty="0">
+              <a:solidFill>
+                <a:schemeClr val="bg2"/>
+              </a:solidFill>
+            </a:endParaRPr>
+          </a:p>
+        </p:txBody>
+      </p:sp>
+      <p:sp>
+        <p:nvSpPr>
+          <p:cNvPr id="5" name="文本框 4"/>
+          <p:cNvSpPr txBox="1"/>
+          <p:nvPr/>
+        </p:nvSpPr>
+        <p:spPr>
+          <a:xfrm>
+            <a:off x="834390" y="3573780"/>
+            <a:ext cx="7646670" cy="830997"/>
+          </a:xfrm>
+          <a:prstGeom prst="rect">
+            <a:avLst/>
+          </a:prstGeom>
+          <a:noFill/>
+        </p:spPr>
+        <p:txBody>
+          <a:bodyPr wrap="square" rtlCol="0">
+            <a:spAutoFit/>
+          </a:bodyPr>
+          <a:lstStyle/>
+          <a:p>
+            <a:r>
+              <a:rPr kumimoji="1" lang="zh-CN" altLang="en-US" sz="2400" dirty="0" smtClean="0">
+                <a:solidFill>
+                  <a:schemeClr val="bg2"/>
+                </a:solidFill>
+              </a:rPr>
+              <a:t>本研究希望提出一种针对复杂搜索的查询推荐方法，以帮助用户更高效地达成信息需求。</a:t>
+            </a:r>
+            <a:endParaRPr kumimoji="1" lang="zh-CN" altLang="en-US" sz="2400" dirty="0">
+              <a:solidFill>
+                <a:schemeClr val="bg2"/>
+              </a:solidFill>
+            </a:endParaRPr>
+          </a:p>
+        </p:txBody>
+      </p:sp>
+    </p:spTree>
+    <p:extLst>
+      <p:ext uri="{BB962C8B-B14F-4D97-AF65-F5344CB8AC3E}">
+        <p14:creationId xmlns:p14="http://schemas.microsoft.com/office/powerpoint/2010/main" val="1144094381"/>
+      </p:ext>
+    </p:extLst>
+  </p:cSld>
+  <p:clrMapOvr>
+    <a:masterClrMapping/>
+  </p:clrMapOvr>
+  <p:timing>
+    <p:tnLst>
+      <p:par>
+        <p:cTn id="1" dur="indefinite" restart="never" nodeType="tmRoot"/>
+      </p:par>
+    </p:tnLst>
+  </p:timing>
+</p:sld>
+</file>
+
+<file path=ppt/slides/slide6.xml><?xml version="1.0" encoding="utf-8"?>
+<p:sld xmlns:a="http://schemas.openxmlformats.org/drawingml/2006/main" xmlns:r="http://schemas.openxmlformats.org/officeDocument/2006/relationships" xmlns:p="http://schemas.openxmlformats.org/presentationml/2006/main">
+  <p:cSld>
+    <p:spTree>
+      <p:nvGrpSpPr>
+        <p:cNvPr id="1" name=""/>
+        <p:cNvGrpSpPr/>
+        <p:nvPr/>
+      </p:nvGrpSpPr>
+      <p:grpSpPr>
+        <a:xfrm>
+          <a:off x="0" y="0"/>
+          <a:ext cx="0" cy="0"/>
+          <a:chOff x="0" y="0"/>
+          <a:chExt cx="0" cy="0"/>
+        </a:xfrm>
+      </p:grpSpPr>
+      <p:sp>
+        <p:nvSpPr>
+          <p:cNvPr id="4" name="文本框 3"/>
+          <p:cNvSpPr txBox="1"/>
+          <p:nvPr/>
+        </p:nvSpPr>
+        <p:spPr>
+          <a:xfrm>
+            <a:off x="274320" y="194310"/>
+            <a:ext cx="3897630" cy="523220"/>
+          </a:xfrm>
+          <a:prstGeom prst="rect">
+            <a:avLst/>
+          </a:prstGeom>
+          <a:noFill/>
+        </p:spPr>
+        <p:txBody>
+          <a:bodyPr wrap="square" rtlCol="0">
+            <a:spAutoFit/>
+          </a:bodyPr>
+          <a:lstStyle/>
+          <a:p>
+            <a:pPr marL="457200" indent="-457200">
+              <a:buFont typeface="Arial" charset="0"/>
+              <a:buChar char="•"/>
+            </a:pPr>
+            <a:r>
+              <a:rPr kumimoji="1" lang="zh-CN" altLang="en-US" sz="2800" dirty="0" smtClean="0">
+                <a:solidFill>
+                  <a:schemeClr val="bg2"/>
+                </a:solidFill>
+              </a:rPr>
+              <a:t>研究背景 </a:t>
+            </a:r>
+            <a:r>
+              <a:rPr kumimoji="1" lang="en-US" altLang="zh-CN" sz="2800" dirty="0">
+                <a:solidFill>
+                  <a:schemeClr val="bg2"/>
+                </a:solidFill>
+              </a:rPr>
+              <a:t>-</a:t>
+            </a:r>
+            <a:r>
+              <a:rPr kumimoji="1" lang="zh-CN" altLang="en-US" sz="2800" dirty="0" smtClean="0">
+                <a:solidFill>
+                  <a:schemeClr val="bg2"/>
+                </a:solidFill>
+              </a:rPr>
+              <a:t> 时间树</a:t>
+            </a:r>
+            <a:endParaRPr kumimoji="1" lang="zh-CN" altLang="en-US" sz="2800" dirty="0">
+              <a:solidFill>
+                <a:schemeClr val="bg2"/>
+              </a:solidFill>
+            </a:endParaRPr>
+          </a:p>
+        </p:txBody>
+      </p:sp>
+    </p:spTree>
+    <p:extLst>
+      <p:ext uri="{BB962C8B-B14F-4D97-AF65-F5344CB8AC3E}">
+        <p14:creationId xmlns:p14="http://schemas.microsoft.com/office/powerpoint/2010/main" val="614529813"/>
+      </p:ext>
+    </p:extLst>
+  </p:cSld>
+  <p:clrMapOvr>
+    <a:masterClrMapping/>
+  </p:clrMapOvr>
+  <p:timing>
+    <p:tnLst>
+      <p:par>
+        <p:cTn id="1" dur="indefinite" restart="never" nodeType="tmRoot"/>
+      </p:par>
+    </p:tnLst>
+  </p:timing>
+</p:sld>
+</file>
+
+<file path=ppt/slides/slide7.xml><?xml version="1.0" encoding="utf-8"?>
+<p:sld xmlns:a="http://schemas.openxmlformats.org/drawingml/2006/main" xmlns:r="http://schemas.openxmlformats.org/officeDocument/2006/relationships" xmlns:p="http://schemas.openxmlformats.org/presentationml/2006/main">
+  <p:cSld>
+    <p:spTree>
+      <p:nvGrpSpPr>
+        <p:cNvPr id="1" name=""/>
+        <p:cNvGrpSpPr/>
+        <p:nvPr/>
+      </p:nvGrpSpPr>
+      <p:grpSpPr>
+        <a:xfrm>
+          <a:off x="0" y="0"/>
+          <a:ext cx="0" cy="0"/>
+          <a:chOff x="0" y="0"/>
+          <a:chExt cx="0" cy="0"/>
+        </a:xfrm>
+      </p:grpSpPr>
+      <p:sp>
+        <p:nvSpPr>
+          <p:cNvPr id="4" name="文本框 3"/>
+          <p:cNvSpPr txBox="1"/>
+          <p:nvPr/>
+        </p:nvSpPr>
+        <p:spPr>
+          <a:xfrm>
+            <a:off x="274320" y="194310"/>
+            <a:ext cx="3897630" cy="523220"/>
+          </a:xfrm>
+          <a:prstGeom prst="rect">
+            <a:avLst/>
+          </a:prstGeom>
+          <a:noFill/>
+        </p:spPr>
+        <p:txBody>
+          <a:bodyPr wrap="square" rtlCol="0">
+            <a:spAutoFit/>
+          </a:bodyPr>
+          <a:lstStyle/>
+          <a:p>
+            <a:pPr marL="457200" indent="-457200">
+              <a:buFont typeface="Arial" charset="0"/>
+              <a:buChar char="•"/>
+            </a:pPr>
+            <a:r>
+              <a:rPr kumimoji="1" lang="zh-CN" altLang="en-US" sz="2800" dirty="0" smtClean="0">
+                <a:solidFill>
+                  <a:schemeClr val="bg2"/>
+                </a:solidFill>
+              </a:rPr>
+              <a:t>研究思路</a:t>
+            </a:r>
+            <a:endParaRPr kumimoji="1" lang="zh-CN" altLang="en-US" sz="2800" dirty="0">
+              <a:solidFill>
+                <a:schemeClr val="bg2"/>
+              </a:solidFill>
+            </a:endParaRPr>
+          </a:p>
+        </p:txBody>
+      </p:sp>
+      <p:sp>
+        <p:nvSpPr>
+          <p:cNvPr id="2" name="圆角矩形 1"/>
+          <p:cNvSpPr/>
+          <p:nvPr/>
+        </p:nvSpPr>
+        <p:spPr>
+          <a:xfrm>
+            <a:off x="619125" y="2628900"/>
+            <a:ext cx="1794510" cy="1051560"/>
+          </a:xfrm>
+          <a:prstGeom prst="roundRect">
+            <a:avLst/>
+          </a:prstGeom>
+          <a:solidFill>
+            <a:schemeClr val="accent5">
+              <a:lumMod val="50000"/>
+            </a:schemeClr>
+          </a:solidFill>
+        </p:spPr>
+        <p:style>
+          <a:lnRef idx="2">
+            <a:schemeClr val="accent1">
+              <a:shade val="50000"/>
+            </a:schemeClr>
+          </a:lnRef>
+          <a:fillRef idx="1">
+            <a:schemeClr val="accent1"/>
+          </a:fillRef>
+          <a:effectRef idx="0">
+            <a:schemeClr val="accent1"/>
+          </a:effectRef>
+          <a:fontRef idx="minor">
+            <a:schemeClr val="lt1"/>
+          </a:fontRef>
+        </p:style>
+        <p:txBody>
+          <a:bodyPr rtlCol="0" anchor="ctr"/>
+          <a:lstStyle/>
+          <a:p>
+            <a:pPr algn="ctr"/>
+            <a:r>
+              <a:rPr kumimoji="1" lang="zh-CN" altLang="en-US" dirty="0" smtClean="0"/>
+              <a:t>证明时间树中蕴含高质量的搜索经验</a:t>
+            </a:r>
+            <a:endParaRPr kumimoji="1" lang="zh-CN" altLang="en-US" dirty="0"/>
+          </a:p>
+        </p:txBody>
+      </p:sp>
+      <p:sp>
+        <p:nvSpPr>
+          <p:cNvPr id="5" name="圆角矩形 4"/>
+          <p:cNvSpPr/>
+          <p:nvPr/>
+        </p:nvSpPr>
+        <p:spPr>
+          <a:xfrm>
+            <a:off x="3537585" y="2628900"/>
+            <a:ext cx="1794510" cy="1051560"/>
+          </a:xfrm>
+          <a:prstGeom prst="roundRect">
+            <a:avLst/>
+          </a:prstGeom>
+          <a:solidFill>
+            <a:schemeClr val="accent5">
+              <a:lumMod val="50000"/>
+            </a:schemeClr>
+          </a:solidFill>
+        </p:spPr>
+        <p:style>
+          <a:lnRef idx="2">
+            <a:schemeClr val="accent1">
+              <a:shade val="50000"/>
+            </a:schemeClr>
+          </a:lnRef>
+          <a:fillRef idx="1">
+            <a:schemeClr val="accent1"/>
+          </a:fillRef>
+          <a:effectRef idx="0">
+            <a:schemeClr val="accent1"/>
+          </a:effectRef>
+          <a:fontRef idx="minor">
+            <a:schemeClr val="lt1"/>
+          </a:fontRef>
+        </p:style>
+        <p:txBody>
+          <a:bodyPr rtlCol="0" anchor="ctr"/>
+          <a:lstStyle/>
+          <a:p>
+            <a:pPr algn="ctr"/>
+            <a:r>
+              <a:rPr kumimoji="1" lang="zh-CN" altLang="en-US" dirty="0" smtClean="0"/>
+              <a:t>如何提取</a:t>
+            </a:r>
+            <a:endParaRPr kumimoji="1" lang="en-US" altLang="zh-CN" dirty="0" smtClean="0"/>
+          </a:p>
+          <a:p>
+            <a:pPr algn="ctr"/>
+            <a:r>
+              <a:rPr kumimoji="1" lang="zh-CN" altLang="en-US" dirty="0" smtClean="0"/>
+              <a:t>搜索经验</a:t>
+            </a:r>
+            <a:endParaRPr kumimoji="1" lang="zh-CN" altLang="en-US" dirty="0"/>
+          </a:p>
+        </p:txBody>
+      </p:sp>
+      <p:sp>
+        <p:nvSpPr>
+          <p:cNvPr id="6" name="圆角矩形 5"/>
+          <p:cNvSpPr/>
+          <p:nvPr/>
+        </p:nvSpPr>
+        <p:spPr>
+          <a:xfrm>
+            <a:off x="6456045" y="2628900"/>
+            <a:ext cx="1794510" cy="1051560"/>
+          </a:xfrm>
+          <a:prstGeom prst="roundRect">
+            <a:avLst/>
+          </a:prstGeom>
+          <a:solidFill>
+            <a:schemeClr val="accent5">
+              <a:lumMod val="50000"/>
+            </a:schemeClr>
+          </a:solidFill>
+        </p:spPr>
+        <p:style>
+          <a:lnRef idx="2">
+            <a:schemeClr val="accent1">
+              <a:shade val="50000"/>
+            </a:schemeClr>
+          </a:lnRef>
+          <a:fillRef idx="1">
+            <a:schemeClr val="accent1"/>
+          </a:fillRef>
+          <a:effectRef idx="0">
+            <a:schemeClr val="accent1"/>
+          </a:effectRef>
+          <a:fontRef idx="minor">
+            <a:schemeClr val="lt1"/>
+          </a:fontRef>
+        </p:style>
+        <p:txBody>
+          <a:bodyPr rtlCol="0" anchor="ctr"/>
+          <a:lstStyle/>
+          <a:p>
+            <a:pPr algn="ctr"/>
+            <a:r>
+              <a:rPr kumimoji="1" lang="zh-CN" altLang="en-US" dirty="0" smtClean="0"/>
+              <a:t>如何利用提取的搜索经验进行查询推荐</a:t>
+            </a:r>
+            <a:endParaRPr kumimoji="1" lang="zh-CN" altLang="en-US" dirty="0"/>
+          </a:p>
+        </p:txBody>
+      </p:sp>
+      <p:cxnSp>
+        <p:nvCxnSpPr>
+          <p:cNvPr id="7" name="直线箭头连接符 6"/>
+          <p:cNvCxnSpPr>
+            <a:stCxn id="2" idx="3"/>
+            <a:endCxn id="5" idx="1"/>
+          </p:cNvCxnSpPr>
+          <p:nvPr/>
+        </p:nvCxnSpPr>
+        <p:spPr>
+          <a:xfrm>
+            <a:off x="2413635" y="3154680"/>
+            <a:ext cx="1123950" cy="0"/>
+          </a:xfrm>
+          <a:prstGeom prst="straightConnector1">
+            <a:avLst/>
+          </a:prstGeom>
+          <a:ln w="28575">
+            <a:solidFill>
+              <a:schemeClr val="bg2"/>
+            </a:solidFill>
+            <a:tailEnd type="triangle"/>
+          </a:ln>
+        </p:spPr>
+        <p:style>
+          <a:lnRef idx="1">
+            <a:schemeClr val="accent1"/>
+          </a:lnRef>
+          <a:fillRef idx="0">
+            <a:schemeClr val="accent1"/>
+          </a:fillRef>
+          <a:effectRef idx="0">
+            <a:schemeClr val="accent1"/>
+          </a:effectRef>
+          <a:fontRef idx="minor">
+            <a:schemeClr val="tx1"/>
+          </a:fontRef>
+        </p:style>
+      </p:cxnSp>
+      <p:cxnSp>
+        <p:nvCxnSpPr>
+          <p:cNvPr id="8" name="直线箭头连接符 7"/>
+          <p:cNvCxnSpPr>
+            <a:stCxn id="8" idx="3"/>
+          </p:cNvCxnSpPr>
+          <p:nvPr/>
+        </p:nvCxnSpPr>
+        <p:spPr>
+          <a:xfrm>
+            <a:off x="5332095" y="3154680"/>
+            <a:ext cx="1123950" cy="0"/>
+          </a:xfrm>
+          <a:prstGeom prst="straightConnector1">
+            <a:avLst/>
+          </a:prstGeom>
+          <a:ln w="28575">
+            <a:solidFill>
+              <a:schemeClr val="bg2"/>
+            </a:solidFill>
+            <a:tailEnd type="triangle"/>
+          </a:ln>
+        </p:spPr>
+        <p:style>
+          <a:lnRef idx="1">
+            <a:schemeClr val="accent1"/>
+          </a:lnRef>
+          <a:fillRef idx="0">
+            <a:schemeClr val="accent1"/>
+          </a:fillRef>
+          <a:effectRef idx="0">
+            <a:schemeClr val="accent1"/>
+          </a:effectRef>
+          <a:fontRef idx="minor">
+            <a:schemeClr val="tx1"/>
+          </a:fontRef>
+        </p:style>
+      </p:cxnSp>
+      <p:sp>
+        <p:nvSpPr>
+          <p:cNvPr id="9" name="圆角矩形 8"/>
+          <p:cNvSpPr/>
+          <p:nvPr/>
+        </p:nvSpPr>
+        <p:spPr>
+          <a:xfrm>
+            <a:off x="619125" y="4838700"/>
+            <a:ext cx="7631430" cy="1051560"/>
+          </a:xfrm>
+          <a:prstGeom prst="roundRect">
+            <a:avLst/>
+          </a:prstGeom>
+          <a:solidFill>
+            <a:schemeClr val="accent5">
+              <a:lumMod val="50000"/>
+            </a:schemeClr>
+          </a:solidFill>
+        </p:spPr>
+        <p:style>
+          <a:lnRef idx="2">
+            <a:schemeClr val="accent1">
+              <a:shade val="50000"/>
+            </a:schemeClr>
+          </a:lnRef>
+          <a:fillRef idx="1">
+            <a:schemeClr val="accent1"/>
+          </a:fillRef>
+          <a:effectRef idx="0">
+            <a:schemeClr val="accent1"/>
+          </a:effectRef>
+          <a:fontRef idx="minor">
+            <a:schemeClr val="lt1"/>
+          </a:fontRef>
+        </p:style>
+        <p:txBody>
+          <a:bodyPr rtlCol="0" anchor="ctr"/>
+          <a:lstStyle/>
+          <a:p>
+            <a:pPr algn="ctr"/>
+            <a:r>
+              <a:rPr kumimoji="1" lang="zh-CN" altLang="en-US" dirty="0" smtClean="0"/>
+              <a:t>设计实现面向搜索经验的查询推荐系统</a:t>
+            </a:r>
+            <a:endParaRPr kumimoji="1" lang="zh-CN" altLang="en-US" dirty="0"/>
+          </a:p>
+        </p:txBody>
+      </p:sp>
+      <p:sp>
+        <p:nvSpPr>
+          <p:cNvPr id="10" name="下箭头 9"/>
+          <p:cNvSpPr/>
+          <p:nvPr/>
+        </p:nvSpPr>
+        <p:spPr>
+          <a:xfrm>
+            <a:off x="4171950" y="3882390"/>
+            <a:ext cx="457200" cy="754380"/>
+          </a:xfrm>
+          <a:prstGeom prst="downArrow">
+            <a:avLst/>
+          </a:prstGeom>
+          <a:solidFill>
+            <a:schemeClr val="bg2"/>
+          </a:solidFill>
+        </p:spPr>
+        <p:style>
+          <a:lnRef idx="2">
+            <a:schemeClr val="accent1">
+              <a:shade val="50000"/>
+            </a:schemeClr>
+          </a:lnRef>
+          <a:fillRef idx="1">
+            <a:schemeClr val="accent1"/>
+          </a:fillRef>
+          <a:effectRef idx="0">
+            <a:schemeClr val="accent1"/>
+          </a:effectRef>
+          <a:fontRef idx="minor">
+            <a:schemeClr val="lt1"/>
+          </a:fontRef>
+        </p:style>
+        <p:txBody>
+          <a:bodyPr rtlCol="0" anchor="ctr"/>
+          <a:lstStyle/>
+          <a:p>
+            <a:pPr algn="ctr"/>
+            <a:endParaRPr kumimoji="1" lang="zh-CN" altLang="en-US"/>
+          </a:p>
+        </p:txBody>
+      </p:sp>
+    </p:spTree>
+    <p:extLst>
+      <p:ext uri="{BB962C8B-B14F-4D97-AF65-F5344CB8AC3E}">
+        <p14:creationId xmlns:p14="http://schemas.microsoft.com/office/powerpoint/2010/main" val="26657504"/>
+      </p:ext>
+    </p:extLst>
+  </p:cSld>
+  <p:clrMapOvr>
+    <a:masterClrMapping/>
+  </p:clrMapOvr>
+  <p:timing>
+    <p:tnLst>
+      <p:par>
+        <p:cTn id="1" dur="indefinite" restart="never" nodeType="tmRoot"/>
+      </p:par>
+    </p:tnLst>
+  </p:timing>
+</p:sld>
+</file>
+
+<file path=ppt/slides/slide8.xml><?xml version="1.0" encoding="utf-8"?>
+<p:sld xmlns:a="http://schemas.openxmlformats.org/drawingml/2006/main" xmlns:r="http://schemas.openxmlformats.org/officeDocument/2006/relationships" xmlns:p="http://schemas.openxmlformats.org/presentationml/2006/main">
+  <p:cSld>
+    <p:spTree>
+      <p:nvGrpSpPr>
+        <p:cNvPr id="1" name=""/>
+        <p:cNvGrpSpPr/>
+        <p:nvPr/>
+      </p:nvGrpSpPr>
+      <p:grpSpPr>
+        <a:xfrm>
+          <a:off x="0" y="0"/>
+          <a:ext cx="0" cy="0"/>
+          <a:chOff x="0" y="0"/>
+          <a:chExt cx="0" cy="0"/>
+        </a:xfrm>
+      </p:grpSpPr>
+      <p:sp>
+        <p:nvSpPr>
+          <p:cNvPr id="4" name="文本框 3"/>
+          <p:cNvSpPr txBox="1"/>
+          <p:nvPr/>
+        </p:nvSpPr>
+        <p:spPr>
+          <a:xfrm>
+            <a:off x="274320" y="194310"/>
+            <a:ext cx="7703820" cy="523220"/>
+          </a:xfrm>
+          <a:prstGeom prst="rect">
+            <a:avLst/>
+          </a:prstGeom>
+          <a:noFill/>
+        </p:spPr>
+        <p:txBody>
+          <a:bodyPr wrap="square" rtlCol="0">
+            <a:spAutoFit/>
+          </a:bodyPr>
+          <a:lstStyle/>
+          <a:p>
+            <a:pPr marL="457200" indent="-457200">
+              <a:buFont typeface="Arial" charset="0"/>
+              <a:buChar char="•"/>
+            </a:pPr>
+            <a:r>
+              <a:rPr kumimoji="1" lang="zh-CN" altLang="en-US" sz="2800" dirty="0" smtClean="0">
+                <a:solidFill>
+                  <a:schemeClr val="bg2"/>
+                </a:solidFill>
+              </a:rPr>
+              <a:t>研究方法 </a:t>
+            </a:r>
+            <a:r>
+              <a:rPr kumimoji="1" lang="en-US" altLang="zh-CN" sz="2800" dirty="0">
+                <a:solidFill>
+                  <a:schemeClr val="bg2"/>
+                </a:solidFill>
+              </a:rPr>
+              <a:t>-</a:t>
+            </a:r>
+            <a:r>
+              <a:rPr kumimoji="1" lang="zh-CN" altLang="en-US" sz="2800" dirty="0" smtClean="0">
+                <a:solidFill>
+                  <a:schemeClr val="bg2"/>
+                </a:solidFill>
+              </a:rPr>
+              <a:t> 时间树中搜索经验蕴含性的证明</a:t>
+            </a:r>
+            <a:endParaRPr kumimoji="1" lang="zh-CN" altLang="en-US" sz="2800" dirty="0">
+              <a:solidFill>
+                <a:schemeClr val="bg2"/>
+              </a:solidFill>
+            </a:endParaRPr>
+          </a:p>
+        </p:txBody>
+      </p:sp>
+      <p:sp>
+        <p:nvSpPr>
+          <p:cNvPr id="9" name="文本框 8"/>
+          <p:cNvSpPr txBox="1"/>
+          <p:nvPr/>
+        </p:nvSpPr>
+        <p:spPr>
+          <a:xfrm>
+            <a:off x="800100" y="2789902"/>
+            <a:ext cx="7646670" cy="461665"/>
+          </a:xfrm>
+          <a:prstGeom prst="rect">
+            <a:avLst/>
+          </a:prstGeom>
+          <a:noFill/>
+        </p:spPr>
+        <p:txBody>
+          <a:bodyPr wrap="square" rtlCol="0">
+            <a:spAutoFit/>
+          </a:bodyPr>
+          <a:lstStyle/>
+          <a:p>
+            <a:pPr marL="342900" indent="-342900">
+              <a:buFont typeface="Arial" charset="0"/>
+              <a:buChar char="•"/>
+            </a:pPr>
+            <a:r>
+              <a:rPr kumimoji="1" lang="zh-CN" altLang="en-US" sz="2400" dirty="0" smtClean="0">
+                <a:solidFill>
+                  <a:schemeClr val="bg2"/>
+                </a:solidFill>
+              </a:rPr>
+              <a:t>搜索经验模型及搜索经验一致性模型</a:t>
+            </a:r>
+            <a:endParaRPr kumimoji="1" lang="zh-CN" altLang="en-US" sz="2400" dirty="0">
+              <a:solidFill>
+                <a:schemeClr val="bg2"/>
+              </a:solidFill>
+            </a:endParaRPr>
+          </a:p>
+        </p:txBody>
+      </p:sp>
+      <p:sp>
+        <p:nvSpPr>
+          <p:cNvPr id="10" name="文本框 9"/>
+          <p:cNvSpPr txBox="1"/>
+          <p:nvPr/>
+        </p:nvSpPr>
+        <p:spPr>
+          <a:xfrm>
+            <a:off x="800100" y="3399502"/>
+            <a:ext cx="7646670" cy="461665"/>
+          </a:xfrm>
+          <a:prstGeom prst="rect">
+            <a:avLst/>
+          </a:prstGeom>
+          <a:noFill/>
+        </p:spPr>
+        <p:txBody>
+          <a:bodyPr wrap="square" rtlCol="0">
+            <a:spAutoFit/>
+          </a:bodyPr>
+          <a:lstStyle/>
+          <a:p>
+            <a:pPr marL="342900" indent="-342900">
+              <a:buFont typeface="Arial" charset="0"/>
+              <a:buChar char="•"/>
+            </a:pPr>
+            <a:r>
+              <a:rPr kumimoji="1" lang="zh-CN" altLang="en-US" sz="2400" dirty="0" smtClean="0">
+                <a:solidFill>
+                  <a:schemeClr val="bg2"/>
+                </a:solidFill>
+              </a:rPr>
+              <a:t>搜索经验蕴含性验证实验</a:t>
+            </a:r>
+            <a:endParaRPr kumimoji="1" lang="zh-CN" altLang="en-US" sz="2400" dirty="0">
+              <a:solidFill>
+                <a:schemeClr val="bg2"/>
+              </a:solidFill>
+            </a:endParaRPr>
+          </a:p>
+        </p:txBody>
+      </p:sp>
+    </p:spTree>
+    <p:extLst>
+      <p:ext uri="{BB962C8B-B14F-4D97-AF65-F5344CB8AC3E}">
+        <p14:creationId xmlns:p14="http://schemas.microsoft.com/office/powerpoint/2010/main" val="1061313548"/>
+      </p:ext>
+    </p:extLst>
+  </p:cSld>
+  <p:clrMapOvr>
+    <a:masterClrMapping/>
+  </p:clrMapOvr>
+  <p:timing>
+    <p:tnLst>
+      <p:par>
+        <p:cTn id="1" dur="indefinite" restart="never" nodeType="tmRoot"/>
+      </p:par>
+    </p:tnLst>
+  </p:timing>
+</p:sld>
+</file>
+
+<file path=ppt/slides/slide9.xml><?xml version="1.0" encoding="utf-8"?>
+<p:sld xmlns:a="http://schemas.openxmlformats.org/drawingml/2006/main" xmlns:r="http://schemas.openxmlformats.org/officeDocument/2006/relationships" xmlns:p="http://schemas.openxmlformats.org/presentationml/2006/main">
+  <p:cSld>
+    <p:spTree>
+      <p:nvGrpSpPr>
+        <p:cNvPr id="1" name=""/>
+        <p:cNvGrpSpPr/>
+        <p:nvPr/>
+      </p:nvGrpSpPr>
+      <p:grpSpPr>
+        <a:xfrm>
+          <a:off x="0" y="0"/>
+          <a:ext cx="0" cy="0"/>
+          <a:chOff x="0" y="0"/>
+          <a:chExt cx="0" cy="0"/>
+        </a:xfrm>
+      </p:grpSpPr>
+      <p:sp>
+        <p:nvSpPr>
+          <p:cNvPr id="4" name="文本框 3"/>
+          <p:cNvSpPr txBox="1"/>
+          <p:nvPr/>
+        </p:nvSpPr>
+        <p:spPr>
+          <a:xfrm>
+            <a:off x="274320" y="194310"/>
+            <a:ext cx="7703820" cy="523220"/>
+          </a:xfrm>
+          <a:prstGeom prst="rect">
+            <a:avLst/>
+          </a:prstGeom>
+          <a:noFill/>
+        </p:spPr>
+        <p:txBody>
+          <a:bodyPr wrap="square" rtlCol="0">
+            <a:spAutoFit/>
+          </a:bodyPr>
+          <a:lstStyle/>
+          <a:p>
+            <a:pPr marL="457200" indent="-457200">
+              <a:buFont typeface="Arial" charset="0"/>
+              <a:buChar char="•"/>
+            </a:pPr>
+            <a:r>
+              <a:rPr kumimoji="1" lang="zh-CN" altLang="en-US" sz="2800" dirty="0" smtClean="0">
+                <a:solidFill>
+                  <a:schemeClr val="bg2"/>
+                </a:solidFill>
+              </a:rPr>
+              <a:t>研究方法 </a:t>
+            </a:r>
+            <a:r>
+              <a:rPr kumimoji="1" lang="en-US" altLang="zh-CN" sz="2800" dirty="0">
+                <a:solidFill>
+                  <a:schemeClr val="bg2"/>
+                </a:solidFill>
+              </a:rPr>
+              <a:t>-</a:t>
+            </a:r>
+            <a:r>
+              <a:rPr kumimoji="1" lang="zh-CN" altLang="en-US" sz="2800" dirty="0" smtClean="0">
+                <a:solidFill>
+                  <a:schemeClr val="bg2"/>
+                </a:solidFill>
+              </a:rPr>
+              <a:t> 搜索经验提取方法的提出</a:t>
+            </a:r>
+            <a:endParaRPr kumimoji="1" lang="zh-CN" altLang="en-US" sz="2800" dirty="0">
+              <a:solidFill>
+                <a:schemeClr val="bg2"/>
+              </a:solidFill>
+            </a:endParaRPr>
+          </a:p>
+        </p:txBody>
+      </p:sp>
+      <p:sp>
+        <p:nvSpPr>
+          <p:cNvPr id="9" name="文本框 8"/>
+          <p:cNvSpPr txBox="1"/>
+          <p:nvPr/>
+        </p:nvSpPr>
+        <p:spPr>
+          <a:xfrm>
+            <a:off x="800100" y="2789902"/>
+            <a:ext cx="7646670" cy="461665"/>
+          </a:xfrm>
+          <a:prstGeom prst="rect">
+            <a:avLst/>
+          </a:prstGeom>
+          <a:noFill/>
+        </p:spPr>
+        <p:txBody>
+          <a:bodyPr wrap="square" rtlCol="0">
+            <a:spAutoFit/>
+          </a:bodyPr>
+          <a:lstStyle/>
+          <a:p>
+            <a:pPr marL="342900" indent="-342900">
+              <a:buFont typeface="Arial" charset="0"/>
+              <a:buChar char="•"/>
+            </a:pPr>
+            <a:r>
+              <a:rPr kumimoji="1" lang="zh-CN" altLang="en-US" sz="2400" dirty="0" smtClean="0">
+                <a:solidFill>
+                  <a:schemeClr val="bg2"/>
+                </a:solidFill>
+              </a:rPr>
+              <a:t>基于查询</a:t>
+            </a:r>
+            <a:r>
+              <a:rPr kumimoji="1" lang="en-US" altLang="zh-CN" sz="2400" dirty="0" smtClean="0">
+                <a:solidFill>
+                  <a:schemeClr val="bg2"/>
+                </a:solidFill>
+              </a:rPr>
+              <a:t>-</a:t>
+            </a:r>
+            <a:r>
+              <a:rPr kumimoji="1" lang="zh-CN" altLang="en-US" sz="2400" dirty="0" smtClean="0">
+                <a:solidFill>
+                  <a:schemeClr val="bg2"/>
+                </a:solidFill>
+              </a:rPr>
+              <a:t>点击</a:t>
+            </a:r>
+            <a:r>
+              <a:rPr kumimoji="1" lang="en-US" altLang="zh-CN" sz="2400" dirty="0" smtClean="0">
+                <a:solidFill>
+                  <a:schemeClr val="bg2"/>
+                </a:solidFill>
+              </a:rPr>
+              <a:t>-</a:t>
+            </a:r>
+            <a:r>
+              <a:rPr kumimoji="1" lang="zh-CN" altLang="en-US" sz="2400" dirty="0" smtClean="0">
+                <a:solidFill>
+                  <a:schemeClr val="bg2"/>
+                </a:solidFill>
+              </a:rPr>
+              <a:t>查询序列识别的因果经验提取算法</a:t>
+            </a:r>
+            <a:endParaRPr kumimoji="1" lang="zh-CN" altLang="en-US" sz="2400" dirty="0">
+              <a:solidFill>
+                <a:schemeClr val="bg2"/>
+              </a:solidFill>
+            </a:endParaRPr>
+          </a:p>
+        </p:txBody>
+      </p:sp>
+      <p:sp>
+        <p:nvSpPr>
+          <p:cNvPr id="10" name="文本框 9"/>
+          <p:cNvSpPr txBox="1"/>
+          <p:nvPr/>
+        </p:nvSpPr>
+        <p:spPr>
+          <a:xfrm>
+            <a:off x="800100" y="3399502"/>
+            <a:ext cx="7646670" cy="461665"/>
+          </a:xfrm>
+          <a:prstGeom prst="rect">
+            <a:avLst/>
+          </a:prstGeom>
+          <a:noFill/>
+        </p:spPr>
+        <p:txBody>
+          <a:bodyPr wrap="square" rtlCol="0">
+            <a:spAutoFit/>
+          </a:bodyPr>
+          <a:lstStyle/>
+          <a:p>
+            <a:pPr marL="342900" indent="-342900">
+              <a:buFont typeface="Arial" charset="0"/>
+              <a:buChar char="•"/>
+            </a:pPr>
+            <a:r>
+              <a:rPr kumimoji="1" lang="zh-CN" altLang="en-US" sz="2400" dirty="0" smtClean="0">
+                <a:solidFill>
+                  <a:schemeClr val="bg2"/>
+                </a:solidFill>
+              </a:rPr>
+              <a:t>基于子任务划分的主题经验提取算法</a:t>
+            </a:r>
+            <a:endParaRPr kumimoji="1" lang="zh-CN" altLang="en-US" sz="2400" dirty="0">
+              <a:solidFill>
+                <a:schemeClr val="bg2"/>
+              </a:solidFill>
+            </a:endParaRPr>
+          </a:p>
+        </p:txBody>
+      </p:sp>
+    </p:spTree>
+    <p:extLst>
+      <p:ext uri="{BB962C8B-B14F-4D97-AF65-F5344CB8AC3E}">
+        <p14:creationId xmlns:p14="http://schemas.microsoft.com/office/powerpoint/2010/main" val="1007069536"/>
+      </p:ext>
+    </p:extLst>
+  </p:cSld>
+  <p:clrMapOvr>
+    <a:masterClrMapping/>
+  </p:clrMapOvr>
+  <p:timing>
+    <p:tnLst>
+      <p:par>
+        <p:cTn id="1" dur="indefinite" restart="never" nodeType="tmRoot"/>
+      </p:par>
+    </p:tnLst>
+  </p:timing>
 </p:sld>
 </file>
 
 <file path=ppt/theme/theme1.xml><?xml version="1.0" encoding="utf-8"?>
 <a:theme xmlns:a="http://schemas.openxmlformats.org/drawingml/2006/main" name="Office 主题​​">
   <a:themeElements>
-    <a:clrScheme name="Office">
+    <a:clrScheme name="Office 主题">
       <a:dk1>
         <a:sysClr val="windowText" lastClr="000000"/>
       </a:dk1>
@@ -3150,7 +5792,7 @@
         <a:srgbClr val="E7E6E6"/>
       </a:lt2>
       <a:accent1>
-        <a:srgbClr val="5B9BD5"/>
+        <a:srgbClr val="4472C4"/>
       </a:accent1>
       <a:accent2>
         <a:srgbClr val="ED7D31"/>
@@ -3162,7 +5804,7 @@
         <a:srgbClr val="FFC000"/>
       </a:accent4>
       <a:accent5>
-        <a:srgbClr val="4472C4"/>
+        <a:srgbClr val="5B9BD5"/>
       </a:accent5>
       <a:accent6>
         <a:srgbClr val="70AD47"/>
@@ -3174,9 +5816,9 @@
         <a:srgbClr val="954F72"/>
       </a:folHlink>
     </a:clrScheme>
-    <a:fontScheme name="Office">
+    <a:fontScheme name="Office 主题">
       <a:majorFont>
-        <a:latin typeface="等线 Light" panose="020F0302020204030204"/>
+        <a:latin typeface="Calibri Light" panose="020F0302020204030204"/>
         <a:ea typeface=""/>
         <a:cs typeface=""/>
         <a:font script="Jpan" typeface="游ゴシック Light"/>
@@ -3209,26 +5851,9 @@
         <a:font script="Viet" typeface="Times New Roman"/>
         <a:font script="Uigh" typeface="Microsoft Uighur"/>
         <a:font script="Geor" typeface="Sylfaen"/>
-        <a:font script="Armn" typeface="Arial"/>
-        <a:font script="Bugi" typeface="Leelawadee UI"/>
-        <a:font script="Bopo" typeface="Microsoft JhengHei"/>
-        <a:font script="Java" typeface="Javanese Text"/>
-        <a:font script="Lisu" typeface="Segoe UI"/>
-        <a:font script="Mymr" typeface="Myanmar Text"/>
-        <a:font script="Nkoo" typeface="Ebrima"/>
-        <a:font script="Olck" typeface="Nirmala UI"/>
-        <a:font script="Osma" typeface="Ebrima"/>
-        <a:font script="Phag" typeface="Phagspa"/>
-        <a:font script="Syrn" typeface="Estrangelo Edessa"/>
-        <a:font script="Syrj" typeface="Estrangelo Edessa"/>
-        <a:font script="Syre" typeface="Estrangelo Edessa"/>
-        <a:font script="Sora" typeface="Nirmala UI"/>
-        <a:font script="Tale" typeface="Microsoft Tai Le"/>
-        <a:font script="Talu" typeface="Microsoft New Tai Lue"/>
-        <a:font script="Tfng" typeface="Ebrima"/>
       </a:majorFont>
       <a:minorFont>
-        <a:latin typeface="等线" panose="020F0502020204030204"/>
+        <a:latin typeface="Calibri" panose="020F0502020204030204"/>
         <a:ea typeface=""/>
         <a:cs typeface=""/>
         <a:font script="Jpan" typeface="游ゴシック"/>
@@ -3261,23 +5886,267 @@
         <a:font script="Viet" typeface="Arial"/>
         <a:font script="Uigh" typeface="Microsoft Uighur"/>
         <a:font script="Geor" typeface="Sylfaen"/>
-        <a:font script="Armn" typeface="Arial"/>
-        <a:font script="Bugi" typeface="Leelawadee UI"/>
-        <a:font script="Bopo" typeface="Microsoft JhengHei"/>
-        <a:font script="Java" typeface="Javanese Text"/>
-        <a:font script="Lisu" typeface="Segoe UI"/>
-        <a:font script="Mymr" typeface="Myanmar Text"/>
-        <a:font script="Nkoo" typeface="Ebrima"/>
-        <a:font script="Olck" typeface="Nirmala UI"/>
-        <a:font script="Osma" typeface="Ebrima"/>
-        <a:font script="Phag" typeface="Phagspa"/>
-        <a:font script="Syrn" typeface="Estrangelo Edessa"/>
-        <a:font script="Syrj" typeface="Estrangelo Edessa"/>
-        <a:font script="Syre" typeface="Estrangelo Edessa"/>
-        <a:font script="Sora" typeface="Nirmala UI"/>
-        <a:font script="Tale" typeface="Microsoft Tai Le"/>
-        <a:font script="Talu" typeface="Microsoft New Tai Lue"/>
-        <a:font script="Tfng" typeface="Ebrima"/>
+      </a:minorFont>
+    </a:fontScheme>
+    <a:fmtScheme name="Office 主题">
+      <a:fillStyleLst>
+        <a:solidFill>
+          <a:schemeClr val="phClr"/>
+        </a:solidFill>
+        <a:gradFill rotWithShape="1">
+          <a:gsLst>
+            <a:gs pos="0">
+              <a:schemeClr val="phClr">
+                <a:lumMod val="110000"/>
+                <a:satMod val="105000"/>
+                <a:tint val="67000"/>
+              </a:schemeClr>
+            </a:gs>
+            <a:gs pos="50000">
+              <a:schemeClr val="phClr">
+                <a:lumMod val="105000"/>
+                <a:satMod val="103000"/>
+                <a:tint val="73000"/>
+              </a:schemeClr>
+            </a:gs>
+            <a:gs pos="100000">
+              <a:schemeClr val="phClr">
+                <a:lumMod val="105000"/>
+                <a:satMod val="109000"/>
+                <a:tint val="81000"/>
+              </a:schemeClr>
+            </a:gs>
+          </a:gsLst>
+          <a:lin ang="5400000" scaled="0"/>
+        </a:gradFill>
+        <a:gradFill rotWithShape="1">
+          <a:gsLst>
+            <a:gs pos="0">
+              <a:schemeClr val="phClr">
+                <a:satMod val="103000"/>
+                <a:lumMod val="102000"/>
+                <a:tint val="94000"/>
+              </a:schemeClr>
+            </a:gs>
+            <a:gs pos="50000">
+              <a:schemeClr val="phClr">
+                <a:satMod val="110000"/>
+                <a:lumMod val="100000"/>
+                <a:shade val="100000"/>
+              </a:schemeClr>
+            </a:gs>
+            <a:gs pos="100000">
+              <a:schemeClr val="phClr">
+                <a:lumMod val="99000"/>
+                <a:satMod val="120000"/>
+                <a:shade val="78000"/>
+              </a:schemeClr>
+            </a:gs>
+          </a:gsLst>
+          <a:lin ang="5400000" scaled="0"/>
+        </a:gradFill>
+      </a:fillStyleLst>
+      <a:lnStyleLst>
+        <a:ln w="6350" cap="flat" cmpd="sng" algn="ctr">
+          <a:solidFill>
+            <a:schemeClr val="phClr"/>
+          </a:solidFill>
+          <a:prstDash val="solid"/>
+          <a:miter lim="800000"/>
+        </a:ln>
+        <a:ln w="12700" cap="flat" cmpd="sng" algn="ctr">
+          <a:solidFill>
+            <a:schemeClr val="phClr"/>
+          </a:solidFill>
+          <a:prstDash val="solid"/>
+          <a:miter lim="800000"/>
+        </a:ln>
+        <a:ln w="19050" cap="flat" cmpd="sng" algn="ctr">
+          <a:solidFill>
+            <a:schemeClr val="phClr"/>
+          </a:solidFill>
+          <a:prstDash val="solid"/>
+          <a:miter lim="800000"/>
+        </a:ln>
+      </a:lnStyleLst>
+      <a:effectStyleLst>
+        <a:effectStyle>
+          <a:effectLst/>
+        </a:effectStyle>
+        <a:effectStyle>
+          <a:effectLst/>
+        </a:effectStyle>
+        <a:effectStyle>
+          <a:effectLst>
+            <a:outerShdw blurRad="57150" dist="19050" dir="5400000" algn="ctr" rotWithShape="0">
+              <a:srgbClr val="000000">
+                <a:alpha val="63000"/>
+              </a:srgbClr>
+            </a:outerShdw>
+          </a:effectLst>
+        </a:effectStyle>
+      </a:effectStyleLst>
+      <a:bgFillStyleLst>
+        <a:solidFill>
+          <a:schemeClr val="phClr"/>
+        </a:solidFill>
+        <a:solidFill>
+          <a:schemeClr val="phClr">
+            <a:tint val="95000"/>
+            <a:satMod val="170000"/>
+          </a:schemeClr>
+        </a:solidFill>
+        <a:gradFill rotWithShape="1">
+          <a:gsLst>
+            <a:gs pos="0">
+              <a:schemeClr val="phClr">
+                <a:tint val="93000"/>
+                <a:satMod val="150000"/>
+                <a:shade val="98000"/>
+                <a:lumMod val="102000"/>
+              </a:schemeClr>
+            </a:gs>
+            <a:gs pos="50000">
+              <a:schemeClr val="phClr">
+                <a:tint val="98000"/>
+                <a:satMod val="130000"/>
+                <a:shade val="90000"/>
+                <a:lumMod val="103000"/>
+              </a:schemeClr>
+            </a:gs>
+            <a:gs pos="100000">
+              <a:schemeClr val="phClr">
+                <a:shade val="63000"/>
+                <a:satMod val="120000"/>
+              </a:schemeClr>
+            </a:gs>
+          </a:gsLst>
+          <a:lin ang="5400000" scaled="0"/>
+        </a:gradFill>
+      </a:bgFillStyleLst>
+    </a:fmtScheme>
+  </a:themeElements>
+  <a:objectDefaults/>
+  <a:extraClrSchemeLst/>
+  <a:extLst>
+    <a:ext uri="{05A4C25C-085E-4340-85A3-A5531E510DB2}">
+      <thm15:themeFamily xmlns:thm15="http://schemas.microsoft.com/office/thememl/2012/main" name="Office Theme" id="{62F939B6-93AF-4DB8-9C6B-D6C7DFDC589F}" vid="{4A3C46E8-61CC-4603-A589-7422A47A8E4A}"/>
+    </a:ext>
+  </a:extLst>
+</a:theme>
+</file>
+
+<file path=ppt/theme/theme2.xml><?xml version="1.0" encoding="utf-8"?>
+<a:theme xmlns:a="http://schemas.openxmlformats.org/drawingml/2006/main" name="Office 主题">
+  <a:themeElements>
+    <a:clrScheme name="Office">
+      <a:dk1>
+        <a:sysClr val="windowText" lastClr="000000"/>
+      </a:dk1>
+      <a:lt1>
+        <a:sysClr val="window" lastClr="FFFFFF"/>
+      </a:lt1>
+      <a:dk2>
+        <a:srgbClr val="44546A"/>
+      </a:dk2>
+      <a:lt2>
+        <a:srgbClr val="E7E6E6"/>
+      </a:lt2>
+      <a:accent1>
+        <a:srgbClr val="4472C4"/>
+      </a:accent1>
+      <a:accent2>
+        <a:srgbClr val="ED7D31"/>
+      </a:accent2>
+      <a:accent3>
+        <a:srgbClr val="A5A5A5"/>
+      </a:accent3>
+      <a:accent4>
+        <a:srgbClr val="FFC000"/>
+      </a:accent4>
+      <a:accent5>
+        <a:srgbClr val="5B9BD5"/>
+      </a:accent5>
+      <a:accent6>
+        <a:srgbClr val="70AD47"/>
+      </a:accent6>
+      <a:hlink>
+        <a:srgbClr val="0563C1"/>
+      </a:hlink>
+      <a:folHlink>
+        <a:srgbClr val="954F72"/>
+      </a:folHlink>
+    </a:clrScheme>
+    <a:fontScheme name="Office">
+      <a:majorFont>
+        <a:latin typeface="DengXian Light" panose="020F0302020204030204"/>
+        <a:ea typeface=""/>
+        <a:cs typeface=""/>
+        <a:font script="Jpan" typeface="Yu Gothic Light"/>
+        <a:font script="Hang" typeface="맑은 고딕"/>
+        <a:font script="Hans" typeface="DengXian Light"/>
+        <a:font script="Hant" typeface="新細明體"/>
+        <a:font script="Arab" typeface="Times New Roman"/>
+        <a:font script="Hebr" typeface="Times New Roman"/>
+        <a:font script="Thai" typeface="Angsana New"/>
+        <a:font script="Ethi" typeface="Nyala"/>
+        <a:font script="Beng" typeface="Vrinda"/>
+        <a:font script="Gujr" typeface="Shruti"/>
+        <a:font script="Khmr" typeface="MoolBoran"/>
+        <a:font script="Knda" typeface="Tunga"/>
+        <a:font script="Guru" typeface="Raavi"/>
+        <a:font script="Cans" typeface="Euphemia"/>
+        <a:font script="Cher" typeface="Plantagenet Cherokee"/>
+        <a:font script="Yiii" typeface="Microsoft Yi Baiti"/>
+        <a:font script="Tibt" typeface="Microsoft Himalaya"/>
+        <a:font script="Thaa" typeface="MV Boli"/>
+        <a:font script="Deva" typeface="Mangal"/>
+        <a:font script="Telu" typeface="Gautami"/>
+        <a:font script="Taml" typeface="Latha"/>
+        <a:font script="Syrc" typeface="Estrangelo Edessa"/>
+        <a:font script="Orya" typeface="Kalinga"/>
+        <a:font script="Mlym" typeface="Kartika"/>
+        <a:font script="Laoo" typeface="DokChampa"/>
+        <a:font script="Sinh" typeface="Iskoola Pota"/>
+        <a:font script="Mong" typeface="Mongolian Baiti"/>
+        <a:font script="Viet" typeface="Times New Roman"/>
+        <a:font script="Uigh" typeface="Microsoft Uighur"/>
+        <a:font script="Geor" typeface="Sylfaen"/>
+      </a:majorFont>
+      <a:minorFont>
+        <a:latin typeface="DengXian" panose="020F0502020204030204"/>
+        <a:ea typeface=""/>
+        <a:cs typeface=""/>
+        <a:font script="Jpan" typeface="Yu Gothic"/>
+        <a:font script="Hang" typeface="맑은 고딕"/>
+        <a:font script="Hans" typeface="DengXian"/>
+        <a:font script="Hant" typeface="新細明體"/>
+        <a:font script="Arab" typeface="Arial"/>
+        <a:font script="Hebr" typeface="Arial"/>
+        <a:font script="Thai" typeface="Cordia New"/>
+        <a:font script="Ethi" typeface="Nyala"/>
+        <a:font script="Beng" typeface="Vrinda"/>
+        <a:font script="Gujr" typeface="Shruti"/>
+        <a:font script="Khmr" typeface="DaunPenh"/>
+        <a:font script="Knda" typeface="Tunga"/>
+        <a:font script="Guru" typeface="Raavi"/>
+        <a:font script="Cans" typeface="Euphemia"/>
+        <a:font script="Cher" typeface="Plantagenet Cherokee"/>
+        <a:font script="Yiii" typeface="Microsoft Yi Baiti"/>
+        <a:font script="Tibt" typeface="Microsoft Himalaya"/>
+        <a:font script="Thaa" typeface="MV Boli"/>
+        <a:font script="Deva" typeface="Mangal"/>
+        <a:font script="Telu" typeface="Gautami"/>
+        <a:font script="Taml" typeface="Latha"/>
+        <a:font script="Syrc" typeface="Estrangelo Edessa"/>
+        <a:font script="Orya" typeface="Kalinga"/>
+        <a:font script="Mlym" typeface="Kartika"/>
+        <a:font script="Laoo" typeface="DokChampa"/>
+        <a:font script="Sinh" typeface="Iskoola Pota"/>
+        <a:font script="Mong" typeface="Mongolian Baiti"/>
+        <a:font script="Viet" typeface="Arial"/>
+        <a:font script="Uigh" typeface="Microsoft Uighur"/>
+        <a:font script="Geor" typeface="Sylfaen"/>
       </a:minorFont>
     </a:fontScheme>
     <a:fmtScheme name="Office">

--- a/phase5/答辩ppt.pptx
+++ b/phase5/答辩ppt.pptx
@@ -5,7 +5,7 @@
     <p:sldMasterId id="2147483660" r:id="rId1"/>
   </p:sldMasterIdLst>
   <p:notesMasterIdLst>
-    <p:notesMasterId r:id="rId13"/>
+    <p:notesMasterId r:id="rId17"/>
   </p:notesMasterIdLst>
   <p:sldIdLst>
     <p:sldId id="256" r:id="rId2"/>
@@ -14,11 +14,15 @@
     <p:sldId id="260" r:id="rId5"/>
     <p:sldId id="261" r:id="rId6"/>
     <p:sldId id="259" r:id="rId7"/>
-    <p:sldId id="262" r:id="rId8"/>
-    <p:sldId id="263" r:id="rId9"/>
-    <p:sldId id="264" r:id="rId10"/>
-    <p:sldId id="265" r:id="rId11"/>
-    <p:sldId id="266" r:id="rId12"/>
+    <p:sldId id="268" r:id="rId8"/>
+    <p:sldId id="267" r:id="rId9"/>
+    <p:sldId id="262" r:id="rId10"/>
+    <p:sldId id="263" r:id="rId11"/>
+    <p:sldId id="269" r:id="rId12"/>
+    <p:sldId id="270" r:id="rId13"/>
+    <p:sldId id="264" r:id="rId14"/>
+    <p:sldId id="265" r:id="rId15"/>
+    <p:sldId id="266" r:id="rId16"/>
   </p:sldIdLst>
   <p:sldSz cx="9144000" cy="6858000" type="screen4x3"/>
   <p:notesSz cx="6858000" cy="9144000"/>
@@ -207,7 +211,7 @@
           <a:p>
             <a:fld id="{3BF1A040-9D4F-D541-A439-73F352E980A4}" type="datetimeFigureOut">
               <a:rPr kumimoji="1" lang="zh-CN" altLang="en-US" smtClean="0"/>
-              <a:t>2017/12/10</a:t>
+              <a:t>2017/12/11</a:t>
             </a:fld>
             <a:endParaRPr kumimoji="1" lang="zh-CN" altLang="en-US"/>
           </a:p>
@@ -528,23 +532,13 @@
           <a:p>
             <a:r>
               <a:rPr kumimoji="1" lang="zh-CN" altLang="en-US" dirty="0" smtClean="0"/>
-              <a:t>时间树是。。。。</a:t>
+              <a:t>时间</a:t>
+            </a:r>
+            <a:r>
+              <a:rPr kumimoji="1" lang="zh-CN" altLang="en-US" dirty="0" smtClean="0"/>
+              <a:t>树将用户在复杂搜索过程中进行的查询用圆圈表示，将用户进行的点击用方块表示。并将他们组织称一棵树的形式。</a:t>
             </a:r>
             <a:endParaRPr kumimoji="1" lang="en-US" altLang="zh-CN" dirty="0" smtClean="0"/>
-          </a:p>
-          <a:p>
-            <a:r>
-              <a:rPr kumimoji="1" lang="zh-CN" altLang="en-US" dirty="0" smtClean="0"/>
-              <a:t>在我们自己使用时间树的过程中，我们都感到时间树确实能够帮助我们更好地进行搜索，因此我们猜想，时间树中蕴含有用户的搜索经验。</a:t>
-            </a:r>
-            <a:endParaRPr kumimoji="1" lang="en-US" altLang="zh-CN" dirty="0" smtClean="0"/>
-          </a:p>
-          <a:p>
-            <a:r>
-              <a:rPr kumimoji="1" lang="zh-CN" altLang="en-US" dirty="0" smtClean="0"/>
-              <a:t>因此我们就针对这一点，对面向搜索经验的查询推荐方法进行研究。</a:t>
-            </a:r>
-            <a:endParaRPr kumimoji="1" lang="zh-CN" altLang="en-US" dirty="0"/>
           </a:p>
         </p:txBody>
       </p:sp>
@@ -628,35 +622,6 @@
           <a:bodyPr/>
           <a:lstStyle/>
           <a:p>
-            <a:r>
-              <a:rPr kumimoji="1" lang="zh-CN" altLang="en-US" dirty="0" smtClean="0"/>
-              <a:t>在此前的研究中，我们实验室提出了时间树这一概念，以帮助用户管理复杂搜索过程。</a:t>
-            </a:r>
-            <a:endParaRPr kumimoji="1" lang="en-US" altLang="zh-CN" dirty="0" smtClean="0"/>
-          </a:p>
-          <a:p>
-            <a:r>
-              <a:rPr kumimoji="1" lang="zh-CN" altLang="en-US" dirty="0" smtClean="0"/>
-              <a:t>时间树是。。。。</a:t>
-            </a:r>
-            <a:endParaRPr kumimoji="1" lang="en-US" altLang="zh-CN" dirty="0" smtClean="0"/>
-          </a:p>
-          <a:p>
-            <a:r>
-              <a:rPr kumimoji="1" lang="zh-CN" altLang="en-US" dirty="0" smtClean="0"/>
-              <a:t>在我们自己使用时间树的过程中，我们都感到时间树确实能够帮助我们更好地进行搜索，因此我们猜想，时间树中蕴含有用户的搜索经验。</a:t>
-            </a:r>
-            <a:endParaRPr kumimoji="1" lang="en-US" altLang="zh-CN" dirty="0" smtClean="0"/>
-          </a:p>
-          <a:p>
-            <a:r>
-              <a:rPr kumimoji="1" lang="zh-CN" altLang="en-US" dirty="0" smtClean="0"/>
-              <a:t>因此我们就针对这一点，对面向搜索经验的查询推荐</a:t>
-            </a:r>
-            <a:r>
-              <a:rPr kumimoji="1" lang="zh-CN" altLang="en-US" smtClean="0"/>
-              <a:t>方法进行研究。</a:t>
-            </a:r>
             <a:endParaRPr kumimoji="1" lang="zh-CN" altLang="en-US" dirty="0"/>
           </a:p>
         </p:txBody>
@@ -687,7 +652,794 @@
     </p:spTree>
     <p:extLst>
       <p:ext uri="{BB962C8B-B14F-4D97-AF65-F5344CB8AC3E}">
+        <p14:creationId xmlns:p14="http://schemas.microsoft.com/office/powerpoint/2010/main" val="157827015"/>
+      </p:ext>
+    </p:extLst>
+  </p:cSld>
+  <p:clrMapOvr>
+    <a:masterClrMapping/>
+  </p:clrMapOvr>
+</p:notes>
+</file>
+
+<file path=ppt/notesSlides/notesSlide3.xml><?xml version="1.0" encoding="utf-8"?>
+<p:notes xmlns:a="http://schemas.openxmlformats.org/drawingml/2006/main" xmlns:r="http://schemas.openxmlformats.org/officeDocument/2006/relationships" xmlns:p="http://schemas.openxmlformats.org/presentationml/2006/main">
+  <p:cSld>
+    <p:spTree>
+      <p:nvGrpSpPr>
+        <p:cNvPr id="1" name=""/>
+        <p:cNvGrpSpPr/>
+        <p:nvPr/>
+      </p:nvGrpSpPr>
+      <p:grpSpPr>
+        <a:xfrm>
+          <a:off x="0" y="0"/>
+          <a:ext cx="0" cy="0"/>
+          <a:chOff x="0" y="0"/>
+          <a:chExt cx="0" cy="0"/>
+        </a:xfrm>
+      </p:grpSpPr>
+      <p:sp>
+        <p:nvSpPr>
+          <p:cNvPr id="2" name="幻灯片图像占位符 1"/>
+          <p:cNvSpPr>
+            <a:spLocks noGrp="1" noRot="1" noChangeAspect="1"/>
+          </p:cNvSpPr>
+          <p:nvPr>
+            <p:ph type="sldImg"/>
+          </p:nvPr>
+        </p:nvSpPr>
+        <p:spPr/>
+      </p:sp>
+      <p:sp>
+        <p:nvSpPr>
+          <p:cNvPr id="3" name="备注占位符 2"/>
+          <p:cNvSpPr>
+            <a:spLocks noGrp="1"/>
+          </p:cNvSpPr>
+          <p:nvPr>
+            <p:ph type="body" idx="1"/>
+          </p:nvPr>
+        </p:nvSpPr>
+        <p:spPr/>
+        <p:txBody>
+          <a:bodyPr/>
+          <a:lstStyle/>
+          <a:p>
+            <a:r>
+              <a:rPr kumimoji="1" lang="zh-CN" altLang="en-US" dirty="0" smtClean="0"/>
+              <a:t>由于时间树的结构特性，用户从时间树中能够很容易地获取到以下信息：</a:t>
+            </a:r>
+            <a:endParaRPr kumimoji="1" lang="en-US" altLang="zh-CN" dirty="0" smtClean="0"/>
+          </a:p>
+          <a:p>
+            <a:r>
+              <a:rPr kumimoji="1" lang="zh-CN" altLang="en-US" dirty="0" smtClean="0"/>
+              <a:t>节点产生的相对时间顺序。</a:t>
+            </a:r>
+            <a:endParaRPr kumimoji="1" lang="en-US" altLang="zh-CN" dirty="0" smtClean="0"/>
+          </a:p>
+          <a:p>
+            <a:r>
+              <a:rPr kumimoji="1" lang="zh-CN" altLang="en-US" dirty="0" smtClean="0"/>
+              <a:t>查询的来源。</a:t>
+            </a:r>
+            <a:endParaRPr kumimoji="1" lang="en-US" altLang="zh-CN" dirty="0" smtClean="0"/>
+          </a:p>
+          <a:p>
+            <a:r>
+              <a:rPr kumimoji="1" lang="zh-CN" altLang="en-US" dirty="0" smtClean="0"/>
+              <a:t>子任务的划分。</a:t>
+            </a:r>
+            <a:endParaRPr kumimoji="1" lang="zh-CN" altLang="en-US" dirty="0"/>
+          </a:p>
+        </p:txBody>
+      </p:sp>
+      <p:sp>
+        <p:nvSpPr>
+          <p:cNvPr id="4" name="幻灯片编号占位符 3"/>
+          <p:cNvSpPr>
+            <a:spLocks noGrp="1"/>
+          </p:cNvSpPr>
+          <p:nvPr>
+            <p:ph type="sldNum" sz="quarter" idx="10"/>
+          </p:nvPr>
+        </p:nvSpPr>
+        <p:spPr/>
+        <p:txBody>
+          <a:bodyPr/>
+          <a:lstStyle/>
+          <a:p>
+            <a:fld id="{014F928E-768F-664D-B9B7-8234C43BD995}" type="slidenum">
+              <a:rPr kumimoji="1" lang="zh-CN" altLang="en-US" smtClean="0"/>
+              <a:t>8</a:t>
+            </a:fld>
+            <a:endParaRPr kumimoji="1" lang="zh-CN" altLang="en-US"/>
+          </a:p>
+        </p:txBody>
+      </p:sp>
+    </p:spTree>
+    <p:extLst>
+      <p:ext uri="{BB962C8B-B14F-4D97-AF65-F5344CB8AC3E}">
+        <p14:creationId xmlns:p14="http://schemas.microsoft.com/office/powerpoint/2010/main" val="701098024"/>
+      </p:ext>
+    </p:extLst>
+  </p:cSld>
+  <p:clrMapOvr>
+    <a:masterClrMapping/>
+  </p:clrMapOvr>
+</p:notes>
+</file>
+
+<file path=ppt/notesSlides/notesSlide4.xml><?xml version="1.0" encoding="utf-8"?>
+<p:notes xmlns:a="http://schemas.openxmlformats.org/drawingml/2006/main" xmlns:r="http://schemas.openxmlformats.org/officeDocument/2006/relationships" xmlns:p="http://schemas.openxmlformats.org/presentationml/2006/main">
+  <p:cSld>
+    <p:spTree>
+      <p:nvGrpSpPr>
+        <p:cNvPr id="1" name=""/>
+        <p:cNvGrpSpPr/>
+        <p:nvPr/>
+      </p:nvGrpSpPr>
+      <p:grpSpPr>
+        <a:xfrm>
+          <a:off x="0" y="0"/>
+          <a:ext cx="0" cy="0"/>
+          <a:chOff x="0" y="0"/>
+          <a:chExt cx="0" cy="0"/>
+        </a:xfrm>
+      </p:grpSpPr>
+      <p:sp>
+        <p:nvSpPr>
+          <p:cNvPr id="2" name="幻灯片图像占位符 1"/>
+          <p:cNvSpPr>
+            <a:spLocks noGrp="1" noRot="1" noChangeAspect="1"/>
+          </p:cNvSpPr>
+          <p:nvPr>
+            <p:ph type="sldImg"/>
+          </p:nvPr>
+        </p:nvSpPr>
+        <p:spPr/>
+      </p:sp>
+      <p:sp>
+        <p:nvSpPr>
+          <p:cNvPr id="3" name="备注占位符 2"/>
+          <p:cNvSpPr>
+            <a:spLocks noGrp="1"/>
+          </p:cNvSpPr>
+          <p:nvPr>
+            <p:ph type="body" idx="1"/>
+          </p:nvPr>
+        </p:nvSpPr>
+        <p:spPr/>
+        <p:txBody>
+          <a:bodyPr/>
+          <a:lstStyle/>
+          <a:p>
+            <a:r>
+              <a:rPr kumimoji="1" lang="zh-CN" altLang="en-US" dirty="0" smtClean="0"/>
+              <a:t>在复杂搜索的背景下，以时间树为基础，我们研究面向搜索经验的查询推荐方法的研究思路是这样的：</a:t>
+            </a:r>
+            <a:endParaRPr kumimoji="1" lang="en-US" altLang="zh-CN" dirty="0" smtClean="0"/>
+          </a:p>
+          <a:p>
+            <a:r>
+              <a:rPr kumimoji="1" lang="zh-CN" altLang="en-US" dirty="0" smtClean="0"/>
+              <a:t>首先，想要面向搜索经验做查询推荐，我们需要先证明时间树中蕴含有高质量的搜索经验，这是研究进行下去的前提。</a:t>
+            </a:r>
+            <a:endParaRPr kumimoji="1" lang="en-US" altLang="zh-CN" dirty="0" smtClean="0"/>
+          </a:p>
+          <a:p>
+            <a:r>
+              <a:rPr kumimoji="1" lang="zh-CN" altLang="en-US" dirty="0" smtClean="0"/>
+              <a:t>在证明了搜索经验蕴含性的基础上，我们研究如何提取搜索经验。</a:t>
+            </a:r>
+            <a:endParaRPr kumimoji="1" lang="en-US" altLang="zh-CN" dirty="0" smtClean="0"/>
+          </a:p>
+          <a:p>
+            <a:r>
+              <a:rPr kumimoji="1" lang="zh-CN" altLang="en-US" dirty="0" smtClean="0"/>
+              <a:t>在提取了搜索经验以后，我们研究如何利用提取的搜索经验进行查询推荐。</a:t>
+            </a:r>
+            <a:endParaRPr kumimoji="1" lang="en-US" altLang="zh-CN" dirty="0" smtClean="0"/>
+          </a:p>
+          <a:p>
+            <a:r>
+              <a:rPr kumimoji="1" lang="zh-CN" altLang="en-US" dirty="0" smtClean="0"/>
+              <a:t>最后我们利用上述研究理论，设计并实现面向搜索经验的查询推荐系统，使本研究形成一套完整的解决方案。</a:t>
+            </a:r>
+            <a:endParaRPr kumimoji="1" lang="zh-CN" altLang="en-US" dirty="0"/>
+          </a:p>
+        </p:txBody>
+      </p:sp>
+      <p:sp>
+        <p:nvSpPr>
+          <p:cNvPr id="4" name="幻灯片编号占位符 3"/>
+          <p:cNvSpPr>
+            <a:spLocks noGrp="1"/>
+          </p:cNvSpPr>
+          <p:nvPr>
+            <p:ph type="sldNum" sz="quarter" idx="10"/>
+          </p:nvPr>
+        </p:nvSpPr>
+        <p:spPr/>
+        <p:txBody>
+          <a:bodyPr/>
+          <a:lstStyle/>
+          <a:p>
+            <a:fld id="{014F928E-768F-664D-B9B7-8234C43BD995}" type="slidenum">
+              <a:rPr kumimoji="1" lang="zh-CN" altLang="en-US" smtClean="0"/>
+              <a:t>9</a:t>
+            </a:fld>
+            <a:endParaRPr kumimoji="1" lang="zh-CN" altLang="en-US"/>
+          </a:p>
+        </p:txBody>
+      </p:sp>
+    </p:spTree>
+    <p:extLst>
+      <p:ext uri="{BB962C8B-B14F-4D97-AF65-F5344CB8AC3E}">
         <p14:creationId xmlns:p14="http://schemas.microsoft.com/office/powerpoint/2010/main" val="1356071152"/>
+      </p:ext>
+    </p:extLst>
+  </p:cSld>
+  <p:clrMapOvr>
+    <a:masterClrMapping/>
+  </p:clrMapOvr>
+</p:notes>
+</file>
+
+<file path=ppt/notesSlides/notesSlide5.xml><?xml version="1.0" encoding="utf-8"?>
+<p:notes xmlns:a="http://schemas.openxmlformats.org/drawingml/2006/main" xmlns:r="http://schemas.openxmlformats.org/officeDocument/2006/relationships" xmlns:p="http://schemas.openxmlformats.org/presentationml/2006/main">
+  <p:cSld>
+    <p:spTree>
+      <p:nvGrpSpPr>
+        <p:cNvPr id="1" name=""/>
+        <p:cNvGrpSpPr/>
+        <p:nvPr/>
+      </p:nvGrpSpPr>
+      <p:grpSpPr>
+        <a:xfrm>
+          <a:off x="0" y="0"/>
+          <a:ext cx="0" cy="0"/>
+          <a:chOff x="0" y="0"/>
+          <a:chExt cx="0" cy="0"/>
+        </a:xfrm>
+      </p:grpSpPr>
+      <p:sp>
+        <p:nvSpPr>
+          <p:cNvPr id="2" name="幻灯片图像占位符 1"/>
+          <p:cNvSpPr>
+            <a:spLocks noGrp="1" noRot="1" noChangeAspect="1"/>
+          </p:cNvSpPr>
+          <p:nvPr>
+            <p:ph type="sldImg"/>
+          </p:nvPr>
+        </p:nvSpPr>
+        <p:spPr/>
+      </p:sp>
+      <p:sp>
+        <p:nvSpPr>
+          <p:cNvPr id="3" name="备注占位符 2"/>
+          <p:cNvSpPr>
+            <a:spLocks noGrp="1"/>
+          </p:cNvSpPr>
+          <p:nvPr>
+            <p:ph type="body" idx="1"/>
+          </p:nvPr>
+        </p:nvSpPr>
+        <p:spPr/>
+        <p:txBody>
+          <a:bodyPr/>
+          <a:lstStyle/>
+          <a:p>
+            <a:r>
+              <a:rPr kumimoji="1" lang="zh-CN" altLang="en-US" dirty="0" smtClean="0"/>
+              <a:t>在搜索经验模型中，我们将搜索经验分为时间经验，因果经验以及主题经验。</a:t>
+            </a:r>
+            <a:endParaRPr kumimoji="1" lang="en-US" altLang="zh-CN" dirty="0" smtClean="0"/>
+          </a:p>
+          <a:p>
+            <a:r>
+              <a:rPr kumimoji="1" lang="zh-CN" altLang="en-US" dirty="0" smtClean="0"/>
+              <a:t>其中时间经验为用户</a:t>
+            </a:r>
+            <a:r>
+              <a:rPr lang="zh-CN" altLang="zh-CN" sz="1200" kern="1200" dirty="0" smtClean="0">
+                <a:solidFill>
+                  <a:schemeClr val="tx1"/>
+                </a:solidFill>
+                <a:effectLst/>
+                <a:latin typeface="+mn-lt"/>
+                <a:ea typeface="+mn-ea"/>
+                <a:cs typeface="+mn-cs"/>
+              </a:rPr>
+              <a:t>在搜索过程中进行查询和点击的时间先后关系</a:t>
+            </a:r>
+            <a:r>
+              <a:rPr lang="zh-CN" altLang="en-US" sz="1200" kern="1200" dirty="0" smtClean="0">
+                <a:solidFill>
+                  <a:schemeClr val="tx1"/>
+                </a:solidFill>
+                <a:effectLst/>
+                <a:latin typeface="+mn-lt"/>
+                <a:ea typeface="+mn-ea"/>
+                <a:cs typeface="+mn-cs"/>
+              </a:rPr>
+              <a:t>。</a:t>
+            </a:r>
+            <a:endParaRPr lang="en-US" altLang="zh-CN" sz="1200" kern="1200" dirty="0" smtClean="0">
+              <a:solidFill>
+                <a:schemeClr val="tx1"/>
+              </a:solidFill>
+              <a:effectLst/>
+              <a:latin typeface="+mn-lt"/>
+              <a:ea typeface="+mn-ea"/>
+              <a:cs typeface="+mn-cs"/>
+            </a:endParaRPr>
+          </a:p>
+          <a:p>
+            <a:r>
+              <a:rPr kumimoji="1" lang="zh-CN" altLang="en-US" sz="1200" kern="1200" dirty="0" smtClean="0">
+                <a:solidFill>
+                  <a:schemeClr val="tx1"/>
+                </a:solidFill>
+                <a:effectLst/>
+                <a:latin typeface="+mn-lt"/>
+                <a:ea typeface="+mn-ea"/>
+                <a:cs typeface="+mn-cs"/>
+              </a:rPr>
+              <a:t>因果经验为</a:t>
+            </a:r>
+            <a:r>
+              <a:rPr lang="zh-CN" altLang="zh-CN" sz="1200" kern="1200" dirty="0" smtClean="0">
+                <a:solidFill>
+                  <a:schemeClr val="tx1"/>
+                </a:solidFill>
+                <a:effectLst/>
+                <a:latin typeface="+mn-lt"/>
+                <a:ea typeface="+mn-ea"/>
+                <a:cs typeface="+mn-cs"/>
+              </a:rPr>
+              <a:t>用户所进行查询的查询来源</a:t>
+            </a:r>
+            <a:r>
+              <a:rPr lang="zh-CN" altLang="en-US" sz="1200" kern="1200" dirty="0" smtClean="0">
+                <a:solidFill>
+                  <a:schemeClr val="tx1"/>
+                </a:solidFill>
+                <a:effectLst/>
+                <a:latin typeface="+mn-lt"/>
+                <a:ea typeface="+mn-ea"/>
+                <a:cs typeface="+mn-cs"/>
+              </a:rPr>
+              <a:t>。</a:t>
+            </a:r>
+            <a:endParaRPr lang="en-US" altLang="zh-CN" sz="1200" kern="1200" dirty="0" smtClean="0">
+              <a:solidFill>
+                <a:schemeClr val="tx1"/>
+              </a:solidFill>
+              <a:effectLst/>
+              <a:latin typeface="+mn-lt"/>
+              <a:ea typeface="+mn-ea"/>
+              <a:cs typeface="+mn-cs"/>
+            </a:endParaRPr>
+          </a:p>
+          <a:p>
+            <a:r>
+              <a:rPr lang="zh-CN" altLang="zh-CN" sz="1200" kern="1200" dirty="0" smtClean="0">
+                <a:solidFill>
+                  <a:schemeClr val="tx1"/>
+                </a:solidFill>
+                <a:effectLst/>
+                <a:latin typeface="+mn-lt"/>
+                <a:ea typeface="+mn-ea"/>
+                <a:cs typeface="+mn-cs"/>
+              </a:rPr>
+              <a:t>主题经验为用户对复杂搜索任务所进行的子任务划分</a:t>
+            </a:r>
+            <a:r>
+              <a:rPr lang="zh-CN" altLang="en-US" sz="1200" kern="1200" dirty="0" smtClean="0">
+                <a:solidFill>
+                  <a:schemeClr val="tx1"/>
+                </a:solidFill>
+                <a:effectLst/>
+                <a:latin typeface="+mn-lt"/>
+                <a:ea typeface="+mn-ea"/>
+                <a:cs typeface="+mn-cs"/>
+              </a:rPr>
+              <a:t>。</a:t>
+            </a:r>
+            <a:endParaRPr lang="en-US" altLang="zh-CN" sz="1200" kern="1200" dirty="0" smtClean="0">
+              <a:solidFill>
+                <a:schemeClr val="tx1"/>
+              </a:solidFill>
+              <a:effectLst/>
+              <a:latin typeface="+mn-lt"/>
+              <a:ea typeface="+mn-ea"/>
+              <a:cs typeface="+mn-cs"/>
+            </a:endParaRPr>
+          </a:p>
+          <a:p>
+            <a:endParaRPr kumimoji="1" lang="en-US" altLang="zh-CN" sz="1200" kern="1200" dirty="0" smtClean="0">
+              <a:solidFill>
+                <a:schemeClr val="tx1"/>
+              </a:solidFill>
+              <a:effectLst/>
+              <a:latin typeface="+mn-lt"/>
+              <a:ea typeface="+mn-ea"/>
+              <a:cs typeface="+mn-cs"/>
+            </a:endParaRPr>
+          </a:p>
+          <a:p>
+            <a:r>
+              <a:rPr kumimoji="1" lang="zh-CN" altLang="en-US" sz="1200" kern="1200" dirty="0" smtClean="0">
+                <a:solidFill>
+                  <a:schemeClr val="tx1"/>
+                </a:solidFill>
+                <a:effectLst/>
+                <a:latin typeface="+mn-lt"/>
+                <a:ea typeface="+mn-ea"/>
+                <a:cs typeface="+mn-cs"/>
+              </a:rPr>
+              <a:t>与搜索经验模型对应地，我们提出搜索经验一致性模型作为搜索经验质量的评价模型。</a:t>
+            </a:r>
+            <a:endParaRPr kumimoji="1" lang="en-US" altLang="zh-CN" sz="1200" kern="1200" dirty="0" smtClean="0">
+              <a:solidFill>
+                <a:schemeClr val="tx1"/>
+              </a:solidFill>
+              <a:effectLst/>
+              <a:latin typeface="+mn-lt"/>
+              <a:ea typeface="+mn-ea"/>
+              <a:cs typeface="+mn-cs"/>
+            </a:endParaRPr>
+          </a:p>
+          <a:p>
+            <a:r>
+              <a:rPr kumimoji="1" lang="zh-CN" altLang="en-US" sz="1200" kern="1200" dirty="0" smtClean="0">
+                <a:solidFill>
+                  <a:schemeClr val="tx1"/>
+                </a:solidFill>
+                <a:effectLst/>
+                <a:latin typeface="+mn-lt"/>
+                <a:ea typeface="+mn-ea"/>
+                <a:cs typeface="+mn-cs"/>
+              </a:rPr>
+              <a:t>我们认为如果时间树中蕴含有高质量的搜索经验，那么在用户对复杂搜索过程进行回顾的过程中，应当保持搜索经验的一致性。</a:t>
+            </a:r>
+            <a:endParaRPr kumimoji="1" lang="en-US" altLang="zh-CN" sz="1200" kern="1200" dirty="0" smtClean="0">
+              <a:solidFill>
+                <a:schemeClr val="tx1"/>
+              </a:solidFill>
+              <a:effectLst/>
+              <a:latin typeface="+mn-lt"/>
+              <a:ea typeface="+mn-ea"/>
+              <a:cs typeface="+mn-cs"/>
+            </a:endParaRPr>
+          </a:p>
+          <a:p>
+            <a:r>
+              <a:rPr kumimoji="1" lang="zh-CN" altLang="en-US" sz="1200" kern="1200" dirty="0" smtClean="0">
+                <a:solidFill>
+                  <a:schemeClr val="tx1"/>
+                </a:solidFill>
+                <a:effectLst/>
+                <a:latin typeface="+mn-lt"/>
+                <a:ea typeface="+mn-ea"/>
+                <a:cs typeface="+mn-cs"/>
+              </a:rPr>
+              <a:t>与搜索经验模型相对应的，搜索经验一致性包括时间一致性，因果一致性以及主题一致性。</a:t>
+            </a:r>
+            <a:endParaRPr kumimoji="1" lang="en-US" altLang="zh-CN" sz="1200" kern="1200" dirty="0" smtClean="0">
+              <a:solidFill>
+                <a:schemeClr val="tx1"/>
+              </a:solidFill>
+              <a:effectLst/>
+              <a:latin typeface="+mn-lt"/>
+              <a:ea typeface="+mn-ea"/>
+              <a:cs typeface="+mn-cs"/>
+            </a:endParaRPr>
+          </a:p>
+          <a:p>
+            <a:r>
+              <a:rPr kumimoji="1" lang="zh-CN" altLang="en-US" sz="1200" kern="1200" dirty="0" smtClean="0">
+                <a:solidFill>
+                  <a:schemeClr val="tx1"/>
+                </a:solidFill>
+                <a:effectLst/>
+                <a:latin typeface="+mn-lt"/>
+                <a:ea typeface="+mn-ea"/>
+                <a:cs typeface="+mn-cs"/>
+              </a:rPr>
+              <a:t>其中</a:t>
+            </a:r>
+            <a:r>
+              <a:rPr lang="zh-CN" altLang="zh-CN" sz="1200" kern="1200" dirty="0" smtClean="0">
+                <a:solidFill>
+                  <a:schemeClr val="tx1"/>
+                </a:solidFill>
+                <a:effectLst/>
+                <a:latin typeface="+mn-lt"/>
+                <a:ea typeface="+mn-ea"/>
+                <a:cs typeface="+mn-cs"/>
+              </a:rPr>
+              <a:t>时间一致性指用户能够准确回忆起自己在搜索过程中查询与点击的先后顺序。</a:t>
+            </a:r>
+            <a:endParaRPr lang="en-US" altLang="zh-CN" sz="1200" kern="1200" dirty="0" smtClean="0">
+              <a:solidFill>
+                <a:schemeClr val="tx1"/>
+              </a:solidFill>
+              <a:effectLst/>
+              <a:latin typeface="+mn-lt"/>
+              <a:ea typeface="+mn-ea"/>
+              <a:cs typeface="+mn-cs"/>
+            </a:endParaRPr>
+          </a:p>
+          <a:p>
+            <a:r>
+              <a:rPr lang="zh-CN" altLang="zh-CN" sz="1200" kern="1200" dirty="0" smtClean="0">
+                <a:solidFill>
+                  <a:schemeClr val="tx1"/>
+                </a:solidFill>
+                <a:effectLst/>
+                <a:latin typeface="+mn-lt"/>
+                <a:ea typeface="+mn-ea"/>
+                <a:cs typeface="+mn-cs"/>
+              </a:rPr>
+              <a:t>因果一致性指用户能够准确回忆起搜索中的某个查询的查询动机。</a:t>
+            </a:r>
+            <a:endParaRPr lang="en-US" altLang="zh-CN" sz="1200" kern="1200" dirty="0" smtClean="0">
+              <a:solidFill>
+                <a:schemeClr val="tx1"/>
+              </a:solidFill>
+              <a:effectLst/>
+              <a:latin typeface="+mn-lt"/>
+              <a:ea typeface="+mn-ea"/>
+              <a:cs typeface="+mn-cs"/>
+            </a:endParaRPr>
+          </a:p>
+          <a:p>
+            <a:r>
+              <a:rPr lang="zh-CN" altLang="zh-CN" sz="1200" kern="1200" dirty="0" smtClean="0">
+                <a:solidFill>
+                  <a:schemeClr val="tx1"/>
+                </a:solidFill>
+                <a:effectLst/>
+                <a:latin typeface="+mn-lt"/>
+                <a:ea typeface="+mn-ea"/>
+                <a:cs typeface="+mn-cs"/>
+              </a:rPr>
+              <a:t>主题一致性指用户能够合理地对复杂搜索任务进行子任务划分，以及对搜索过程中的某一个阶段，能够判断其中的查询与点击分别属于哪些子任务。</a:t>
+            </a:r>
+            <a:endParaRPr kumimoji="1" lang="zh-CN" altLang="en-US" dirty="0"/>
+          </a:p>
+        </p:txBody>
+      </p:sp>
+      <p:sp>
+        <p:nvSpPr>
+          <p:cNvPr id="4" name="幻灯片编号占位符 3"/>
+          <p:cNvSpPr>
+            <a:spLocks noGrp="1"/>
+          </p:cNvSpPr>
+          <p:nvPr>
+            <p:ph type="sldNum" sz="quarter" idx="10"/>
+          </p:nvPr>
+        </p:nvSpPr>
+        <p:spPr/>
+        <p:txBody>
+          <a:bodyPr/>
+          <a:lstStyle/>
+          <a:p>
+            <a:fld id="{014F928E-768F-664D-B9B7-8234C43BD995}" type="slidenum">
+              <a:rPr kumimoji="1" lang="zh-CN" altLang="en-US" smtClean="0"/>
+              <a:t>11</a:t>
+            </a:fld>
+            <a:endParaRPr kumimoji="1" lang="zh-CN" altLang="en-US"/>
+          </a:p>
+        </p:txBody>
+      </p:sp>
+    </p:spTree>
+    <p:extLst>
+      <p:ext uri="{BB962C8B-B14F-4D97-AF65-F5344CB8AC3E}">
+        <p14:creationId xmlns:p14="http://schemas.microsoft.com/office/powerpoint/2010/main" val="225735792"/>
+      </p:ext>
+    </p:extLst>
+  </p:cSld>
+  <p:clrMapOvr>
+    <a:masterClrMapping/>
+  </p:clrMapOvr>
+</p:notes>
+</file>
+
+<file path=ppt/notesSlides/notesSlide6.xml><?xml version="1.0" encoding="utf-8"?>
+<p:notes xmlns:a="http://schemas.openxmlformats.org/drawingml/2006/main" xmlns:r="http://schemas.openxmlformats.org/officeDocument/2006/relationships" xmlns:p="http://schemas.openxmlformats.org/presentationml/2006/main">
+  <p:cSld>
+    <p:spTree>
+      <p:nvGrpSpPr>
+        <p:cNvPr id="1" name=""/>
+        <p:cNvGrpSpPr/>
+        <p:nvPr/>
+      </p:nvGrpSpPr>
+      <p:grpSpPr>
+        <a:xfrm>
+          <a:off x="0" y="0"/>
+          <a:ext cx="0" cy="0"/>
+          <a:chOff x="0" y="0"/>
+          <a:chExt cx="0" cy="0"/>
+        </a:xfrm>
+      </p:grpSpPr>
+      <p:sp>
+        <p:nvSpPr>
+          <p:cNvPr id="2" name="幻灯片图像占位符 1"/>
+          <p:cNvSpPr>
+            <a:spLocks noGrp="1" noRot="1" noChangeAspect="1"/>
+          </p:cNvSpPr>
+          <p:nvPr>
+            <p:ph type="sldImg"/>
+          </p:nvPr>
+        </p:nvSpPr>
+        <p:spPr/>
+      </p:sp>
+      <p:sp>
+        <p:nvSpPr>
+          <p:cNvPr id="3" name="备注占位符 2"/>
+          <p:cNvSpPr>
+            <a:spLocks noGrp="1"/>
+          </p:cNvSpPr>
+          <p:nvPr>
+            <p:ph type="body" idx="1"/>
+          </p:nvPr>
+        </p:nvSpPr>
+        <p:spPr/>
+        <p:txBody>
+          <a:bodyPr/>
+          <a:lstStyle/>
+          <a:p>
+            <a:r>
+              <a:rPr kumimoji="1" lang="zh-CN" altLang="en-US" dirty="0" smtClean="0"/>
+              <a:t>在提出了搜索经验模型以及搜索经验一致性模型的基础上，我们设计实验验证时间树中搜索经验的蕴含性。</a:t>
+            </a:r>
+            <a:endParaRPr kumimoji="1" lang="en-US" altLang="zh-CN" dirty="0" smtClean="0"/>
+          </a:p>
+          <a:p>
+            <a:r>
+              <a:rPr kumimoji="1" lang="zh-CN" altLang="en-US" dirty="0" smtClean="0"/>
+              <a:t>实验过程在这里时间关系我就不详细叙述了。</a:t>
+            </a:r>
+            <a:endParaRPr kumimoji="1" lang="en-US" altLang="zh-CN" dirty="0" smtClean="0"/>
+          </a:p>
+          <a:p>
+            <a:r>
+              <a:rPr kumimoji="1" lang="zh-CN" altLang="en-US" dirty="0" smtClean="0"/>
+              <a:t>我们使用用户学习中很典型的主观评估，专家评估以及客观评估三种评估方法对时间树上的搜索经验蕴含性进行了评估，证明了时间树中蕴含有高质量的搜索经验。</a:t>
+            </a:r>
+            <a:endParaRPr kumimoji="1" lang="en-US" altLang="zh-CN" dirty="0" smtClean="0"/>
+          </a:p>
+          <a:p>
+            <a:endParaRPr kumimoji="1" lang="zh-CN" altLang="en-US" dirty="0"/>
+          </a:p>
+        </p:txBody>
+      </p:sp>
+      <p:sp>
+        <p:nvSpPr>
+          <p:cNvPr id="4" name="幻灯片编号占位符 3"/>
+          <p:cNvSpPr>
+            <a:spLocks noGrp="1"/>
+          </p:cNvSpPr>
+          <p:nvPr>
+            <p:ph type="sldNum" sz="quarter" idx="10"/>
+          </p:nvPr>
+        </p:nvSpPr>
+        <p:spPr/>
+        <p:txBody>
+          <a:bodyPr/>
+          <a:lstStyle/>
+          <a:p>
+            <a:fld id="{014F928E-768F-664D-B9B7-8234C43BD995}" type="slidenum">
+              <a:rPr kumimoji="1" lang="zh-CN" altLang="en-US" smtClean="0"/>
+              <a:t>12</a:t>
+            </a:fld>
+            <a:endParaRPr kumimoji="1" lang="zh-CN" altLang="en-US"/>
+          </a:p>
+        </p:txBody>
+      </p:sp>
+    </p:spTree>
+    <p:extLst>
+      <p:ext uri="{BB962C8B-B14F-4D97-AF65-F5344CB8AC3E}">
+        <p14:creationId xmlns:p14="http://schemas.microsoft.com/office/powerpoint/2010/main" val="533083708"/>
+      </p:ext>
+    </p:extLst>
+  </p:cSld>
+  <p:clrMapOvr>
+    <a:masterClrMapping/>
+  </p:clrMapOvr>
+</p:notes>
+</file>
+
+<file path=ppt/notesSlides/notesSlide7.xml><?xml version="1.0" encoding="utf-8"?>
+<p:notes xmlns:a="http://schemas.openxmlformats.org/drawingml/2006/main" xmlns:r="http://schemas.openxmlformats.org/officeDocument/2006/relationships" xmlns:p="http://schemas.openxmlformats.org/presentationml/2006/main">
+  <p:cSld>
+    <p:spTree>
+      <p:nvGrpSpPr>
+        <p:cNvPr id="1" name=""/>
+        <p:cNvGrpSpPr/>
+        <p:nvPr/>
+      </p:nvGrpSpPr>
+      <p:grpSpPr>
+        <a:xfrm>
+          <a:off x="0" y="0"/>
+          <a:ext cx="0" cy="0"/>
+          <a:chOff x="0" y="0"/>
+          <a:chExt cx="0" cy="0"/>
+        </a:xfrm>
+      </p:grpSpPr>
+      <p:sp>
+        <p:nvSpPr>
+          <p:cNvPr id="2" name="幻灯片图像占位符 1"/>
+          <p:cNvSpPr>
+            <a:spLocks noGrp="1" noRot="1" noChangeAspect="1"/>
+          </p:cNvSpPr>
+          <p:nvPr>
+            <p:ph type="sldImg"/>
+          </p:nvPr>
+        </p:nvSpPr>
+        <p:spPr/>
+      </p:sp>
+      <p:sp>
+        <p:nvSpPr>
+          <p:cNvPr id="3" name="备注占位符 2"/>
+          <p:cNvSpPr>
+            <a:spLocks noGrp="1"/>
+          </p:cNvSpPr>
+          <p:nvPr>
+            <p:ph type="body" idx="1"/>
+          </p:nvPr>
+        </p:nvSpPr>
+        <p:spPr/>
+        <p:txBody>
+          <a:bodyPr/>
+          <a:lstStyle/>
+          <a:p>
+            <a:r>
+              <a:rPr kumimoji="1" lang="zh-CN" altLang="en-US" dirty="0" smtClean="0"/>
+              <a:t>在验证了时间树中搜索经验的蕴含性以后，我们提出搜索经验提取方法，针对因果经验以及主题经验分别提出了搜索经验提取算法。</a:t>
+            </a:r>
+            <a:endParaRPr kumimoji="1" lang="en-US" altLang="zh-CN" dirty="0" smtClean="0"/>
+          </a:p>
+          <a:p>
+            <a:r>
+              <a:rPr kumimoji="1" lang="zh-CN" altLang="en-US" dirty="0" smtClean="0"/>
+              <a:t>这里没有针对时间经验的提取算法原因是因为在搜索经验蕴含性验证实验中，我们发现时间树与传统日志相比，在时间经验蕴含性上并没有明显的优势，因此我们没有针对时间经验进行研究。</a:t>
+            </a:r>
+            <a:endParaRPr kumimoji="1" lang="en-US" altLang="zh-CN" dirty="0" smtClean="0"/>
+          </a:p>
+        </p:txBody>
+      </p:sp>
+      <p:sp>
+        <p:nvSpPr>
+          <p:cNvPr id="4" name="幻灯片编号占位符 3"/>
+          <p:cNvSpPr>
+            <a:spLocks noGrp="1"/>
+          </p:cNvSpPr>
+          <p:nvPr>
+            <p:ph type="sldNum" sz="quarter" idx="10"/>
+          </p:nvPr>
+        </p:nvSpPr>
+        <p:spPr/>
+        <p:txBody>
+          <a:bodyPr/>
+          <a:lstStyle/>
+          <a:p>
+            <a:fld id="{014F928E-768F-664D-B9B7-8234C43BD995}" type="slidenum">
+              <a:rPr kumimoji="1" lang="zh-CN" altLang="en-US" smtClean="0"/>
+              <a:t>13</a:t>
+            </a:fld>
+            <a:endParaRPr kumimoji="1" lang="zh-CN" altLang="en-US"/>
+          </a:p>
+        </p:txBody>
+      </p:sp>
+    </p:spTree>
+    <p:extLst>
+      <p:ext uri="{BB962C8B-B14F-4D97-AF65-F5344CB8AC3E}">
+        <p14:creationId xmlns:p14="http://schemas.microsoft.com/office/powerpoint/2010/main" val="1879791638"/>
       </p:ext>
     </p:extLst>
   </p:cSld>
@@ -828,7 +1580,7 @@
           <a:p>
             <a:fld id="{D3EB90B3-9772-44C6-B209-B94CDEDEB265}" type="datetimeFigureOut">
               <a:rPr lang="zh-CN" altLang="en-US" smtClean="0"/>
-              <a:t>2017/12/10</a:t>
+              <a:t>2017/12/11</a:t>
             </a:fld>
             <a:endParaRPr lang="zh-CN" altLang="en-US"/>
           </a:p>
@@ -993,7 +1745,7 @@
           <a:p>
             <a:fld id="{D3EB90B3-9772-44C6-B209-B94CDEDEB265}" type="datetimeFigureOut">
               <a:rPr lang="zh-CN" altLang="en-US" smtClean="0"/>
-              <a:t>2017/12/10</a:t>
+              <a:t>2017/12/11</a:t>
             </a:fld>
             <a:endParaRPr lang="zh-CN" altLang="en-US"/>
           </a:p>
@@ -1168,7 +1920,7 @@
           <a:p>
             <a:fld id="{D3EB90B3-9772-44C6-B209-B94CDEDEB265}" type="datetimeFigureOut">
               <a:rPr lang="zh-CN" altLang="en-US" smtClean="0"/>
-              <a:t>2017/12/10</a:t>
+              <a:t>2017/12/11</a:t>
             </a:fld>
             <a:endParaRPr lang="zh-CN" altLang="en-US"/>
           </a:p>
@@ -1333,7 +2085,7 @@
           <a:p>
             <a:fld id="{D3EB90B3-9772-44C6-B209-B94CDEDEB265}" type="datetimeFigureOut">
               <a:rPr lang="zh-CN" altLang="en-US" smtClean="0"/>
-              <a:t>2017/12/10</a:t>
+              <a:t>2017/12/11</a:t>
             </a:fld>
             <a:endParaRPr lang="zh-CN" altLang="en-US"/>
           </a:p>
@@ -1572,7 +2324,7 @@
           <a:p>
             <a:fld id="{D3EB90B3-9772-44C6-B209-B94CDEDEB265}" type="datetimeFigureOut">
               <a:rPr lang="zh-CN" altLang="en-US" smtClean="0"/>
-              <a:t>2017/12/10</a:t>
+              <a:t>2017/12/11</a:t>
             </a:fld>
             <a:endParaRPr lang="zh-CN" altLang="en-US"/>
           </a:p>
@@ -1799,7 +2551,7 @@
           <a:p>
             <a:fld id="{D3EB90B3-9772-44C6-B209-B94CDEDEB265}" type="datetimeFigureOut">
               <a:rPr lang="zh-CN" altLang="en-US" smtClean="0"/>
-              <a:t>2017/12/10</a:t>
+              <a:t>2017/12/11</a:t>
             </a:fld>
             <a:endParaRPr lang="zh-CN" altLang="en-US"/>
           </a:p>
@@ -2161,7 +2913,7 @@
           <a:p>
             <a:fld id="{D3EB90B3-9772-44C6-B209-B94CDEDEB265}" type="datetimeFigureOut">
               <a:rPr lang="zh-CN" altLang="en-US" smtClean="0"/>
-              <a:t>2017/12/10</a:t>
+              <a:t>2017/12/11</a:t>
             </a:fld>
             <a:endParaRPr lang="zh-CN" altLang="en-US"/>
           </a:p>
@@ -2274,7 +3026,7 @@
           <a:p>
             <a:fld id="{D3EB90B3-9772-44C6-B209-B94CDEDEB265}" type="datetimeFigureOut">
               <a:rPr lang="zh-CN" altLang="en-US" smtClean="0"/>
-              <a:t>2017/12/10</a:t>
+              <a:t>2017/12/11</a:t>
             </a:fld>
             <a:endParaRPr lang="zh-CN" altLang="en-US"/>
           </a:p>
@@ -2364,7 +3116,7 @@
           <a:p>
             <a:fld id="{D3EB90B3-9772-44C6-B209-B94CDEDEB265}" type="datetimeFigureOut">
               <a:rPr lang="zh-CN" altLang="en-US" smtClean="0"/>
-              <a:t>2017/12/10</a:t>
+              <a:t>2017/12/11</a:t>
             </a:fld>
             <a:endParaRPr lang="zh-CN" altLang="en-US"/>
           </a:p>
@@ -2636,7 +3388,7 @@
           <a:p>
             <a:fld id="{D3EB90B3-9772-44C6-B209-B94CDEDEB265}" type="datetimeFigureOut">
               <a:rPr lang="zh-CN" altLang="en-US" smtClean="0"/>
-              <a:t>2017/12/10</a:t>
+              <a:t>2017/12/11</a:t>
             </a:fld>
             <a:endParaRPr lang="zh-CN" altLang="en-US"/>
           </a:p>
@@ -2888,7 +3640,7 @@
           <a:p>
             <a:fld id="{D3EB90B3-9772-44C6-B209-B94CDEDEB265}" type="datetimeFigureOut">
               <a:rPr lang="zh-CN" altLang="en-US" smtClean="0"/>
-              <a:t>2017/12/10</a:t>
+              <a:t>2017/12/11</a:t>
             </a:fld>
             <a:endParaRPr lang="zh-CN" altLang="en-US"/>
           </a:p>
@@ -3105,7 +3857,7 @@
           <a:p>
             <a:fld id="{D3EB90B3-9772-44C6-B209-B94CDEDEB265}" type="datetimeFigureOut">
               <a:rPr lang="zh-CN" altLang="en-US" smtClean="0"/>
-              <a:t>2017/12/10</a:t>
+              <a:t>2017/12/11</a:t>
             </a:fld>
             <a:endParaRPr lang="zh-CN" altLang="en-US"/>
           </a:p>
@@ -3694,6 +4446,2219 @@
         <p:spPr>
           <a:xfrm>
             <a:off x="274320" y="194310"/>
+            <a:ext cx="7703820" cy="523220"/>
+          </a:xfrm>
+          <a:prstGeom prst="rect">
+            <a:avLst/>
+          </a:prstGeom>
+          <a:noFill/>
+        </p:spPr>
+        <p:txBody>
+          <a:bodyPr wrap="square" rtlCol="0">
+            <a:spAutoFit/>
+          </a:bodyPr>
+          <a:lstStyle/>
+          <a:p>
+            <a:pPr marL="457200" indent="-457200">
+              <a:buFont typeface="Arial" charset="0"/>
+              <a:buChar char="•"/>
+            </a:pPr>
+            <a:r>
+              <a:rPr kumimoji="1" lang="zh-CN" altLang="en-US" sz="2800" dirty="0" smtClean="0">
+                <a:solidFill>
+                  <a:schemeClr val="bg2"/>
+                </a:solidFill>
+              </a:rPr>
+              <a:t>研究方法 </a:t>
+            </a:r>
+            <a:r>
+              <a:rPr kumimoji="1" lang="en-US" altLang="zh-CN" sz="2800" dirty="0">
+                <a:solidFill>
+                  <a:schemeClr val="bg2"/>
+                </a:solidFill>
+              </a:rPr>
+              <a:t>-</a:t>
+            </a:r>
+            <a:r>
+              <a:rPr kumimoji="1" lang="zh-CN" altLang="en-US" sz="2800" dirty="0" smtClean="0">
+                <a:solidFill>
+                  <a:schemeClr val="bg2"/>
+                </a:solidFill>
+              </a:rPr>
+              <a:t> 时间树中搜索经验蕴含性的证明</a:t>
+            </a:r>
+            <a:endParaRPr kumimoji="1" lang="zh-CN" altLang="en-US" sz="2800" dirty="0">
+              <a:solidFill>
+                <a:schemeClr val="bg2"/>
+              </a:solidFill>
+            </a:endParaRPr>
+          </a:p>
+        </p:txBody>
+      </p:sp>
+      <p:sp>
+        <p:nvSpPr>
+          <p:cNvPr id="9" name="文本框 8"/>
+          <p:cNvSpPr txBox="1"/>
+          <p:nvPr/>
+        </p:nvSpPr>
+        <p:spPr>
+          <a:xfrm>
+            <a:off x="800100" y="2789902"/>
+            <a:ext cx="7646670" cy="461665"/>
+          </a:xfrm>
+          <a:prstGeom prst="rect">
+            <a:avLst/>
+          </a:prstGeom>
+          <a:noFill/>
+        </p:spPr>
+        <p:txBody>
+          <a:bodyPr wrap="square" rtlCol="0">
+            <a:spAutoFit/>
+          </a:bodyPr>
+          <a:lstStyle/>
+          <a:p>
+            <a:pPr marL="342900" indent="-342900">
+              <a:buFont typeface="Arial" charset="0"/>
+              <a:buChar char="•"/>
+            </a:pPr>
+            <a:r>
+              <a:rPr kumimoji="1" lang="zh-CN" altLang="en-US" sz="2400" dirty="0" smtClean="0">
+                <a:solidFill>
+                  <a:schemeClr val="bg2"/>
+                </a:solidFill>
+              </a:rPr>
+              <a:t>搜索经验模型及搜索经验一致性模型</a:t>
+            </a:r>
+            <a:endParaRPr kumimoji="1" lang="zh-CN" altLang="en-US" sz="2400" dirty="0">
+              <a:solidFill>
+                <a:schemeClr val="bg2"/>
+              </a:solidFill>
+            </a:endParaRPr>
+          </a:p>
+        </p:txBody>
+      </p:sp>
+      <p:sp>
+        <p:nvSpPr>
+          <p:cNvPr id="10" name="文本框 9"/>
+          <p:cNvSpPr txBox="1"/>
+          <p:nvPr/>
+        </p:nvSpPr>
+        <p:spPr>
+          <a:xfrm>
+            <a:off x="800100" y="3399502"/>
+            <a:ext cx="7646670" cy="461665"/>
+          </a:xfrm>
+          <a:prstGeom prst="rect">
+            <a:avLst/>
+          </a:prstGeom>
+          <a:noFill/>
+        </p:spPr>
+        <p:txBody>
+          <a:bodyPr wrap="square" rtlCol="0">
+            <a:spAutoFit/>
+          </a:bodyPr>
+          <a:lstStyle/>
+          <a:p>
+            <a:pPr marL="342900" indent="-342900">
+              <a:buFont typeface="Arial" charset="0"/>
+              <a:buChar char="•"/>
+            </a:pPr>
+            <a:r>
+              <a:rPr kumimoji="1" lang="zh-CN" altLang="en-US" sz="2400" dirty="0" smtClean="0">
+                <a:solidFill>
+                  <a:schemeClr val="bg2"/>
+                </a:solidFill>
+              </a:rPr>
+              <a:t>搜索经验蕴含性验证实验</a:t>
+            </a:r>
+            <a:endParaRPr kumimoji="1" lang="zh-CN" altLang="en-US" sz="2400" dirty="0">
+              <a:solidFill>
+                <a:schemeClr val="bg2"/>
+              </a:solidFill>
+            </a:endParaRPr>
+          </a:p>
+        </p:txBody>
+      </p:sp>
+    </p:spTree>
+    <p:extLst>
+      <p:ext uri="{BB962C8B-B14F-4D97-AF65-F5344CB8AC3E}">
+        <p14:creationId xmlns:p14="http://schemas.microsoft.com/office/powerpoint/2010/main" val="1061313548"/>
+      </p:ext>
+    </p:extLst>
+  </p:cSld>
+  <p:clrMapOvr>
+    <a:masterClrMapping/>
+  </p:clrMapOvr>
+  <p:timing>
+    <p:tnLst>
+      <p:par>
+        <p:cTn id="1" dur="indefinite" restart="never" nodeType="tmRoot"/>
+      </p:par>
+    </p:tnLst>
+  </p:timing>
+</p:sld>
+</file>
+
+<file path=ppt/slides/slide11.xml><?xml version="1.0" encoding="utf-8"?>
+<p:sld xmlns:a="http://schemas.openxmlformats.org/drawingml/2006/main" xmlns:r="http://schemas.openxmlformats.org/officeDocument/2006/relationships" xmlns:p="http://schemas.openxmlformats.org/presentationml/2006/main">
+  <p:cSld>
+    <p:spTree>
+      <p:nvGrpSpPr>
+        <p:cNvPr id="1" name=""/>
+        <p:cNvGrpSpPr/>
+        <p:nvPr/>
+      </p:nvGrpSpPr>
+      <p:grpSpPr>
+        <a:xfrm>
+          <a:off x="0" y="0"/>
+          <a:ext cx="0" cy="0"/>
+          <a:chOff x="0" y="0"/>
+          <a:chExt cx="0" cy="0"/>
+        </a:xfrm>
+      </p:grpSpPr>
+      <p:sp>
+        <p:nvSpPr>
+          <p:cNvPr id="4" name="文本框 3"/>
+          <p:cNvSpPr txBox="1"/>
+          <p:nvPr/>
+        </p:nvSpPr>
+        <p:spPr>
+          <a:xfrm>
+            <a:off x="274320" y="194310"/>
+            <a:ext cx="8515350" cy="523220"/>
+          </a:xfrm>
+          <a:prstGeom prst="rect">
+            <a:avLst/>
+          </a:prstGeom>
+          <a:noFill/>
+        </p:spPr>
+        <p:txBody>
+          <a:bodyPr wrap="square" rtlCol="0">
+            <a:spAutoFit/>
+          </a:bodyPr>
+          <a:lstStyle/>
+          <a:p>
+            <a:pPr marL="457200" indent="-457200">
+              <a:buFont typeface="Arial" charset="0"/>
+              <a:buChar char="•"/>
+            </a:pPr>
+            <a:r>
+              <a:rPr kumimoji="1" lang="zh-CN" altLang="en-US" sz="2800" dirty="0" smtClean="0">
+                <a:solidFill>
+                  <a:schemeClr val="bg2"/>
+                </a:solidFill>
+              </a:rPr>
+              <a:t>研究方法 </a:t>
+            </a:r>
+            <a:r>
+              <a:rPr kumimoji="1" lang="en-US" altLang="zh-CN" sz="2800" dirty="0" smtClean="0">
+                <a:solidFill>
+                  <a:schemeClr val="bg2"/>
+                </a:solidFill>
+              </a:rPr>
+              <a:t>-</a:t>
+            </a:r>
+            <a:r>
+              <a:rPr kumimoji="1" lang="zh-CN" altLang="en-US" sz="2800" dirty="0" smtClean="0">
+                <a:solidFill>
+                  <a:schemeClr val="bg2"/>
+                </a:solidFill>
+              </a:rPr>
+              <a:t> 搜索经验模型及搜索经验一致性模型</a:t>
+            </a:r>
+            <a:endParaRPr kumimoji="1" lang="en-US" altLang="zh-CN" sz="2800" dirty="0">
+              <a:solidFill>
+                <a:schemeClr val="bg2"/>
+              </a:solidFill>
+            </a:endParaRPr>
+          </a:p>
+        </p:txBody>
+      </p:sp>
+      <p:sp>
+        <p:nvSpPr>
+          <p:cNvPr id="9" name="文本框 8"/>
+          <p:cNvSpPr txBox="1"/>
+          <p:nvPr/>
+        </p:nvSpPr>
+        <p:spPr>
+          <a:xfrm>
+            <a:off x="800100" y="2115532"/>
+            <a:ext cx="2023110" cy="461665"/>
+          </a:xfrm>
+          <a:prstGeom prst="rect">
+            <a:avLst/>
+          </a:prstGeom>
+          <a:noFill/>
+        </p:spPr>
+        <p:txBody>
+          <a:bodyPr wrap="square" rtlCol="0">
+            <a:spAutoFit/>
+          </a:bodyPr>
+          <a:lstStyle/>
+          <a:p>
+            <a:pPr marL="342900" indent="-342900">
+              <a:buFont typeface="Arial" charset="0"/>
+              <a:buChar char="•"/>
+            </a:pPr>
+            <a:r>
+              <a:rPr kumimoji="1" lang="zh-CN" altLang="en-US" sz="2400" dirty="0" smtClean="0">
+                <a:solidFill>
+                  <a:schemeClr val="bg2"/>
+                </a:solidFill>
+              </a:rPr>
+              <a:t>搜索</a:t>
+            </a:r>
+            <a:r>
+              <a:rPr kumimoji="1" lang="zh-CN" altLang="en-US" sz="2400" dirty="0" smtClean="0">
+                <a:solidFill>
+                  <a:schemeClr val="bg2"/>
+                </a:solidFill>
+              </a:rPr>
+              <a:t>经验</a:t>
+            </a:r>
+            <a:endParaRPr kumimoji="1" lang="zh-CN" altLang="en-US" sz="2400" dirty="0">
+              <a:solidFill>
+                <a:schemeClr val="bg2"/>
+              </a:solidFill>
+            </a:endParaRPr>
+          </a:p>
+        </p:txBody>
+      </p:sp>
+      <p:sp>
+        <p:nvSpPr>
+          <p:cNvPr id="10" name="文本框 9"/>
+          <p:cNvSpPr txBox="1"/>
+          <p:nvPr/>
+        </p:nvSpPr>
+        <p:spPr>
+          <a:xfrm>
+            <a:off x="800100" y="4707256"/>
+            <a:ext cx="2720340" cy="461665"/>
+          </a:xfrm>
+          <a:prstGeom prst="rect">
+            <a:avLst/>
+          </a:prstGeom>
+          <a:noFill/>
+        </p:spPr>
+        <p:txBody>
+          <a:bodyPr wrap="square" rtlCol="0">
+            <a:spAutoFit/>
+          </a:bodyPr>
+          <a:lstStyle/>
+          <a:p>
+            <a:pPr marL="342900" indent="-342900">
+              <a:buFont typeface="Arial" charset="0"/>
+              <a:buChar char="•"/>
+            </a:pPr>
+            <a:r>
+              <a:rPr kumimoji="1" lang="zh-CN" altLang="en-US" sz="2400" dirty="0" smtClean="0">
+                <a:solidFill>
+                  <a:schemeClr val="bg2"/>
+                </a:solidFill>
+              </a:rPr>
+              <a:t>搜索</a:t>
+            </a:r>
+            <a:r>
+              <a:rPr kumimoji="1" lang="zh-CN" altLang="en-US" sz="2400" dirty="0" smtClean="0">
+                <a:solidFill>
+                  <a:schemeClr val="bg2"/>
+                </a:solidFill>
+              </a:rPr>
+              <a:t>经验</a:t>
+            </a:r>
+            <a:r>
+              <a:rPr kumimoji="1" lang="zh-CN" altLang="en-US" sz="2400" dirty="0" smtClean="0">
+                <a:solidFill>
+                  <a:schemeClr val="bg2"/>
+                </a:solidFill>
+              </a:rPr>
+              <a:t>一致性</a:t>
+            </a:r>
+            <a:endParaRPr kumimoji="1" lang="zh-CN" altLang="en-US" sz="2400" dirty="0">
+              <a:solidFill>
+                <a:schemeClr val="bg2"/>
+              </a:solidFill>
+            </a:endParaRPr>
+          </a:p>
+        </p:txBody>
+      </p:sp>
+      <p:cxnSp>
+        <p:nvCxnSpPr>
+          <p:cNvPr id="5" name="直线箭头连接符 4"/>
+          <p:cNvCxnSpPr>
+            <a:stCxn id="9" idx="3"/>
+            <a:endCxn id="12" idx="1"/>
+          </p:cNvCxnSpPr>
+          <p:nvPr/>
+        </p:nvCxnSpPr>
+        <p:spPr>
+          <a:xfrm flipV="1">
+            <a:off x="2823210" y="1554480"/>
+            <a:ext cx="788670" cy="791885"/>
+          </a:xfrm>
+          <a:prstGeom prst="straightConnector1">
+            <a:avLst/>
+          </a:prstGeom>
+          <a:ln>
+            <a:solidFill>
+              <a:schemeClr val="bg2"/>
+            </a:solidFill>
+            <a:tailEnd type="triangle"/>
+          </a:ln>
+        </p:spPr>
+        <p:style>
+          <a:lnRef idx="1">
+            <a:schemeClr val="accent1"/>
+          </a:lnRef>
+          <a:fillRef idx="0">
+            <a:schemeClr val="accent1"/>
+          </a:fillRef>
+          <a:effectRef idx="0">
+            <a:schemeClr val="accent1"/>
+          </a:effectRef>
+          <a:fontRef idx="minor">
+            <a:schemeClr val="tx1"/>
+          </a:fontRef>
+        </p:style>
+      </p:cxnSp>
+      <p:cxnSp>
+        <p:nvCxnSpPr>
+          <p:cNvPr id="7" name="直线箭头连接符 6"/>
+          <p:cNvCxnSpPr>
+            <a:stCxn id="9" idx="3"/>
+            <a:endCxn id="13" idx="1"/>
+          </p:cNvCxnSpPr>
+          <p:nvPr/>
+        </p:nvCxnSpPr>
+        <p:spPr>
+          <a:xfrm>
+            <a:off x="2823210" y="2346365"/>
+            <a:ext cx="788670" cy="1607"/>
+          </a:xfrm>
+          <a:prstGeom prst="straightConnector1">
+            <a:avLst/>
+          </a:prstGeom>
+          <a:ln>
+            <a:solidFill>
+              <a:schemeClr val="bg2"/>
+            </a:solidFill>
+            <a:tailEnd type="triangle"/>
+          </a:ln>
+        </p:spPr>
+        <p:style>
+          <a:lnRef idx="1">
+            <a:schemeClr val="accent1"/>
+          </a:lnRef>
+          <a:fillRef idx="0">
+            <a:schemeClr val="accent1"/>
+          </a:fillRef>
+          <a:effectRef idx="0">
+            <a:schemeClr val="accent1"/>
+          </a:effectRef>
+          <a:fontRef idx="minor">
+            <a:schemeClr val="tx1"/>
+          </a:fontRef>
+        </p:style>
+      </p:cxnSp>
+      <p:cxnSp>
+        <p:nvCxnSpPr>
+          <p:cNvPr id="11" name="直线箭头连接符 10"/>
+          <p:cNvCxnSpPr>
+            <a:stCxn id="9" idx="3"/>
+            <a:endCxn id="14" idx="1"/>
+          </p:cNvCxnSpPr>
+          <p:nvPr/>
+        </p:nvCxnSpPr>
+        <p:spPr>
+          <a:xfrm>
+            <a:off x="2823210" y="2346365"/>
+            <a:ext cx="788670" cy="779561"/>
+          </a:xfrm>
+          <a:prstGeom prst="straightConnector1">
+            <a:avLst/>
+          </a:prstGeom>
+          <a:ln>
+            <a:solidFill>
+              <a:schemeClr val="bg2"/>
+            </a:solidFill>
+            <a:tailEnd type="triangle"/>
+          </a:ln>
+        </p:spPr>
+        <p:style>
+          <a:lnRef idx="1">
+            <a:schemeClr val="accent1"/>
+          </a:lnRef>
+          <a:fillRef idx="0">
+            <a:schemeClr val="accent1"/>
+          </a:fillRef>
+          <a:effectRef idx="0">
+            <a:schemeClr val="accent1"/>
+          </a:effectRef>
+          <a:fontRef idx="minor">
+            <a:schemeClr val="tx1"/>
+          </a:fontRef>
+        </p:style>
+      </p:cxnSp>
+      <p:sp>
+        <p:nvSpPr>
+          <p:cNvPr id="12" name="文本框 11"/>
+          <p:cNvSpPr txBox="1"/>
+          <p:nvPr/>
+        </p:nvSpPr>
+        <p:spPr>
+          <a:xfrm>
+            <a:off x="3611880" y="1323647"/>
+            <a:ext cx="2023110" cy="461665"/>
+          </a:xfrm>
+          <a:prstGeom prst="rect">
+            <a:avLst/>
+          </a:prstGeom>
+          <a:noFill/>
+        </p:spPr>
+        <p:txBody>
+          <a:bodyPr wrap="square" rtlCol="0">
+            <a:spAutoFit/>
+          </a:bodyPr>
+          <a:lstStyle/>
+          <a:p>
+            <a:pPr marL="342900" indent="-342900">
+              <a:buFont typeface="Arial" charset="0"/>
+              <a:buChar char="•"/>
+            </a:pPr>
+            <a:r>
+              <a:rPr kumimoji="1" lang="zh-CN" altLang="en-US" sz="2400" dirty="0" smtClean="0">
+                <a:solidFill>
+                  <a:schemeClr val="bg2"/>
+                </a:solidFill>
+              </a:rPr>
+              <a:t>时间</a:t>
+            </a:r>
+            <a:r>
+              <a:rPr kumimoji="1" lang="zh-CN" altLang="en-US" sz="2400" dirty="0" smtClean="0">
+                <a:solidFill>
+                  <a:schemeClr val="bg2"/>
+                </a:solidFill>
+              </a:rPr>
+              <a:t>经验</a:t>
+            </a:r>
+            <a:endParaRPr kumimoji="1" lang="zh-CN" altLang="en-US" sz="2400" dirty="0">
+              <a:solidFill>
+                <a:schemeClr val="bg2"/>
+              </a:solidFill>
+            </a:endParaRPr>
+          </a:p>
+        </p:txBody>
+      </p:sp>
+      <p:sp>
+        <p:nvSpPr>
+          <p:cNvPr id="13" name="文本框 12"/>
+          <p:cNvSpPr txBox="1"/>
+          <p:nvPr/>
+        </p:nvSpPr>
+        <p:spPr>
+          <a:xfrm>
+            <a:off x="3611880" y="2117139"/>
+            <a:ext cx="2023110" cy="461665"/>
+          </a:xfrm>
+          <a:prstGeom prst="rect">
+            <a:avLst/>
+          </a:prstGeom>
+          <a:noFill/>
+        </p:spPr>
+        <p:txBody>
+          <a:bodyPr wrap="square" rtlCol="0">
+            <a:spAutoFit/>
+          </a:bodyPr>
+          <a:lstStyle/>
+          <a:p>
+            <a:pPr marL="342900" indent="-342900">
+              <a:buFont typeface="Arial" charset="0"/>
+              <a:buChar char="•"/>
+            </a:pPr>
+            <a:r>
+              <a:rPr kumimoji="1" lang="zh-CN" altLang="en-US" sz="2400" dirty="0" smtClean="0">
+                <a:solidFill>
+                  <a:schemeClr val="bg2"/>
+                </a:solidFill>
+              </a:rPr>
+              <a:t>因果</a:t>
+            </a:r>
+            <a:r>
+              <a:rPr kumimoji="1" lang="zh-CN" altLang="en-US" sz="2400" dirty="0" smtClean="0">
+                <a:solidFill>
+                  <a:schemeClr val="bg2"/>
+                </a:solidFill>
+              </a:rPr>
+              <a:t>经验</a:t>
+            </a:r>
+            <a:endParaRPr kumimoji="1" lang="zh-CN" altLang="en-US" sz="2400" dirty="0">
+              <a:solidFill>
+                <a:schemeClr val="bg2"/>
+              </a:solidFill>
+            </a:endParaRPr>
+          </a:p>
+        </p:txBody>
+      </p:sp>
+      <p:sp>
+        <p:nvSpPr>
+          <p:cNvPr id="14" name="文本框 13"/>
+          <p:cNvSpPr txBox="1"/>
+          <p:nvPr/>
+        </p:nvSpPr>
+        <p:spPr>
+          <a:xfrm>
+            <a:off x="3611880" y="2895093"/>
+            <a:ext cx="2023110" cy="461665"/>
+          </a:xfrm>
+          <a:prstGeom prst="rect">
+            <a:avLst/>
+          </a:prstGeom>
+          <a:noFill/>
+        </p:spPr>
+        <p:txBody>
+          <a:bodyPr wrap="square" rtlCol="0">
+            <a:spAutoFit/>
+          </a:bodyPr>
+          <a:lstStyle/>
+          <a:p>
+            <a:pPr marL="342900" indent="-342900">
+              <a:buFont typeface="Arial" charset="0"/>
+              <a:buChar char="•"/>
+            </a:pPr>
+            <a:r>
+              <a:rPr kumimoji="1" lang="zh-CN" altLang="en-US" sz="2400" dirty="0" smtClean="0">
+                <a:solidFill>
+                  <a:schemeClr val="bg2"/>
+                </a:solidFill>
+              </a:rPr>
+              <a:t>主题经验</a:t>
+            </a:r>
+            <a:endParaRPr kumimoji="1" lang="zh-CN" altLang="en-US" sz="2400" dirty="0">
+              <a:solidFill>
+                <a:schemeClr val="bg2"/>
+              </a:solidFill>
+            </a:endParaRPr>
+          </a:p>
+        </p:txBody>
+      </p:sp>
+      <p:cxnSp>
+        <p:nvCxnSpPr>
+          <p:cNvPr id="18" name="直线箭头连接符 17"/>
+          <p:cNvCxnSpPr/>
+          <p:nvPr/>
+        </p:nvCxnSpPr>
+        <p:spPr>
+          <a:xfrm flipV="1">
+            <a:off x="3520440" y="4148644"/>
+            <a:ext cx="788670" cy="791885"/>
+          </a:xfrm>
+          <a:prstGeom prst="straightConnector1">
+            <a:avLst/>
+          </a:prstGeom>
+          <a:ln>
+            <a:solidFill>
+              <a:schemeClr val="bg2"/>
+            </a:solidFill>
+            <a:tailEnd type="triangle"/>
+          </a:ln>
+        </p:spPr>
+        <p:style>
+          <a:lnRef idx="1">
+            <a:schemeClr val="accent1"/>
+          </a:lnRef>
+          <a:fillRef idx="0">
+            <a:schemeClr val="accent1"/>
+          </a:fillRef>
+          <a:effectRef idx="0">
+            <a:schemeClr val="accent1"/>
+          </a:effectRef>
+          <a:fontRef idx="minor">
+            <a:schemeClr val="tx1"/>
+          </a:fontRef>
+        </p:style>
+      </p:cxnSp>
+      <p:cxnSp>
+        <p:nvCxnSpPr>
+          <p:cNvPr id="19" name="直线箭头连接符 18"/>
+          <p:cNvCxnSpPr/>
+          <p:nvPr/>
+        </p:nvCxnSpPr>
+        <p:spPr>
+          <a:xfrm>
+            <a:off x="3520440" y="4940529"/>
+            <a:ext cx="788670" cy="1607"/>
+          </a:xfrm>
+          <a:prstGeom prst="straightConnector1">
+            <a:avLst/>
+          </a:prstGeom>
+          <a:ln>
+            <a:solidFill>
+              <a:schemeClr val="bg2"/>
+            </a:solidFill>
+            <a:tailEnd type="triangle"/>
+          </a:ln>
+        </p:spPr>
+        <p:style>
+          <a:lnRef idx="1">
+            <a:schemeClr val="accent1"/>
+          </a:lnRef>
+          <a:fillRef idx="0">
+            <a:schemeClr val="accent1"/>
+          </a:fillRef>
+          <a:effectRef idx="0">
+            <a:schemeClr val="accent1"/>
+          </a:effectRef>
+          <a:fontRef idx="minor">
+            <a:schemeClr val="tx1"/>
+          </a:fontRef>
+        </p:style>
+      </p:cxnSp>
+      <p:cxnSp>
+        <p:nvCxnSpPr>
+          <p:cNvPr id="20" name="直线箭头连接符 19"/>
+          <p:cNvCxnSpPr/>
+          <p:nvPr/>
+        </p:nvCxnSpPr>
+        <p:spPr>
+          <a:xfrm>
+            <a:off x="3520440" y="4940529"/>
+            <a:ext cx="788670" cy="779561"/>
+          </a:xfrm>
+          <a:prstGeom prst="straightConnector1">
+            <a:avLst/>
+          </a:prstGeom>
+          <a:ln>
+            <a:solidFill>
+              <a:schemeClr val="bg2"/>
+            </a:solidFill>
+            <a:tailEnd type="triangle"/>
+          </a:ln>
+        </p:spPr>
+        <p:style>
+          <a:lnRef idx="1">
+            <a:schemeClr val="accent1"/>
+          </a:lnRef>
+          <a:fillRef idx="0">
+            <a:schemeClr val="accent1"/>
+          </a:fillRef>
+          <a:effectRef idx="0">
+            <a:schemeClr val="accent1"/>
+          </a:effectRef>
+          <a:fontRef idx="minor">
+            <a:schemeClr val="tx1"/>
+          </a:fontRef>
+        </p:style>
+      </p:cxnSp>
+      <p:sp>
+        <p:nvSpPr>
+          <p:cNvPr id="21" name="文本框 20"/>
+          <p:cNvSpPr txBox="1"/>
+          <p:nvPr/>
+        </p:nvSpPr>
+        <p:spPr>
+          <a:xfrm>
+            <a:off x="4309110" y="3917811"/>
+            <a:ext cx="2343150" cy="461665"/>
+          </a:xfrm>
+          <a:prstGeom prst="rect">
+            <a:avLst/>
+          </a:prstGeom>
+          <a:noFill/>
+        </p:spPr>
+        <p:txBody>
+          <a:bodyPr wrap="square" rtlCol="0">
+            <a:spAutoFit/>
+          </a:bodyPr>
+          <a:lstStyle/>
+          <a:p>
+            <a:pPr marL="342900" indent="-342900">
+              <a:buFont typeface="Arial" charset="0"/>
+              <a:buChar char="•"/>
+            </a:pPr>
+            <a:r>
+              <a:rPr kumimoji="1" lang="zh-CN" altLang="en-US" sz="2400" smtClean="0">
+                <a:solidFill>
+                  <a:schemeClr val="bg2"/>
+                </a:solidFill>
+              </a:rPr>
+              <a:t>时间一致性</a:t>
+            </a:r>
+            <a:endParaRPr kumimoji="1" lang="zh-CN" altLang="en-US" sz="2400" dirty="0">
+              <a:solidFill>
+                <a:schemeClr val="bg2"/>
+              </a:solidFill>
+            </a:endParaRPr>
+          </a:p>
+        </p:txBody>
+      </p:sp>
+      <p:sp>
+        <p:nvSpPr>
+          <p:cNvPr id="22" name="文本框 21"/>
+          <p:cNvSpPr txBox="1"/>
+          <p:nvPr/>
+        </p:nvSpPr>
+        <p:spPr>
+          <a:xfrm>
+            <a:off x="4309110" y="4711303"/>
+            <a:ext cx="2205990" cy="461665"/>
+          </a:xfrm>
+          <a:prstGeom prst="rect">
+            <a:avLst/>
+          </a:prstGeom>
+          <a:noFill/>
+        </p:spPr>
+        <p:txBody>
+          <a:bodyPr wrap="square" rtlCol="0">
+            <a:spAutoFit/>
+          </a:bodyPr>
+          <a:lstStyle/>
+          <a:p>
+            <a:pPr marL="342900" indent="-342900">
+              <a:buFont typeface="Arial" charset="0"/>
+              <a:buChar char="•"/>
+            </a:pPr>
+            <a:r>
+              <a:rPr kumimoji="1" lang="zh-CN" altLang="en-US" sz="2400" smtClean="0">
+                <a:solidFill>
+                  <a:schemeClr val="bg2"/>
+                </a:solidFill>
+              </a:rPr>
+              <a:t>因果</a:t>
+            </a:r>
+            <a:r>
+              <a:rPr kumimoji="1" lang="zh-CN" altLang="en-US" sz="2400" smtClean="0">
+                <a:solidFill>
+                  <a:schemeClr val="bg2"/>
+                </a:solidFill>
+              </a:rPr>
+              <a:t>一致性</a:t>
+            </a:r>
+            <a:endParaRPr kumimoji="1" lang="zh-CN" altLang="en-US" sz="2400" dirty="0">
+              <a:solidFill>
+                <a:schemeClr val="bg2"/>
+              </a:solidFill>
+            </a:endParaRPr>
+          </a:p>
+        </p:txBody>
+      </p:sp>
+      <p:sp>
+        <p:nvSpPr>
+          <p:cNvPr id="23" name="文本框 22"/>
+          <p:cNvSpPr txBox="1"/>
+          <p:nvPr/>
+        </p:nvSpPr>
+        <p:spPr>
+          <a:xfrm>
+            <a:off x="4309110" y="5489257"/>
+            <a:ext cx="2205990" cy="461665"/>
+          </a:xfrm>
+          <a:prstGeom prst="rect">
+            <a:avLst/>
+          </a:prstGeom>
+          <a:noFill/>
+        </p:spPr>
+        <p:txBody>
+          <a:bodyPr wrap="square" rtlCol="0">
+            <a:spAutoFit/>
+          </a:bodyPr>
+          <a:lstStyle/>
+          <a:p>
+            <a:pPr marL="342900" indent="-342900">
+              <a:buFont typeface="Arial" charset="0"/>
+              <a:buChar char="•"/>
+            </a:pPr>
+            <a:r>
+              <a:rPr kumimoji="1" lang="zh-CN" altLang="en-US" sz="2400" smtClean="0">
+                <a:solidFill>
+                  <a:schemeClr val="bg2"/>
+                </a:solidFill>
+              </a:rPr>
+              <a:t>主题一致性</a:t>
+            </a:r>
+            <a:endParaRPr kumimoji="1" lang="zh-CN" altLang="en-US" sz="2400" dirty="0">
+              <a:solidFill>
+                <a:schemeClr val="bg2"/>
+              </a:solidFill>
+            </a:endParaRPr>
+          </a:p>
+        </p:txBody>
+      </p:sp>
+    </p:spTree>
+    <p:extLst>
+      <p:ext uri="{BB962C8B-B14F-4D97-AF65-F5344CB8AC3E}">
+        <p14:creationId xmlns:p14="http://schemas.microsoft.com/office/powerpoint/2010/main" val="924606317"/>
+      </p:ext>
+    </p:extLst>
+  </p:cSld>
+  <p:clrMapOvr>
+    <a:masterClrMapping/>
+  </p:clrMapOvr>
+  <p:timing>
+    <p:tnLst>
+      <p:par>
+        <p:cTn id="1" dur="indefinite" restart="never" nodeType="tmRoot">
+          <p:childTnLst>
+            <p:seq concurrent="1" nextAc="seek">
+              <p:cTn id="2" dur="indefinite" nodeType="mainSeq">
+                <p:childTnLst>
+                  <p:par>
+                    <p:cTn id="3" fill="hold">
+                      <p:stCondLst>
+                        <p:cond delay="indefinite"/>
+                      </p:stCondLst>
+                      <p:childTnLst>
+                        <p:par>
+                          <p:cTn id="4" fill="hold">
+                            <p:stCondLst>
+                              <p:cond delay="0"/>
+                            </p:stCondLst>
+                            <p:childTnLst>
+                              <p:par>
+                                <p:cTn id="5" presetID="10" presetClass="entr" presetSubtype="0" fill="hold" grpId="0" nodeType="clickEffect">
+                                  <p:stCondLst>
+                                    <p:cond delay="0"/>
+                                  </p:stCondLst>
+                                  <p:childTnLst>
+                                    <p:set>
+                                      <p:cBhvr>
+                                        <p:cTn id="6" dur="1" fill="hold">
+                                          <p:stCondLst>
+                                            <p:cond delay="0"/>
+                                          </p:stCondLst>
+                                        </p:cTn>
+                                        <p:tgtEl>
+                                          <p:spTgt spid="9"/>
+                                        </p:tgtEl>
+                                        <p:attrNameLst>
+                                          <p:attrName>style.visibility</p:attrName>
+                                        </p:attrNameLst>
+                                      </p:cBhvr>
+                                      <p:to>
+                                        <p:strVal val="visible"/>
+                                      </p:to>
+                                    </p:set>
+                                    <p:animEffect transition="in" filter="fade">
+                                      <p:cBhvr>
+                                        <p:cTn id="7" dur="500"/>
+                                        <p:tgtEl>
+                                          <p:spTgt spid="9"/>
+                                        </p:tgtEl>
+                                      </p:cBhvr>
+                                    </p:animEffect>
+                                  </p:childTnLst>
+                                </p:cTn>
+                              </p:par>
+                              <p:par>
+                                <p:cTn id="8" presetID="22" presetClass="entr" presetSubtype="8" fill="hold" nodeType="withEffect">
+                                  <p:stCondLst>
+                                    <p:cond delay="0"/>
+                                  </p:stCondLst>
+                                  <p:childTnLst>
+                                    <p:set>
+                                      <p:cBhvr>
+                                        <p:cTn id="9" dur="1" fill="hold">
+                                          <p:stCondLst>
+                                            <p:cond delay="0"/>
+                                          </p:stCondLst>
+                                        </p:cTn>
+                                        <p:tgtEl>
+                                          <p:spTgt spid="5"/>
+                                        </p:tgtEl>
+                                        <p:attrNameLst>
+                                          <p:attrName>style.visibility</p:attrName>
+                                        </p:attrNameLst>
+                                      </p:cBhvr>
+                                      <p:to>
+                                        <p:strVal val="visible"/>
+                                      </p:to>
+                                    </p:set>
+                                    <p:animEffect transition="in" filter="wipe(left)">
+                                      <p:cBhvr>
+                                        <p:cTn id="10" dur="500"/>
+                                        <p:tgtEl>
+                                          <p:spTgt spid="5"/>
+                                        </p:tgtEl>
+                                      </p:cBhvr>
+                                    </p:animEffect>
+                                  </p:childTnLst>
+                                </p:cTn>
+                              </p:par>
+                            </p:childTnLst>
+                          </p:cTn>
+                        </p:par>
+                        <p:par>
+                          <p:cTn id="11" fill="hold">
+                            <p:stCondLst>
+                              <p:cond delay="500"/>
+                            </p:stCondLst>
+                            <p:childTnLst>
+                              <p:par>
+                                <p:cTn id="12" presetID="22" presetClass="entr" presetSubtype="8" fill="hold" grpId="0" nodeType="afterEffect">
+                                  <p:stCondLst>
+                                    <p:cond delay="0"/>
+                                  </p:stCondLst>
+                                  <p:childTnLst>
+                                    <p:set>
+                                      <p:cBhvr>
+                                        <p:cTn id="13" dur="1" fill="hold">
+                                          <p:stCondLst>
+                                            <p:cond delay="0"/>
+                                          </p:stCondLst>
+                                        </p:cTn>
+                                        <p:tgtEl>
+                                          <p:spTgt spid="12"/>
+                                        </p:tgtEl>
+                                        <p:attrNameLst>
+                                          <p:attrName>style.visibility</p:attrName>
+                                        </p:attrNameLst>
+                                      </p:cBhvr>
+                                      <p:to>
+                                        <p:strVal val="visible"/>
+                                      </p:to>
+                                    </p:set>
+                                    <p:animEffect transition="in" filter="wipe(left)">
+                                      <p:cBhvr>
+                                        <p:cTn id="14" dur="500"/>
+                                        <p:tgtEl>
+                                          <p:spTgt spid="12"/>
+                                        </p:tgtEl>
+                                      </p:cBhvr>
+                                    </p:animEffect>
+                                  </p:childTnLst>
+                                </p:cTn>
+                              </p:par>
+                            </p:childTnLst>
+                          </p:cTn>
+                        </p:par>
+                        <p:par>
+                          <p:cTn id="15" fill="hold">
+                            <p:stCondLst>
+                              <p:cond delay="1000"/>
+                            </p:stCondLst>
+                            <p:childTnLst>
+                              <p:par>
+                                <p:cTn id="16" presetID="22" presetClass="entr" presetSubtype="8" fill="hold" nodeType="afterEffect">
+                                  <p:stCondLst>
+                                    <p:cond delay="0"/>
+                                  </p:stCondLst>
+                                  <p:childTnLst>
+                                    <p:set>
+                                      <p:cBhvr>
+                                        <p:cTn id="17" dur="1" fill="hold">
+                                          <p:stCondLst>
+                                            <p:cond delay="0"/>
+                                          </p:stCondLst>
+                                        </p:cTn>
+                                        <p:tgtEl>
+                                          <p:spTgt spid="7"/>
+                                        </p:tgtEl>
+                                        <p:attrNameLst>
+                                          <p:attrName>style.visibility</p:attrName>
+                                        </p:attrNameLst>
+                                      </p:cBhvr>
+                                      <p:to>
+                                        <p:strVal val="visible"/>
+                                      </p:to>
+                                    </p:set>
+                                    <p:animEffect transition="in" filter="wipe(left)">
+                                      <p:cBhvr>
+                                        <p:cTn id="18" dur="500"/>
+                                        <p:tgtEl>
+                                          <p:spTgt spid="7"/>
+                                        </p:tgtEl>
+                                      </p:cBhvr>
+                                    </p:animEffect>
+                                  </p:childTnLst>
+                                </p:cTn>
+                              </p:par>
+                            </p:childTnLst>
+                          </p:cTn>
+                        </p:par>
+                        <p:par>
+                          <p:cTn id="19" fill="hold">
+                            <p:stCondLst>
+                              <p:cond delay="1500"/>
+                            </p:stCondLst>
+                            <p:childTnLst>
+                              <p:par>
+                                <p:cTn id="20" presetID="22" presetClass="entr" presetSubtype="8" fill="hold" grpId="0" nodeType="afterEffect">
+                                  <p:stCondLst>
+                                    <p:cond delay="0"/>
+                                  </p:stCondLst>
+                                  <p:childTnLst>
+                                    <p:set>
+                                      <p:cBhvr>
+                                        <p:cTn id="21" dur="1" fill="hold">
+                                          <p:stCondLst>
+                                            <p:cond delay="0"/>
+                                          </p:stCondLst>
+                                        </p:cTn>
+                                        <p:tgtEl>
+                                          <p:spTgt spid="13"/>
+                                        </p:tgtEl>
+                                        <p:attrNameLst>
+                                          <p:attrName>style.visibility</p:attrName>
+                                        </p:attrNameLst>
+                                      </p:cBhvr>
+                                      <p:to>
+                                        <p:strVal val="visible"/>
+                                      </p:to>
+                                    </p:set>
+                                    <p:animEffect transition="in" filter="wipe(left)">
+                                      <p:cBhvr>
+                                        <p:cTn id="22" dur="500"/>
+                                        <p:tgtEl>
+                                          <p:spTgt spid="13"/>
+                                        </p:tgtEl>
+                                      </p:cBhvr>
+                                    </p:animEffect>
+                                  </p:childTnLst>
+                                </p:cTn>
+                              </p:par>
+                            </p:childTnLst>
+                          </p:cTn>
+                        </p:par>
+                        <p:par>
+                          <p:cTn id="23" fill="hold">
+                            <p:stCondLst>
+                              <p:cond delay="2000"/>
+                            </p:stCondLst>
+                            <p:childTnLst>
+                              <p:par>
+                                <p:cTn id="24" presetID="22" presetClass="entr" presetSubtype="8" fill="hold" nodeType="afterEffect">
+                                  <p:stCondLst>
+                                    <p:cond delay="0"/>
+                                  </p:stCondLst>
+                                  <p:childTnLst>
+                                    <p:set>
+                                      <p:cBhvr>
+                                        <p:cTn id="25" dur="1" fill="hold">
+                                          <p:stCondLst>
+                                            <p:cond delay="0"/>
+                                          </p:stCondLst>
+                                        </p:cTn>
+                                        <p:tgtEl>
+                                          <p:spTgt spid="11"/>
+                                        </p:tgtEl>
+                                        <p:attrNameLst>
+                                          <p:attrName>style.visibility</p:attrName>
+                                        </p:attrNameLst>
+                                      </p:cBhvr>
+                                      <p:to>
+                                        <p:strVal val="visible"/>
+                                      </p:to>
+                                    </p:set>
+                                    <p:animEffect transition="in" filter="wipe(left)">
+                                      <p:cBhvr>
+                                        <p:cTn id="26" dur="500"/>
+                                        <p:tgtEl>
+                                          <p:spTgt spid="11"/>
+                                        </p:tgtEl>
+                                      </p:cBhvr>
+                                    </p:animEffect>
+                                  </p:childTnLst>
+                                </p:cTn>
+                              </p:par>
+                            </p:childTnLst>
+                          </p:cTn>
+                        </p:par>
+                        <p:par>
+                          <p:cTn id="27" fill="hold">
+                            <p:stCondLst>
+                              <p:cond delay="2500"/>
+                            </p:stCondLst>
+                            <p:childTnLst>
+                              <p:par>
+                                <p:cTn id="28" presetID="22" presetClass="entr" presetSubtype="8" fill="hold" grpId="0" nodeType="afterEffect">
+                                  <p:stCondLst>
+                                    <p:cond delay="0"/>
+                                  </p:stCondLst>
+                                  <p:childTnLst>
+                                    <p:set>
+                                      <p:cBhvr>
+                                        <p:cTn id="29" dur="1" fill="hold">
+                                          <p:stCondLst>
+                                            <p:cond delay="0"/>
+                                          </p:stCondLst>
+                                        </p:cTn>
+                                        <p:tgtEl>
+                                          <p:spTgt spid="14"/>
+                                        </p:tgtEl>
+                                        <p:attrNameLst>
+                                          <p:attrName>style.visibility</p:attrName>
+                                        </p:attrNameLst>
+                                      </p:cBhvr>
+                                      <p:to>
+                                        <p:strVal val="visible"/>
+                                      </p:to>
+                                    </p:set>
+                                    <p:animEffect transition="in" filter="wipe(left)">
+                                      <p:cBhvr>
+                                        <p:cTn id="30" dur="500"/>
+                                        <p:tgtEl>
+                                          <p:spTgt spid="14"/>
+                                        </p:tgtEl>
+                                      </p:cBhvr>
+                                    </p:animEffect>
+                                  </p:childTnLst>
+                                </p:cTn>
+                              </p:par>
+                            </p:childTnLst>
+                          </p:cTn>
+                        </p:par>
+                      </p:childTnLst>
+                    </p:cTn>
+                  </p:par>
+                  <p:par>
+                    <p:cTn id="31" fill="hold">
+                      <p:stCondLst>
+                        <p:cond delay="indefinite"/>
+                      </p:stCondLst>
+                      <p:childTnLst>
+                        <p:par>
+                          <p:cTn id="32" fill="hold">
+                            <p:stCondLst>
+                              <p:cond delay="0"/>
+                            </p:stCondLst>
+                            <p:childTnLst>
+                              <p:par>
+                                <p:cTn id="33" presetID="10" presetClass="entr" presetSubtype="0" fill="hold" grpId="0" nodeType="clickEffect">
+                                  <p:stCondLst>
+                                    <p:cond delay="0"/>
+                                  </p:stCondLst>
+                                  <p:childTnLst>
+                                    <p:set>
+                                      <p:cBhvr>
+                                        <p:cTn id="34" dur="1" fill="hold">
+                                          <p:stCondLst>
+                                            <p:cond delay="0"/>
+                                          </p:stCondLst>
+                                        </p:cTn>
+                                        <p:tgtEl>
+                                          <p:spTgt spid="10"/>
+                                        </p:tgtEl>
+                                        <p:attrNameLst>
+                                          <p:attrName>style.visibility</p:attrName>
+                                        </p:attrNameLst>
+                                      </p:cBhvr>
+                                      <p:to>
+                                        <p:strVal val="visible"/>
+                                      </p:to>
+                                    </p:set>
+                                    <p:animEffect transition="in" filter="fade">
+                                      <p:cBhvr>
+                                        <p:cTn id="35" dur="500"/>
+                                        <p:tgtEl>
+                                          <p:spTgt spid="10"/>
+                                        </p:tgtEl>
+                                      </p:cBhvr>
+                                    </p:animEffect>
+                                  </p:childTnLst>
+                                </p:cTn>
+                              </p:par>
+                            </p:childTnLst>
+                          </p:cTn>
+                        </p:par>
+                        <p:par>
+                          <p:cTn id="36" fill="hold">
+                            <p:stCondLst>
+                              <p:cond delay="500"/>
+                            </p:stCondLst>
+                            <p:childTnLst>
+                              <p:par>
+                                <p:cTn id="37" presetID="22" presetClass="entr" presetSubtype="8" fill="hold" nodeType="afterEffect">
+                                  <p:stCondLst>
+                                    <p:cond delay="0"/>
+                                  </p:stCondLst>
+                                  <p:childTnLst>
+                                    <p:set>
+                                      <p:cBhvr>
+                                        <p:cTn id="38" dur="1" fill="hold">
+                                          <p:stCondLst>
+                                            <p:cond delay="0"/>
+                                          </p:stCondLst>
+                                        </p:cTn>
+                                        <p:tgtEl>
+                                          <p:spTgt spid="18"/>
+                                        </p:tgtEl>
+                                        <p:attrNameLst>
+                                          <p:attrName>style.visibility</p:attrName>
+                                        </p:attrNameLst>
+                                      </p:cBhvr>
+                                      <p:to>
+                                        <p:strVal val="visible"/>
+                                      </p:to>
+                                    </p:set>
+                                    <p:animEffect transition="in" filter="wipe(left)">
+                                      <p:cBhvr>
+                                        <p:cTn id="39" dur="500"/>
+                                        <p:tgtEl>
+                                          <p:spTgt spid="18"/>
+                                        </p:tgtEl>
+                                      </p:cBhvr>
+                                    </p:animEffect>
+                                  </p:childTnLst>
+                                </p:cTn>
+                              </p:par>
+                            </p:childTnLst>
+                          </p:cTn>
+                        </p:par>
+                        <p:par>
+                          <p:cTn id="40" fill="hold">
+                            <p:stCondLst>
+                              <p:cond delay="1000"/>
+                            </p:stCondLst>
+                            <p:childTnLst>
+                              <p:par>
+                                <p:cTn id="41" presetID="22" presetClass="entr" presetSubtype="8" fill="hold" grpId="0" nodeType="afterEffect">
+                                  <p:stCondLst>
+                                    <p:cond delay="0"/>
+                                  </p:stCondLst>
+                                  <p:childTnLst>
+                                    <p:set>
+                                      <p:cBhvr>
+                                        <p:cTn id="42" dur="1" fill="hold">
+                                          <p:stCondLst>
+                                            <p:cond delay="0"/>
+                                          </p:stCondLst>
+                                        </p:cTn>
+                                        <p:tgtEl>
+                                          <p:spTgt spid="21"/>
+                                        </p:tgtEl>
+                                        <p:attrNameLst>
+                                          <p:attrName>style.visibility</p:attrName>
+                                        </p:attrNameLst>
+                                      </p:cBhvr>
+                                      <p:to>
+                                        <p:strVal val="visible"/>
+                                      </p:to>
+                                    </p:set>
+                                    <p:animEffect transition="in" filter="wipe(left)">
+                                      <p:cBhvr>
+                                        <p:cTn id="43" dur="500"/>
+                                        <p:tgtEl>
+                                          <p:spTgt spid="21"/>
+                                        </p:tgtEl>
+                                      </p:cBhvr>
+                                    </p:animEffect>
+                                  </p:childTnLst>
+                                </p:cTn>
+                              </p:par>
+                            </p:childTnLst>
+                          </p:cTn>
+                        </p:par>
+                        <p:par>
+                          <p:cTn id="44" fill="hold">
+                            <p:stCondLst>
+                              <p:cond delay="1500"/>
+                            </p:stCondLst>
+                            <p:childTnLst>
+                              <p:par>
+                                <p:cTn id="45" presetID="22" presetClass="entr" presetSubtype="8" fill="hold" nodeType="afterEffect">
+                                  <p:stCondLst>
+                                    <p:cond delay="0"/>
+                                  </p:stCondLst>
+                                  <p:childTnLst>
+                                    <p:set>
+                                      <p:cBhvr>
+                                        <p:cTn id="46" dur="1" fill="hold">
+                                          <p:stCondLst>
+                                            <p:cond delay="0"/>
+                                          </p:stCondLst>
+                                        </p:cTn>
+                                        <p:tgtEl>
+                                          <p:spTgt spid="19"/>
+                                        </p:tgtEl>
+                                        <p:attrNameLst>
+                                          <p:attrName>style.visibility</p:attrName>
+                                        </p:attrNameLst>
+                                      </p:cBhvr>
+                                      <p:to>
+                                        <p:strVal val="visible"/>
+                                      </p:to>
+                                    </p:set>
+                                    <p:animEffect transition="in" filter="wipe(left)">
+                                      <p:cBhvr>
+                                        <p:cTn id="47" dur="500"/>
+                                        <p:tgtEl>
+                                          <p:spTgt spid="19"/>
+                                        </p:tgtEl>
+                                      </p:cBhvr>
+                                    </p:animEffect>
+                                  </p:childTnLst>
+                                </p:cTn>
+                              </p:par>
+                            </p:childTnLst>
+                          </p:cTn>
+                        </p:par>
+                        <p:par>
+                          <p:cTn id="48" fill="hold">
+                            <p:stCondLst>
+                              <p:cond delay="2000"/>
+                            </p:stCondLst>
+                            <p:childTnLst>
+                              <p:par>
+                                <p:cTn id="49" presetID="22" presetClass="entr" presetSubtype="8" fill="hold" grpId="0" nodeType="afterEffect">
+                                  <p:stCondLst>
+                                    <p:cond delay="0"/>
+                                  </p:stCondLst>
+                                  <p:childTnLst>
+                                    <p:set>
+                                      <p:cBhvr>
+                                        <p:cTn id="50" dur="1" fill="hold">
+                                          <p:stCondLst>
+                                            <p:cond delay="0"/>
+                                          </p:stCondLst>
+                                        </p:cTn>
+                                        <p:tgtEl>
+                                          <p:spTgt spid="22"/>
+                                        </p:tgtEl>
+                                        <p:attrNameLst>
+                                          <p:attrName>style.visibility</p:attrName>
+                                        </p:attrNameLst>
+                                      </p:cBhvr>
+                                      <p:to>
+                                        <p:strVal val="visible"/>
+                                      </p:to>
+                                    </p:set>
+                                    <p:animEffect transition="in" filter="wipe(left)">
+                                      <p:cBhvr>
+                                        <p:cTn id="51" dur="500"/>
+                                        <p:tgtEl>
+                                          <p:spTgt spid="22"/>
+                                        </p:tgtEl>
+                                      </p:cBhvr>
+                                    </p:animEffect>
+                                  </p:childTnLst>
+                                </p:cTn>
+                              </p:par>
+                            </p:childTnLst>
+                          </p:cTn>
+                        </p:par>
+                        <p:par>
+                          <p:cTn id="52" fill="hold">
+                            <p:stCondLst>
+                              <p:cond delay="2500"/>
+                            </p:stCondLst>
+                            <p:childTnLst>
+                              <p:par>
+                                <p:cTn id="53" presetID="22" presetClass="entr" presetSubtype="8" fill="hold" nodeType="afterEffect">
+                                  <p:stCondLst>
+                                    <p:cond delay="0"/>
+                                  </p:stCondLst>
+                                  <p:childTnLst>
+                                    <p:set>
+                                      <p:cBhvr>
+                                        <p:cTn id="54" dur="1" fill="hold">
+                                          <p:stCondLst>
+                                            <p:cond delay="0"/>
+                                          </p:stCondLst>
+                                        </p:cTn>
+                                        <p:tgtEl>
+                                          <p:spTgt spid="20"/>
+                                        </p:tgtEl>
+                                        <p:attrNameLst>
+                                          <p:attrName>style.visibility</p:attrName>
+                                        </p:attrNameLst>
+                                      </p:cBhvr>
+                                      <p:to>
+                                        <p:strVal val="visible"/>
+                                      </p:to>
+                                    </p:set>
+                                    <p:animEffect transition="in" filter="wipe(left)">
+                                      <p:cBhvr>
+                                        <p:cTn id="55" dur="500"/>
+                                        <p:tgtEl>
+                                          <p:spTgt spid="20"/>
+                                        </p:tgtEl>
+                                      </p:cBhvr>
+                                    </p:animEffect>
+                                  </p:childTnLst>
+                                </p:cTn>
+                              </p:par>
+                            </p:childTnLst>
+                          </p:cTn>
+                        </p:par>
+                        <p:par>
+                          <p:cTn id="56" fill="hold">
+                            <p:stCondLst>
+                              <p:cond delay="3000"/>
+                            </p:stCondLst>
+                            <p:childTnLst>
+                              <p:par>
+                                <p:cTn id="57" presetID="22" presetClass="entr" presetSubtype="8" fill="hold" grpId="0" nodeType="afterEffect">
+                                  <p:stCondLst>
+                                    <p:cond delay="0"/>
+                                  </p:stCondLst>
+                                  <p:childTnLst>
+                                    <p:set>
+                                      <p:cBhvr>
+                                        <p:cTn id="58" dur="1" fill="hold">
+                                          <p:stCondLst>
+                                            <p:cond delay="0"/>
+                                          </p:stCondLst>
+                                        </p:cTn>
+                                        <p:tgtEl>
+                                          <p:spTgt spid="23"/>
+                                        </p:tgtEl>
+                                        <p:attrNameLst>
+                                          <p:attrName>style.visibility</p:attrName>
+                                        </p:attrNameLst>
+                                      </p:cBhvr>
+                                      <p:to>
+                                        <p:strVal val="visible"/>
+                                      </p:to>
+                                    </p:set>
+                                    <p:animEffect transition="in" filter="wipe(left)">
+                                      <p:cBhvr>
+                                        <p:cTn id="59" dur="500"/>
+                                        <p:tgtEl>
+                                          <p:spTgt spid="23"/>
+                                        </p:tgtEl>
+                                      </p:cBhvr>
+                                    </p:animEffect>
+                                  </p:childTnLst>
+                                </p:cTn>
+                              </p:par>
+                            </p:childTnLst>
+                          </p:cTn>
+                        </p:par>
+                      </p:childTnLst>
+                    </p:cTn>
+                  </p:par>
+                </p:childTnLst>
+              </p:cTn>
+              <p:prevCondLst>
+                <p:cond evt="onPrev" delay="0">
+                  <p:tgtEl>
+                    <p:sldTgt/>
+                  </p:tgtEl>
+                </p:cond>
+              </p:prevCondLst>
+              <p:nextCondLst>
+                <p:cond evt="onNext" delay="0">
+                  <p:tgtEl>
+                    <p:sldTgt/>
+                  </p:tgtEl>
+                </p:cond>
+              </p:nextCondLst>
+            </p:seq>
+          </p:childTnLst>
+        </p:cTn>
+      </p:par>
+    </p:tnLst>
+    <p:bldLst>
+      <p:bldP spid="9" grpId="0"/>
+      <p:bldP spid="10" grpId="0"/>
+      <p:bldP spid="12" grpId="0"/>
+      <p:bldP spid="13" grpId="0"/>
+      <p:bldP spid="14" grpId="0"/>
+      <p:bldP spid="21" grpId="0"/>
+      <p:bldP spid="22" grpId="0"/>
+      <p:bldP spid="23" grpId="0"/>
+    </p:bldLst>
+  </p:timing>
+</p:sld>
+</file>
+
+<file path=ppt/slides/slide12.xml><?xml version="1.0" encoding="utf-8"?>
+<p:sld xmlns:a="http://schemas.openxmlformats.org/drawingml/2006/main" xmlns:r="http://schemas.openxmlformats.org/officeDocument/2006/relationships" xmlns:p="http://schemas.openxmlformats.org/presentationml/2006/main">
+  <p:cSld>
+    <p:spTree>
+      <p:nvGrpSpPr>
+        <p:cNvPr id="1" name=""/>
+        <p:cNvGrpSpPr/>
+        <p:nvPr/>
+      </p:nvGrpSpPr>
+      <p:grpSpPr>
+        <a:xfrm>
+          <a:off x="0" y="0"/>
+          <a:ext cx="0" cy="0"/>
+          <a:chOff x="0" y="0"/>
+          <a:chExt cx="0" cy="0"/>
+        </a:xfrm>
+      </p:grpSpPr>
+      <p:sp>
+        <p:nvSpPr>
+          <p:cNvPr id="4" name="文本框 3"/>
+          <p:cNvSpPr txBox="1"/>
+          <p:nvPr/>
+        </p:nvSpPr>
+        <p:spPr>
+          <a:xfrm>
+            <a:off x="274320" y="194310"/>
+            <a:ext cx="7703820" cy="523220"/>
+          </a:xfrm>
+          <a:prstGeom prst="rect">
+            <a:avLst/>
+          </a:prstGeom>
+          <a:noFill/>
+        </p:spPr>
+        <p:txBody>
+          <a:bodyPr wrap="square" rtlCol="0">
+            <a:spAutoFit/>
+          </a:bodyPr>
+          <a:lstStyle/>
+          <a:p>
+            <a:pPr marL="457200" indent="-457200">
+              <a:buFont typeface="Arial" charset="0"/>
+              <a:buChar char="•"/>
+            </a:pPr>
+            <a:r>
+              <a:rPr kumimoji="1" lang="zh-CN" altLang="en-US" sz="2800" dirty="0" smtClean="0">
+                <a:solidFill>
+                  <a:schemeClr val="bg2"/>
+                </a:solidFill>
+              </a:rPr>
+              <a:t>研究方法 </a:t>
+            </a:r>
+            <a:r>
+              <a:rPr kumimoji="1" lang="en-US" altLang="zh-CN" sz="2800" dirty="0">
+                <a:solidFill>
+                  <a:schemeClr val="bg2"/>
+                </a:solidFill>
+              </a:rPr>
+              <a:t>-</a:t>
+            </a:r>
+            <a:r>
+              <a:rPr kumimoji="1" lang="zh-CN" altLang="en-US" sz="2800" dirty="0" smtClean="0">
+                <a:solidFill>
+                  <a:schemeClr val="bg2"/>
+                </a:solidFill>
+              </a:rPr>
+              <a:t> 搜索经验蕴含性验证实验</a:t>
+            </a:r>
+            <a:endParaRPr kumimoji="1" lang="zh-CN" altLang="en-US" sz="2800" dirty="0">
+              <a:solidFill>
+                <a:schemeClr val="bg2"/>
+              </a:solidFill>
+            </a:endParaRPr>
+          </a:p>
+        </p:txBody>
+      </p:sp>
+      <p:sp>
+        <p:nvSpPr>
+          <p:cNvPr id="5" name="文本框 4"/>
+          <p:cNvSpPr txBox="1"/>
+          <p:nvPr/>
+        </p:nvSpPr>
+        <p:spPr>
+          <a:xfrm>
+            <a:off x="777240" y="2290464"/>
+            <a:ext cx="1943100" cy="1938992"/>
+          </a:xfrm>
+          <a:prstGeom prst="rect">
+            <a:avLst/>
+          </a:prstGeom>
+          <a:noFill/>
+        </p:spPr>
+        <p:txBody>
+          <a:bodyPr wrap="square" rtlCol="0">
+            <a:spAutoFit/>
+          </a:bodyPr>
+          <a:lstStyle/>
+          <a:p>
+            <a:pPr marL="342900" indent="-342900">
+              <a:buFont typeface="Arial" charset="0"/>
+              <a:buChar char="•"/>
+            </a:pPr>
+            <a:r>
+              <a:rPr kumimoji="1" lang="zh-CN" altLang="en-US" sz="2400" dirty="0" smtClean="0">
+                <a:solidFill>
+                  <a:schemeClr val="bg2"/>
+                </a:solidFill>
+              </a:rPr>
+              <a:t>主观评估</a:t>
+            </a:r>
+            <a:endParaRPr kumimoji="1" lang="en-US" altLang="zh-CN" sz="2400" dirty="0" smtClean="0">
+              <a:solidFill>
+                <a:schemeClr val="bg2"/>
+              </a:solidFill>
+            </a:endParaRPr>
+          </a:p>
+          <a:p>
+            <a:pPr marL="342900" indent="-342900">
+              <a:buFont typeface="Arial" charset="0"/>
+              <a:buChar char="•"/>
+            </a:pPr>
+            <a:endParaRPr kumimoji="1" lang="en-US" altLang="zh-CN" sz="2400" dirty="0" smtClean="0">
+              <a:solidFill>
+                <a:schemeClr val="bg2"/>
+              </a:solidFill>
+            </a:endParaRPr>
+          </a:p>
+          <a:p>
+            <a:pPr marL="342900" indent="-342900">
+              <a:buFont typeface="Arial" charset="0"/>
+              <a:buChar char="•"/>
+            </a:pPr>
+            <a:r>
+              <a:rPr kumimoji="1" lang="zh-CN" altLang="en-US" sz="2400" dirty="0" smtClean="0">
+                <a:solidFill>
+                  <a:schemeClr val="bg2"/>
+                </a:solidFill>
+              </a:rPr>
+              <a:t>专家评估</a:t>
+            </a:r>
+            <a:endParaRPr kumimoji="1" lang="en-US" altLang="zh-CN" sz="2400" dirty="0" smtClean="0">
+              <a:solidFill>
+                <a:schemeClr val="bg2"/>
+              </a:solidFill>
+            </a:endParaRPr>
+          </a:p>
+          <a:p>
+            <a:pPr marL="342900" indent="-342900">
+              <a:buFont typeface="Arial" charset="0"/>
+              <a:buChar char="•"/>
+            </a:pPr>
+            <a:endParaRPr kumimoji="1" lang="en-US" altLang="zh-CN" sz="2400" dirty="0" smtClean="0">
+              <a:solidFill>
+                <a:schemeClr val="bg2"/>
+              </a:solidFill>
+            </a:endParaRPr>
+          </a:p>
+          <a:p>
+            <a:pPr marL="342900" indent="-342900">
+              <a:buFont typeface="Arial" charset="0"/>
+              <a:buChar char="•"/>
+            </a:pPr>
+            <a:r>
+              <a:rPr kumimoji="1" lang="zh-CN" altLang="en-US" sz="2400" dirty="0" smtClean="0">
+                <a:solidFill>
+                  <a:schemeClr val="bg2"/>
+                </a:solidFill>
+              </a:rPr>
+              <a:t>客观评估</a:t>
+            </a:r>
+            <a:endParaRPr kumimoji="1" lang="zh-CN" altLang="en-US" sz="2400" dirty="0">
+              <a:solidFill>
+                <a:schemeClr val="bg2"/>
+              </a:solidFill>
+            </a:endParaRPr>
+          </a:p>
+        </p:txBody>
+      </p:sp>
+      <p:sp>
+        <p:nvSpPr>
+          <p:cNvPr id="2" name="右箭头 1"/>
+          <p:cNvSpPr/>
+          <p:nvPr/>
+        </p:nvSpPr>
+        <p:spPr>
+          <a:xfrm>
+            <a:off x="2933700" y="3058863"/>
+            <a:ext cx="925830" cy="445770"/>
+          </a:xfrm>
+          <a:prstGeom prst="rightArrow">
+            <a:avLst/>
+          </a:prstGeom>
+          <a:solidFill>
+            <a:schemeClr val="bg2"/>
+          </a:solidFill>
+          <a:ln>
+            <a:solidFill>
+              <a:schemeClr val="bg2"/>
+            </a:solidFill>
+          </a:ln>
+        </p:spPr>
+        <p:style>
+          <a:lnRef idx="2">
+            <a:schemeClr val="accent1">
+              <a:shade val="50000"/>
+            </a:schemeClr>
+          </a:lnRef>
+          <a:fillRef idx="1">
+            <a:schemeClr val="accent1"/>
+          </a:fillRef>
+          <a:effectRef idx="0">
+            <a:schemeClr val="accent1"/>
+          </a:effectRef>
+          <a:fontRef idx="minor">
+            <a:schemeClr val="lt1"/>
+          </a:fontRef>
+        </p:style>
+        <p:txBody>
+          <a:bodyPr rtlCol="0" anchor="ctr"/>
+          <a:lstStyle/>
+          <a:p>
+            <a:pPr algn="ctr"/>
+            <a:endParaRPr kumimoji="1" lang="zh-CN" altLang="en-US"/>
+          </a:p>
+        </p:txBody>
+      </p:sp>
+      <p:sp>
+        <p:nvSpPr>
+          <p:cNvPr id="7" name="文本框 6"/>
+          <p:cNvSpPr txBox="1"/>
+          <p:nvPr/>
+        </p:nvSpPr>
+        <p:spPr>
+          <a:xfrm>
+            <a:off x="4301490" y="3042968"/>
+            <a:ext cx="4636770" cy="461665"/>
+          </a:xfrm>
+          <a:prstGeom prst="rect">
+            <a:avLst/>
+          </a:prstGeom>
+          <a:noFill/>
+        </p:spPr>
+        <p:txBody>
+          <a:bodyPr wrap="square" rtlCol="0">
+            <a:spAutoFit/>
+          </a:bodyPr>
+          <a:lstStyle/>
+          <a:p>
+            <a:r>
+              <a:rPr kumimoji="1" lang="zh-CN" altLang="en-US" sz="2400" dirty="0" smtClean="0">
+                <a:solidFill>
+                  <a:schemeClr val="bg2"/>
+                </a:solidFill>
+              </a:rPr>
+              <a:t>时间树中蕴含高质量的搜索经验</a:t>
+            </a:r>
+            <a:endParaRPr kumimoji="1" lang="zh-CN" altLang="en-US" sz="2400" dirty="0" smtClean="0">
+              <a:solidFill>
+                <a:schemeClr val="bg2"/>
+              </a:solidFill>
+            </a:endParaRPr>
+          </a:p>
+        </p:txBody>
+      </p:sp>
+    </p:spTree>
+    <p:extLst>
+      <p:ext uri="{BB962C8B-B14F-4D97-AF65-F5344CB8AC3E}">
+        <p14:creationId xmlns:p14="http://schemas.microsoft.com/office/powerpoint/2010/main" val="1700580332"/>
+      </p:ext>
+    </p:extLst>
+  </p:cSld>
+  <p:clrMapOvr>
+    <a:masterClrMapping/>
+  </p:clrMapOvr>
+  <p:timing>
+    <p:tnLst>
+      <p:par>
+        <p:cTn id="1" dur="indefinite" restart="never" nodeType="tmRoot">
+          <p:childTnLst>
+            <p:seq concurrent="1" nextAc="seek">
+              <p:cTn id="2" dur="indefinite" nodeType="mainSeq">
+                <p:childTnLst>
+                  <p:par>
+                    <p:cTn id="3" fill="hold">
+                      <p:stCondLst>
+                        <p:cond delay="indefinite"/>
+                      </p:stCondLst>
+                      <p:childTnLst>
+                        <p:par>
+                          <p:cTn id="4" fill="hold">
+                            <p:stCondLst>
+                              <p:cond delay="0"/>
+                            </p:stCondLst>
+                            <p:childTnLst>
+                              <p:par>
+                                <p:cTn id="5" presetID="10" presetClass="entr" presetSubtype="0" fill="hold" grpId="0" nodeType="clickEffect">
+                                  <p:stCondLst>
+                                    <p:cond delay="0"/>
+                                  </p:stCondLst>
+                                  <p:childTnLst>
+                                    <p:set>
+                                      <p:cBhvr>
+                                        <p:cTn id="6" dur="1" fill="hold">
+                                          <p:stCondLst>
+                                            <p:cond delay="0"/>
+                                          </p:stCondLst>
+                                        </p:cTn>
+                                        <p:tgtEl>
+                                          <p:spTgt spid="5"/>
+                                        </p:tgtEl>
+                                        <p:attrNameLst>
+                                          <p:attrName>style.visibility</p:attrName>
+                                        </p:attrNameLst>
+                                      </p:cBhvr>
+                                      <p:to>
+                                        <p:strVal val="visible"/>
+                                      </p:to>
+                                    </p:set>
+                                    <p:animEffect transition="in" filter="fade">
+                                      <p:cBhvr>
+                                        <p:cTn id="7" dur="500"/>
+                                        <p:tgtEl>
+                                          <p:spTgt spid="5"/>
+                                        </p:tgtEl>
+                                      </p:cBhvr>
+                                    </p:animEffect>
+                                  </p:childTnLst>
+                                </p:cTn>
+                              </p:par>
+                            </p:childTnLst>
+                          </p:cTn>
+                        </p:par>
+                      </p:childTnLst>
+                    </p:cTn>
+                  </p:par>
+                  <p:par>
+                    <p:cTn id="8" fill="hold">
+                      <p:stCondLst>
+                        <p:cond delay="indefinite"/>
+                      </p:stCondLst>
+                      <p:childTnLst>
+                        <p:par>
+                          <p:cTn id="9" fill="hold">
+                            <p:stCondLst>
+                              <p:cond delay="0"/>
+                            </p:stCondLst>
+                            <p:childTnLst>
+                              <p:par>
+                                <p:cTn id="10" presetID="22" presetClass="entr" presetSubtype="8" fill="hold" grpId="0" nodeType="clickEffect">
+                                  <p:stCondLst>
+                                    <p:cond delay="0"/>
+                                  </p:stCondLst>
+                                  <p:childTnLst>
+                                    <p:set>
+                                      <p:cBhvr>
+                                        <p:cTn id="11" dur="1" fill="hold">
+                                          <p:stCondLst>
+                                            <p:cond delay="0"/>
+                                          </p:stCondLst>
+                                        </p:cTn>
+                                        <p:tgtEl>
+                                          <p:spTgt spid="2"/>
+                                        </p:tgtEl>
+                                        <p:attrNameLst>
+                                          <p:attrName>style.visibility</p:attrName>
+                                        </p:attrNameLst>
+                                      </p:cBhvr>
+                                      <p:to>
+                                        <p:strVal val="visible"/>
+                                      </p:to>
+                                    </p:set>
+                                    <p:animEffect transition="in" filter="wipe(left)">
+                                      <p:cBhvr>
+                                        <p:cTn id="12" dur="500"/>
+                                        <p:tgtEl>
+                                          <p:spTgt spid="2"/>
+                                        </p:tgtEl>
+                                      </p:cBhvr>
+                                    </p:animEffect>
+                                  </p:childTnLst>
+                                </p:cTn>
+                              </p:par>
+                            </p:childTnLst>
+                          </p:cTn>
+                        </p:par>
+                        <p:par>
+                          <p:cTn id="13" fill="hold">
+                            <p:stCondLst>
+                              <p:cond delay="500"/>
+                            </p:stCondLst>
+                            <p:childTnLst>
+                              <p:par>
+                                <p:cTn id="14" presetID="10" presetClass="entr" presetSubtype="0" fill="hold" grpId="0" nodeType="afterEffect">
+                                  <p:stCondLst>
+                                    <p:cond delay="0"/>
+                                  </p:stCondLst>
+                                  <p:childTnLst>
+                                    <p:set>
+                                      <p:cBhvr>
+                                        <p:cTn id="15" dur="1" fill="hold">
+                                          <p:stCondLst>
+                                            <p:cond delay="0"/>
+                                          </p:stCondLst>
+                                        </p:cTn>
+                                        <p:tgtEl>
+                                          <p:spTgt spid="7"/>
+                                        </p:tgtEl>
+                                        <p:attrNameLst>
+                                          <p:attrName>style.visibility</p:attrName>
+                                        </p:attrNameLst>
+                                      </p:cBhvr>
+                                      <p:to>
+                                        <p:strVal val="visible"/>
+                                      </p:to>
+                                    </p:set>
+                                    <p:animEffect transition="in" filter="fade">
+                                      <p:cBhvr>
+                                        <p:cTn id="16" dur="500"/>
+                                        <p:tgtEl>
+                                          <p:spTgt spid="7"/>
+                                        </p:tgtEl>
+                                      </p:cBhvr>
+                                    </p:animEffect>
+                                  </p:childTnLst>
+                                </p:cTn>
+                              </p:par>
+                            </p:childTnLst>
+                          </p:cTn>
+                        </p:par>
+                      </p:childTnLst>
+                    </p:cTn>
+                  </p:par>
+                </p:childTnLst>
+              </p:cTn>
+              <p:prevCondLst>
+                <p:cond evt="onPrev" delay="0">
+                  <p:tgtEl>
+                    <p:sldTgt/>
+                  </p:tgtEl>
+                </p:cond>
+              </p:prevCondLst>
+              <p:nextCondLst>
+                <p:cond evt="onNext" delay="0">
+                  <p:tgtEl>
+                    <p:sldTgt/>
+                  </p:tgtEl>
+                </p:cond>
+              </p:nextCondLst>
+            </p:seq>
+          </p:childTnLst>
+        </p:cTn>
+      </p:par>
+    </p:tnLst>
+    <p:bldLst>
+      <p:bldP spid="5" grpId="0"/>
+      <p:bldP spid="2" grpId="0" animBg="1"/>
+      <p:bldP spid="7" grpId="0"/>
+    </p:bldLst>
+  </p:timing>
+</p:sld>
+</file>
+
+<file path=ppt/slides/slide13.xml><?xml version="1.0" encoding="utf-8"?>
+<p:sld xmlns:a="http://schemas.openxmlformats.org/drawingml/2006/main" xmlns:r="http://schemas.openxmlformats.org/officeDocument/2006/relationships" xmlns:p="http://schemas.openxmlformats.org/presentationml/2006/main">
+  <p:cSld>
+    <p:spTree>
+      <p:nvGrpSpPr>
+        <p:cNvPr id="1" name=""/>
+        <p:cNvGrpSpPr/>
+        <p:nvPr/>
+      </p:nvGrpSpPr>
+      <p:grpSpPr>
+        <a:xfrm>
+          <a:off x="0" y="0"/>
+          <a:ext cx="0" cy="0"/>
+          <a:chOff x="0" y="0"/>
+          <a:chExt cx="0" cy="0"/>
+        </a:xfrm>
+      </p:grpSpPr>
+      <p:sp>
+        <p:nvSpPr>
+          <p:cNvPr id="4" name="文本框 3"/>
+          <p:cNvSpPr txBox="1"/>
+          <p:nvPr/>
+        </p:nvSpPr>
+        <p:spPr>
+          <a:xfrm>
+            <a:off x="274320" y="194310"/>
+            <a:ext cx="7703820" cy="523220"/>
+          </a:xfrm>
+          <a:prstGeom prst="rect">
+            <a:avLst/>
+          </a:prstGeom>
+          <a:noFill/>
+        </p:spPr>
+        <p:txBody>
+          <a:bodyPr wrap="square" rtlCol="0">
+            <a:spAutoFit/>
+          </a:bodyPr>
+          <a:lstStyle/>
+          <a:p>
+            <a:pPr marL="457200" indent="-457200">
+              <a:buFont typeface="Arial" charset="0"/>
+              <a:buChar char="•"/>
+            </a:pPr>
+            <a:r>
+              <a:rPr kumimoji="1" lang="zh-CN" altLang="en-US" sz="2800" dirty="0" smtClean="0">
+                <a:solidFill>
+                  <a:schemeClr val="bg2"/>
+                </a:solidFill>
+              </a:rPr>
+              <a:t>研究方法 </a:t>
+            </a:r>
+            <a:r>
+              <a:rPr kumimoji="1" lang="en-US" altLang="zh-CN" sz="2800" dirty="0">
+                <a:solidFill>
+                  <a:schemeClr val="bg2"/>
+                </a:solidFill>
+              </a:rPr>
+              <a:t>-</a:t>
+            </a:r>
+            <a:r>
+              <a:rPr kumimoji="1" lang="zh-CN" altLang="en-US" sz="2800" dirty="0" smtClean="0">
+                <a:solidFill>
+                  <a:schemeClr val="bg2"/>
+                </a:solidFill>
+              </a:rPr>
+              <a:t> 搜索经验提取方法的提出</a:t>
+            </a:r>
+            <a:endParaRPr kumimoji="1" lang="zh-CN" altLang="en-US" sz="2800" dirty="0">
+              <a:solidFill>
+                <a:schemeClr val="bg2"/>
+              </a:solidFill>
+            </a:endParaRPr>
+          </a:p>
+        </p:txBody>
+      </p:sp>
+      <p:sp>
+        <p:nvSpPr>
+          <p:cNvPr id="9" name="文本框 8"/>
+          <p:cNvSpPr txBox="1"/>
+          <p:nvPr/>
+        </p:nvSpPr>
+        <p:spPr>
+          <a:xfrm>
+            <a:off x="800100" y="2789902"/>
+            <a:ext cx="7646670" cy="461665"/>
+          </a:xfrm>
+          <a:prstGeom prst="rect">
+            <a:avLst/>
+          </a:prstGeom>
+          <a:noFill/>
+        </p:spPr>
+        <p:txBody>
+          <a:bodyPr wrap="square" rtlCol="0">
+            <a:spAutoFit/>
+          </a:bodyPr>
+          <a:lstStyle/>
+          <a:p>
+            <a:pPr marL="342900" indent="-342900">
+              <a:buFont typeface="Arial" charset="0"/>
+              <a:buChar char="•"/>
+            </a:pPr>
+            <a:r>
+              <a:rPr kumimoji="1" lang="zh-CN" altLang="en-US" sz="2400" dirty="0" smtClean="0">
+                <a:solidFill>
+                  <a:schemeClr val="bg2"/>
+                </a:solidFill>
+              </a:rPr>
+              <a:t>基于查询</a:t>
+            </a:r>
+            <a:r>
+              <a:rPr kumimoji="1" lang="en-US" altLang="zh-CN" sz="2400" dirty="0" smtClean="0">
+                <a:solidFill>
+                  <a:schemeClr val="bg2"/>
+                </a:solidFill>
+              </a:rPr>
+              <a:t>-</a:t>
+            </a:r>
+            <a:r>
+              <a:rPr kumimoji="1" lang="zh-CN" altLang="en-US" sz="2400" dirty="0" smtClean="0">
+                <a:solidFill>
+                  <a:schemeClr val="bg2"/>
+                </a:solidFill>
+              </a:rPr>
+              <a:t>点击</a:t>
+            </a:r>
+            <a:r>
+              <a:rPr kumimoji="1" lang="en-US" altLang="zh-CN" sz="2400" dirty="0" smtClean="0">
+                <a:solidFill>
+                  <a:schemeClr val="bg2"/>
+                </a:solidFill>
+              </a:rPr>
+              <a:t>-</a:t>
+            </a:r>
+            <a:r>
+              <a:rPr kumimoji="1" lang="zh-CN" altLang="en-US" sz="2400" dirty="0" smtClean="0">
+                <a:solidFill>
+                  <a:schemeClr val="bg2"/>
+                </a:solidFill>
+              </a:rPr>
+              <a:t>查询序列识别的因果经验提取算法</a:t>
+            </a:r>
+            <a:endParaRPr kumimoji="1" lang="zh-CN" altLang="en-US" sz="2400" dirty="0">
+              <a:solidFill>
+                <a:schemeClr val="bg2"/>
+              </a:solidFill>
+            </a:endParaRPr>
+          </a:p>
+        </p:txBody>
+      </p:sp>
+      <p:sp>
+        <p:nvSpPr>
+          <p:cNvPr id="10" name="文本框 9"/>
+          <p:cNvSpPr txBox="1"/>
+          <p:nvPr/>
+        </p:nvSpPr>
+        <p:spPr>
+          <a:xfrm>
+            <a:off x="800100" y="3399502"/>
+            <a:ext cx="7646670" cy="461665"/>
+          </a:xfrm>
+          <a:prstGeom prst="rect">
+            <a:avLst/>
+          </a:prstGeom>
+          <a:noFill/>
+        </p:spPr>
+        <p:txBody>
+          <a:bodyPr wrap="square" rtlCol="0">
+            <a:spAutoFit/>
+          </a:bodyPr>
+          <a:lstStyle/>
+          <a:p>
+            <a:pPr marL="342900" indent="-342900">
+              <a:buFont typeface="Arial" charset="0"/>
+              <a:buChar char="•"/>
+            </a:pPr>
+            <a:r>
+              <a:rPr kumimoji="1" lang="zh-CN" altLang="en-US" sz="2400" dirty="0" smtClean="0">
+                <a:solidFill>
+                  <a:schemeClr val="bg2"/>
+                </a:solidFill>
+              </a:rPr>
+              <a:t>基于子任务划分的主题经验提取算法</a:t>
+            </a:r>
+            <a:endParaRPr kumimoji="1" lang="zh-CN" altLang="en-US" sz="2400" dirty="0">
+              <a:solidFill>
+                <a:schemeClr val="bg2"/>
+              </a:solidFill>
+            </a:endParaRPr>
+          </a:p>
+        </p:txBody>
+      </p:sp>
+    </p:spTree>
+    <p:extLst>
+      <p:ext uri="{BB962C8B-B14F-4D97-AF65-F5344CB8AC3E}">
+        <p14:creationId xmlns:p14="http://schemas.microsoft.com/office/powerpoint/2010/main" val="1007069536"/>
+      </p:ext>
+    </p:extLst>
+  </p:cSld>
+  <p:clrMapOvr>
+    <a:masterClrMapping/>
+  </p:clrMapOvr>
+  <p:timing>
+    <p:tnLst>
+      <p:par>
+        <p:cTn id="1" dur="indefinite" restart="never" nodeType="tmRoot"/>
+      </p:par>
+    </p:tnLst>
+  </p:timing>
+</p:sld>
+</file>
+
+<file path=ppt/slides/slide14.xml><?xml version="1.0" encoding="utf-8"?>
+<p:sld xmlns:a="http://schemas.openxmlformats.org/drawingml/2006/main" xmlns:r="http://schemas.openxmlformats.org/officeDocument/2006/relationships" xmlns:p="http://schemas.openxmlformats.org/presentationml/2006/main">
+  <p:cSld>
+    <p:spTree>
+      <p:nvGrpSpPr>
+        <p:cNvPr id="1" name=""/>
+        <p:cNvGrpSpPr/>
+        <p:nvPr/>
+      </p:nvGrpSpPr>
+      <p:grpSpPr>
+        <a:xfrm>
+          <a:off x="0" y="0"/>
+          <a:ext cx="0" cy="0"/>
+          <a:chOff x="0" y="0"/>
+          <a:chExt cx="0" cy="0"/>
+        </a:xfrm>
+      </p:grpSpPr>
+      <p:sp>
+        <p:nvSpPr>
+          <p:cNvPr id="4" name="文本框 3"/>
+          <p:cNvSpPr txBox="1"/>
+          <p:nvPr/>
+        </p:nvSpPr>
+        <p:spPr>
+          <a:xfrm>
+            <a:off x="274320" y="194310"/>
             <a:ext cx="8172450" cy="523220"/>
           </a:xfrm>
           <a:prstGeom prst="rect">
@@ -3889,7 +6854,7 @@
 </p:sld>
 </file>
 
-<file path=ppt/slides/slide11.xml><?xml version="1.0" encoding="utf-8"?>
+<file path=ppt/slides/slide15.xml><?xml version="1.0" encoding="utf-8"?>
 <p:sld xmlns:a="http://schemas.openxmlformats.org/drawingml/2006/main" xmlns:r="http://schemas.openxmlformats.org/officeDocument/2006/relationships" xmlns:p="http://schemas.openxmlformats.org/presentationml/2006/main">
   <p:cSld>
     <p:spTree>
@@ -4076,8 +7041,8 @@
         </p:nvSpPr>
         <p:spPr>
           <a:xfrm>
-            <a:off x="1908810" y="2423160"/>
-            <a:ext cx="4229100" cy="1754326"/>
+            <a:off x="1897380" y="1908810"/>
+            <a:ext cx="4229100" cy="2862322"/>
           </a:xfrm>
           <a:prstGeom prst="rect">
             <a:avLst/>
@@ -4100,7 +7065,15 @@
                   <a:schemeClr val="bg2"/>
                 </a:solidFill>
               </a:rPr>
-              <a:t>研究背景</a:t>
+              <a:t>研究</a:t>
+            </a:r>
+            <a:r>
+              <a:rPr kumimoji="1" lang="zh-CN" altLang="en-US" sz="3600" dirty="0" smtClean="0">
+                <a:solidFill>
+                  <a:schemeClr val="bg2"/>
+                </a:solidFill>
+              </a:rPr>
+              <a:t>背景</a:t>
             </a:r>
             <a:endParaRPr kumimoji="1" lang="en-US" altLang="zh-CN" sz="3600" dirty="0" smtClean="0">
               <a:solidFill>
@@ -4113,14 +7086,44 @@
               <a:buFont typeface="Arial" charset="0"/>
               <a:buChar char="•"/>
             </a:pPr>
+            <a:endParaRPr kumimoji="1" lang="en-US" altLang="zh-CN" sz="3600" dirty="0" smtClean="0">
+              <a:solidFill>
+                <a:schemeClr val="bg2"/>
+              </a:solidFill>
+            </a:endParaRPr>
+          </a:p>
+          <a:p>
+            <a:pPr marL="285750" indent="-285750">
+              <a:buFont typeface="Arial" charset="0"/>
+              <a:buChar char="•"/>
+            </a:pPr>
             <a:r>
               <a:rPr kumimoji="1" lang="zh-CN" altLang="en-US" sz="3600" dirty="0" smtClean="0">
                 <a:solidFill>
                   <a:schemeClr val="bg2"/>
                 </a:solidFill>
               </a:rPr>
-              <a:t>研究思路</a:t>
-            </a:r>
+              <a:t>研究</a:t>
+            </a:r>
+            <a:r>
+              <a:rPr kumimoji="1" lang="zh-CN" altLang="en-US" sz="3600" dirty="0" smtClean="0">
+                <a:solidFill>
+                  <a:schemeClr val="bg2"/>
+                </a:solidFill>
+              </a:rPr>
+              <a:t>思路</a:t>
+            </a:r>
+            <a:endParaRPr kumimoji="1" lang="en-US" altLang="zh-CN" sz="3600" dirty="0" smtClean="0">
+              <a:solidFill>
+                <a:schemeClr val="bg2"/>
+              </a:solidFill>
+            </a:endParaRPr>
+          </a:p>
+          <a:p>
+            <a:pPr marL="285750" indent="-285750">
+              <a:buFont typeface="Arial" charset="0"/>
+              <a:buChar char="•"/>
+            </a:pPr>
             <a:endParaRPr kumimoji="1" lang="en-US" altLang="zh-CN" sz="3600" dirty="0" smtClean="0">
               <a:solidFill>
                 <a:schemeClr val="bg2"/>
@@ -4962,6 +7965,186 @@
           </a:p>
         </p:txBody>
       </p:sp>
+      <p:sp>
+        <p:nvSpPr>
+          <p:cNvPr id="2" name="椭圆 1"/>
+          <p:cNvSpPr/>
+          <p:nvPr/>
+        </p:nvSpPr>
+        <p:spPr>
+          <a:xfrm>
+            <a:off x="1754372" y="2530549"/>
+            <a:ext cx="478465" cy="446567"/>
+          </a:xfrm>
+          <a:prstGeom prst="ellipse">
+            <a:avLst/>
+          </a:prstGeom>
+          <a:solidFill>
+            <a:schemeClr val="accent5">
+              <a:lumMod val="75000"/>
+            </a:schemeClr>
+          </a:solidFill>
+          <a:ln>
+            <a:solidFill>
+              <a:schemeClr val="accent5">
+                <a:lumMod val="50000"/>
+              </a:schemeClr>
+            </a:solidFill>
+          </a:ln>
+        </p:spPr>
+        <p:style>
+          <a:lnRef idx="2">
+            <a:schemeClr val="accent1">
+              <a:shade val="50000"/>
+            </a:schemeClr>
+          </a:lnRef>
+          <a:fillRef idx="1">
+            <a:schemeClr val="accent1"/>
+          </a:fillRef>
+          <a:effectRef idx="0">
+            <a:schemeClr val="accent1"/>
+          </a:effectRef>
+          <a:fontRef idx="minor">
+            <a:schemeClr val="lt1"/>
+          </a:fontRef>
+        </p:style>
+        <p:txBody>
+          <a:bodyPr rtlCol="0" anchor="ctr"/>
+          <a:lstStyle/>
+          <a:p>
+            <a:pPr algn="ctr"/>
+            <a:endParaRPr kumimoji="1" lang="zh-CN" altLang="en-US"/>
+          </a:p>
+        </p:txBody>
+      </p:sp>
+      <p:sp>
+        <p:nvSpPr>
+          <p:cNvPr id="3" name="矩形 2"/>
+          <p:cNvSpPr/>
+          <p:nvPr/>
+        </p:nvSpPr>
+        <p:spPr>
+          <a:xfrm>
+            <a:off x="4912242" y="2565253"/>
+            <a:ext cx="425303" cy="425303"/>
+          </a:xfrm>
+          <a:prstGeom prst="rect">
+            <a:avLst/>
+          </a:prstGeom>
+          <a:solidFill>
+            <a:schemeClr val="accent5">
+              <a:lumMod val="75000"/>
+            </a:schemeClr>
+          </a:solidFill>
+          <a:ln>
+            <a:solidFill>
+              <a:schemeClr val="accent5">
+                <a:lumMod val="50000"/>
+              </a:schemeClr>
+            </a:solidFill>
+          </a:ln>
+        </p:spPr>
+        <p:style>
+          <a:lnRef idx="2">
+            <a:schemeClr val="accent1">
+              <a:shade val="50000"/>
+            </a:schemeClr>
+          </a:lnRef>
+          <a:fillRef idx="1">
+            <a:schemeClr val="accent1"/>
+          </a:fillRef>
+          <a:effectRef idx="0">
+            <a:schemeClr val="accent1"/>
+          </a:effectRef>
+          <a:fontRef idx="minor">
+            <a:schemeClr val="lt1"/>
+          </a:fontRef>
+        </p:style>
+        <p:txBody>
+          <a:bodyPr rtlCol="0" anchor="ctr"/>
+          <a:lstStyle/>
+          <a:p>
+            <a:pPr algn="ctr"/>
+            <a:endParaRPr kumimoji="1" lang="zh-CN" altLang="en-US"/>
+          </a:p>
+        </p:txBody>
+      </p:sp>
+      <p:sp>
+        <p:nvSpPr>
+          <p:cNvPr id="5" name="文本框 4"/>
+          <p:cNvSpPr txBox="1"/>
+          <p:nvPr/>
+        </p:nvSpPr>
+        <p:spPr>
+          <a:xfrm>
+            <a:off x="2381693" y="2565253"/>
+            <a:ext cx="1212112" cy="369332"/>
+          </a:xfrm>
+          <a:prstGeom prst="rect">
+            <a:avLst/>
+          </a:prstGeom>
+          <a:noFill/>
+        </p:spPr>
+        <p:txBody>
+          <a:bodyPr wrap="square" rtlCol="0">
+            <a:spAutoFit/>
+          </a:bodyPr>
+          <a:lstStyle/>
+          <a:p>
+            <a:r>
+              <a:rPr kumimoji="1" lang="zh-CN" altLang="en-US" dirty="0" smtClean="0">
+                <a:solidFill>
+                  <a:schemeClr val="bg2"/>
+                </a:solidFill>
+              </a:rPr>
+              <a:t>用户查询</a:t>
+            </a:r>
+            <a:endParaRPr kumimoji="1" lang="zh-CN" altLang="en-US" dirty="0">
+              <a:solidFill>
+                <a:schemeClr val="bg2"/>
+              </a:solidFill>
+            </a:endParaRPr>
+          </a:p>
+        </p:txBody>
+      </p:sp>
+      <p:sp>
+        <p:nvSpPr>
+          <p:cNvPr id="6" name="文本框 5"/>
+          <p:cNvSpPr txBox="1"/>
+          <p:nvPr/>
+        </p:nvSpPr>
+        <p:spPr>
+          <a:xfrm>
+            <a:off x="5443870" y="2593238"/>
+            <a:ext cx="1212112" cy="369332"/>
+          </a:xfrm>
+          <a:prstGeom prst="rect">
+            <a:avLst/>
+          </a:prstGeom>
+          <a:noFill/>
+        </p:spPr>
+        <p:txBody>
+          <a:bodyPr wrap="square" rtlCol="0">
+            <a:spAutoFit/>
+          </a:bodyPr>
+          <a:lstStyle/>
+          <a:p>
+            <a:r>
+              <a:rPr kumimoji="1" lang="zh-CN" altLang="en-US" dirty="0" smtClean="0">
+                <a:solidFill>
+                  <a:schemeClr val="bg2"/>
+                </a:solidFill>
+              </a:rPr>
+              <a:t>用户点击</a:t>
+            </a:r>
+            <a:endParaRPr kumimoji="1" lang="zh-CN" altLang="en-US" dirty="0">
+              <a:solidFill>
+                <a:schemeClr val="bg2"/>
+              </a:solidFill>
+            </a:endParaRPr>
+          </a:p>
+        </p:txBody>
+      </p:sp>
     </p:spTree>
     <p:extLst>
       <p:ext uri="{BB962C8B-B14F-4D97-AF65-F5344CB8AC3E}">
@@ -4983,6 +8166,1768 @@
 </file>
 
 <file path=ppt/slides/slide7.xml><?xml version="1.0" encoding="utf-8"?>
+<p:sld xmlns:a="http://schemas.openxmlformats.org/drawingml/2006/main" xmlns:r="http://schemas.openxmlformats.org/officeDocument/2006/relationships" xmlns:p="http://schemas.openxmlformats.org/presentationml/2006/main">
+  <p:cSld>
+    <p:spTree>
+      <p:nvGrpSpPr>
+        <p:cNvPr id="1" name=""/>
+        <p:cNvGrpSpPr/>
+        <p:nvPr/>
+      </p:nvGrpSpPr>
+      <p:grpSpPr>
+        <a:xfrm>
+          <a:off x="0" y="0"/>
+          <a:ext cx="0" cy="0"/>
+          <a:chOff x="0" y="0"/>
+          <a:chExt cx="0" cy="0"/>
+        </a:xfrm>
+      </p:grpSpPr>
+      <p:sp>
+        <p:nvSpPr>
+          <p:cNvPr id="4" name="文本框 3"/>
+          <p:cNvSpPr txBox="1"/>
+          <p:nvPr/>
+        </p:nvSpPr>
+        <p:spPr>
+          <a:xfrm>
+            <a:off x="274320" y="194310"/>
+            <a:ext cx="3897630" cy="523220"/>
+          </a:xfrm>
+          <a:prstGeom prst="rect">
+            <a:avLst/>
+          </a:prstGeom>
+          <a:noFill/>
+        </p:spPr>
+        <p:txBody>
+          <a:bodyPr wrap="square" rtlCol="0">
+            <a:spAutoFit/>
+          </a:bodyPr>
+          <a:lstStyle/>
+          <a:p>
+            <a:pPr marL="457200" indent="-457200">
+              <a:buFont typeface="Arial" charset="0"/>
+              <a:buChar char="•"/>
+            </a:pPr>
+            <a:r>
+              <a:rPr kumimoji="1" lang="zh-CN" altLang="en-US" sz="2800" dirty="0" smtClean="0">
+                <a:solidFill>
+                  <a:schemeClr val="bg2"/>
+                </a:solidFill>
+              </a:rPr>
+              <a:t>研究背景 </a:t>
+            </a:r>
+            <a:r>
+              <a:rPr kumimoji="1" lang="en-US" altLang="zh-CN" sz="2800" dirty="0">
+                <a:solidFill>
+                  <a:schemeClr val="bg2"/>
+                </a:solidFill>
+              </a:rPr>
+              <a:t>-</a:t>
+            </a:r>
+            <a:r>
+              <a:rPr kumimoji="1" lang="zh-CN" altLang="en-US" sz="2800" dirty="0" smtClean="0">
+                <a:solidFill>
+                  <a:schemeClr val="bg2"/>
+                </a:solidFill>
+              </a:rPr>
+              <a:t> 时间树</a:t>
+            </a:r>
+            <a:endParaRPr kumimoji="1" lang="zh-CN" altLang="en-US" sz="2800" dirty="0">
+              <a:solidFill>
+                <a:schemeClr val="bg2"/>
+              </a:solidFill>
+            </a:endParaRPr>
+          </a:p>
+        </p:txBody>
+      </p:sp>
+      <p:sp>
+        <p:nvSpPr>
+          <p:cNvPr id="2" name="椭圆 1"/>
+          <p:cNvSpPr/>
+          <p:nvPr/>
+        </p:nvSpPr>
+        <p:spPr>
+          <a:xfrm>
+            <a:off x="1754372" y="2530549"/>
+            <a:ext cx="478465" cy="446567"/>
+          </a:xfrm>
+          <a:prstGeom prst="ellipse">
+            <a:avLst/>
+          </a:prstGeom>
+          <a:solidFill>
+            <a:schemeClr val="accent5">
+              <a:lumMod val="75000"/>
+            </a:schemeClr>
+          </a:solidFill>
+          <a:ln>
+            <a:solidFill>
+              <a:schemeClr val="accent5">
+                <a:lumMod val="50000"/>
+              </a:schemeClr>
+            </a:solidFill>
+          </a:ln>
+        </p:spPr>
+        <p:style>
+          <a:lnRef idx="2">
+            <a:schemeClr val="accent1">
+              <a:shade val="50000"/>
+            </a:schemeClr>
+          </a:lnRef>
+          <a:fillRef idx="1">
+            <a:schemeClr val="accent1"/>
+          </a:fillRef>
+          <a:effectRef idx="0">
+            <a:schemeClr val="accent1"/>
+          </a:effectRef>
+          <a:fontRef idx="minor">
+            <a:schemeClr val="lt1"/>
+          </a:fontRef>
+        </p:style>
+        <p:txBody>
+          <a:bodyPr rtlCol="0" anchor="ctr"/>
+          <a:lstStyle/>
+          <a:p>
+            <a:pPr algn="ctr"/>
+            <a:endParaRPr kumimoji="1" lang="zh-CN" altLang="en-US"/>
+          </a:p>
+        </p:txBody>
+      </p:sp>
+      <p:sp>
+        <p:nvSpPr>
+          <p:cNvPr id="3" name="矩形 2"/>
+          <p:cNvSpPr/>
+          <p:nvPr/>
+        </p:nvSpPr>
+        <p:spPr>
+          <a:xfrm>
+            <a:off x="4922874" y="2557129"/>
+            <a:ext cx="425303" cy="425303"/>
+          </a:xfrm>
+          <a:prstGeom prst="rect">
+            <a:avLst/>
+          </a:prstGeom>
+          <a:solidFill>
+            <a:schemeClr val="accent5">
+              <a:lumMod val="75000"/>
+            </a:schemeClr>
+          </a:solidFill>
+          <a:ln>
+            <a:solidFill>
+              <a:schemeClr val="accent5">
+                <a:lumMod val="50000"/>
+              </a:schemeClr>
+            </a:solidFill>
+          </a:ln>
+        </p:spPr>
+        <p:style>
+          <a:lnRef idx="2">
+            <a:schemeClr val="accent1">
+              <a:shade val="50000"/>
+            </a:schemeClr>
+          </a:lnRef>
+          <a:fillRef idx="1">
+            <a:schemeClr val="accent1"/>
+          </a:fillRef>
+          <a:effectRef idx="0">
+            <a:schemeClr val="accent1"/>
+          </a:effectRef>
+          <a:fontRef idx="minor">
+            <a:schemeClr val="lt1"/>
+          </a:fontRef>
+        </p:style>
+        <p:txBody>
+          <a:bodyPr rtlCol="0" anchor="ctr"/>
+          <a:lstStyle/>
+          <a:p>
+            <a:pPr algn="ctr"/>
+            <a:endParaRPr kumimoji="1" lang="zh-CN" altLang="en-US"/>
+          </a:p>
+        </p:txBody>
+      </p:sp>
+      <p:cxnSp>
+        <p:nvCxnSpPr>
+          <p:cNvPr id="8" name="直线连接符 7"/>
+          <p:cNvCxnSpPr>
+            <a:stCxn id="2" idx="6"/>
+          </p:cNvCxnSpPr>
+          <p:nvPr/>
+        </p:nvCxnSpPr>
+        <p:spPr>
+          <a:xfrm flipV="1">
+            <a:off x="2232837" y="1748790"/>
+            <a:ext cx="887553" cy="1005043"/>
+          </a:xfrm>
+          <a:prstGeom prst="line">
+            <a:avLst/>
+          </a:prstGeom>
+        </p:spPr>
+        <p:style>
+          <a:lnRef idx="1">
+            <a:schemeClr val="accent1"/>
+          </a:lnRef>
+          <a:fillRef idx="0">
+            <a:schemeClr val="accent1"/>
+          </a:fillRef>
+          <a:effectRef idx="0">
+            <a:schemeClr val="accent1"/>
+          </a:effectRef>
+          <a:fontRef idx="minor">
+            <a:schemeClr val="tx1"/>
+          </a:fontRef>
+        </p:style>
+      </p:cxnSp>
+      <p:cxnSp>
+        <p:nvCxnSpPr>
+          <p:cNvPr id="10" name="直线连接符 9"/>
+          <p:cNvCxnSpPr>
+            <a:stCxn id="2" idx="6"/>
+          </p:cNvCxnSpPr>
+          <p:nvPr/>
+        </p:nvCxnSpPr>
+        <p:spPr>
+          <a:xfrm>
+            <a:off x="2232837" y="2753833"/>
+            <a:ext cx="887553" cy="1075217"/>
+          </a:xfrm>
+          <a:prstGeom prst="line">
+            <a:avLst/>
+          </a:prstGeom>
+        </p:spPr>
+        <p:style>
+          <a:lnRef idx="1">
+            <a:schemeClr val="accent1"/>
+          </a:lnRef>
+          <a:fillRef idx="0">
+            <a:schemeClr val="accent1"/>
+          </a:fillRef>
+          <a:effectRef idx="0">
+            <a:schemeClr val="accent1"/>
+          </a:effectRef>
+          <a:fontRef idx="minor">
+            <a:schemeClr val="tx1"/>
+          </a:fontRef>
+        </p:style>
+      </p:cxnSp>
+      <p:cxnSp>
+        <p:nvCxnSpPr>
+          <p:cNvPr id="13" name="直线连接符 12"/>
+          <p:cNvCxnSpPr/>
+          <p:nvPr/>
+        </p:nvCxnSpPr>
+        <p:spPr>
+          <a:xfrm flipV="1">
+            <a:off x="3601646" y="3829049"/>
+            <a:ext cx="1140607" cy="1"/>
+          </a:xfrm>
+          <a:prstGeom prst="line">
+            <a:avLst/>
+          </a:prstGeom>
+        </p:spPr>
+        <p:style>
+          <a:lnRef idx="1">
+            <a:schemeClr val="accent1"/>
+          </a:lnRef>
+          <a:fillRef idx="0">
+            <a:schemeClr val="accent1"/>
+          </a:fillRef>
+          <a:effectRef idx="0">
+            <a:schemeClr val="accent1"/>
+          </a:effectRef>
+          <a:fontRef idx="minor">
+            <a:schemeClr val="tx1"/>
+          </a:fontRef>
+        </p:style>
+      </p:cxnSp>
+      <p:sp>
+        <p:nvSpPr>
+          <p:cNvPr id="14" name="椭圆 13"/>
+          <p:cNvSpPr/>
+          <p:nvPr/>
+        </p:nvSpPr>
+        <p:spPr>
+          <a:xfrm>
+            <a:off x="3120390" y="3605766"/>
+            <a:ext cx="478465" cy="446567"/>
+          </a:xfrm>
+          <a:prstGeom prst="ellipse">
+            <a:avLst/>
+          </a:prstGeom>
+          <a:solidFill>
+            <a:schemeClr val="accent5">
+              <a:lumMod val="75000"/>
+            </a:schemeClr>
+          </a:solidFill>
+          <a:ln>
+            <a:solidFill>
+              <a:schemeClr val="accent5">
+                <a:lumMod val="50000"/>
+              </a:schemeClr>
+            </a:solidFill>
+          </a:ln>
+        </p:spPr>
+        <p:style>
+          <a:lnRef idx="2">
+            <a:schemeClr val="accent1">
+              <a:shade val="50000"/>
+            </a:schemeClr>
+          </a:lnRef>
+          <a:fillRef idx="1">
+            <a:schemeClr val="accent1"/>
+          </a:fillRef>
+          <a:effectRef idx="0">
+            <a:schemeClr val="accent1"/>
+          </a:effectRef>
+          <a:fontRef idx="minor">
+            <a:schemeClr val="lt1"/>
+          </a:fontRef>
+        </p:style>
+        <p:txBody>
+          <a:bodyPr rtlCol="0" anchor="ctr"/>
+          <a:lstStyle/>
+          <a:p>
+            <a:pPr algn="ctr"/>
+            <a:endParaRPr kumimoji="1" lang="zh-CN" altLang="en-US"/>
+          </a:p>
+        </p:txBody>
+      </p:sp>
+      <p:sp>
+        <p:nvSpPr>
+          <p:cNvPr id="15" name="矩形 14"/>
+          <p:cNvSpPr/>
+          <p:nvPr/>
+        </p:nvSpPr>
+        <p:spPr>
+          <a:xfrm>
+            <a:off x="4742253" y="3616397"/>
+            <a:ext cx="425303" cy="425303"/>
+          </a:xfrm>
+          <a:prstGeom prst="rect">
+            <a:avLst/>
+          </a:prstGeom>
+          <a:solidFill>
+            <a:schemeClr val="accent5">
+              <a:lumMod val="75000"/>
+            </a:schemeClr>
+          </a:solidFill>
+          <a:ln>
+            <a:solidFill>
+              <a:schemeClr val="accent5">
+                <a:lumMod val="50000"/>
+              </a:schemeClr>
+            </a:solidFill>
+          </a:ln>
+        </p:spPr>
+        <p:style>
+          <a:lnRef idx="2">
+            <a:schemeClr val="accent1">
+              <a:shade val="50000"/>
+            </a:schemeClr>
+          </a:lnRef>
+          <a:fillRef idx="1">
+            <a:schemeClr val="accent1"/>
+          </a:fillRef>
+          <a:effectRef idx="0">
+            <a:schemeClr val="accent1"/>
+          </a:effectRef>
+          <a:fontRef idx="minor">
+            <a:schemeClr val="lt1"/>
+          </a:fontRef>
+        </p:style>
+        <p:txBody>
+          <a:bodyPr rtlCol="0" anchor="ctr"/>
+          <a:lstStyle/>
+          <a:p>
+            <a:pPr algn="ctr"/>
+            <a:endParaRPr kumimoji="1" lang="zh-CN" altLang="en-US"/>
+          </a:p>
+        </p:txBody>
+      </p:sp>
+      <p:cxnSp>
+        <p:nvCxnSpPr>
+          <p:cNvPr id="17" name="直线连接符 16"/>
+          <p:cNvCxnSpPr>
+            <a:stCxn id="15" idx="3"/>
+          </p:cNvCxnSpPr>
+          <p:nvPr/>
+        </p:nvCxnSpPr>
+        <p:spPr>
+          <a:xfrm flipV="1">
+            <a:off x="5167556" y="3179799"/>
+            <a:ext cx="936064" cy="649250"/>
+          </a:xfrm>
+          <a:prstGeom prst="line">
+            <a:avLst/>
+          </a:prstGeom>
+        </p:spPr>
+        <p:style>
+          <a:lnRef idx="1">
+            <a:schemeClr val="accent1"/>
+          </a:lnRef>
+          <a:fillRef idx="0">
+            <a:schemeClr val="accent1"/>
+          </a:fillRef>
+          <a:effectRef idx="0">
+            <a:schemeClr val="accent1"/>
+          </a:effectRef>
+          <a:fontRef idx="minor">
+            <a:schemeClr val="tx1"/>
+          </a:fontRef>
+        </p:style>
+      </p:cxnSp>
+      <p:cxnSp>
+        <p:nvCxnSpPr>
+          <p:cNvPr id="19" name="直线连接符 18"/>
+          <p:cNvCxnSpPr>
+            <a:stCxn id="15" idx="3"/>
+          </p:cNvCxnSpPr>
+          <p:nvPr/>
+        </p:nvCxnSpPr>
+        <p:spPr>
+          <a:xfrm>
+            <a:off x="5167556" y="3829049"/>
+            <a:ext cx="936064" cy="708661"/>
+          </a:xfrm>
+          <a:prstGeom prst="line">
+            <a:avLst/>
+          </a:prstGeom>
+        </p:spPr>
+        <p:style>
+          <a:lnRef idx="1">
+            <a:schemeClr val="accent1"/>
+          </a:lnRef>
+          <a:fillRef idx="0">
+            <a:schemeClr val="accent1"/>
+          </a:fillRef>
+          <a:effectRef idx="0">
+            <a:schemeClr val="accent1"/>
+          </a:effectRef>
+          <a:fontRef idx="minor">
+            <a:schemeClr val="tx1"/>
+          </a:fontRef>
+        </p:style>
+      </p:cxnSp>
+      <p:sp>
+        <p:nvSpPr>
+          <p:cNvPr id="20" name="椭圆 19"/>
+          <p:cNvSpPr/>
+          <p:nvPr/>
+        </p:nvSpPr>
+        <p:spPr>
+          <a:xfrm>
+            <a:off x="6103620" y="2956515"/>
+            <a:ext cx="478465" cy="446567"/>
+          </a:xfrm>
+          <a:prstGeom prst="ellipse">
+            <a:avLst/>
+          </a:prstGeom>
+          <a:solidFill>
+            <a:schemeClr val="accent5">
+              <a:lumMod val="75000"/>
+            </a:schemeClr>
+          </a:solidFill>
+          <a:ln>
+            <a:solidFill>
+              <a:schemeClr val="accent5">
+                <a:lumMod val="50000"/>
+              </a:schemeClr>
+            </a:solidFill>
+          </a:ln>
+        </p:spPr>
+        <p:style>
+          <a:lnRef idx="2">
+            <a:schemeClr val="accent1">
+              <a:shade val="50000"/>
+            </a:schemeClr>
+          </a:lnRef>
+          <a:fillRef idx="1">
+            <a:schemeClr val="accent1"/>
+          </a:fillRef>
+          <a:effectRef idx="0">
+            <a:schemeClr val="accent1"/>
+          </a:effectRef>
+          <a:fontRef idx="minor">
+            <a:schemeClr val="lt1"/>
+          </a:fontRef>
+        </p:style>
+        <p:txBody>
+          <a:bodyPr rtlCol="0" anchor="ctr"/>
+          <a:lstStyle/>
+          <a:p>
+            <a:pPr algn="ctr"/>
+            <a:endParaRPr kumimoji="1" lang="zh-CN" altLang="en-US"/>
+          </a:p>
+        </p:txBody>
+      </p:sp>
+      <p:sp>
+        <p:nvSpPr>
+          <p:cNvPr id="21" name="椭圆 20"/>
+          <p:cNvSpPr/>
+          <p:nvPr/>
+        </p:nvSpPr>
+        <p:spPr>
+          <a:xfrm>
+            <a:off x="6103619" y="4314426"/>
+            <a:ext cx="478465" cy="446567"/>
+          </a:xfrm>
+          <a:prstGeom prst="ellipse">
+            <a:avLst/>
+          </a:prstGeom>
+          <a:solidFill>
+            <a:schemeClr val="accent5">
+              <a:lumMod val="75000"/>
+            </a:schemeClr>
+          </a:solidFill>
+          <a:ln>
+            <a:solidFill>
+              <a:schemeClr val="accent5">
+                <a:lumMod val="50000"/>
+              </a:schemeClr>
+            </a:solidFill>
+          </a:ln>
+        </p:spPr>
+        <p:style>
+          <a:lnRef idx="2">
+            <a:schemeClr val="accent1">
+              <a:shade val="50000"/>
+            </a:schemeClr>
+          </a:lnRef>
+          <a:fillRef idx="1">
+            <a:schemeClr val="accent1"/>
+          </a:fillRef>
+          <a:effectRef idx="0">
+            <a:schemeClr val="accent1"/>
+          </a:effectRef>
+          <a:fontRef idx="minor">
+            <a:schemeClr val="lt1"/>
+          </a:fontRef>
+        </p:style>
+        <p:txBody>
+          <a:bodyPr rtlCol="0" anchor="ctr"/>
+          <a:lstStyle/>
+          <a:p>
+            <a:pPr algn="ctr"/>
+            <a:endParaRPr kumimoji="1" lang="zh-CN" altLang="en-US"/>
+          </a:p>
+        </p:txBody>
+      </p:sp>
+      <p:cxnSp>
+        <p:nvCxnSpPr>
+          <p:cNvPr id="22" name="直线连接符 21"/>
+          <p:cNvCxnSpPr/>
+          <p:nvPr/>
+        </p:nvCxnSpPr>
+        <p:spPr>
+          <a:xfrm flipV="1">
+            <a:off x="6469380" y="3179799"/>
+            <a:ext cx="1140607" cy="1"/>
+          </a:xfrm>
+          <a:prstGeom prst="line">
+            <a:avLst/>
+          </a:prstGeom>
+        </p:spPr>
+        <p:style>
+          <a:lnRef idx="1">
+            <a:schemeClr val="accent1"/>
+          </a:lnRef>
+          <a:fillRef idx="0">
+            <a:schemeClr val="accent1"/>
+          </a:fillRef>
+          <a:effectRef idx="0">
+            <a:schemeClr val="accent1"/>
+          </a:effectRef>
+          <a:fontRef idx="minor">
+            <a:schemeClr val="tx1"/>
+          </a:fontRef>
+        </p:style>
+      </p:cxnSp>
+      <p:sp>
+        <p:nvSpPr>
+          <p:cNvPr id="23" name="矩形 22"/>
+          <p:cNvSpPr/>
+          <p:nvPr/>
+        </p:nvSpPr>
+        <p:spPr>
+          <a:xfrm>
+            <a:off x="7609987" y="2967147"/>
+            <a:ext cx="425303" cy="425303"/>
+          </a:xfrm>
+          <a:prstGeom prst="rect">
+            <a:avLst/>
+          </a:prstGeom>
+          <a:solidFill>
+            <a:schemeClr val="accent5">
+              <a:lumMod val="75000"/>
+            </a:schemeClr>
+          </a:solidFill>
+          <a:ln>
+            <a:solidFill>
+              <a:schemeClr val="accent5">
+                <a:lumMod val="50000"/>
+              </a:schemeClr>
+            </a:solidFill>
+          </a:ln>
+        </p:spPr>
+        <p:style>
+          <a:lnRef idx="2">
+            <a:schemeClr val="accent1">
+              <a:shade val="50000"/>
+            </a:schemeClr>
+          </a:lnRef>
+          <a:fillRef idx="1">
+            <a:schemeClr val="accent1"/>
+          </a:fillRef>
+          <a:effectRef idx="0">
+            <a:schemeClr val="accent1"/>
+          </a:effectRef>
+          <a:fontRef idx="minor">
+            <a:schemeClr val="lt1"/>
+          </a:fontRef>
+        </p:style>
+        <p:txBody>
+          <a:bodyPr rtlCol="0" anchor="ctr"/>
+          <a:lstStyle/>
+          <a:p>
+            <a:pPr algn="ctr"/>
+            <a:endParaRPr kumimoji="1" lang="zh-CN" altLang="en-US"/>
+          </a:p>
+        </p:txBody>
+      </p:sp>
+      <p:cxnSp>
+        <p:nvCxnSpPr>
+          <p:cNvPr id="24" name="直线连接符 23"/>
+          <p:cNvCxnSpPr/>
+          <p:nvPr/>
+        </p:nvCxnSpPr>
+        <p:spPr>
+          <a:xfrm flipV="1">
+            <a:off x="6511911" y="4537710"/>
+            <a:ext cx="1140607" cy="1"/>
+          </a:xfrm>
+          <a:prstGeom prst="line">
+            <a:avLst/>
+          </a:prstGeom>
+        </p:spPr>
+        <p:style>
+          <a:lnRef idx="1">
+            <a:schemeClr val="accent1"/>
+          </a:lnRef>
+          <a:fillRef idx="0">
+            <a:schemeClr val="accent1"/>
+          </a:fillRef>
+          <a:effectRef idx="0">
+            <a:schemeClr val="accent1"/>
+          </a:effectRef>
+          <a:fontRef idx="minor">
+            <a:schemeClr val="tx1"/>
+          </a:fontRef>
+        </p:style>
+      </p:cxnSp>
+      <p:sp>
+        <p:nvSpPr>
+          <p:cNvPr id="25" name="矩形 24"/>
+          <p:cNvSpPr/>
+          <p:nvPr/>
+        </p:nvSpPr>
+        <p:spPr>
+          <a:xfrm>
+            <a:off x="7609986" y="4337286"/>
+            <a:ext cx="425303" cy="425303"/>
+          </a:xfrm>
+          <a:prstGeom prst="rect">
+            <a:avLst/>
+          </a:prstGeom>
+          <a:solidFill>
+            <a:schemeClr val="accent5">
+              <a:lumMod val="75000"/>
+            </a:schemeClr>
+          </a:solidFill>
+          <a:ln>
+            <a:solidFill>
+              <a:schemeClr val="accent5">
+                <a:lumMod val="50000"/>
+              </a:schemeClr>
+            </a:solidFill>
+          </a:ln>
+        </p:spPr>
+        <p:style>
+          <a:lnRef idx="2">
+            <a:schemeClr val="accent1">
+              <a:shade val="50000"/>
+            </a:schemeClr>
+          </a:lnRef>
+          <a:fillRef idx="1">
+            <a:schemeClr val="accent1"/>
+          </a:fillRef>
+          <a:effectRef idx="0">
+            <a:schemeClr val="accent1"/>
+          </a:effectRef>
+          <a:fontRef idx="minor">
+            <a:schemeClr val="lt1"/>
+          </a:fontRef>
+        </p:style>
+        <p:txBody>
+          <a:bodyPr rtlCol="0" anchor="ctr"/>
+          <a:lstStyle/>
+          <a:p>
+            <a:pPr algn="ctr"/>
+            <a:endParaRPr kumimoji="1" lang="zh-CN" altLang="en-US"/>
+          </a:p>
+        </p:txBody>
+      </p:sp>
+      <p:cxnSp>
+        <p:nvCxnSpPr>
+          <p:cNvPr id="26" name="直线连接符 25"/>
+          <p:cNvCxnSpPr/>
+          <p:nvPr/>
+        </p:nvCxnSpPr>
+        <p:spPr>
+          <a:xfrm flipV="1">
+            <a:off x="3539579" y="1737360"/>
+            <a:ext cx="1140607" cy="1"/>
+          </a:xfrm>
+          <a:prstGeom prst="line">
+            <a:avLst/>
+          </a:prstGeom>
+        </p:spPr>
+        <p:style>
+          <a:lnRef idx="1">
+            <a:schemeClr val="accent1"/>
+          </a:lnRef>
+          <a:fillRef idx="0">
+            <a:schemeClr val="accent1"/>
+          </a:fillRef>
+          <a:effectRef idx="0">
+            <a:schemeClr val="accent1"/>
+          </a:effectRef>
+          <a:fontRef idx="minor">
+            <a:schemeClr val="tx1"/>
+          </a:fontRef>
+        </p:style>
+      </p:cxnSp>
+      <p:sp>
+        <p:nvSpPr>
+          <p:cNvPr id="27" name="椭圆 26"/>
+          <p:cNvSpPr/>
+          <p:nvPr/>
+        </p:nvSpPr>
+        <p:spPr>
+          <a:xfrm>
+            <a:off x="4686300" y="1514076"/>
+            <a:ext cx="478465" cy="446567"/>
+          </a:xfrm>
+          <a:prstGeom prst="ellipse">
+            <a:avLst/>
+          </a:prstGeom>
+          <a:solidFill>
+            <a:schemeClr val="accent5">
+              <a:lumMod val="75000"/>
+            </a:schemeClr>
+          </a:solidFill>
+          <a:ln>
+            <a:solidFill>
+              <a:schemeClr val="accent5">
+                <a:lumMod val="50000"/>
+              </a:schemeClr>
+            </a:solidFill>
+          </a:ln>
+        </p:spPr>
+        <p:style>
+          <a:lnRef idx="2">
+            <a:schemeClr val="accent1">
+              <a:shade val="50000"/>
+            </a:schemeClr>
+          </a:lnRef>
+          <a:fillRef idx="1">
+            <a:schemeClr val="accent1"/>
+          </a:fillRef>
+          <a:effectRef idx="0">
+            <a:schemeClr val="accent1"/>
+          </a:effectRef>
+          <a:fontRef idx="minor">
+            <a:schemeClr val="lt1"/>
+          </a:fontRef>
+        </p:style>
+        <p:txBody>
+          <a:bodyPr rtlCol="0" anchor="ctr"/>
+          <a:lstStyle/>
+          <a:p>
+            <a:pPr algn="ctr"/>
+            <a:endParaRPr kumimoji="1" lang="zh-CN" altLang="en-US"/>
+          </a:p>
+        </p:txBody>
+      </p:sp>
+      <p:cxnSp>
+        <p:nvCxnSpPr>
+          <p:cNvPr id="28" name="直线连接符 27"/>
+          <p:cNvCxnSpPr/>
+          <p:nvPr/>
+        </p:nvCxnSpPr>
+        <p:spPr>
+          <a:xfrm flipV="1">
+            <a:off x="5167556" y="1737359"/>
+            <a:ext cx="1140607" cy="1"/>
+          </a:xfrm>
+          <a:prstGeom prst="line">
+            <a:avLst/>
+          </a:prstGeom>
+        </p:spPr>
+        <p:style>
+          <a:lnRef idx="1">
+            <a:schemeClr val="accent1"/>
+          </a:lnRef>
+          <a:fillRef idx="0">
+            <a:schemeClr val="accent1"/>
+          </a:fillRef>
+          <a:effectRef idx="0">
+            <a:schemeClr val="accent1"/>
+          </a:effectRef>
+          <a:fontRef idx="minor">
+            <a:schemeClr val="tx1"/>
+          </a:fontRef>
+        </p:style>
+      </p:cxnSp>
+      <p:sp>
+        <p:nvSpPr>
+          <p:cNvPr id="29" name="矩形 28"/>
+          <p:cNvSpPr/>
+          <p:nvPr/>
+        </p:nvSpPr>
+        <p:spPr>
+          <a:xfrm>
+            <a:off x="6103619" y="1524707"/>
+            <a:ext cx="425303" cy="425303"/>
+          </a:xfrm>
+          <a:prstGeom prst="rect">
+            <a:avLst/>
+          </a:prstGeom>
+          <a:solidFill>
+            <a:schemeClr val="accent5">
+              <a:lumMod val="75000"/>
+            </a:schemeClr>
+          </a:solidFill>
+          <a:ln>
+            <a:solidFill>
+              <a:schemeClr val="accent5">
+                <a:lumMod val="50000"/>
+              </a:schemeClr>
+            </a:solidFill>
+          </a:ln>
+        </p:spPr>
+        <p:style>
+          <a:lnRef idx="2">
+            <a:schemeClr val="accent1">
+              <a:shade val="50000"/>
+            </a:schemeClr>
+          </a:lnRef>
+          <a:fillRef idx="1">
+            <a:schemeClr val="accent1"/>
+          </a:fillRef>
+          <a:effectRef idx="0">
+            <a:schemeClr val="accent1"/>
+          </a:effectRef>
+          <a:fontRef idx="minor">
+            <a:schemeClr val="lt1"/>
+          </a:fontRef>
+        </p:style>
+        <p:txBody>
+          <a:bodyPr rtlCol="0" anchor="ctr"/>
+          <a:lstStyle/>
+          <a:p>
+            <a:pPr algn="ctr"/>
+            <a:endParaRPr kumimoji="1" lang="zh-CN" altLang="en-US"/>
+          </a:p>
+        </p:txBody>
+      </p:sp>
+    </p:spTree>
+    <p:extLst>
+      <p:ext uri="{BB962C8B-B14F-4D97-AF65-F5344CB8AC3E}">
+        <p14:creationId xmlns:p14="http://schemas.microsoft.com/office/powerpoint/2010/main" val="695478748"/>
+      </p:ext>
+    </p:extLst>
+  </p:cSld>
+  <p:clrMapOvr>
+    <a:masterClrMapping/>
+  </p:clrMapOvr>
+  <p:timing>
+    <p:tnLst>
+      <p:par>
+        <p:cTn id="1" dur="indefinite" restart="never" nodeType="tmRoot">
+          <p:childTnLst>
+            <p:seq concurrent="1" nextAc="seek">
+              <p:cTn id="2" dur="indefinite" nodeType="mainSeq">
+                <p:childTnLst>
+                  <p:par>
+                    <p:cTn id="3" fill="hold">
+                      <p:stCondLst>
+                        <p:cond delay="indefinite"/>
+                        <p:cond evt="onBegin" delay="0">
+                          <p:tn val="2"/>
+                        </p:cond>
+                      </p:stCondLst>
+                      <p:childTnLst>
+                        <p:par>
+                          <p:cTn id="4" fill="hold">
+                            <p:stCondLst>
+                              <p:cond delay="0"/>
+                            </p:stCondLst>
+                            <p:childTnLst>
+                              <p:par>
+                                <p:cTn id="5" presetID="0" presetClass="path" presetSubtype="0" accel="50000" decel="50000" fill="hold" grpId="0" nodeType="withEffect">
+                                  <p:stCondLst>
+                                    <p:cond delay="0"/>
+                                  </p:stCondLst>
+                                  <p:childTnLst>
+                                    <p:animMotion origin="layout" path="M -1.94444E-6 4.81481E-6 L -0.19896 -0.15348 " pathEditMode="relative" rAng="0" ptsTypes="AA">
+                                      <p:cBhvr>
+                                        <p:cTn id="6" dur="500" fill="hold"/>
+                                        <p:tgtEl>
+                                          <p:spTgt spid="3"/>
+                                        </p:tgtEl>
+                                        <p:attrNameLst>
+                                          <p:attrName>ppt_x</p:attrName>
+                                          <p:attrName>ppt_y</p:attrName>
+                                        </p:attrNameLst>
+                                      </p:cBhvr>
+                                      <p:rCtr x="-9948" y="-7685"/>
+                                    </p:animMotion>
+                                  </p:childTnLst>
+                                </p:cTn>
+                              </p:par>
+                            </p:childTnLst>
+                          </p:cTn>
+                        </p:par>
+                        <p:par>
+                          <p:cTn id="7" fill="hold">
+                            <p:stCondLst>
+                              <p:cond delay="500"/>
+                            </p:stCondLst>
+                            <p:childTnLst>
+                              <p:par>
+                                <p:cTn id="8" presetID="22" presetClass="entr" presetSubtype="8" fill="hold" nodeType="afterEffect">
+                                  <p:stCondLst>
+                                    <p:cond delay="0"/>
+                                  </p:stCondLst>
+                                  <p:childTnLst>
+                                    <p:set>
+                                      <p:cBhvr>
+                                        <p:cTn id="9" dur="1" fill="hold">
+                                          <p:stCondLst>
+                                            <p:cond delay="0"/>
+                                          </p:stCondLst>
+                                        </p:cTn>
+                                        <p:tgtEl>
+                                          <p:spTgt spid="8"/>
+                                        </p:tgtEl>
+                                        <p:attrNameLst>
+                                          <p:attrName>style.visibility</p:attrName>
+                                        </p:attrNameLst>
+                                      </p:cBhvr>
+                                      <p:to>
+                                        <p:strVal val="visible"/>
+                                      </p:to>
+                                    </p:set>
+                                    <p:animEffect transition="in" filter="wipe(left)">
+                                      <p:cBhvr>
+                                        <p:cTn id="10" dur="500"/>
+                                        <p:tgtEl>
+                                          <p:spTgt spid="8"/>
+                                        </p:tgtEl>
+                                      </p:cBhvr>
+                                    </p:animEffect>
+                                  </p:childTnLst>
+                                </p:cTn>
+                              </p:par>
+                              <p:par>
+                                <p:cTn id="11" presetID="22" presetClass="entr" presetSubtype="8" fill="hold" nodeType="withEffect">
+                                  <p:stCondLst>
+                                    <p:cond delay="0"/>
+                                  </p:stCondLst>
+                                  <p:childTnLst>
+                                    <p:set>
+                                      <p:cBhvr>
+                                        <p:cTn id="12" dur="1" fill="hold">
+                                          <p:stCondLst>
+                                            <p:cond delay="0"/>
+                                          </p:stCondLst>
+                                        </p:cTn>
+                                        <p:tgtEl>
+                                          <p:spTgt spid="10"/>
+                                        </p:tgtEl>
+                                        <p:attrNameLst>
+                                          <p:attrName>style.visibility</p:attrName>
+                                        </p:attrNameLst>
+                                      </p:cBhvr>
+                                      <p:to>
+                                        <p:strVal val="visible"/>
+                                      </p:to>
+                                    </p:set>
+                                    <p:animEffect transition="in" filter="wipe(left)">
+                                      <p:cBhvr>
+                                        <p:cTn id="13" dur="500"/>
+                                        <p:tgtEl>
+                                          <p:spTgt spid="10"/>
+                                        </p:tgtEl>
+                                      </p:cBhvr>
+                                    </p:animEffect>
+                                  </p:childTnLst>
+                                </p:cTn>
+                              </p:par>
+                            </p:childTnLst>
+                          </p:cTn>
+                        </p:par>
+                        <p:par>
+                          <p:cTn id="14" fill="hold">
+                            <p:stCondLst>
+                              <p:cond delay="1000"/>
+                            </p:stCondLst>
+                            <p:childTnLst>
+                              <p:par>
+                                <p:cTn id="15" presetID="10" presetClass="entr" presetSubtype="0" fill="hold" grpId="0" nodeType="afterEffect">
+                                  <p:stCondLst>
+                                    <p:cond delay="0"/>
+                                  </p:stCondLst>
+                                  <p:childTnLst>
+                                    <p:set>
+                                      <p:cBhvr>
+                                        <p:cTn id="16" dur="1" fill="hold">
+                                          <p:stCondLst>
+                                            <p:cond delay="0"/>
+                                          </p:stCondLst>
+                                        </p:cTn>
+                                        <p:tgtEl>
+                                          <p:spTgt spid="14"/>
+                                        </p:tgtEl>
+                                        <p:attrNameLst>
+                                          <p:attrName>style.visibility</p:attrName>
+                                        </p:attrNameLst>
+                                      </p:cBhvr>
+                                      <p:to>
+                                        <p:strVal val="visible"/>
+                                      </p:to>
+                                    </p:set>
+                                    <p:animEffect transition="in" filter="fade">
+                                      <p:cBhvr>
+                                        <p:cTn id="17" dur="500"/>
+                                        <p:tgtEl>
+                                          <p:spTgt spid="14"/>
+                                        </p:tgtEl>
+                                      </p:cBhvr>
+                                    </p:animEffect>
+                                  </p:childTnLst>
+                                </p:cTn>
+                              </p:par>
+                            </p:childTnLst>
+                          </p:cTn>
+                        </p:par>
+                        <p:par>
+                          <p:cTn id="18" fill="hold">
+                            <p:stCondLst>
+                              <p:cond delay="1500"/>
+                            </p:stCondLst>
+                            <p:childTnLst>
+                              <p:par>
+                                <p:cTn id="19" presetID="22" presetClass="entr" presetSubtype="8" fill="hold" nodeType="afterEffect">
+                                  <p:stCondLst>
+                                    <p:cond delay="0"/>
+                                  </p:stCondLst>
+                                  <p:childTnLst>
+                                    <p:set>
+                                      <p:cBhvr>
+                                        <p:cTn id="20" dur="1" fill="hold">
+                                          <p:stCondLst>
+                                            <p:cond delay="0"/>
+                                          </p:stCondLst>
+                                        </p:cTn>
+                                        <p:tgtEl>
+                                          <p:spTgt spid="13"/>
+                                        </p:tgtEl>
+                                        <p:attrNameLst>
+                                          <p:attrName>style.visibility</p:attrName>
+                                        </p:attrNameLst>
+                                      </p:cBhvr>
+                                      <p:to>
+                                        <p:strVal val="visible"/>
+                                      </p:to>
+                                    </p:set>
+                                    <p:animEffect transition="in" filter="wipe(left)">
+                                      <p:cBhvr>
+                                        <p:cTn id="21" dur="500"/>
+                                        <p:tgtEl>
+                                          <p:spTgt spid="13"/>
+                                        </p:tgtEl>
+                                      </p:cBhvr>
+                                    </p:animEffect>
+                                  </p:childTnLst>
+                                </p:cTn>
+                              </p:par>
+                              <p:par>
+                                <p:cTn id="22" presetID="22" presetClass="entr" presetSubtype="8" fill="hold" nodeType="withEffect">
+                                  <p:stCondLst>
+                                    <p:cond delay="0"/>
+                                  </p:stCondLst>
+                                  <p:childTnLst>
+                                    <p:set>
+                                      <p:cBhvr>
+                                        <p:cTn id="23" dur="1" fill="hold">
+                                          <p:stCondLst>
+                                            <p:cond delay="0"/>
+                                          </p:stCondLst>
+                                        </p:cTn>
+                                        <p:tgtEl>
+                                          <p:spTgt spid="26"/>
+                                        </p:tgtEl>
+                                        <p:attrNameLst>
+                                          <p:attrName>style.visibility</p:attrName>
+                                        </p:attrNameLst>
+                                      </p:cBhvr>
+                                      <p:to>
+                                        <p:strVal val="visible"/>
+                                      </p:to>
+                                    </p:set>
+                                    <p:animEffect transition="in" filter="wipe(left)">
+                                      <p:cBhvr>
+                                        <p:cTn id="24" dur="500"/>
+                                        <p:tgtEl>
+                                          <p:spTgt spid="26"/>
+                                        </p:tgtEl>
+                                      </p:cBhvr>
+                                    </p:animEffect>
+                                  </p:childTnLst>
+                                </p:cTn>
+                              </p:par>
+                            </p:childTnLst>
+                          </p:cTn>
+                        </p:par>
+                        <p:par>
+                          <p:cTn id="25" fill="hold">
+                            <p:stCondLst>
+                              <p:cond delay="2000"/>
+                            </p:stCondLst>
+                            <p:childTnLst>
+                              <p:par>
+                                <p:cTn id="26" presetID="10" presetClass="entr" presetSubtype="0" fill="hold" grpId="0" nodeType="afterEffect">
+                                  <p:stCondLst>
+                                    <p:cond delay="0"/>
+                                  </p:stCondLst>
+                                  <p:childTnLst>
+                                    <p:set>
+                                      <p:cBhvr>
+                                        <p:cTn id="27" dur="1" fill="hold">
+                                          <p:stCondLst>
+                                            <p:cond delay="0"/>
+                                          </p:stCondLst>
+                                        </p:cTn>
+                                        <p:tgtEl>
+                                          <p:spTgt spid="27"/>
+                                        </p:tgtEl>
+                                        <p:attrNameLst>
+                                          <p:attrName>style.visibility</p:attrName>
+                                        </p:attrNameLst>
+                                      </p:cBhvr>
+                                      <p:to>
+                                        <p:strVal val="visible"/>
+                                      </p:to>
+                                    </p:set>
+                                    <p:animEffect transition="in" filter="fade">
+                                      <p:cBhvr>
+                                        <p:cTn id="28" dur="500"/>
+                                        <p:tgtEl>
+                                          <p:spTgt spid="27"/>
+                                        </p:tgtEl>
+                                      </p:cBhvr>
+                                    </p:animEffect>
+                                  </p:childTnLst>
+                                </p:cTn>
+                              </p:par>
+                              <p:par>
+                                <p:cTn id="29" presetID="10" presetClass="entr" presetSubtype="0" fill="hold" grpId="0" nodeType="withEffect">
+                                  <p:stCondLst>
+                                    <p:cond delay="0"/>
+                                  </p:stCondLst>
+                                  <p:childTnLst>
+                                    <p:set>
+                                      <p:cBhvr>
+                                        <p:cTn id="30" dur="1" fill="hold">
+                                          <p:stCondLst>
+                                            <p:cond delay="0"/>
+                                          </p:stCondLst>
+                                        </p:cTn>
+                                        <p:tgtEl>
+                                          <p:spTgt spid="15"/>
+                                        </p:tgtEl>
+                                        <p:attrNameLst>
+                                          <p:attrName>style.visibility</p:attrName>
+                                        </p:attrNameLst>
+                                      </p:cBhvr>
+                                      <p:to>
+                                        <p:strVal val="visible"/>
+                                      </p:to>
+                                    </p:set>
+                                    <p:animEffect transition="in" filter="fade">
+                                      <p:cBhvr>
+                                        <p:cTn id="31" dur="500"/>
+                                        <p:tgtEl>
+                                          <p:spTgt spid="15"/>
+                                        </p:tgtEl>
+                                      </p:cBhvr>
+                                    </p:animEffect>
+                                  </p:childTnLst>
+                                </p:cTn>
+                              </p:par>
+                            </p:childTnLst>
+                          </p:cTn>
+                        </p:par>
+                        <p:par>
+                          <p:cTn id="32" fill="hold">
+                            <p:stCondLst>
+                              <p:cond delay="2500"/>
+                            </p:stCondLst>
+                            <p:childTnLst>
+                              <p:par>
+                                <p:cTn id="33" presetID="22" presetClass="entr" presetSubtype="8" fill="hold" nodeType="afterEffect">
+                                  <p:stCondLst>
+                                    <p:cond delay="0"/>
+                                  </p:stCondLst>
+                                  <p:childTnLst>
+                                    <p:set>
+                                      <p:cBhvr>
+                                        <p:cTn id="34" dur="1" fill="hold">
+                                          <p:stCondLst>
+                                            <p:cond delay="0"/>
+                                          </p:stCondLst>
+                                        </p:cTn>
+                                        <p:tgtEl>
+                                          <p:spTgt spid="28"/>
+                                        </p:tgtEl>
+                                        <p:attrNameLst>
+                                          <p:attrName>style.visibility</p:attrName>
+                                        </p:attrNameLst>
+                                      </p:cBhvr>
+                                      <p:to>
+                                        <p:strVal val="visible"/>
+                                      </p:to>
+                                    </p:set>
+                                    <p:animEffect transition="in" filter="wipe(left)">
+                                      <p:cBhvr>
+                                        <p:cTn id="35" dur="500"/>
+                                        <p:tgtEl>
+                                          <p:spTgt spid="28"/>
+                                        </p:tgtEl>
+                                      </p:cBhvr>
+                                    </p:animEffect>
+                                  </p:childTnLst>
+                                </p:cTn>
+                              </p:par>
+                              <p:par>
+                                <p:cTn id="36" presetID="22" presetClass="entr" presetSubtype="8" fill="hold" nodeType="withEffect">
+                                  <p:stCondLst>
+                                    <p:cond delay="0"/>
+                                  </p:stCondLst>
+                                  <p:childTnLst>
+                                    <p:set>
+                                      <p:cBhvr>
+                                        <p:cTn id="37" dur="1" fill="hold">
+                                          <p:stCondLst>
+                                            <p:cond delay="0"/>
+                                          </p:stCondLst>
+                                        </p:cTn>
+                                        <p:tgtEl>
+                                          <p:spTgt spid="17"/>
+                                        </p:tgtEl>
+                                        <p:attrNameLst>
+                                          <p:attrName>style.visibility</p:attrName>
+                                        </p:attrNameLst>
+                                      </p:cBhvr>
+                                      <p:to>
+                                        <p:strVal val="visible"/>
+                                      </p:to>
+                                    </p:set>
+                                    <p:animEffect transition="in" filter="wipe(left)">
+                                      <p:cBhvr>
+                                        <p:cTn id="38" dur="500"/>
+                                        <p:tgtEl>
+                                          <p:spTgt spid="17"/>
+                                        </p:tgtEl>
+                                      </p:cBhvr>
+                                    </p:animEffect>
+                                  </p:childTnLst>
+                                </p:cTn>
+                              </p:par>
+                              <p:par>
+                                <p:cTn id="39" presetID="22" presetClass="entr" presetSubtype="8" fill="hold" nodeType="withEffect">
+                                  <p:stCondLst>
+                                    <p:cond delay="0"/>
+                                  </p:stCondLst>
+                                  <p:childTnLst>
+                                    <p:set>
+                                      <p:cBhvr>
+                                        <p:cTn id="40" dur="1" fill="hold">
+                                          <p:stCondLst>
+                                            <p:cond delay="0"/>
+                                          </p:stCondLst>
+                                        </p:cTn>
+                                        <p:tgtEl>
+                                          <p:spTgt spid="19"/>
+                                        </p:tgtEl>
+                                        <p:attrNameLst>
+                                          <p:attrName>style.visibility</p:attrName>
+                                        </p:attrNameLst>
+                                      </p:cBhvr>
+                                      <p:to>
+                                        <p:strVal val="visible"/>
+                                      </p:to>
+                                    </p:set>
+                                    <p:animEffect transition="in" filter="wipe(left)">
+                                      <p:cBhvr>
+                                        <p:cTn id="41" dur="500"/>
+                                        <p:tgtEl>
+                                          <p:spTgt spid="19"/>
+                                        </p:tgtEl>
+                                      </p:cBhvr>
+                                    </p:animEffect>
+                                  </p:childTnLst>
+                                </p:cTn>
+                              </p:par>
+                            </p:childTnLst>
+                          </p:cTn>
+                        </p:par>
+                        <p:par>
+                          <p:cTn id="42" fill="hold">
+                            <p:stCondLst>
+                              <p:cond delay="3000"/>
+                            </p:stCondLst>
+                            <p:childTnLst>
+                              <p:par>
+                                <p:cTn id="43" presetID="10" presetClass="entr" presetSubtype="0" fill="hold" grpId="0" nodeType="afterEffect">
+                                  <p:stCondLst>
+                                    <p:cond delay="0"/>
+                                  </p:stCondLst>
+                                  <p:childTnLst>
+                                    <p:set>
+                                      <p:cBhvr>
+                                        <p:cTn id="44" dur="1" fill="hold">
+                                          <p:stCondLst>
+                                            <p:cond delay="0"/>
+                                          </p:stCondLst>
+                                        </p:cTn>
+                                        <p:tgtEl>
+                                          <p:spTgt spid="29"/>
+                                        </p:tgtEl>
+                                        <p:attrNameLst>
+                                          <p:attrName>style.visibility</p:attrName>
+                                        </p:attrNameLst>
+                                      </p:cBhvr>
+                                      <p:to>
+                                        <p:strVal val="visible"/>
+                                      </p:to>
+                                    </p:set>
+                                    <p:animEffect transition="in" filter="fade">
+                                      <p:cBhvr>
+                                        <p:cTn id="45" dur="500"/>
+                                        <p:tgtEl>
+                                          <p:spTgt spid="29"/>
+                                        </p:tgtEl>
+                                      </p:cBhvr>
+                                    </p:animEffect>
+                                  </p:childTnLst>
+                                </p:cTn>
+                              </p:par>
+                              <p:par>
+                                <p:cTn id="46" presetID="10" presetClass="entr" presetSubtype="0" fill="hold" grpId="0" nodeType="withEffect">
+                                  <p:stCondLst>
+                                    <p:cond delay="0"/>
+                                  </p:stCondLst>
+                                  <p:childTnLst>
+                                    <p:set>
+                                      <p:cBhvr>
+                                        <p:cTn id="47" dur="1" fill="hold">
+                                          <p:stCondLst>
+                                            <p:cond delay="0"/>
+                                          </p:stCondLst>
+                                        </p:cTn>
+                                        <p:tgtEl>
+                                          <p:spTgt spid="20"/>
+                                        </p:tgtEl>
+                                        <p:attrNameLst>
+                                          <p:attrName>style.visibility</p:attrName>
+                                        </p:attrNameLst>
+                                      </p:cBhvr>
+                                      <p:to>
+                                        <p:strVal val="visible"/>
+                                      </p:to>
+                                    </p:set>
+                                    <p:animEffect transition="in" filter="fade">
+                                      <p:cBhvr>
+                                        <p:cTn id="48" dur="500"/>
+                                        <p:tgtEl>
+                                          <p:spTgt spid="20"/>
+                                        </p:tgtEl>
+                                      </p:cBhvr>
+                                    </p:animEffect>
+                                  </p:childTnLst>
+                                </p:cTn>
+                              </p:par>
+                              <p:par>
+                                <p:cTn id="49" presetID="10" presetClass="entr" presetSubtype="0" fill="hold" grpId="0" nodeType="withEffect">
+                                  <p:stCondLst>
+                                    <p:cond delay="0"/>
+                                  </p:stCondLst>
+                                  <p:childTnLst>
+                                    <p:set>
+                                      <p:cBhvr>
+                                        <p:cTn id="50" dur="1" fill="hold">
+                                          <p:stCondLst>
+                                            <p:cond delay="0"/>
+                                          </p:stCondLst>
+                                        </p:cTn>
+                                        <p:tgtEl>
+                                          <p:spTgt spid="21"/>
+                                        </p:tgtEl>
+                                        <p:attrNameLst>
+                                          <p:attrName>style.visibility</p:attrName>
+                                        </p:attrNameLst>
+                                      </p:cBhvr>
+                                      <p:to>
+                                        <p:strVal val="visible"/>
+                                      </p:to>
+                                    </p:set>
+                                    <p:animEffect transition="in" filter="fade">
+                                      <p:cBhvr>
+                                        <p:cTn id="51" dur="500"/>
+                                        <p:tgtEl>
+                                          <p:spTgt spid="21"/>
+                                        </p:tgtEl>
+                                      </p:cBhvr>
+                                    </p:animEffect>
+                                  </p:childTnLst>
+                                </p:cTn>
+                              </p:par>
+                            </p:childTnLst>
+                          </p:cTn>
+                        </p:par>
+                        <p:par>
+                          <p:cTn id="52" fill="hold">
+                            <p:stCondLst>
+                              <p:cond delay="3500"/>
+                            </p:stCondLst>
+                            <p:childTnLst>
+                              <p:par>
+                                <p:cTn id="53" presetID="22" presetClass="entr" presetSubtype="8" fill="hold" nodeType="afterEffect">
+                                  <p:stCondLst>
+                                    <p:cond delay="0"/>
+                                  </p:stCondLst>
+                                  <p:childTnLst>
+                                    <p:set>
+                                      <p:cBhvr>
+                                        <p:cTn id="54" dur="1" fill="hold">
+                                          <p:stCondLst>
+                                            <p:cond delay="0"/>
+                                          </p:stCondLst>
+                                        </p:cTn>
+                                        <p:tgtEl>
+                                          <p:spTgt spid="22"/>
+                                        </p:tgtEl>
+                                        <p:attrNameLst>
+                                          <p:attrName>style.visibility</p:attrName>
+                                        </p:attrNameLst>
+                                      </p:cBhvr>
+                                      <p:to>
+                                        <p:strVal val="visible"/>
+                                      </p:to>
+                                    </p:set>
+                                    <p:animEffect transition="in" filter="wipe(left)">
+                                      <p:cBhvr>
+                                        <p:cTn id="55" dur="500"/>
+                                        <p:tgtEl>
+                                          <p:spTgt spid="22"/>
+                                        </p:tgtEl>
+                                      </p:cBhvr>
+                                    </p:animEffect>
+                                  </p:childTnLst>
+                                </p:cTn>
+                              </p:par>
+                              <p:par>
+                                <p:cTn id="56" presetID="22" presetClass="entr" presetSubtype="8" fill="hold" nodeType="withEffect">
+                                  <p:stCondLst>
+                                    <p:cond delay="0"/>
+                                  </p:stCondLst>
+                                  <p:childTnLst>
+                                    <p:set>
+                                      <p:cBhvr>
+                                        <p:cTn id="57" dur="1" fill="hold">
+                                          <p:stCondLst>
+                                            <p:cond delay="0"/>
+                                          </p:stCondLst>
+                                        </p:cTn>
+                                        <p:tgtEl>
+                                          <p:spTgt spid="24"/>
+                                        </p:tgtEl>
+                                        <p:attrNameLst>
+                                          <p:attrName>style.visibility</p:attrName>
+                                        </p:attrNameLst>
+                                      </p:cBhvr>
+                                      <p:to>
+                                        <p:strVal val="visible"/>
+                                      </p:to>
+                                    </p:set>
+                                    <p:animEffect transition="in" filter="wipe(left)">
+                                      <p:cBhvr>
+                                        <p:cTn id="58" dur="500"/>
+                                        <p:tgtEl>
+                                          <p:spTgt spid="24"/>
+                                        </p:tgtEl>
+                                      </p:cBhvr>
+                                    </p:animEffect>
+                                  </p:childTnLst>
+                                </p:cTn>
+                              </p:par>
+                            </p:childTnLst>
+                          </p:cTn>
+                        </p:par>
+                        <p:par>
+                          <p:cTn id="59" fill="hold">
+                            <p:stCondLst>
+                              <p:cond delay="4000"/>
+                            </p:stCondLst>
+                            <p:childTnLst>
+                              <p:par>
+                                <p:cTn id="60" presetID="10" presetClass="entr" presetSubtype="0" fill="hold" grpId="0" nodeType="afterEffect">
+                                  <p:stCondLst>
+                                    <p:cond delay="0"/>
+                                  </p:stCondLst>
+                                  <p:childTnLst>
+                                    <p:set>
+                                      <p:cBhvr>
+                                        <p:cTn id="61" dur="1" fill="hold">
+                                          <p:stCondLst>
+                                            <p:cond delay="0"/>
+                                          </p:stCondLst>
+                                        </p:cTn>
+                                        <p:tgtEl>
+                                          <p:spTgt spid="23"/>
+                                        </p:tgtEl>
+                                        <p:attrNameLst>
+                                          <p:attrName>style.visibility</p:attrName>
+                                        </p:attrNameLst>
+                                      </p:cBhvr>
+                                      <p:to>
+                                        <p:strVal val="visible"/>
+                                      </p:to>
+                                    </p:set>
+                                    <p:animEffect transition="in" filter="fade">
+                                      <p:cBhvr>
+                                        <p:cTn id="62" dur="500"/>
+                                        <p:tgtEl>
+                                          <p:spTgt spid="23"/>
+                                        </p:tgtEl>
+                                      </p:cBhvr>
+                                    </p:animEffect>
+                                  </p:childTnLst>
+                                </p:cTn>
+                              </p:par>
+                              <p:par>
+                                <p:cTn id="63" presetID="10" presetClass="entr" presetSubtype="0" fill="hold" grpId="0" nodeType="withEffect">
+                                  <p:stCondLst>
+                                    <p:cond delay="0"/>
+                                  </p:stCondLst>
+                                  <p:childTnLst>
+                                    <p:set>
+                                      <p:cBhvr>
+                                        <p:cTn id="64" dur="1" fill="hold">
+                                          <p:stCondLst>
+                                            <p:cond delay="0"/>
+                                          </p:stCondLst>
+                                        </p:cTn>
+                                        <p:tgtEl>
+                                          <p:spTgt spid="25"/>
+                                        </p:tgtEl>
+                                        <p:attrNameLst>
+                                          <p:attrName>style.visibility</p:attrName>
+                                        </p:attrNameLst>
+                                      </p:cBhvr>
+                                      <p:to>
+                                        <p:strVal val="visible"/>
+                                      </p:to>
+                                    </p:set>
+                                    <p:animEffect transition="in" filter="fade">
+                                      <p:cBhvr>
+                                        <p:cTn id="65" dur="500"/>
+                                        <p:tgtEl>
+                                          <p:spTgt spid="25"/>
+                                        </p:tgtEl>
+                                      </p:cBhvr>
+                                    </p:animEffect>
+                                  </p:childTnLst>
+                                </p:cTn>
+                              </p:par>
+                            </p:childTnLst>
+                          </p:cTn>
+                        </p:par>
+                      </p:childTnLst>
+                    </p:cTn>
+                  </p:par>
+                </p:childTnLst>
+              </p:cTn>
+              <p:prevCondLst>
+                <p:cond evt="onPrev" delay="0">
+                  <p:tgtEl>
+                    <p:sldTgt/>
+                  </p:tgtEl>
+                </p:cond>
+              </p:prevCondLst>
+              <p:nextCondLst>
+                <p:cond evt="onNext" delay="0">
+                  <p:tgtEl>
+                    <p:sldTgt/>
+                  </p:tgtEl>
+                </p:cond>
+              </p:nextCondLst>
+            </p:seq>
+          </p:childTnLst>
+        </p:cTn>
+      </p:par>
+    </p:tnLst>
+    <p:bldLst>
+      <p:bldP spid="3" grpId="0" animBg="1"/>
+      <p:bldP spid="14" grpId="0" animBg="1"/>
+      <p:bldP spid="15" grpId="0" animBg="1"/>
+      <p:bldP spid="20" grpId="0" animBg="1"/>
+      <p:bldP spid="21" grpId="0" animBg="1"/>
+      <p:bldP spid="23" grpId="0" animBg="1"/>
+      <p:bldP spid="25" grpId="0" animBg="1"/>
+      <p:bldP spid="27" grpId="0" animBg="1"/>
+      <p:bldP spid="29" grpId="0" animBg="1"/>
+    </p:bldLst>
+  </p:timing>
+</p:sld>
+</file>
+
+<file path=ppt/slides/slide8.xml><?xml version="1.0" encoding="utf-8"?>
+<p:sld xmlns:a="http://schemas.openxmlformats.org/drawingml/2006/main" xmlns:r="http://schemas.openxmlformats.org/officeDocument/2006/relationships" xmlns:p="http://schemas.openxmlformats.org/presentationml/2006/main">
+  <p:cSld>
+    <p:spTree>
+      <p:nvGrpSpPr>
+        <p:cNvPr id="1" name=""/>
+        <p:cNvGrpSpPr/>
+        <p:nvPr/>
+      </p:nvGrpSpPr>
+      <p:grpSpPr>
+        <a:xfrm>
+          <a:off x="0" y="0"/>
+          <a:ext cx="0" cy="0"/>
+          <a:chOff x="0" y="0"/>
+          <a:chExt cx="0" cy="0"/>
+        </a:xfrm>
+      </p:grpSpPr>
+      <p:sp>
+        <p:nvSpPr>
+          <p:cNvPr id="4" name="文本框 3"/>
+          <p:cNvSpPr txBox="1"/>
+          <p:nvPr/>
+        </p:nvSpPr>
+        <p:spPr>
+          <a:xfrm>
+            <a:off x="274320" y="194310"/>
+            <a:ext cx="3897630" cy="523220"/>
+          </a:xfrm>
+          <a:prstGeom prst="rect">
+            <a:avLst/>
+          </a:prstGeom>
+          <a:noFill/>
+        </p:spPr>
+        <p:txBody>
+          <a:bodyPr wrap="square" rtlCol="0">
+            <a:spAutoFit/>
+          </a:bodyPr>
+          <a:lstStyle/>
+          <a:p>
+            <a:pPr marL="457200" indent="-457200">
+              <a:buFont typeface="Arial" charset="0"/>
+              <a:buChar char="•"/>
+            </a:pPr>
+            <a:r>
+              <a:rPr kumimoji="1" lang="zh-CN" altLang="en-US" sz="2800" dirty="0" smtClean="0">
+                <a:solidFill>
+                  <a:schemeClr val="bg2"/>
+                </a:solidFill>
+              </a:rPr>
+              <a:t>研究背景 </a:t>
+            </a:r>
+            <a:r>
+              <a:rPr kumimoji="1" lang="en-US" altLang="zh-CN" sz="2800" dirty="0">
+                <a:solidFill>
+                  <a:schemeClr val="bg2"/>
+                </a:solidFill>
+              </a:rPr>
+              <a:t>-</a:t>
+            </a:r>
+            <a:r>
+              <a:rPr kumimoji="1" lang="zh-CN" altLang="en-US" sz="2800" dirty="0" smtClean="0">
+                <a:solidFill>
+                  <a:schemeClr val="bg2"/>
+                </a:solidFill>
+              </a:rPr>
+              <a:t> 时间树</a:t>
+            </a:r>
+            <a:endParaRPr kumimoji="1" lang="zh-CN" altLang="en-US" sz="2800" dirty="0">
+              <a:solidFill>
+                <a:schemeClr val="bg2"/>
+              </a:solidFill>
+            </a:endParaRPr>
+          </a:p>
+        </p:txBody>
+      </p:sp>
+      <p:pic>
+        <p:nvPicPr>
+          <p:cNvPr id="2" name="图片 1"/>
+          <p:cNvPicPr>
+            <a:picLocks noChangeAspect="1"/>
+          </p:cNvPicPr>
+          <p:nvPr/>
+        </p:nvPicPr>
+        <p:blipFill>
+          <a:blip r:embed="rId3">
+            <a:extLst>
+              <a:ext uri="{28A0092B-C50C-407E-A947-70E740481C1C}">
+                <a14:useLocalDpi xmlns:a14="http://schemas.microsoft.com/office/drawing/2010/main" val="0"/>
+              </a:ext>
+            </a:extLst>
+          </a:blip>
+          <a:stretch>
+            <a:fillRect/>
+          </a:stretch>
+        </p:blipFill>
+        <p:spPr>
+          <a:xfrm>
+            <a:off x="0" y="2247900"/>
+            <a:ext cx="9144000" cy="2339035"/>
+          </a:xfrm>
+          <a:prstGeom prst="rect">
+            <a:avLst/>
+          </a:prstGeom>
+        </p:spPr>
+      </p:pic>
+    </p:spTree>
+    <p:extLst>
+      <p:ext uri="{BB962C8B-B14F-4D97-AF65-F5344CB8AC3E}">
+        <p14:creationId xmlns:p14="http://schemas.microsoft.com/office/powerpoint/2010/main" val="967284602"/>
+      </p:ext>
+    </p:extLst>
+  </p:cSld>
+  <p:clrMapOvr>
+    <a:masterClrMapping/>
+  </p:clrMapOvr>
+  <p:timing>
+    <p:tnLst>
+      <p:par>
+        <p:cTn id="1" dur="indefinite" restart="never" nodeType="tmRoot"/>
+      </p:par>
+    </p:tnLst>
+  </p:timing>
+</p:sld>
+</file>
+
+<file path=ppt/slides/slide9.xml><?xml version="1.0" encoding="utf-8"?>
 <p:sld xmlns:a="http://schemas.openxmlformats.org/drawingml/2006/main" xmlns:r="http://schemas.openxmlformats.org/officeDocument/2006/relationships" xmlns:p="http://schemas.openxmlformats.org/presentationml/2006/main">
   <p:cSld>
     <p:spTree>
@@ -5378,399 +10323,383 @@
   <p:timing>
     <p:tnLst>
       <p:par>
-        <p:cTn id="1" dur="indefinite" restart="never" nodeType="tmRoot"/>
+        <p:cTn id="1" dur="indefinite" restart="never" nodeType="tmRoot">
+          <p:childTnLst>
+            <p:seq concurrent="1" nextAc="seek">
+              <p:cTn id="2" dur="indefinite" nodeType="mainSeq">
+                <p:childTnLst>
+                  <p:par>
+                    <p:cTn id="3" fill="hold">
+                      <p:stCondLst>
+                        <p:cond delay="indefinite"/>
+                      </p:stCondLst>
+                      <p:childTnLst>
+                        <p:par>
+                          <p:cTn id="4" fill="hold">
+                            <p:stCondLst>
+                              <p:cond delay="0"/>
+                            </p:stCondLst>
+                            <p:childTnLst>
+                              <p:par>
+                                <p:cTn id="5" presetID="10" presetClass="entr" presetSubtype="0" fill="hold" grpId="0" nodeType="clickEffect">
+                                  <p:stCondLst>
+                                    <p:cond delay="0"/>
+                                  </p:stCondLst>
+                                  <p:childTnLst>
+                                    <p:set>
+                                      <p:cBhvr>
+                                        <p:cTn id="6" dur="1" fill="hold">
+                                          <p:stCondLst>
+                                            <p:cond delay="0"/>
+                                          </p:stCondLst>
+                                        </p:cTn>
+                                        <p:tgtEl>
+                                          <p:spTgt spid="2"/>
+                                        </p:tgtEl>
+                                        <p:attrNameLst>
+                                          <p:attrName>style.visibility</p:attrName>
+                                        </p:attrNameLst>
+                                      </p:cBhvr>
+                                      <p:to>
+                                        <p:strVal val="visible"/>
+                                      </p:to>
+                                    </p:set>
+                                    <p:animEffect transition="in" filter="fade">
+                                      <p:cBhvr>
+                                        <p:cTn id="7" dur="500"/>
+                                        <p:tgtEl>
+                                          <p:spTgt spid="2"/>
+                                        </p:tgtEl>
+                                      </p:cBhvr>
+                                    </p:animEffect>
+                                  </p:childTnLst>
+                                </p:cTn>
+                              </p:par>
+                            </p:childTnLst>
+                          </p:cTn>
+                        </p:par>
+                      </p:childTnLst>
+                    </p:cTn>
+                  </p:par>
+                  <p:par>
+                    <p:cTn id="8" fill="hold">
+                      <p:stCondLst>
+                        <p:cond delay="indefinite"/>
+                      </p:stCondLst>
+                      <p:childTnLst>
+                        <p:par>
+                          <p:cTn id="9" fill="hold">
+                            <p:stCondLst>
+                              <p:cond delay="0"/>
+                            </p:stCondLst>
+                            <p:childTnLst>
+                              <p:par>
+                                <p:cTn id="10" presetID="22" presetClass="entr" presetSubtype="8" fill="hold" nodeType="clickEffect">
+                                  <p:stCondLst>
+                                    <p:cond delay="0"/>
+                                  </p:stCondLst>
+                                  <p:childTnLst>
+                                    <p:set>
+                                      <p:cBhvr>
+                                        <p:cTn id="11" dur="1" fill="hold">
+                                          <p:stCondLst>
+                                            <p:cond delay="0"/>
+                                          </p:stCondLst>
+                                        </p:cTn>
+                                        <p:tgtEl>
+                                          <p:spTgt spid="7"/>
+                                        </p:tgtEl>
+                                        <p:attrNameLst>
+                                          <p:attrName>style.visibility</p:attrName>
+                                        </p:attrNameLst>
+                                      </p:cBhvr>
+                                      <p:to>
+                                        <p:strVal val="visible"/>
+                                      </p:to>
+                                    </p:set>
+                                    <p:animEffect transition="in" filter="wipe(left)">
+                                      <p:cBhvr>
+                                        <p:cTn id="12" dur="500"/>
+                                        <p:tgtEl>
+                                          <p:spTgt spid="7"/>
+                                        </p:tgtEl>
+                                      </p:cBhvr>
+                                    </p:animEffect>
+                                  </p:childTnLst>
+                                </p:cTn>
+                              </p:par>
+                            </p:childTnLst>
+                          </p:cTn>
+                        </p:par>
+                        <p:par>
+                          <p:cTn id="13" fill="hold">
+                            <p:stCondLst>
+                              <p:cond delay="500"/>
+                            </p:stCondLst>
+                            <p:childTnLst>
+                              <p:par>
+                                <p:cTn id="14" presetID="10" presetClass="entr" presetSubtype="0" fill="hold" grpId="0" nodeType="afterEffect">
+                                  <p:stCondLst>
+                                    <p:cond delay="0"/>
+                                  </p:stCondLst>
+                                  <p:childTnLst>
+                                    <p:set>
+                                      <p:cBhvr>
+                                        <p:cTn id="15" dur="1" fill="hold">
+                                          <p:stCondLst>
+                                            <p:cond delay="0"/>
+                                          </p:stCondLst>
+                                        </p:cTn>
+                                        <p:tgtEl>
+                                          <p:spTgt spid="5"/>
+                                        </p:tgtEl>
+                                        <p:attrNameLst>
+                                          <p:attrName>style.visibility</p:attrName>
+                                        </p:attrNameLst>
+                                      </p:cBhvr>
+                                      <p:to>
+                                        <p:strVal val="visible"/>
+                                      </p:to>
+                                    </p:set>
+                                    <p:animEffect transition="in" filter="fade">
+                                      <p:cBhvr>
+                                        <p:cTn id="16" dur="500"/>
+                                        <p:tgtEl>
+                                          <p:spTgt spid="5"/>
+                                        </p:tgtEl>
+                                      </p:cBhvr>
+                                    </p:animEffect>
+                                  </p:childTnLst>
+                                </p:cTn>
+                              </p:par>
+                            </p:childTnLst>
+                          </p:cTn>
+                        </p:par>
+                      </p:childTnLst>
+                    </p:cTn>
+                  </p:par>
+                  <p:par>
+                    <p:cTn id="17" fill="hold">
+                      <p:stCondLst>
+                        <p:cond delay="indefinite"/>
+                      </p:stCondLst>
+                      <p:childTnLst>
+                        <p:par>
+                          <p:cTn id="18" fill="hold">
+                            <p:stCondLst>
+                              <p:cond delay="0"/>
+                            </p:stCondLst>
+                            <p:childTnLst>
+                              <p:par>
+                                <p:cTn id="19" presetID="22" presetClass="entr" presetSubtype="8" fill="hold" nodeType="clickEffect">
+                                  <p:stCondLst>
+                                    <p:cond delay="0"/>
+                                  </p:stCondLst>
+                                  <p:childTnLst>
+                                    <p:set>
+                                      <p:cBhvr>
+                                        <p:cTn id="20" dur="1" fill="hold">
+                                          <p:stCondLst>
+                                            <p:cond delay="0"/>
+                                          </p:stCondLst>
+                                        </p:cTn>
+                                        <p:tgtEl>
+                                          <p:spTgt spid="8"/>
+                                        </p:tgtEl>
+                                        <p:attrNameLst>
+                                          <p:attrName>style.visibility</p:attrName>
+                                        </p:attrNameLst>
+                                      </p:cBhvr>
+                                      <p:to>
+                                        <p:strVal val="visible"/>
+                                      </p:to>
+                                    </p:set>
+                                    <p:animEffect transition="in" filter="wipe(left)">
+                                      <p:cBhvr>
+                                        <p:cTn id="21" dur="500"/>
+                                        <p:tgtEl>
+                                          <p:spTgt spid="8"/>
+                                        </p:tgtEl>
+                                      </p:cBhvr>
+                                    </p:animEffect>
+                                  </p:childTnLst>
+                                </p:cTn>
+                              </p:par>
+                            </p:childTnLst>
+                          </p:cTn>
+                        </p:par>
+                        <p:par>
+                          <p:cTn id="22" fill="hold">
+                            <p:stCondLst>
+                              <p:cond delay="500"/>
+                            </p:stCondLst>
+                            <p:childTnLst>
+                              <p:par>
+                                <p:cTn id="23" presetID="10" presetClass="entr" presetSubtype="0" fill="hold" grpId="0" nodeType="afterEffect">
+                                  <p:stCondLst>
+                                    <p:cond delay="0"/>
+                                  </p:stCondLst>
+                                  <p:childTnLst>
+                                    <p:set>
+                                      <p:cBhvr>
+                                        <p:cTn id="24" dur="1" fill="hold">
+                                          <p:stCondLst>
+                                            <p:cond delay="0"/>
+                                          </p:stCondLst>
+                                        </p:cTn>
+                                        <p:tgtEl>
+                                          <p:spTgt spid="6"/>
+                                        </p:tgtEl>
+                                        <p:attrNameLst>
+                                          <p:attrName>style.visibility</p:attrName>
+                                        </p:attrNameLst>
+                                      </p:cBhvr>
+                                      <p:to>
+                                        <p:strVal val="visible"/>
+                                      </p:to>
+                                    </p:set>
+                                    <p:animEffect transition="in" filter="fade">
+                                      <p:cBhvr>
+                                        <p:cTn id="25" dur="500"/>
+                                        <p:tgtEl>
+                                          <p:spTgt spid="6"/>
+                                        </p:tgtEl>
+                                      </p:cBhvr>
+                                    </p:animEffect>
+                                  </p:childTnLst>
+                                </p:cTn>
+                              </p:par>
+                            </p:childTnLst>
+                          </p:cTn>
+                        </p:par>
+                      </p:childTnLst>
+                    </p:cTn>
+                  </p:par>
+                  <p:par>
+                    <p:cTn id="26" fill="hold">
+                      <p:stCondLst>
+                        <p:cond delay="indefinite"/>
+                      </p:stCondLst>
+                      <p:childTnLst>
+                        <p:par>
+                          <p:cTn id="27" fill="hold">
+                            <p:stCondLst>
+                              <p:cond delay="0"/>
+                            </p:stCondLst>
+                            <p:childTnLst>
+                              <p:par>
+                                <p:cTn id="28" presetID="22" presetClass="entr" presetSubtype="1" fill="hold" grpId="0" nodeType="clickEffect">
+                                  <p:stCondLst>
+                                    <p:cond delay="0"/>
+                                  </p:stCondLst>
+                                  <p:childTnLst>
+                                    <p:set>
+                                      <p:cBhvr>
+                                        <p:cTn id="29" dur="1" fill="hold">
+                                          <p:stCondLst>
+                                            <p:cond delay="0"/>
+                                          </p:stCondLst>
+                                        </p:cTn>
+                                        <p:tgtEl>
+                                          <p:spTgt spid="10"/>
+                                        </p:tgtEl>
+                                        <p:attrNameLst>
+                                          <p:attrName>style.visibility</p:attrName>
+                                        </p:attrNameLst>
+                                      </p:cBhvr>
+                                      <p:to>
+                                        <p:strVal val="visible"/>
+                                      </p:to>
+                                    </p:set>
+                                    <p:animEffect transition="in" filter="wipe(up)">
+                                      <p:cBhvr>
+                                        <p:cTn id="30" dur="500"/>
+                                        <p:tgtEl>
+                                          <p:spTgt spid="10"/>
+                                        </p:tgtEl>
+                                      </p:cBhvr>
+                                    </p:animEffect>
+                                  </p:childTnLst>
+                                </p:cTn>
+                              </p:par>
+                            </p:childTnLst>
+                          </p:cTn>
+                        </p:par>
+                        <p:par>
+                          <p:cTn id="31" fill="hold">
+                            <p:stCondLst>
+                              <p:cond delay="500"/>
+                            </p:stCondLst>
+                            <p:childTnLst>
+                              <p:par>
+                                <p:cTn id="32" presetID="10" presetClass="entr" presetSubtype="0" fill="hold" grpId="0" nodeType="afterEffect">
+                                  <p:stCondLst>
+                                    <p:cond delay="0"/>
+                                  </p:stCondLst>
+                                  <p:childTnLst>
+                                    <p:set>
+                                      <p:cBhvr>
+                                        <p:cTn id="33" dur="1" fill="hold">
+                                          <p:stCondLst>
+                                            <p:cond delay="0"/>
+                                          </p:stCondLst>
+                                        </p:cTn>
+                                        <p:tgtEl>
+                                          <p:spTgt spid="9"/>
+                                        </p:tgtEl>
+                                        <p:attrNameLst>
+                                          <p:attrName>style.visibility</p:attrName>
+                                        </p:attrNameLst>
+                                      </p:cBhvr>
+                                      <p:to>
+                                        <p:strVal val="visible"/>
+                                      </p:to>
+                                    </p:set>
+                                    <p:animEffect transition="in" filter="fade">
+                                      <p:cBhvr>
+                                        <p:cTn id="34" dur="500"/>
+                                        <p:tgtEl>
+                                          <p:spTgt spid="9"/>
+                                        </p:tgtEl>
+                                      </p:cBhvr>
+                                    </p:animEffect>
+                                  </p:childTnLst>
+                                </p:cTn>
+                              </p:par>
+                            </p:childTnLst>
+                          </p:cTn>
+                        </p:par>
+                      </p:childTnLst>
+                    </p:cTn>
+                  </p:par>
+                </p:childTnLst>
+              </p:cTn>
+              <p:prevCondLst>
+                <p:cond evt="onPrev" delay="0">
+                  <p:tgtEl>
+                    <p:sldTgt/>
+                  </p:tgtEl>
+                </p:cond>
+              </p:prevCondLst>
+              <p:nextCondLst>
+                <p:cond evt="onNext" delay="0">
+                  <p:tgtEl>
+                    <p:sldTgt/>
+                  </p:tgtEl>
+                </p:cond>
+              </p:nextCondLst>
+            </p:seq>
+          </p:childTnLst>
+        </p:cTn>
       </p:par>
     </p:tnLst>
-  </p:timing>
-</p:sld>
-</file>
-
-<file path=ppt/slides/slide8.xml><?xml version="1.0" encoding="utf-8"?>
-<p:sld xmlns:a="http://schemas.openxmlformats.org/drawingml/2006/main" xmlns:r="http://schemas.openxmlformats.org/officeDocument/2006/relationships" xmlns:p="http://schemas.openxmlformats.org/presentationml/2006/main">
-  <p:cSld>
-    <p:spTree>
-      <p:nvGrpSpPr>
-        <p:cNvPr id="1" name=""/>
-        <p:cNvGrpSpPr/>
-        <p:nvPr/>
-      </p:nvGrpSpPr>
-      <p:grpSpPr>
-        <a:xfrm>
-          <a:off x="0" y="0"/>
-          <a:ext cx="0" cy="0"/>
-          <a:chOff x="0" y="0"/>
-          <a:chExt cx="0" cy="0"/>
-        </a:xfrm>
-      </p:grpSpPr>
-      <p:sp>
-        <p:nvSpPr>
-          <p:cNvPr id="4" name="文本框 3"/>
-          <p:cNvSpPr txBox="1"/>
-          <p:nvPr/>
-        </p:nvSpPr>
-        <p:spPr>
-          <a:xfrm>
-            <a:off x="274320" y="194310"/>
-            <a:ext cx="7703820" cy="523220"/>
-          </a:xfrm>
-          <a:prstGeom prst="rect">
-            <a:avLst/>
-          </a:prstGeom>
-          <a:noFill/>
-        </p:spPr>
-        <p:txBody>
-          <a:bodyPr wrap="square" rtlCol="0">
-            <a:spAutoFit/>
-          </a:bodyPr>
-          <a:lstStyle/>
-          <a:p>
-            <a:pPr marL="457200" indent="-457200">
-              <a:buFont typeface="Arial" charset="0"/>
-              <a:buChar char="•"/>
-            </a:pPr>
-            <a:r>
-              <a:rPr kumimoji="1" lang="zh-CN" altLang="en-US" sz="2800" dirty="0" smtClean="0">
-                <a:solidFill>
-                  <a:schemeClr val="bg2"/>
-                </a:solidFill>
-              </a:rPr>
-              <a:t>研究方法 </a:t>
-            </a:r>
-            <a:r>
-              <a:rPr kumimoji="1" lang="en-US" altLang="zh-CN" sz="2800" dirty="0">
-                <a:solidFill>
-                  <a:schemeClr val="bg2"/>
-                </a:solidFill>
-              </a:rPr>
-              <a:t>-</a:t>
-            </a:r>
-            <a:r>
-              <a:rPr kumimoji="1" lang="zh-CN" altLang="en-US" sz="2800" dirty="0" smtClean="0">
-                <a:solidFill>
-                  <a:schemeClr val="bg2"/>
-                </a:solidFill>
-              </a:rPr>
-              <a:t> 时间树中搜索经验蕴含性的证明</a:t>
-            </a:r>
-            <a:endParaRPr kumimoji="1" lang="zh-CN" altLang="en-US" sz="2800" dirty="0">
-              <a:solidFill>
-                <a:schemeClr val="bg2"/>
-              </a:solidFill>
-            </a:endParaRPr>
-          </a:p>
-        </p:txBody>
-      </p:sp>
-      <p:sp>
-        <p:nvSpPr>
-          <p:cNvPr id="9" name="文本框 8"/>
-          <p:cNvSpPr txBox="1"/>
-          <p:nvPr/>
-        </p:nvSpPr>
-        <p:spPr>
-          <a:xfrm>
-            <a:off x="800100" y="2789902"/>
-            <a:ext cx="7646670" cy="461665"/>
-          </a:xfrm>
-          <a:prstGeom prst="rect">
-            <a:avLst/>
-          </a:prstGeom>
-          <a:noFill/>
-        </p:spPr>
-        <p:txBody>
-          <a:bodyPr wrap="square" rtlCol="0">
-            <a:spAutoFit/>
-          </a:bodyPr>
-          <a:lstStyle/>
-          <a:p>
-            <a:pPr marL="342900" indent="-342900">
-              <a:buFont typeface="Arial" charset="0"/>
-              <a:buChar char="•"/>
-            </a:pPr>
-            <a:r>
-              <a:rPr kumimoji="1" lang="zh-CN" altLang="en-US" sz="2400" dirty="0" smtClean="0">
-                <a:solidFill>
-                  <a:schemeClr val="bg2"/>
-                </a:solidFill>
-              </a:rPr>
-              <a:t>搜索经验模型及搜索经验一致性模型</a:t>
-            </a:r>
-            <a:endParaRPr kumimoji="1" lang="zh-CN" altLang="en-US" sz="2400" dirty="0">
-              <a:solidFill>
-                <a:schemeClr val="bg2"/>
-              </a:solidFill>
-            </a:endParaRPr>
-          </a:p>
-        </p:txBody>
-      </p:sp>
-      <p:sp>
-        <p:nvSpPr>
-          <p:cNvPr id="10" name="文本框 9"/>
-          <p:cNvSpPr txBox="1"/>
-          <p:nvPr/>
-        </p:nvSpPr>
-        <p:spPr>
-          <a:xfrm>
-            <a:off x="800100" y="3399502"/>
-            <a:ext cx="7646670" cy="461665"/>
-          </a:xfrm>
-          <a:prstGeom prst="rect">
-            <a:avLst/>
-          </a:prstGeom>
-          <a:noFill/>
-        </p:spPr>
-        <p:txBody>
-          <a:bodyPr wrap="square" rtlCol="0">
-            <a:spAutoFit/>
-          </a:bodyPr>
-          <a:lstStyle/>
-          <a:p>
-            <a:pPr marL="342900" indent="-342900">
-              <a:buFont typeface="Arial" charset="0"/>
-              <a:buChar char="•"/>
-            </a:pPr>
-            <a:r>
-              <a:rPr kumimoji="1" lang="zh-CN" altLang="en-US" sz="2400" dirty="0" smtClean="0">
-                <a:solidFill>
-                  <a:schemeClr val="bg2"/>
-                </a:solidFill>
-              </a:rPr>
-              <a:t>搜索经验蕴含性验证实验</a:t>
-            </a:r>
-            <a:endParaRPr kumimoji="1" lang="zh-CN" altLang="en-US" sz="2400" dirty="0">
-              <a:solidFill>
-                <a:schemeClr val="bg2"/>
-              </a:solidFill>
-            </a:endParaRPr>
-          </a:p>
-        </p:txBody>
-      </p:sp>
-    </p:spTree>
-    <p:extLst>
-      <p:ext uri="{BB962C8B-B14F-4D97-AF65-F5344CB8AC3E}">
-        <p14:creationId xmlns:p14="http://schemas.microsoft.com/office/powerpoint/2010/main" val="1061313548"/>
-      </p:ext>
-    </p:extLst>
-  </p:cSld>
-  <p:clrMapOvr>
-    <a:masterClrMapping/>
-  </p:clrMapOvr>
-  <p:timing>
-    <p:tnLst>
-      <p:par>
-        <p:cTn id="1" dur="indefinite" restart="never" nodeType="tmRoot"/>
-      </p:par>
-    </p:tnLst>
-  </p:timing>
-</p:sld>
-</file>
-
-<file path=ppt/slides/slide9.xml><?xml version="1.0" encoding="utf-8"?>
-<p:sld xmlns:a="http://schemas.openxmlformats.org/drawingml/2006/main" xmlns:r="http://schemas.openxmlformats.org/officeDocument/2006/relationships" xmlns:p="http://schemas.openxmlformats.org/presentationml/2006/main">
-  <p:cSld>
-    <p:spTree>
-      <p:nvGrpSpPr>
-        <p:cNvPr id="1" name=""/>
-        <p:cNvGrpSpPr/>
-        <p:nvPr/>
-      </p:nvGrpSpPr>
-      <p:grpSpPr>
-        <a:xfrm>
-          <a:off x="0" y="0"/>
-          <a:ext cx="0" cy="0"/>
-          <a:chOff x="0" y="0"/>
-          <a:chExt cx="0" cy="0"/>
-        </a:xfrm>
-      </p:grpSpPr>
-      <p:sp>
-        <p:nvSpPr>
-          <p:cNvPr id="4" name="文本框 3"/>
-          <p:cNvSpPr txBox="1"/>
-          <p:nvPr/>
-        </p:nvSpPr>
-        <p:spPr>
-          <a:xfrm>
-            <a:off x="274320" y="194310"/>
-            <a:ext cx="7703820" cy="523220"/>
-          </a:xfrm>
-          <a:prstGeom prst="rect">
-            <a:avLst/>
-          </a:prstGeom>
-          <a:noFill/>
-        </p:spPr>
-        <p:txBody>
-          <a:bodyPr wrap="square" rtlCol="0">
-            <a:spAutoFit/>
-          </a:bodyPr>
-          <a:lstStyle/>
-          <a:p>
-            <a:pPr marL="457200" indent="-457200">
-              <a:buFont typeface="Arial" charset="0"/>
-              <a:buChar char="•"/>
-            </a:pPr>
-            <a:r>
-              <a:rPr kumimoji="1" lang="zh-CN" altLang="en-US" sz="2800" dirty="0" smtClean="0">
-                <a:solidFill>
-                  <a:schemeClr val="bg2"/>
-                </a:solidFill>
-              </a:rPr>
-              <a:t>研究方法 </a:t>
-            </a:r>
-            <a:r>
-              <a:rPr kumimoji="1" lang="en-US" altLang="zh-CN" sz="2800" dirty="0">
-                <a:solidFill>
-                  <a:schemeClr val="bg2"/>
-                </a:solidFill>
-              </a:rPr>
-              <a:t>-</a:t>
-            </a:r>
-            <a:r>
-              <a:rPr kumimoji="1" lang="zh-CN" altLang="en-US" sz="2800" dirty="0" smtClean="0">
-                <a:solidFill>
-                  <a:schemeClr val="bg2"/>
-                </a:solidFill>
-              </a:rPr>
-              <a:t> 搜索经验提取方法的提出</a:t>
-            </a:r>
-            <a:endParaRPr kumimoji="1" lang="zh-CN" altLang="en-US" sz="2800" dirty="0">
-              <a:solidFill>
-                <a:schemeClr val="bg2"/>
-              </a:solidFill>
-            </a:endParaRPr>
-          </a:p>
-        </p:txBody>
-      </p:sp>
-      <p:sp>
-        <p:nvSpPr>
-          <p:cNvPr id="9" name="文本框 8"/>
-          <p:cNvSpPr txBox="1"/>
-          <p:nvPr/>
-        </p:nvSpPr>
-        <p:spPr>
-          <a:xfrm>
-            <a:off x="800100" y="2789902"/>
-            <a:ext cx="7646670" cy="461665"/>
-          </a:xfrm>
-          <a:prstGeom prst="rect">
-            <a:avLst/>
-          </a:prstGeom>
-          <a:noFill/>
-        </p:spPr>
-        <p:txBody>
-          <a:bodyPr wrap="square" rtlCol="0">
-            <a:spAutoFit/>
-          </a:bodyPr>
-          <a:lstStyle/>
-          <a:p>
-            <a:pPr marL="342900" indent="-342900">
-              <a:buFont typeface="Arial" charset="0"/>
-              <a:buChar char="•"/>
-            </a:pPr>
-            <a:r>
-              <a:rPr kumimoji="1" lang="zh-CN" altLang="en-US" sz="2400" dirty="0" smtClean="0">
-                <a:solidFill>
-                  <a:schemeClr val="bg2"/>
-                </a:solidFill>
-              </a:rPr>
-              <a:t>基于查询</a:t>
-            </a:r>
-            <a:r>
-              <a:rPr kumimoji="1" lang="en-US" altLang="zh-CN" sz="2400" dirty="0" smtClean="0">
-                <a:solidFill>
-                  <a:schemeClr val="bg2"/>
-                </a:solidFill>
-              </a:rPr>
-              <a:t>-</a:t>
-            </a:r>
-            <a:r>
-              <a:rPr kumimoji="1" lang="zh-CN" altLang="en-US" sz="2400" dirty="0" smtClean="0">
-                <a:solidFill>
-                  <a:schemeClr val="bg2"/>
-                </a:solidFill>
-              </a:rPr>
-              <a:t>点击</a:t>
-            </a:r>
-            <a:r>
-              <a:rPr kumimoji="1" lang="en-US" altLang="zh-CN" sz="2400" dirty="0" smtClean="0">
-                <a:solidFill>
-                  <a:schemeClr val="bg2"/>
-                </a:solidFill>
-              </a:rPr>
-              <a:t>-</a:t>
-            </a:r>
-            <a:r>
-              <a:rPr kumimoji="1" lang="zh-CN" altLang="en-US" sz="2400" dirty="0" smtClean="0">
-                <a:solidFill>
-                  <a:schemeClr val="bg2"/>
-                </a:solidFill>
-              </a:rPr>
-              <a:t>查询序列识别的因果经验提取算法</a:t>
-            </a:r>
-            <a:endParaRPr kumimoji="1" lang="zh-CN" altLang="en-US" sz="2400" dirty="0">
-              <a:solidFill>
-                <a:schemeClr val="bg2"/>
-              </a:solidFill>
-            </a:endParaRPr>
-          </a:p>
-        </p:txBody>
-      </p:sp>
-      <p:sp>
-        <p:nvSpPr>
-          <p:cNvPr id="10" name="文本框 9"/>
-          <p:cNvSpPr txBox="1"/>
-          <p:nvPr/>
-        </p:nvSpPr>
-        <p:spPr>
-          <a:xfrm>
-            <a:off x="800100" y="3399502"/>
-            <a:ext cx="7646670" cy="461665"/>
-          </a:xfrm>
-          <a:prstGeom prst="rect">
-            <a:avLst/>
-          </a:prstGeom>
-          <a:noFill/>
-        </p:spPr>
-        <p:txBody>
-          <a:bodyPr wrap="square" rtlCol="0">
-            <a:spAutoFit/>
-          </a:bodyPr>
-          <a:lstStyle/>
-          <a:p>
-            <a:pPr marL="342900" indent="-342900">
-              <a:buFont typeface="Arial" charset="0"/>
-              <a:buChar char="•"/>
-            </a:pPr>
-            <a:r>
-              <a:rPr kumimoji="1" lang="zh-CN" altLang="en-US" sz="2400" dirty="0" smtClean="0">
-                <a:solidFill>
-                  <a:schemeClr val="bg2"/>
-                </a:solidFill>
-              </a:rPr>
-              <a:t>基于子任务划分的主题经验提取算法</a:t>
-            </a:r>
-            <a:endParaRPr kumimoji="1" lang="zh-CN" altLang="en-US" sz="2400" dirty="0">
-              <a:solidFill>
-                <a:schemeClr val="bg2"/>
-              </a:solidFill>
-            </a:endParaRPr>
-          </a:p>
-        </p:txBody>
-      </p:sp>
-    </p:spTree>
-    <p:extLst>
-      <p:ext uri="{BB962C8B-B14F-4D97-AF65-F5344CB8AC3E}">
-        <p14:creationId xmlns:p14="http://schemas.microsoft.com/office/powerpoint/2010/main" val="1007069536"/>
-      </p:ext>
-    </p:extLst>
-  </p:cSld>
-  <p:clrMapOvr>
-    <a:masterClrMapping/>
-  </p:clrMapOvr>
-  <p:timing>
-    <p:tnLst>
-      <p:par>
-        <p:cTn id="1" dur="indefinite" restart="never" nodeType="tmRoot"/>
-      </p:par>
-    </p:tnLst>
+    <p:bldLst>
+      <p:bldP spid="2" grpId="0" animBg="1"/>
+      <p:bldP spid="5" grpId="0" animBg="1"/>
+      <p:bldP spid="6" grpId="0" animBg="1"/>
+      <p:bldP spid="9" grpId="0" animBg="1"/>
+      <p:bldP spid="10" grpId="0" animBg="1"/>
+    </p:bldLst>
   </p:timing>
 </p:sld>
 </file>

--- a/phase5/答辩ppt.pptx
+++ b/phase5/答辩ppt.pptx
@@ -5,7 +5,7 @@
     <p:sldMasterId id="2147483660" r:id="rId1"/>
   </p:sldMasterIdLst>
   <p:notesMasterIdLst>
-    <p:notesMasterId r:id="rId24"/>
+    <p:notesMasterId r:id="rId26"/>
   </p:notesMasterIdLst>
   <p:sldIdLst>
     <p:sldId id="256" r:id="rId2"/>
@@ -24,12 +24,14 @@
     <p:sldId id="271" r:id="rId15"/>
     <p:sldId id="277" r:id="rId16"/>
     <p:sldId id="272" r:id="rId17"/>
-    <p:sldId id="265" r:id="rId18"/>
-    <p:sldId id="273" r:id="rId19"/>
-    <p:sldId id="274" r:id="rId20"/>
-    <p:sldId id="275" r:id="rId21"/>
-    <p:sldId id="266" r:id="rId22"/>
-    <p:sldId id="276" r:id="rId23"/>
+    <p:sldId id="278" r:id="rId18"/>
+    <p:sldId id="265" r:id="rId19"/>
+    <p:sldId id="279" r:id="rId20"/>
+    <p:sldId id="273" r:id="rId21"/>
+    <p:sldId id="274" r:id="rId22"/>
+    <p:sldId id="275" r:id="rId23"/>
+    <p:sldId id="266" r:id="rId24"/>
+    <p:sldId id="276" r:id="rId25"/>
   </p:sldIdLst>
   <p:sldSz cx="9144000" cy="6858000" type="screen4x3"/>
   <p:notesSz cx="6858000" cy="9144000"/>
@@ -218,7 +220,7 @@
           <a:p>
             <a:fld id="{3BF1A040-9D4F-D541-A439-73F352E980A4}" type="datetimeFigureOut">
               <a:rPr kumimoji="1" lang="zh-CN" altLang="en-US" smtClean="0"/>
-              <a:t>2017/12/12</a:t>
+              <a:t>2017/12/13</a:t>
             </a:fld>
             <a:endParaRPr kumimoji="1" lang="zh-CN" altLang="en-US"/>
           </a:p>
@@ -665,6 +667,90 @@
 </p:notes>
 </file>
 
+<file path=ppt/notesSlides/notesSlide11.xml><?xml version="1.0" encoding="utf-8"?>
+<p:notes xmlns:a="http://schemas.openxmlformats.org/drawingml/2006/main" xmlns:r="http://schemas.openxmlformats.org/officeDocument/2006/relationships" xmlns:p="http://schemas.openxmlformats.org/presentationml/2006/main">
+  <p:cSld>
+    <p:spTree>
+      <p:nvGrpSpPr>
+        <p:cNvPr id="1" name=""/>
+        <p:cNvGrpSpPr/>
+        <p:nvPr/>
+      </p:nvGrpSpPr>
+      <p:grpSpPr>
+        <a:xfrm>
+          <a:off x="0" y="0"/>
+          <a:ext cx="0" cy="0"/>
+          <a:chOff x="0" y="0"/>
+          <a:chExt cx="0" cy="0"/>
+        </a:xfrm>
+      </p:grpSpPr>
+      <p:sp>
+        <p:nvSpPr>
+          <p:cNvPr id="2" name="幻灯片图像占位符 1"/>
+          <p:cNvSpPr>
+            <a:spLocks noGrp="1" noRot="1" noChangeAspect="1"/>
+          </p:cNvSpPr>
+          <p:nvPr>
+            <p:ph type="sldImg"/>
+          </p:nvPr>
+        </p:nvSpPr>
+        <p:spPr/>
+      </p:sp>
+      <p:sp>
+        <p:nvSpPr>
+          <p:cNvPr id="3" name="备注占位符 2"/>
+          <p:cNvSpPr>
+            <a:spLocks noGrp="1"/>
+          </p:cNvSpPr>
+          <p:nvPr>
+            <p:ph type="body" idx="1"/>
+          </p:nvPr>
+        </p:nvSpPr>
+        <p:spPr/>
+        <p:txBody>
+          <a:bodyPr/>
+          <a:lstStyle/>
+          <a:p>
+            <a:endParaRPr kumimoji="1" lang="en-US" altLang="zh-CN" dirty="0" smtClean="0"/>
+          </a:p>
+        </p:txBody>
+      </p:sp>
+      <p:sp>
+        <p:nvSpPr>
+          <p:cNvPr id="4" name="幻灯片编号占位符 3"/>
+          <p:cNvSpPr>
+            <a:spLocks noGrp="1"/>
+          </p:cNvSpPr>
+          <p:nvPr>
+            <p:ph type="sldNum" sz="quarter" idx="10"/>
+          </p:nvPr>
+        </p:nvSpPr>
+        <p:spPr/>
+        <p:txBody>
+          <a:bodyPr/>
+          <a:lstStyle/>
+          <a:p>
+            <a:fld id="{014F928E-768F-664D-B9B7-8234C43BD995}" type="slidenum">
+              <a:rPr kumimoji="1" lang="zh-CN" altLang="en-US" smtClean="0"/>
+              <a:t>17</a:t>
+            </a:fld>
+            <a:endParaRPr kumimoji="1" lang="zh-CN" altLang="en-US"/>
+          </a:p>
+        </p:txBody>
+      </p:sp>
+    </p:spTree>
+    <p:extLst>
+      <p:ext uri="{BB962C8B-B14F-4D97-AF65-F5344CB8AC3E}">
+        <p14:creationId xmlns:p14="http://schemas.microsoft.com/office/powerpoint/2010/main" val="987185298"/>
+      </p:ext>
+    </p:extLst>
+  </p:cSld>
+  <p:clrMapOvr>
+    <a:masterClrMapping/>
+  </p:clrMapOvr>
+</p:notes>
+</file>
+
 <file path=ppt/notesSlides/notesSlide2.xml><?xml version="1.0" encoding="utf-8"?>
 <p:notes xmlns:a="http://schemas.openxmlformats.org/drawingml/2006/main" xmlns:r="http://schemas.openxmlformats.org/officeDocument/2006/relationships" xmlns:p="http://schemas.openxmlformats.org/presentationml/2006/main">
   <p:cSld>
@@ -1835,7 +1921,7 @@
           <a:p>
             <a:fld id="{D3EB90B3-9772-44C6-B209-B94CDEDEB265}" type="datetimeFigureOut">
               <a:rPr lang="zh-CN" altLang="en-US" smtClean="0"/>
-              <a:t>2017/12/12</a:t>
+              <a:t>2017/12/13</a:t>
             </a:fld>
             <a:endParaRPr lang="zh-CN" altLang="en-US"/>
           </a:p>
@@ -2000,7 +2086,7 @@
           <a:p>
             <a:fld id="{D3EB90B3-9772-44C6-B209-B94CDEDEB265}" type="datetimeFigureOut">
               <a:rPr lang="zh-CN" altLang="en-US" smtClean="0"/>
-              <a:t>2017/12/12</a:t>
+              <a:t>2017/12/13</a:t>
             </a:fld>
             <a:endParaRPr lang="zh-CN" altLang="en-US"/>
           </a:p>
@@ -2175,7 +2261,7 @@
           <a:p>
             <a:fld id="{D3EB90B3-9772-44C6-B209-B94CDEDEB265}" type="datetimeFigureOut">
               <a:rPr lang="zh-CN" altLang="en-US" smtClean="0"/>
-              <a:t>2017/12/12</a:t>
+              <a:t>2017/12/13</a:t>
             </a:fld>
             <a:endParaRPr lang="zh-CN" altLang="en-US"/>
           </a:p>
@@ -2340,7 +2426,7 @@
           <a:p>
             <a:fld id="{D3EB90B3-9772-44C6-B209-B94CDEDEB265}" type="datetimeFigureOut">
               <a:rPr lang="zh-CN" altLang="en-US" smtClean="0"/>
-              <a:t>2017/12/12</a:t>
+              <a:t>2017/12/13</a:t>
             </a:fld>
             <a:endParaRPr lang="zh-CN" altLang="en-US"/>
           </a:p>
@@ -2579,7 +2665,7 @@
           <a:p>
             <a:fld id="{D3EB90B3-9772-44C6-B209-B94CDEDEB265}" type="datetimeFigureOut">
               <a:rPr lang="zh-CN" altLang="en-US" smtClean="0"/>
-              <a:t>2017/12/12</a:t>
+              <a:t>2017/12/13</a:t>
             </a:fld>
             <a:endParaRPr lang="zh-CN" altLang="en-US"/>
           </a:p>
@@ -2806,7 +2892,7 @@
           <a:p>
             <a:fld id="{D3EB90B3-9772-44C6-B209-B94CDEDEB265}" type="datetimeFigureOut">
               <a:rPr lang="zh-CN" altLang="en-US" smtClean="0"/>
-              <a:t>2017/12/12</a:t>
+              <a:t>2017/12/13</a:t>
             </a:fld>
             <a:endParaRPr lang="zh-CN" altLang="en-US"/>
           </a:p>
@@ -3168,7 +3254,7 @@
           <a:p>
             <a:fld id="{D3EB90B3-9772-44C6-B209-B94CDEDEB265}" type="datetimeFigureOut">
               <a:rPr lang="zh-CN" altLang="en-US" smtClean="0"/>
-              <a:t>2017/12/12</a:t>
+              <a:t>2017/12/13</a:t>
             </a:fld>
             <a:endParaRPr lang="zh-CN" altLang="en-US"/>
           </a:p>
@@ -3281,7 +3367,7 @@
           <a:p>
             <a:fld id="{D3EB90B3-9772-44C6-B209-B94CDEDEB265}" type="datetimeFigureOut">
               <a:rPr lang="zh-CN" altLang="en-US" smtClean="0"/>
-              <a:t>2017/12/12</a:t>
+              <a:t>2017/12/13</a:t>
             </a:fld>
             <a:endParaRPr lang="zh-CN" altLang="en-US"/>
           </a:p>
@@ -3371,7 +3457,7 @@
           <a:p>
             <a:fld id="{D3EB90B3-9772-44C6-B209-B94CDEDEB265}" type="datetimeFigureOut">
               <a:rPr lang="zh-CN" altLang="en-US" smtClean="0"/>
-              <a:t>2017/12/12</a:t>
+              <a:t>2017/12/13</a:t>
             </a:fld>
             <a:endParaRPr lang="zh-CN" altLang="en-US"/>
           </a:p>
@@ -3643,7 +3729,7 @@
           <a:p>
             <a:fld id="{D3EB90B3-9772-44C6-B209-B94CDEDEB265}" type="datetimeFigureOut">
               <a:rPr lang="zh-CN" altLang="en-US" smtClean="0"/>
-              <a:t>2017/12/12</a:t>
+              <a:t>2017/12/13</a:t>
             </a:fld>
             <a:endParaRPr lang="zh-CN" altLang="en-US"/>
           </a:p>
@@ -3895,7 +3981,7 @@
           <a:p>
             <a:fld id="{D3EB90B3-9772-44C6-B209-B94CDEDEB265}" type="datetimeFigureOut">
               <a:rPr lang="zh-CN" altLang="en-US" smtClean="0"/>
-              <a:t>2017/12/12</a:t>
+              <a:t>2017/12/13</a:t>
             </a:fld>
             <a:endParaRPr lang="zh-CN" altLang="en-US"/>
           </a:p>
@@ -4106,7 +4192,7 @@
           <a:p>
             <a:fld id="{D3EB90B3-9772-44C6-B209-B94CDEDEB265}" type="datetimeFigureOut">
               <a:rPr lang="zh-CN" altLang="en-US" smtClean="0"/>
-              <a:t>2017/12/12</a:t>
+              <a:t>2017/12/13</a:t>
             </a:fld>
             <a:endParaRPr lang="zh-CN" altLang="en-US"/>
           </a:p>
@@ -6632,11 +6718,7 @@
             </a:r>
             <a:r>
               <a:rPr kumimoji="1" lang="zh-CN" altLang="en-US" sz="2800" dirty="0" smtClean="0"/>
-              <a:t> </a:t>
-            </a:r>
-            <a:r>
-              <a:rPr kumimoji="1" lang="zh-CN" altLang="en-US" sz="2800" dirty="0" smtClean="0"/>
-              <a:t>基于</a:t>
+              <a:t> 基于</a:t>
             </a:r>
             <a:r>
               <a:rPr kumimoji="1" lang="zh-CN" altLang="en-US" sz="2800" dirty="0"/>
@@ -6685,7 +6767,6 @@
               <a:rPr kumimoji="1" lang="zh-CN" altLang="en-US" sz="2800" dirty="0"/>
               <a:t>经验提取算法</a:t>
             </a:r>
-            <a:endParaRPr kumimoji="1" lang="zh-CN" altLang="en-US" sz="2800" dirty="0"/>
           </a:p>
         </p:txBody>
       </p:sp>
@@ -13524,11 +13605,7 @@
             </a:r>
             <a:r>
               <a:rPr kumimoji="1" lang="zh-CN" altLang="en-US" sz="2800" dirty="0" smtClean="0"/>
-              <a:t> </a:t>
-            </a:r>
-            <a:r>
-              <a:rPr kumimoji="1" lang="zh-CN" altLang="en-US" sz="2800" dirty="0" smtClean="0"/>
-              <a:t>基于</a:t>
+              <a:t> 基于</a:t>
             </a:r>
             <a:r>
               <a:rPr kumimoji="1" lang="zh-CN" altLang="en-US" sz="2800" dirty="0"/>
@@ -13577,7 +13654,6 @@
               <a:rPr kumimoji="1" lang="zh-CN" altLang="en-US" sz="2800" dirty="0"/>
               <a:t>经验提取算法</a:t>
             </a:r>
-            <a:endParaRPr kumimoji="1" lang="zh-CN" altLang="en-US" sz="2800" dirty="0"/>
           </a:p>
         </p:txBody>
       </p:sp>
@@ -21188,17 +21264,12 @@
             </a:r>
             <a:r>
               <a:rPr kumimoji="1" lang="zh-CN" altLang="en-US" sz="2800" dirty="0" smtClean="0"/>
-              <a:t> </a:t>
-            </a:r>
-            <a:r>
-              <a:rPr kumimoji="1" lang="zh-CN" altLang="en-US" sz="2800" dirty="0" smtClean="0"/>
-              <a:t>基于</a:t>
+              <a:t> 基于</a:t>
             </a:r>
             <a:r>
               <a:rPr kumimoji="1" lang="zh-CN" altLang="en-US" sz="2800" dirty="0"/>
               <a:t>子任务划分的主题经验提取算法</a:t>
             </a:r>
-            <a:endParaRPr kumimoji="1" lang="zh-CN" altLang="en-US" sz="2800" dirty="0"/>
           </a:p>
         </p:txBody>
       </p:sp>
@@ -24814,6 +24885,20 @@
 <file path=ppt/slides/slide17.xml><?xml version="1.0" encoding="utf-8"?>
 <p:sld xmlns:a="http://schemas.openxmlformats.org/drawingml/2006/main" xmlns:r="http://schemas.openxmlformats.org/officeDocument/2006/relationships" xmlns:p="http://schemas.openxmlformats.org/presentationml/2006/main">
   <p:cSld>
+    <p:bg>
+      <p:bgPr>
+        <a:blipFill dpi="0" rotWithShape="1">
+          <a:blip r:embed="rId3">
+            <a:lum/>
+          </a:blip>
+          <a:srcRect/>
+          <a:stretch>
+            <a:fillRect/>
+          </a:stretch>
+        </a:blipFill>
+        <a:effectLst/>
+      </p:bgPr>
+    </p:bg>
     <p:spTree>
       <p:nvGrpSpPr>
         <p:cNvPr id="1" name=""/>
@@ -24836,8 +24921,8 @@
         </p:nvSpPr>
         <p:spPr>
           <a:xfrm>
-            <a:off x="274320" y="194310"/>
-            <a:ext cx="8172450" cy="523220"/>
+            <a:off x="274319" y="328084"/>
+            <a:ext cx="8284889" cy="523220"/>
           </a:xfrm>
           <a:prstGeom prst="rect">
             <a:avLst/>
@@ -24850,7 +24935,7 @@
           </a:bodyPr>
           <a:lstStyle/>
           <a:p>
-            <a:pPr marL="457200" indent="-457200">
+            <a:pPr marL="342900" indent="-342900">
               <a:buFont typeface="Arial" charset="0"/>
               <a:buChar char="•"/>
             </a:pPr>
@@ -24864,118 +24949,3935 @@
             </a:r>
             <a:r>
               <a:rPr kumimoji="1" lang="zh-CN" altLang="en-US" sz="2800" dirty="0" smtClean="0"/>
-              <a:t> 面向搜索经验的查询推荐方法的提出</a:t>
+              <a:t> 基于</a:t>
             </a:r>
-            <a:endParaRPr kumimoji="1" lang="zh-CN" altLang="en-US" sz="2800" dirty="0"/>
+            <a:r>
+              <a:rPr kumimoji="1" lang="zh-CN" altLang="en-US" sz="2800" dirty="0"/>
+              <a:t>子任务划分的主题经验提取算法</a:t>
+            </a:r>
           </a:p>
         </p:txBody>
       </p:sp>
       <p:sp>
         <p:nvSpPr>
-          <p:cNvPr id="9" name="文本框 8"/>
-          <p:cNvSpPr txBox="1"/>
-          <p:nvPr/>
-        </p:nvSpPr>
-        <p:spPr>
-          <a:xfrm>
-            <a:off x="800100" y="2789902"/>
-            <a:ext cx="7646670" cy="461665"/>
+          <p:cNvPr id="5" name="椭圆 4"/>
+          <p:cNvSpPr/>
+          <p:nvPr/>
+        </p:nvSpPr>
+        <p:spPr>
+          <a:xfrm>
+            <a:off x="1209225" y="3562879"/>
+            <a:ext cx="159488" cy="159488"/>
+          </a:xfrm>
+          <a:prstGeom prst="ellipse">
+            <a:avLst/>
+          </a:prstGeom>
+          <a:solidFill>
+            <a:schemeClr val="accent5">
+              <a:lumMod val="50000"/>
+            </a:schemeClr>
+          </a:solidFill>
+          <a:ln>
+            <a:solidFill>
+              <a:schemeClr val="accent5">
+                <a:lumMod val="50000"/>
+              </a:schemeClr>
+            </a:solidFill>
+          </a:ln>
+        </p:spPr>
+        <p:style>
+          <a:lnRef idx="2">
+            <a:schemeClr val="accent1">
+              <a:shade val="50000"/>
+            </a:schemeClr>
+          </a:lnRef>
+          <a:fillRef idx="1">
+            <a:schemeClr val="accent1"/>
+          </a:fillRef>
+          <a:effectRef idx="0">
+            <a:schemeClr val="accent1"/>
+          </a:effectRef>
+          <a:fontRef idx="minor">
+            <a:schemeClr val="lt1"/>
+          </a:fontRef>
+        </p:style>
+        <p:txBody>
+          <a:bodyPr rtlCol="0" anchor="ctr"/>
+          <a:lstStyle/>
+          <a:p>
+            <a:pPr algn="ctr"/>
+            <a:endParaRPr kumimoji="1" lang="zh-CN" altLang="en-US"/>
+          </a:p>
+        </p:txBody>
+      </p:sp>
+      <p:sp>
+        <p:nvSpPr>
+          <p:cNvPr id="6" name="矩形 5"/>
+          <p:cNvSpPr/>
+          <p:nvPr/>
+        </p:nvSpPr>
+        <p:spPr>
+          <a:xfrm>
+            <a:off x="1607258" y="2901842"/>
+            <a:ext cx="138224" cy="138224"/>
           </a:xfrm>
           <a:prstGeom prst="rect">
             <a:avLst/>
           </a:prstGeom>
-          <a:noFill/>
-        </p:spPr>
+          <a:solidFill>
+            <a:schemeClr val="accent5">
+              <a:lumMod val="50000"/>
+            </a:schemeClr>
+          </a:solidFill>
+          <a:ln>
+            <a:solidFill>
+              <a:schemeClr val="accent5">
+                <a:lumMod val="50000"/>
+              </a:schemeClr>
+            </a:solidFill>
+          </a:ln>
+        </p:spPr>
+        <p:style>
+          <a:lnRef idx="2">
+            <a:schemeClr val="accent1">
+              <a:shade val="50000"/>
+            </a:schemeClr>
+          </a:lnRef>
+          <a:fillRef idx="1">
+            <a:schemeClr val="accent1"/>
+          </a:fillRef>
+          <a:effectRef idx="0">
+            <a:schemeClr val="accent1"/>
+          </a:effectRef>
+          <a:fontRef idx="minor">
+            <a:schemeClr val="lt1"/>
+          </a:fontRef>
+        </p:style>
         <p:txBody>
-          <a:bodyPr wrap="square" rtlCol="0">
-            <a:spAutoFit/>
-          </a:bodyPr>
+          <a:bodyPr rtlCol="0" anchor="ctr"/>
           <a:lstStyle/>
           <a:p>
-            <a:pPr marL="342900" indent="-342900">
-              <a:buFont typeface="Arial" charset="0"/>
-              <a:buChar char="•"/>
-            </a:pPr>
-            <a:r>
-              <a:rPr kumimoji="1" lang="zh-CN" altLang="en-US" sz="2400" dirty="0" smtClean="0"/>
-              <a:t>面向因果经验的查询推荐方法</a:t>
-            </a:r>
-            <a:endParaRPr kumimoji="1" lang="zh-CN" altLang="en-US" sz="2400" dirty="0"/>
+            <a:pPr algn="ctr"/>
+            <a:endParaRPr kumimoji="1" lang="zh-CN" altLang="en-US"/>
           </a:p>
         </p:txBody>
       </p:sp>
       <p:sp>
         <p:nvSpPr>
-          <p:cNvPr id="10" name="文本框 9"/>
-          <p:cNvSpPr txBox="1"/>
-          <p:nvPr/>
-        </p:nvSpPr>
-        <p:spPr>
-          <a:xfrm>
-            <a:off x="800100" y="3399502"/>
-            <a:ext cx="7646670" cy="461665"/>
+          <p:cNvPr id="7" name="椭圆 6"/>
+          <p:cNvSpPr/>
+          <p:nvPr/>
+        </p:nvSpPr>
+        <p:spPr>
+          <a:xfrm>
+            <a:off x="1597303" y="3562879"/>
+            <a:ext cx="159488" cy="159488"/>
+          </a:xfrm>
+          <a:prstGeom prst="ellipse">
+            <a:avLst/>
+          </a:prstGeom>
+          <a:solidFill>
+            <a:schemeClr val="accent5">
+              <a:lumMod val="50000"/>
+            </a:schemeClr>
+          </a:solidFill>
+          <a:ln>
+            <a:solidFill>
+              <a:schemeClr val="accent5">
+                <a:lumMod val="50000"/>
+              </a:schemeClr>
+            </a:solidFill>
+          </a:ln>
+        </p:spPr>
+        <p:style>
+          <a:lnRef idx="2">
+            <a:schemeClr val="accent1">
+              <a:shade val="50000"/>
+            </a:schemeClr>
+          </a:lnRef>
+          <a:fillRef idx="1">
+            <a:schemeClr val="accent1"/>
+          </a:fillRef>
+          <a:effectRef idx="0">
+            <a:schemeClr val="accent1"/>
+          </a:effectRef>
+          <a:fontRef idx="minor">
+            <a:schemeClr val="lt1"/>
+          </a:fontRef>
+        </p:style>
+        <p:txBody>
+          <a:bodyPr rtlCol="0" anchor="ctr"/>
+          <a:lstStyle/>
+          <a:p>
+            <a:pPr algn="ctr"/>
+            <a:endParaRPr kumimoji="1" lang="zh-CN" altLang="en-US"/>
+          </a:p>
+        </p:txBody>
+      </p:sp>
+      <p:sp>
+        <p:nvSpPr>
+          <p:cNvPr id="8" name="椭圆 7"/>
+          <p:cNvSpPr/>
+          <p:nvPr/>
+        </p:nvSpPr>
+        <p:spPr>
+          <a:xfrm>
+            <a:off x="1597303" y="4932261"/>
+            <a:ext cx="159488" cy="159488"/>
+          </a:xfrm>
+          <a:prstGeom prst="ellipse">
+            <a:avLst/>
+          </a:prstGeom>
+          <a:solidFill>
+            <a:schemeClr val="accent5">
+              <a:lumMod val="50000"/>
+            </a:schemeClr>
+          </a:solidFill>
+          <a:ln>
+            <a:solidFill>
+              <a:schemeClr val="accent5">
+                <a:lumMod val="50000"/>
+              </a:schemeClr>
+            </a:solidFill>
+          </a:ln>
+        </p:spPr>
+        <p:style>
+          <a:lnRef idx="2">
+            <a:schemeClr val="accent1">
+              <a:shade val="50000"/>
+            </a:schemeClr>
+          </a:lnRef>
+          <a:fillRef idx="1">
+            <a:schemeClr val="accent1"/>
+          </a:fillRef>
+          <a:effectRef idx="0">
+            <a:schemeClr val="accent1"/>
+          </a:effectRef>
+          <a:fontRef idx="minor">
+            <a:schemeClr val="lt1"/>
+          </a:fontRef>
+        </p:style>
+        <p:txBody>
+          <a:bodyPr rtlCol="0" anchor="ctr"/>
+          <a:lstStyle/>
+          <a:p>
+            <a:pPr algn="ctr"/>
+            <a:endParaRPr kumimoji="1" lang="zh-CN" altLang="en-US"/>
+          </a:p>
+        </p:txBody>
+      </p:sp>
+      <p:sp>
+        <p:nvSpPr>
+          <p:cNvPr id="11" name="椭圆 10"/>
+          <p:cNvSpPr/>
+          <p:nvPr/>
+        </p:nvSpPr>
+        <p:spPr>
+          <a:xfrm>
+            <a:off x="1988253" y="2555021"/>
+            <a:ext cx="159488" cy="159488"/>
+          </a:xfrm>
+          <a:prstGeom prst="ellipse">
+            <a:avLst/>
+          </a:prstGeom>
+          <a:solidFill>
+            <a:schemeClr val="accent5">
+              <a:lumMod val="50000"/>
+            </a:schemeClr>
+          </a:solidFill>
+          <a:ln>
+            <a:solidFill>
+              <a:schemeClr val="accent5">
+                <a:lumMod val="50000"/>
+              </a:schemeClr>
+            </a:solidFill>
+          </a:ln>
+        </p:spPr>
+        <p:style>
+          <a:lnRef idx="2">
+            <a:schemeClr val="accent1">
+              <a:shade val="50000"/>
+            </a:schemeClr>
+          </a:lnRef>
+          <a:fillRef idx="1">
+            <a:schemeClr val="accent1"/>
+          </a:fillRef>
+          <a:effectRef idx="0">
+            <a:schemeClr val="accent1"/>
+          </a:effectRef>
+          <a:fontRef idx="minor">
+            <a:schemeClr val="lt1"/>
+          </a:fontRef>
+        </p:style>
+        <p:txBody>
+          <a:bodyPr rtlCol="0" anchor="ctr"/>
+          <a:lstStyle/>
+          <a:p>
+            <a:pPr algn="ctr"/>
+            <a:endParaRPr kumimoji="1" lang="zh-CN" altLang="en-US"/>
+          </a:p>
+        </p:txBody>
+      </p:sp>
+      <p:sp>
+        <p:nvSpPr>
+          <p:cNvPr id="12" name="椭圆 11"/>
+          <p:cNvSpPr/>
+          <p:nvPr/>
+        </p:nvSpPr>
+        <p:spPr>
+          <a:xfrm>
+            <a:off x="1964336" y="3222850"/>
+            <a:ext cx="159488" cy="159488"/>
+          </a:xfrm>
+          <a:prstGeom prst="ellipse">
+            <a:avLst/>
+          </a:prstGeom>
+          <a:solidFill>
+            <a:schemeClr val="accent5">
+              <a:lumMod val="50000"/>
+            </a:schemeClr>
+          </a:solidFill>
+          <a:ln>
+            <a:solidFill>
+              <a:schemeClr val="accent5">
+                <a:lumMod val="50000"/>
+              </a:schemeClr>
+            </a:solidFill>
+          </a:ln>
+        </p:spPr>
+        <p:style>
+          <a:lnRef idx="2">
+            <a:schemeClr val="accent1">
+              <a:shade val="50000"/>
+            </a:schemeClr>
+          </a:lnRef>
+          <a:fillRef idx="1">
+            <a:schemeClr val="accent1"/>
+          </a:fillRef>
+          <a:effectRef idx="0">
+            <a:schemeClr val="accent1"/>
+          </a:effectRef>
+          <a:fontRef idx="minor">
+            <a:schemeClr val="lt1"/>
+          </a:fontRef>
+        </p:style>
+        <p:txBody>
+          <a:bodyPr rtlCol="0" anchor="ctr"/>
+          <a:lstStyle/>
+          <a:p>
+            <a:pPr algn="ctr"/>
+            <a:endParaRPr kumimoji="1" lang="zh-CN" altLang="en-US"/>
+          </a:p>
+        </p:txBody>
+      </p:sp>
+      <p:sp>
+        <p:nvSpPr>
+          <p:cNvPr id="13" name="矩形 12"/>
+          <p:cNvSpPr/>
+          <p:nvPr/>
+        </p:nvSpPr>
+        <p:spPr>
+          <a:xfrm>
+            <a:off x="2361668" y="2891833"/>
+            <a:ext cx="138224" cy="138224"/>
           </a:xfrm>
           <a:prstGeom prst="rect">
             <a:avLst/>
           </a:prstGeom>
-          <a:noFill/>
-        </p:spPr>
+          <a:solidFill>
+            <a:schemeClr val="accent5">
+              <a:lumMod val="50000"/>
+            </a:schemeClr>
+          </a:solidFill>
+          <a:ln>
+            <a:solidFill>
+              <a:schemeClr val="accent5">
+                <a:lumMod val="50000"/>
+              </a:schemeClr>
+            </a:solidFill>
+          </a:ln>
+        </p:spPr>
+        <p:style>
+          <a:lnRef idx="2">
+            <a:schemeClr val="accent1">
+              <a:shade val="50000"/>
+            </a:schemeClr>
+          </a:lnRef>
+          <a:fillRef idx="1">
+            <a:schemeClr val="accent1"/>
+          </a:fillRef>
+          <a:effectRef idx="0">
+            <a:schemeClr val="accent1"/>
+          </a:effectRef>
+          <a:fontRef idx="minor">
+            <a:schemeClr val="lt1"/>
+          </a:fontRef>
+        </p:style>
         <p:txBody>
-          <a:bodyPr wrap="square" rtlCol="0">
-            <a:spAutoFit/>
-          </a:bodyPr>
+          <a:bodyPr rtlCol="0" anchor="ctr"/>
           <a:lstStyle/>
           <a:p>
-            <a:pPr marL="342900" indent="-342900">
-              <a:buFont typeface="Arial" charset="0"/>
-              <a:buChar char="•"/>
-            </a:pPr>
-            <a:r>
-              <a:rPr kumimoji="1" lang="zh-CN" altLang="en-US" sz="2400" dirty="0" smtClean="0"/>
-              <a:t>子任务内部的查询推荐方法</a:t>
-            </a:r>
-            <a:endParaRPr kumimoji="1" lang="zh-CN" altLang="en-US" sz="2400" dirty="0"/>
+            <a:pPr algn="ctr"/>
+            <a:endParaRPr kumimoji="1" lang="zh-CN" altLang="en-US"/>
           </a:p>
         </p:txBody>
       </p:sp>
       <p:sp>
         <p:nvSpPr>
-          <p:cNvPr id="5" name="文本框 4"/>
-          <p:cNvSpPr txBox="1"/>
-          <p:nvPr/>
-        </p:nvSpPr>
-        <p:spPr>
-          <a:xfrm>
-            <a:off x="800100" y="4009102"/>
-            <a:ext cx="7646670" cy="461665"/>
+          <p:cNvPr id="14" name="矩形 13"/>
+          <p:cNvSpPr/>
+          <p:nvPr/>
+        </p:nvSpPr>
+        <p:spPr>
+          <a:xfrm>
+            <a:off x="2361668" y="3241545"/>
+            <a:ext cx="138224" cy="138224"/>
           </a:xfrm>
           <a:prstGeom prst="rect">
             <a:avLst/>
           </a:prstGeom>
-          <a:noFill/>
-        </p:spPr>
+          <a:solidFill>
+            <a:schemeClr val="accent5">
+              <a:lumMod val="50000"/>
+            </a:schemeClr>
+          </a:solidFill>
+          <a:ln>
+            <a:solidFill>
+              <a:schemeClr val="accent5">
+                <a:lumMod val="50000"/>
+              </a:schemeClr>
+            </a:solidFill>
+          </a:ln>
+        </p:spPr>
+        <p:style>
+          <a:lnRef idx="2">
+            <a:schemeClr val="accent1">
+              <a:shade val="50000"/>
+            </a:schemeClr>
+          </a:lnRef>
+          <a:fillRef idx="1">
+            <a:schemeClr val="accent1"/>
+          </a:fillRef>
+          <a:effectRef idx="0">
+            <a:schemeClr val="accent1"/>
+          </a:effectRef>
+          <a:fontRef idx="minor">
+            <a:schemeClr val="lt1"/>
+          </a:fontRef>
+        </p:style>
         <p:txBody>
-          <a:bodyPr wrap="square" rtlCol="0">
-            <a:spAutoFit/>
-          </a:bodyPr>
+          <a:bodyPr rtlCol="0" anchor="ctr"/>
           <a:lstStyle/>
           <a:p>
-            <a:pPr marL="342900" indent="-342900">
-              <a:buFont typeface="Arial" charset="0"/>
-              <a:buChar char="•"/>
-            </a:pPr>
-            <a:r>
-              <a:rPr kumimoji="1" lang="zh-CN" altLang="en-US" sz="2400" dirty="0" smtClean="0"/>
-              <a:t>跨子任务的查询推荐方法</a:t>
-            </a:r>
-            <a:endParaRPr kumimoji="1" lang="zh-CN" altLang="en-US" sz="2400" dirty="0"/>
+            <a:pPr algn="ctr"/>
+            <a:endParaRPr kumimoji="1" lang="zh-CN" altLang="en-US"/>
           </a:p>
         </p:txBody>
       </p:sp>
+      <p:sp>
+        <p:nvSpPr>
+          <p:cNvPr id="15" name="矩形 14"/>
+          <p:cNvSpPr/>
+          <p:nvPr/>
+        </p:nvSpPr>
+        <p:spPr>
+          <a:xfrm>
+            <a:off x="2351036" y="2223826"/>
+            <a:ext cx="138224" cy="138224"/>
+          </a:xfrm>
+          <a:prstGeom prst="rect">
+            <a:avLst/>
+          </a:prstGeom>
+          <a:solidFill>
+            <a:schemeClr val="accent5">
+              <a:lumMod val="50000"/>
+            </a:schemeClr>
+          </a:solidFill>
+          <a:ln>
+            <a:solidFill>
+              <a:schemeClr val="accent5">
+                <a:lumMod val="50000"/>
+              </a:schemeClr>
+            </a:solidFill>
+          </a:ln>
+        </p:spPr>
+        <p:style>
+          <a:lnRef idx="2">
+            <a:schemeClr val="accent1">
+              <a:shade val="50000"/>
+            </a:schemeClr>
+          </a:lnRef>
+          <a:fillRef idx="1">
+            <a:schemeClr val="accent1"/>
+          </a:fillRef>
+          <a:effectRef idx="0">
+            <a:schemeClr val="accent1"/>
+          </a:effectRef>
+          <a:fontRef idx="minor">
+            <a:schemeClr val="lt1"/>
+          </a:fontRef>
+        </p:style>
+        <p:txBody>
+          <a:bodyPr rtlCol="0" anchor="ctr"/>
+          <a:lstStyle/>
+          <a:p>
+            <a:pPr algn="ctr"/>
+            <a:endParaRPr kumimoji="1" lang="zh-CN" altLang="en-US"/>
+          </a:p>
+        </p:txBody>
+      </p:sp>
+      <p:sp>
+        <p:nvSpPr>
+          <p:cNvPr id="16" name="矩形 15"/>
+          <p:cNvSpPr/>
+          <p:nvPr/>
+        </p:nvSpPr>
+        <p:spPr>
+          <a:xfrm>
+            <a:off x="1976587" y="4577559"/>
+            <a:ext cx="138224" cy="138224"/>
+          </a:xfrm>
+          <a:prstGeom prst="rect">
+            <a:avLst/>
+          </a:prstGeom>
+          <a:solidFill>
+            <a:schemeClr val="accent5">
+              <a:lumMod val="50000"/>
+            </a:schemeClr>
+          </a:solidFill>
+          <a:ln>
+            <a:solidFill>
+              <a:schemeClr val="accent5">
+                <a:lumMod val="50000"/>
+              </a:schemeClr>
+            </a:solidFill>
+          </a:ln>
+        </p:spPr>
+        <p:style>
+          <a:lnRef idx="2">
+            <a:schemeClr val="accent1">
+              <a:shade val="50000"/>
+            </a:schemeClr>
+          </a:lnRef>
+          <a:fillRef idx="1">
+            <a:schemeClr val="accent1"/>
+          </a:fillRef>
+          <a:effectRef idx="0">
+            <a:schemeClr val="accent1"/>
+          </a:effectRef>
+          <a:fontRef idx="minor">
+            <a:schemeClr val="lt1"/>
+          </a:fontRef>
+        </p:style>
+        <p:txBody>
+          <a:bodyPr rtlCol="0" anchor="ctr"/>
+          <a:lstStyle/>
+          <a:p>
+            <a:pPr algn="ctr"/>
+            <a:endParaRPr kumimoji="1" lang="zh-CN" altLang="en-US"/>
+          </a:p>
+        </p:txBody>
+      </p:sp>
+      <p:sp>
+        <p:nvSpPr>
+          <p:cNvPr id="17" name="椭圆 16"/>
+          <p:cNvSpPr/>
+          <p:nvPr/>
+        </p:nvSpPr>
+        <p:spPr>
+          <a:xfrm>
+            <a:off x="1975468" y="3567312"/>
+            <a:ext cx="159488" cy="159488"/>
+          </a:xfrm>
+          <a:prstGeom prst="ellipse">
+            <a:avLst/>
+          </a:prstGeom>
+          <a:solidFill>
+            <a:schemeClr val="accent5">
+              <a:lumMod val="50000"/>
+            </a:schemeClr>
+          </a:solidFill>
+          <a:ln>
+            <a:solidFill>
+              <a:schemeClr val="accent5">
+                <a:lumMod val="50000"/>
+              </a:schemeClr>
+            </a:solidFill>
+          </a:ln>
+        </p:spPr>
+        <p:style>
+          <a:lnRef idx="2">
+            <a:schemeClr val="accent1">
+              <a:shade val="50000"/>
+            </a:schemeClr>
+          </a:lnRef>
+          <a:fillRef idx="1">
+            <a:schemeClr val="accent1"/>
+          </a:fillRef>
+          <a:effectRef idx="0">
+            <a:schemeClr val="accent1"/>
+          </a:effectRef>
+          <a:fontRef idx="minor">
+            <a:schemeClr val="lt1"/>
+          </a:fontRef>
+        </p:style>
+        <p:txBody>
+          <a:bodyPr rtlCol="0" anchor="ctr"/>
+          <a:lstStyle/>
+          <a:p>
+            <a:pPr algn="ctr"/>
+            <a:endParaRPr kumimoji="1" lang="zh-CN" altLang="en-US"/>
+          </a:p>
+        </p:txBody>
+      </p:sp>
+      <p:sp>
+        <p:nvSpPr>
+          <p:cNvPr id="18" name="椭圆 17"/>
+          <p:cNvSpPr/>
+          <p:nvPr/>
+        </p:nvSpPr>
+        <p:spPr>
+          <a:xfrm>
+            <a:off x="2351036" y="4577559"/>
+            <a:ext cx="159488" cy="159488"/>
+          </a:xfrm>
+          <a:prstGeom prst="ellipse">
+            <a:avLst/>
+          </a:prstGeom>
+          <a:solidFill>
+            <a:schemeClr val="accent5">
+              <a:lumMod val="50000"/>
+            </a:schemeClr>
+          </a:solidFill>
+          <a:ln>
+            <a:solidFill>
+              <a:schemeClr val="accent5">
+                <a:lumMod val="50000"/>
+              </a:schemeClr>
+            </a:solidFill>
+          </a:ln>
+        </p:spPr>
+        <p:style>
+          <a:lnRef idx="2">
+            <a:schemeClr val="accent1">
+              <a:shade val="50000"/>
+            </a:schemeClr>
+          </a:lnRef>
+          <a:fillRef idx="1">
+            <a:schemeClr val="accent1"/>
+          </a:fillRef>
+          <a:effectRef idx="0">
+            <a:schemeClr val="accent1"/>
+          </a:effectRef>
+          <a:fontRef idx="minor">
+            <a:schemeClr val="lt1"/>
+          </a:fontRef>
+        </p:style>
+        <p:txBody>
+          <a:bodyPr rtlCol="0" anchor="ctr"/>
+          <a:lstStyle/>
+          <a:p>
+            <a:pPr algn="ctr"/>
+            <a:endParaRPr kumimoji="1" lang="zh-CN" altLang="en-US"/>
+          </a:p>
+        </p:txBody>
+      </p:sp>
+      <p:sp>
+        <p:nvSpPr>
+          <p:cNvPr id="19" name="椭圆 18"/>
+          <p:cNvSpPr/>
+          <p:nvPr/>
+        </p:nvSpPr>
+        <p:spPr>
+          <a:xfrm>
+            <a:off x="2713962" y="3220360"/>
+            <a:ext cx="159488" cy="159488"/>
+          </a:xfrm>
+          <a:prstGeom prst="ellipse">
+            <a:avLst/>
+          </a:prstGeom>
+          <a:solidFill>
+            <a:schemeClr val="accent5">
+              <a:lumMod val="50000"/>
+            </a:schemeClr>
+          </a:solidFill>
+          <a:ln>
+            <a:solidFill>
+              <a:schemeClr val="accent5">
+                <a:lumMod val="50000"/>
+              </a:schemeClr>
+            </a:solidFill>
+          </a:ln>
+        </p:spPr>
+        <p:style>
+          <a:lnRef idx="2">
+            <a:schemeClr val="accent1">
+              <a:shade val="50000"/>
+            </a:schemeClr>
+          </a:lnRef>
+          <a:fillRef idx="1">
+            <a:schemeClr val="accent1"/>
+          </a:fillRef>
+          <a:effectRef idx="0">
+            <a:schemeClr val="accent1"/>
+          </a:effectRef>
+          <a:fontRef idx="minor">
+            <a:schemeClr val="lt1"/>
+          </a:fontRef>
+        </p:style>
+        <p:txBody>
+          <a:bodyPr rtlCol="0" anchor="ctr"/>
+          <a:lstStyle/>
+          <a:p>
+            <a:pPr algn="ctr"/>
+            <a:endParaRPr kumimoji="1" lang="zh-CN" altLang="en-US"/>
+          </a:p>
+        </p:txBody>
+      </p:sp>
+      <p:sp>
+        <p:nvSpPr>
+          <p:cNvPr id="20" name="矩形 19"/>
+          <p:cNvSpPr/>
+          <p:nvPr/>
+        </p:nvSpPr>
+        <p:spPr>
+          <a:xfrm>
+            <a:off x="2346206" y="3582256"/>
+            <a:ext cx="138224" cy="138224"/>
+          </a:xfrm>
+          <a:prstGeom prst="rect">
+            <a:avLst/>
+          </a:prstGeom>
+          <a:solidFill>
+            <a:schemeClr val="accent5">
+              <a:lumMod val="50000"/>
+            </a:schemeClr>
+          </a:solidFill>
+          <a:ln>
+            <a:solidFill>
+              <a:schemeClr val="accent5">
+                <a:lumMod val="50000"/>
+              </a:schemeClr>
+            </a:solidFill>
+          </a:ln>
+        </p:spPr>
+        <p:style>
+          <a:lnRef idx="2">
+            <a:schemeClr val="accent1">
+              <a:shade val="50000"/>
+            </a:schemeClr>
+          </a:lnRef>
+          <a:fillRef idx="1">
+            <a:schemeClr val="accent1"/>
+          </a:fillRef>
+          <a:effectRef idx="0">
+            <a:schemeClr val="accent1"/>
+          </a:effectRef>
+          <a:fontRef idx="minor">
+            <a:schemeClr val="lt1"/>
+          </a:fontRef>
+        </p:style>
+        <p:txBody>
+          <a:bodyPr rtlCol="0" anchor="ctr"/>
+          <a:lstStyle/>
+          <a:p>
+            <a:pPr algn="ctr"/>
+            <a:endParaRPr kumimoji="1" lang="zh-CN" altLang="en-US"/>
+          </a:p>
+        </p:txBody>
+      </p:sp>
+      <p:sp>
+        <p:nvSpPr>
+          <p:cNvPr id="21" name="椭圆 20"/>
+          <p:cNvSpPr/>
+          <p:nvPr/>
+        </p:nvSpPr>
+        <p:spPr>
+          <a:xfrm>
+            <a:off x="2713962" y="3890717"/>
+            <a:ext cx="159488" cy="159488"/>
+          </a:xfrm>
+          <a:prstGeom prst="ellipse">
+            <a:avLst/>
+          </a:prstGeom>
+          <a:solidFill>
+            <a:schemeClr val="accent5">
+              <a:lumMod val="50000"/>
+            </a:schemeClr>
+          </a:solidFill>
+          <a:ln>
+            <a:solidFill>
+              <a:schemeClr val="accent5">
+                <a:lumMod val="50000"/>
+              </a:schemeClr>
+            </a:solidFill>
+          </a:ln>
+        </p:spPr>
+        <p:style>
+          <a:lnRef idx="2">
+            <a:schemeClr val="accent1">
+              <a:shade val="50000"/>
+            </a:schemeClr>
+          </a:lnRef>
+          <a:fillRef idx="1">
+            <a:schemeClr val="accent1"/>
+          </a:fillRef>
+          <a:effectRef idx="0">
+            <a:schemeClr val="accent1"/>
+          </a:effectRef>
+          <a:fontRef idx="minor">
+            <a:schemeClr val="lt1"/>
+          </a:fontRef>
+        </p:style>
+        <p:txBody>
+          <a:bodyPr rtlCol="0" anchor="ctr"/>
+          <a:lstStyle/>
+          <a:p>
+            <a:pPr algn="ctr"/>
+            <a:endParaRPr kumimoji="1" lang="zh-CN" altLang="en-US"/>
+          </a:p>
+        </p:txBody>
+      </p:sp>
+      <p:sp>
+        <p:nvSpPr>
+          <p:cNvPr id="22" name="椭圆 21"/>
+          <p:cNvSpPr/>
+          <p:nvPr/>
+        </p:nvSpPr>
+        <p:spPr>
+          <a:xfrm>
+            <a:off x="3080786" y="2901842"/>
+            <a:ext cx="159488" cy="159488"/>
+          </a:xfrm>
+          <a:prstGeom prst="ellipse">
+            <a:avLst/>
+          </a:prstGeom>
+          <a:solidFill>
+            <a:schemeClr val="accent5">
+              <a:lumMod val="50000"/>
+            </a:schemeClr>
+          </a:solidFill>
+          <a:ln>
+            <a:solidFill>
+              <a:schemeClr val="accent5">
+                <a:lumMod val="50000"/>
+              </a:schemeClr>
+            </a:solidFill>
+          </a:ln>
+        </p:spPr>
+        <p:style>
+          <a:lnRef idx="2">
+            <a:schemeClr val="accent1">
+              <a:shade val="50000"/>
+            </a:schemeClr>
+          </a:lnRef>
+          <a:fillRef idx="1">
+            <a:schemeClr val="accent1"/>
+          </a:fillRef>
+          <a:effectRef idx="0">
+            <a:schemeClr val="accent1"/>
+          </a:effectRef>
+          <a:fontRef idx="minor">
+            <a:schemeClr val="lt1"/>
+          </a:fontRef>
+        </p:style>
+        <p:txBody>
+          <a:bodyPr rtlCol="0" anchor="ctr"/>
+          <a:lstStyle/>
+          <a:p>
+            <a:pPr algn="ctr"/>
+            <a:endParaRPr kumimoji="1" lang="zh-CN" altLang="en-US"/>
+          </a:p>
+        </p:txBody>
+      </p:sp>
+      <p:sp>
+        <p:nvSpPr>
+          <p:cNvPr id="23" name="椭圆 22"/>
+          <p:cNvSpPr/>
+          <p:nvPr/>
+        </p:nvSpPr>
+        <p:spPr>
+          <a:xfrm>
+            <a:off x="3069044" y="3554490"/>
+            <a:ext cx="159488" cy="159488"/>
+          </a:xfrm>
+          <a:prstGeom prst="ellipse">
+            <a:avLst/>
+          </a:prstGeom>
+          <a:solidFill>
+            <a:schemeClr val="accent5">
+              <a:lumMod val="50000"/>
+            </a:schemeClr>
+          </a:solidFill>
+          <a:ln>
+            <a:solidFill>
+              <a:schemeClr val="accent5">
+                <a:lumMod val="50000"/>
+              </a:schemeClr>
+            </a:solidFill>
+          </a:ln>
+        </p:spPr>
+        <p:style>
+          <a:lnRef idx="2">
+            <a:schemeClr val="accent1">
+              <a:shade val="50000"/>
+            </a:schemeClr>
+          </a:lnRef>
+          <a:fillRef idx="1">
+            <a:schemeClr val="accent1"/>
+          </a:fillRef>
+          <a:effectRef idx="0">
+            <a:schemeClr val="accent1"/>
+          </a:effectRef>
+          <a:fontRef idx="minor">
+            <a:schemeClr val="lt1"/>
+          </a:fontRef>
+        </p:style>
+        <p:txBody>
+          <a:bodyPr rtlCol="0" anchor="ctr"/>
+          <a:lstStyle/>
+          <a:p>
+            <a:pPr algn="ctr"/>
+            <a:endParaRPr kumimoji="1" lang="zh-CN" altLang="en-US"/>
+          </a:p>
+        </p:txBody>
+      </p:sp>
+      <p:sp>
+        <p:nvSpPr>
+          <p:cNvPr id="24" name="矩形 23"/>
+          <p:cNvSpPr/>
+          <p:nvPr/>
+        </p:nvSpPr>
+        <p:spPr>
+          <a:xfrm>
+            <a:off x="3463588" y="3241624"/>
+            <a:ext cx="138224" cy="138224"/>
+          </a:xfrm>
+          <a:prstGeom prst="rect">
+            <a:avLst/>
+          </a:prstGeom>
+          <a:solidFill>
+            <a:schemeClr val="accent5">
+              <a:lumMod val="50000"/>
+            </a:schemeClr>
+          </a:solidFill>
+          <a:ln>
+            <a:solidFill>
+              <a:schemeClr val="accent5">
+                <a:lumMod val="50000"/>
+              </a:schemeClr>
+            </a:solidFill>
+          </a:ln>
+        </p:spPr>
+        <p:style>
+          <a:lnRef idx="2">
+            <a:schemeClr val="accent1">
+              <a:shade val="50000"/>
+            </a:schemeClr>
+          </a:lnRef>
+          <a:fillRef idx="1">
+            <a:schemeClr val="accent1"/>
+          </a:fillRef>
+          <a:effectRef idx="0">
+            <a:schemeClr val="accent1"/>
+          </a:effectRef>
+          <a:fontRef idx="minor">
+            <a:schemeClr val="lt1"/>
+          </a:fontRef>
+        </p:style>
+        <p:txBody>
+          <a:bodyPr rtlCol="0" anchor="ctr"/>
+          <a:lstStyle/>
+          <a:p>
+            <a:pPr algn="ctr"/>
+            <a:endParaRPr kumimoji="1" lang="zh-CN" altLang="en-US"/>
+          </a:p>
+        </p:txBody>
+      </p:sp>
+      <p:sp>
+        <p:nvSpPr>
+          <p:cNvPr id="25" name="椭圆 24"/>
+          <p:cNvSpPr/>
+          <p:nvPr/>
+        </p:nvSpPr>
+        <p:spPr>
+          <a:xfrm>
+            <a:off x="3442324" y="3902207"/>
+            <a:ext cx="159488" cy="159488"/>
+          </a:xfrm>
+          <a:prstGeom prst="ellipse">
+            <a:avLst/>
+          </a:prstGeom>
+          <a:solidFill>
+            <a:schemeClr val="accent5">
+              <a:lumMod val="50000"/>
+            </a:schemeClr>
+          </a:solidFill>
+          <a:ln>
+            <a:solidFill>
+              <a:schemeClr val="accent5">
+                <a:lumMod val="50000"/>
+              </a:schemeClr>
+            </a:solidFill>
+          </a:ln>
+        </p:spPr>
+        <p:style>
+          <a:lnRef idx="2">
+            <a:schemeClr val="accent1">
+              <a:shade val="50000"/>
+            </a:schemeClr>
+          </a:lnRef>
+          <a:fillRef idx="1">
+            <a:schemeClr val="accent1"/>
+          </a:fillRef>
+          <a:effectRef idx="0">
+            <a:schemeClr val="accent1"/>
+          </a:effectRef>
+          <a:fontRef idx="minor">
+            <a:schemeClr val="lt1"/>
+          </a:fontRef>
+        </p:style>
+        <p:txBody>
+          <a:bodyPr rtlCol="0" anchor="ctr"/>
+          <a:lstStyle/>
+          <a:p>
+            <a:pPr algn="ctr"/>
+            <a:endParaRPr kumimoji="1" lang="zh-CN" altLang="en-US"/>
+          </a:p>
+        </p:txBody>
+      </p:sp>
+      <p:sp>
+        <p:nvSpPr>
+          <p:cNvPr id="26" name="椭圆 25"/>
+          <p:cNvSpPr/>
+          <p:nvPr/>
+        </p:nvSpPr>
+        <p:spPr>
+          <a:xfrm>
+            <a:off x="3831621" y="3230992"/>
+            <a:ext cx="159488" cy="159488"/>
+          </a:xfrm>
+          <a:prstGeom prst="ellipse">
+            <a:avLst/>
+          </a:prstGeom>
+          <a:solidFill>
+            <a:schemeClr val="accent5">
+              <a:lumMod val="50000"/>
+            </a:schemeClr>
+          </a:solidFill>
+          <a:ln>
+            <a:solidFill>
+              <a:schemeClr val="accent5">
+                <a:lumMod val="50000"/>
+              </a:schemeClr>
+            </a:solidFill>
+          </a:ln>
+        </p:spPr>
+        <p:style>
+          <a:lnRef idx="2">
+            <a:schemeClr val="accent1">
+              <a:shade val="50000"/>
+            </a:schemeClr>
+          </a:lnRef>
+          <a:fillRef idx="1">
+            <a:schemeClr val="accent1"/>
+          </a:fillRef>
+          <a:effectRef idx="0">
+            <a:schemeClr val="accent1"/>
+          </a:effectRef>
+          <a:fontRef idx="minor">
+            <a:schemeClr val="lt1"/>
+          </a:fontRef>
+        </p:style>
+        <p:txBody>
+          <a:bodyPr rtlCol="0" anchor="ctr"/>
+          <a:lstStyle/>
+          <a:p>
+            <a:pPr algn="ctr"/>
+            <a:endParaRPr kumimoji="1" lang="zh-CN" altLang="en-US"/>
+          </a:p>
+        </p:txBody>
+      </p:sp>
+      <p:sp>
+        <p:nvSpPr>
+          <p:cNvPr id="46" name="椭圆 45"/>
+          <p:cNvSpPr/>
+          <p:nvPr/>
+        </p:nvSpPr>
+        <p:spPr>
+          <a:xfrm>
+            <a:off x="2704334" y="4909733"/>
+            <a:ext cx="159488" cy="159488"/>
+          </a:xfrm>
+          <a:prstGeom prst="ellipse">
+            <a:avLst/>
+          </a:prstGeom>
+          <a:solidFill>
+            <a:schemeClr val="accent5">
+              <a:lumMod val="50000"/>
+            </a:schemeClr>
+          </a:solidFill>
+          <a:ln>
+            <a:solidFill>
+              <a:schemeClr val="accent5">
+                <a:lumMod val="50000"/>
+              </a:schemeClr>
+            </a:solidFill>
+          </a:ln>
+        </p:spPr>
+        <p:style>
+          <a:lnRef idx="2">
+            <a:schemeClr val="accent1">
+              <a:shade val="50000"/>
+            </a:schemeClr>
+          </a:lnRef>
+          <a:fillRef idx="1">
+            <a:schemeClr val="accent1"/>
+          </a:fillRef>
+          <a:effectRef idx="0">
+            <a:schemeClr val="accent1"/>
+          </a:effectRef>
+          <a:fontRef idx="minor">
+            <a:schemeClr val="lt1"/>
+          </a:fontRef>
+        </p:style>
+        <p:txBody>
+          <a:bodyPr rtlCol="0" anchor="ctr"/>
+          <a:lstStyle/>
+          <a:p>
+            <a:pPr algn="ctr"/>
+            <a:endParaRPr kumimoji="1" lang="zh-CN" altLang="en-US"/>
+          </a:p>
+        </p:txBody>
+      </p:sp>
+      <p:sp>
+        <p:nvSpPr>
+          <p:cNvPr id="47" name="矩形 46"/>
+          <p:cNvSpPr/>
+          <p:nvPr/>
+        </p:nvSpPr>
+        <p:spPr>
+          <a:xfrm>
+            <a:off x="3090308" y="4592330"/>
+            <a:ext cx="138224" cy="138224"/>
+          </a:xfrm>
+          <a:prstGeom prst="rect">
+            <a:avLst/>
+          </a:prstGeom>
+          <a:solidFill>
+            <a:schemeClr val="accent5">
+              <a:lumMod val="50000"/>
+            </a:schemeClr>
+          </a:solidFill>
+          <a:ln>
+            <a:solidFill>
+              <a:schemeClr val="accent5">
+                <a:lumMod val="50000"/>
+              </a:schemeClr>
+            </a:solidFill>
+          </a:ln>
+        </p:spPr>
+        <p:style>
+          <a:lnRef idx="2">
+            <a:schemeClr val="accent1">
+              <a:shade val="50000"/>
+            </a:schemeClr>
+          </a:lnRef>
+          <a:fillRef idx="1">
+            <a:schemeClr val="accent1"/>
+          </a:fillRef>
+          <a:effectRef idx="0">
+            <a:schemeClr val="accent1"/>
+          </a:effectRef>
+          <a:fontRef idx="minor">
+            <a:schemeClr val="lt1"/>
+          </a:fontRef>
+        </p:style>
+        <p:txBody>
+          <a:bodyPr rtlCol="0" anchor="ctr"/>
+          <a:lstStyle/>
+          <a:p>
+            <a:pPr algn="ctr"/>
+            <a:endParaRPr kumimoji="1" lang="zh-CN" altLang="en-US"/>
+          </a:p>
+        </p:txBody>
+      </p:sp>
+      <p:sp>
+        <p:nvSpPr>
+          <p:cNvPr id="48" name="椭圆 47"/>
+          <p:cNvSpPr/>
+          <p:nvPr/>
+        </p:nvSpPr>
+        <p:spPr>
+          <a:xfrm>
+            <a:off x="3442324" y="4578505"/>
+            <a:ext cx="159488" cy="159488"/>
+          </a:xfrm>
+          <a:prstGeom prst="ellipse">
+            <a:avLst/>
+          </a:prstGeom>
+          <a:solidFill>
+            <a:schemeClr val="accent5">
+              <a:lumMod val="50000"/>
+            </a:schemeClr>
+          </a:solidFill>
+          <a:ln>
+            <a:solidFill>
+              <a:schemeClr val="accent5">
+                <a:lumMod val="50000"/>
+              </a:schemeClr>
+            </a:solidFill>
+          </a:ln>
+        </p:spPr>
+        <p:style>
+          <a:lnRef idx="2">
+            <a:schemeClr val="accent1">
+              <a:shade val="50000"/>
+            </a:schemeClr>
+          </a:lnRef>
+          <a:fillRef idx="1">
+            <a:schemeClr val="accent1"/>
+          </a:fillRef>
+          <a:effectRef idx="0">
+            <a:schemeClr val="accent1"/>
+          </a:effectRef>
+          <a:fontRef idx="minor">
+            <a:schemeClr val="lt1"/>
+          </a:fontRef>
+        </p:style>
+        <p:txBody>
+          <a:bodyPr rtlCol="0" anchor="ctr"/>
+          <a:lstStyle/>
+          <a:p>
+            <a:pPr algn="ctr"/>
+            <a:endParaRPr kumimoji="1" lang="zh-CN" altLang="en-US"/>
+          </a:p>
+        </p:txBody>
+      </p:sp>
+      <p:sp>
+        <p:nvSpPr>
+          <p:cNvPr id="52" name="椭圆 51"/>
+          <p:cNvSpPr/>
+          <p:nvPr/>
+        </p:nvSpPr>
+        <p:spPr>
+          <a:xfrm>
+            <a:off x="2713962" y="4246411"/>
+            <a:ext cx="159488" cy="159488"/>
+          </a:xfrm>
+          <a:prstGeom prst="ellipse">
+            <a:avLst/>
+          </a:prstGeom>
+          <a:solidFill>
+            <a:schemeClr val="accent5">
+              <a:lumMod val="50000"/>
+            </a:schemeClr>
+          </a:solidFill>
+          <a:ln>
+            <a:solidFill>
+              <a:schemeClr val="accent5">
+                <a:lumMod val="50000"/>
+              </a:schemeClr>
+            </a:solidFill>
+          </a:ln>
+        </p:spPr>
+        <p:style>
+          <a:lnRef idx="2">
+            <a:schemeClr val="accent1">
+              <a:shade val="50000"/>
+            </a:schemeClr>
+          </a:lnRef>
+          <a:fillRef idx="1">
+            <a:schemeClr val="accent1"/>
+          </a:fillRef>
+          <a:effectRef idx="0">
+            <a:schemeClr val="accent1"/>
+          </a:effectRef>
+          <a:fontRef idx="minor">
+            <a:schemeClr val="lt1"/>
+          </a:fontRef>
+        </p:style>
+        <p:txBody>
+          <a:bodyPr rtlCol="0" anchor="ctr"/>
+          <a:lstStyle/>
+          <a:p>
+            <a:pPr algn="ctr"/>
+            <a:endParaRPr kumimoji="1" lang="zh-CN" altLang="en-US"/>
+          </a:p>
+        </p:txBody>
+      </p:sp>
+      <p:sp>
+        <p:nvSpPr>
+          <p:cNvPr id="54" name="矩形 53"/>
+          <p:cNvSpPr/>
+          <p:nvPr/>
+        </p:nvSpPr>
+        <p:spPr>
+          <a:xfrm>
+            <a:off x="3090308" y="4246411"/>
+            <a:ext cx="138224" cy="138224"/>
+          </a:xfrm>
+          <a:prstGeom prst="rect">
+            <a:avLst/>
+          </a:prstGeom>
+          <a:solidFill>
+            <a:schemeClr val="accent5">
+              <a:lumMod val="50000"/>
+            </a:schemeClr>
+          </a:solidFill>
+          <a:ln>
+            <a:solidFill>
+              <a:schemeClr val="accent5">
+                <a:lumMod val="50000"/>
+              </a:schemeClr>
+            </a:solidFill>
+          </a:ln>
+        </p:spPr>
+        <p:style>
+          <a:lnRef idx="2">
+            <a:schemeClr val="accent1">
+              <a:shade val="50000"/>
+            </a:schemeClr>
+          </a:lnRef>
+          <a:fillRef idx="1">
+            <a:schemeClr val="accent1"/>
+          </a:fillRef>
+          <a:effectRef idx="0">
+            <a:schemeClr val="accent1"/>
+          </a:effectRef>
+          <a:fontRef idx="minor">
+            <a:schemeClr val="lt1"/>
+          </a:fontRef>
+        </p:style>
+        <p:txBody>
+          <a:bodyPr rtlCol="0" anchor="ctr"/>
+          <a:lstStyle/>
+          <a:p>
+            <a:pPr algn="ctr"/>
+            <a:endParaRPr kumimoji="1" lang="zh-CN" altLang="en-US"/>
+          </a:p>
+        </p:txBody>
+      </p:sp>
+      <p:sp>
+        <p:nvSpPr>
+          <p:cNvPr id="56" name="椭圆 55"/>
+          <p:cNvSpPr/>
+          <p:nvPr/>
+        </p:nvSpPr>
+        <p:spPr>
+          <a:xfrm>
+            <a:off x="3079676" y="5253661"/>
+            <a:ext cx="159488" cy="159488"/>
+          </a:xfrm>
+          <a:prstGeom prst="ellipse">
+            <a:avLst/>
+          </a:prstGeom>
+          <a:solidFill>
+            <a:schemeClr val="accent5">
+              <a:lumMod val="50000"/>
+            </a:schemeClr>
+          </a:solidFill>
+          <a:ln>
+            <a:solidFill>
+              <a:schemeClr val="accent5">
+                <a:lumMod val="50000"/>
+              </a:schemeClr>
+            </a:solidFill>
+          </a:ln>
+        </p:spPr>
+        <p:style>
+          <a:lnRef idx="2">
+            <a:schemeClr val="accent1">
+              <a:shade val="50000"/>
+            </a:schemeClr>
+          </a:lnRef>
+          <a:fillRef idx="1">
+            <a:schemeClr val="accent1"/>
+          </a:fillRef>
+          <a:effectRef idx="0">
+            <a:schemeClr val="accent1"/>
+          </a:effectRef>
+          <a:fontRef idx="minor">
+            <a:schemeClr val="lt1"/>
+          </a:fontRef>
+        </p:style>
+        <p:txBody>
+          <a:bodyPr rtlCol="0" anchor="ctr"/>
+          <a:lstStyle/>
+          <a:p>
+            <a:pPr algn="ctr"/>
+            <a:endParaRPr kumimoji="1" lang="zh-CN" altLang="en-US"/>
+          </a:p>
+        </p:txBody>
+      </p:sp>
+      <p:sp>
+        <p:nvSpPr>
+          <p:cNvPr id="57" name="矩形 56"/>
+          <p:cNvSpPr/>
+          <p:nvPr/>
+        </p:nvSpPr>
+        <p:spPr>
+          <a:xfrm>
+            <a:off x="3452956" y="5263376"/>
+            <a:ext cx="138224" cy="138224"/>
+          </a:xfrm>
+          <a:prstGeom prst="rect">
+            <a:avLst/>
+          </a:prstGeom>
+          <a:solidFill>
+            <a:schemeClr val="accent5">
+              <a:lumMod val="50000"/>
+            </a:schemeClr>
+          </a:solidFill>
+          <a:ln>
+            <a:solidFill>
+              <a:schemeClr val="accent5">
+                <a:lumMod val="50000"/>
+              </a:schemeClr>
+            </a:solidFill>
+          </a:ln>
+        </p:spPr>
+        <p:style>
+          <a:lnRef idx="2">
+            <a:schemeClr val="accent1">
+              <a:shade val="50000"/>
+            </a:schemeClr>
+          </a:lnRef>
+          <a:fillRef idx="1">
+            <a:schemeClr val="accent1"/>
+          </a:fillRef>
+          <a:effectRef idx="0">
+            <a:schemeClr val="accent1"/>
+          </a:effectRef>
+          <a:fontRef idx="minor">
+            <a:schemeClr val="lt1"/>
+          </a:fontRef>
+        </p:style>
+        <p:txBody>
+          <a:bodyPr rtlCol="0" anchor="ctr"/>
+          <a:lstStyle/>
+          <a:p>
+            <a:pPr algn="ctr"/>
+            <a:endParaRPr kumimoji="1" lang="zh-CN" altLang="en-US"/>
+          </a:p>
+        </p:txBody>
+      </p:sp>
+      <p:sp>
+        <p:nvSpPr>
+          <p:cNvPr id="58" name="椭圆 57"/>
+          <p:cNvSpPr/>
+          <p:nvPr/>
+        </p:nvSpPr>
+        <p:spPr>
+          <a:xfrm>
+            <a:off x="3831621" y="4918044"/>
+            <a:ext cx="159488" cy="159488"/>
+          </a:xfrm>
+          <a:prstGeom prst="ellipse">
+            <a:avLst/>
+          </a:prstGeom>
+          <a:solidFill>
+            <a:schemeClr val="accent5">
+              <a:lumMod val="50000"/>
+            </a:schemeClr>
+          </a:solidFill>
+          <a:ln>
+            <a:solidFill>
+              <a:schemeClr val="accent5">
+                <a:lumMod val="50000"/>
+              </a:schemeClr>
+            </a:solidFill>
+          </a:ln>
+        </p:spPr>
+        <p:style>
+          <a:lnRef idx="2">
+            <a:schemeClr val="accent1">
+              <a:shade val="50000"/>
+            </a:schemeClr>
+          </a:lnRef>
+          <a:fillRef idx="1">
+            <a:schemeClr val="accent1"/>
+          </a:fillRef>
+          <a:effectRef idx="0">
+            <a:schemeClr val="accent1"/>
+          </a:effectRef>
+          <a:fontRef idx="minor">
+            <a:schemeClr val="lt1"/>
+          </a:fontRef>
+        </p:style>
+        <p:txBody>
+          <a:bodyPr rtlCol="0" anchor="ctr"/>
+          <a:lstStyle/>
+          <a:p>
+            <a:pPr algn="ctr"/>
+            <a:endParaRPr kumimoji="1" lang="zh-CN" altLang="en-US"/>
+          </a:p>
+        </p:txBody>
+      </p:sp>
+      <p:sp>
+        <p:nvSpPr>
+          <p:cNvPr id="59" name="椭圆 58"/>
+          <p:cNvSpPr/>
+          <p:nvPr/>
+        </p:nvSpPr>
+        <p:spPr>
+          <a:xfrm>
+            <a:off x="3820428" y="5592395"/>
+            <a:ext cx="159488" cy="159488"/>
+          </a:xfrm>
+          <a:prstGeom prst="ellipse">
+            <a:avLst/>
+          </a:prstGeom>
+          <a:solidFill>
+            <a:schemeClr val="accent5">
+              <a:lumMod val="50000"/>
+            </a:schemeClr>
+          </a:solidFill>
+          <a:ln>
+            <a:solidFill>
+              <a:schemeClr val="accent5">
+                <a:lumMod val="50000"/>
+              </a:schemeClr>
+            </a:solidFill>
+          </a:ln>
+        </p:spPr>
+        <p:style>
+          <a:lnRef idx="2">
+            <a:schemeClr val="accent1">
+              <a:shade val="50000"/>
+            </a:schemeClr>
+          </a:lnRef>
+          <a:fillRef idx="1">
+            <a:schemeClr val="accent1"/>
+          </a:fillRef>
+          <a:effectRef idx="0">
+            <a:schemeClr val="accent1"/>
+          </a:effectRef>
+          <a:fontRef idx="minor">
+            <a:schemeClr val="lt1"/>
+          </a:fontRef>
+        </p:style>
+        <p:txBody>
+          <a:bodyPr rtlCol="0" anchor="ctr"/>
+          <a:lstStyle/>
+          <a:p>
+            <a:pPr algn="ctr"/>
+            <a:endParaRPr kumimoji="1" lang="zh-CN" altLang="en-US"/>
+          </a:p>
+        </p:txBody>
+      </p:sp>
+      <p:sp>
+        <p:nvSpPr>
+          <p:cNvPr id="60" name="椭圆 59"/>
+          <p:cNvSpPr/>
+          <p:nvPr/>
+        </p:nvSpPr>
+        <p:spPr>
+          <a:xfrm>
+            <a:off x="4198654" y="4918044"/>
+            <a:ext cx="159488" cy="159488"/>
+          </a:xfrm>
+          <a:prstGeom prst="ellipse">
+            <a:avLst/>
+          </a:prstGeom>
+          <a:solidFill>
+            <a:schemeClr val="accent5">
+              <a:lumMod val="50000"/>
+            </a:schemeClr>
+          </a:solidFill>
+          <a:ln>
+            <a:solidFill>
+              <a:schemeClr val="accent5">
+                <a:lumMod val="50000"/>
+              </a:schemeClr>
+            </a:solidFill>
+          </a:ln>
+        </p:spPr>
+        <p:style>
+          <a:lnRef idx="2">
+            <a:schemeClr val="accent1">
+              <a:shade val="50000"/>
+            </a:schemeClr>
+          </a:lnRef>
+          <a:fillRef idx="1">
+            <a:schemeClr val="accent1"/>
+          </a:fillRef>
+          <a:effectRef idx="0">
+            <a:schemeClr val="accent1"/>
+          </a:effectRef>
+          <a:fontRef idx="minor">
+            <a:schemeClr val="lt1"/>
+          </a:fontRef>
+        </p:style>
+        <p:txBody>
+          <a:bodyPr rtlCol="0" anchor="ctr"/>
+          <a:lstStyle/>
+          <a:p>
+            <a:pPr algn="ctr"/>
+            <a:endParaRPr kumimoji="1" lang="zh-CN" altLang="en-US"/>
+          </a:p>
+        </p:txBody>
+      </p:sp>
+      <p:sp>
+        <p:nvSpPr>
+          <p:cNvPr id="61" name="矩形 60"/>
+          <p:cNvSpPr/>
+          <p:nvPr/>
+        </p:nvSpPr>
+        <p:spPr>
+          <a:xfrm>
+            <a:off x="4565687" y="4928676"/>
+            <a:ext cx="138224" cy="138224"/>
+          </a:xfrm>
+          <a:prstGeom prst="rect">
+            <a:avLst/>
+          </a:prstGeom>
+          <a:solidFill>
+            <a:schemeClr val="accent5">
+              <a:lumMod val="50000"/>
+            </a:schemeClr>
+          </a:solidFill>
+          <a:ln>
+            <a:solidFill>
+              <a:schemeClr val="accent5">
+                <a:lumMod val="50000"/>
+              </a:schemeClr>
+            </a:solidFill>
+          </a:ln>
+        </p:spPr>
+        <p:style>
+          <a:lnRef idx="2">
+            <a:schemeClr val="accent1">
+              <a:shade val="50000"/>
+            </a:schemeClr>
+          </a:lnRef>
+          <a:fillRef idx="1">
+            <a:schemeClr val="accent1"/>
+          </a:fillRef>
+          <a:effectRef idx="0">
+            <a:schemeClr val="accent1"/>
+          </a:effectRef>
+          <a:fontRef idx="minor">
+            <a:schemeClr val="lt1"/>
+          </a:fontRef>
+        </p:style>
+        <p:txBody>
+          <a:bodyPr rtlCol="0" anchor="ctr"/>
+          <a:lstStyle/>
+          <a:p>
+            <a:pPr algn="ctr"/>
+            <a:endParaRPr kumimoji="1" lang="zh-CN" altLang="en-US"/>
+          </a:p>
+        </p:txBody>
+      </p:sp>
+      <p:sp>
+        <p:nvSpPr>
+          <p:cNvPr id="62" name="矩形 61"/>
+          <p:cNvSpPr/>
+          <p:nvPr/>
+        </p:nvSpPr>
+        <p:spPr>
+          <a:xfrm>
+            <a:off x="4198654" y="5603027"/>
+            <a:ext cx="138224" cy="138224"/>
+          </a:xfrm>
+          <a:prstGeom prst="rect">
+            <a:avLst/>
+          </a:prstGeom>
+          <a:solidFill>
+            <a:schemeClr val="accent5">
+              <a:lumMod val="50000"/>
+            </a:schemeClr>
+          </a:solidFill>
+          <a:ln>
+            <a:solidFill>
+              <a:schemeClr val="accent5">
+                <a:lumMod val="50000"/>
+              </a:schemeClr>
+            </a:solidFill>
+          </a:ln>
+        </p:spPr>
+        <p:style>
+          <a:lnRef idx="2">
+            <a:schemeClr val="accent1">
+              <a:shade val="50000"/>
+            </a:schemeClr>
+          </a:lnRef>
+          <a:fillRef idx="1">
+            <a:schemeClr val="accent1"/>
+          </a:fillRef>
+          <a:effectRef idx="0">
+            <a:schemeClr val="accent1"/>
+          </a:effectRef>
+          <a:fontRef idx="minor">
+            <a:schemeClr val="lt1"/>
+          </a:fontRef>
+        </p:style>
+        <p:txBody>
+          <a:bodyPr rtlCol="0" anchor="ctr"/>
+          <a:lstStyle/>
+          <a:p>
+            <a:pPr algn="ctr"/>
+            <a:endParaRPr kumimoji="1" lang="zh-CN" altLang="en-US"/>
+          </a:p>
+        </p:txBody>
+      </p:sp>
+      <p:sp>
+        <p:nvSpPr>
+          <p:cNvPr id="63" name="矩形 62"/>
+          <p:cNvSpPr/>
+          <p:nvPr/>
+        </p:nvSpPr>
+        <p:spPr>
+          <a:xfrm>
+            <a:off x="3831060" y="3908209"/>
+            <a:ext cx="138224" cy="138224"/>
+          </a:xfrm>
+          <a:prstGeom prst="rect">
+            <a:avLst/>
+          </a:prstGeom>
+          <a:solidFill>
+            <a:schemeClr val="accent5">
+              <a:lumMod val="50000"/>
+            </a:schemeClr>
+          </a:solidFill>
+          <a:ln>
+            <a:solidFill>
+              <a:schemeClr val="accent5">
+                <a:lumMod val="50000"/>
+              </a:schemeClr>
+            </a:solidFill>
+          </a:ln>
+        </p:spPr>
+        <p:style>
+          <a:lnRef idx="2">
+            <a:schemeClr val="accent1">
+              <a:shade val="50000"/>
+            </a:schemeClr>
+          </a:lnRef>
+          <a:fillRef idx="1">
+            <a:schemeClr val="accent1"/>
+          </a:fillRef>
+          <a:effectRef idx="0">
+            <a:schemeClr val="accent1"/>
+          </a:effectRef>
+          <a:fontRef idx="minor">
+            <a:schemeClr val="lt1"/>
+          </a:fontRef>
+        </p:style>
+        <p:txBody>
+          <a:bodyPr rtlCol="0" anchor="ctr"/>
+          <a:lstStyle/>
+          <a:p>
+            <a:pPr algn="ctr"/>
+            <a:endParaRPr kumimoji="1" lang="zh-CN" altLang="en-US"/>
+          </a:p>
+        </p:txBody>
+      </p:sp>
+      <p:sp>
+        <p:nvSpPr>
+          <p:cNvPr id="64" name="椭圆 63"/>
+          <p:cNvSpPr/>
+          <p:nvPr/>
+        </p:nvSpPr>
+        <p:spPr>
+          <a:xfrm>
+            <a:off x="4198654" y="3899578"/>
+            <a:ext cx="159488" cy="159488"/>
+          </a:xfrm>
+          <a:prstGeom prst="ellipse">
+            <a:avLst/>
+          </a:prstGeom>
+          <a:solidFill>
+            <a:schemeClr val="accent5">
+              <a:lumMod val="50000"/>
+            </a:schemeClr>
+          </a:solidFill>
+          <a:ln>
+            <a:solidFill>
+              <a:schemeClr val="accent5">
+                <a:lumMod val="50000"/>
+              </a:schemeClr>
+            </a:solidFill>
+          </a:ln>
+        </p:spPr>
+        <p:style>
+          <a:lnRef idx="2">
+            <a:schemeClr val="accent1">
+              <a:shade val="50000"/>
+            </a:schemeClr>
+          </a:lnRef>
+          <a:fillRef idx="1">
+            <a:schemeClr val="accent1"/>
+          </a:fillRef>
+          <a:effectRef idx="0">
+            <a:schemeClr val="accent1"/>
+          </a:effectRef>
+          <a:fontRef idx="minor">
+            <a:schemeClr val="lt1"/>
+          </a:fontRef>
+        </p:style>
+        <p:txBody>
+          <a:bodyPr rtlCol="0" anchor="ctr"/>
+          <a:lstStyle/>
+          <a:p>
+            <a:pPr algn="ctr"/>
+            <a:endParaRPr kumimoji="1" lang="zh-CN" altLang="en-US"/>
+          </a:p>
+        </p:txBody>
+      </p:sp>
+      <p:sp>
+        <p:nvSpPr>
+          <p:cNvPr id="65" name="矩形 64"/>
+          <p:cNvSpPr/>
+          <p:nvPr/>
+        </p:nvSpPr>
+        <p:spPr>
+          <a:xfrm>
+            <a:off x="4581456" y="3237513"/>
+            <a:ext cx="138224" cy="138224"/>
+          </a:xfrm>
+          <a:prstGeom prst="rect">
+            <a:avLst/>
+          </a:prstGeom>
+          <a:solidFill>
+            <a:schemeClr val="accent5">
+              <a:lumMod val="50000"/>
+            </a:schemeClr>
+          </a:solidFill>
+          <a:ln>
+            <a:solidFill>
+              <a:schemeClr val="accent5">
+                <a:lumMod val="50000"/>
+              </a:schemeClr>
+            </a:solidFill>
+          </a:ln>
+        </p:spPr>
+        <p:style>
+          <a:lnRef idx="2">
+            <a:schemeClr val="accent1">
+              <a:shade val="50000"/>
+            </a:schemeClr>
+          </a:lnRef>
+          <a:fillRef idx="1">
+            <a:schemeClr val="accent1"/>
+          </a:fillRef>
+          <a:effectRef idx="0">
+            <a:schemeClr val="accent1"/>
+          </a:effectRef>
+          <a:fontRef idx="minor">
+            <a:schemeClr val="lt1"/>
+          </a:fontRef>
+        </p:style>
+        <p:txBody>
+          <a:bodyPr rtlCol="0" anchor="ctr"/>
+          <a:lstStyle/>
+          <a:p>
+            <a:pPr algn="ctr"/>
+            <a:endParaRPr kumimoji="1" lang="zh-CN" altLang="en-US"/>
+          </a:p>
+        </p:txBody>
+      </p:sp>
+      <p:sp>
+        <p:nvSpPr>
+          <p:cNvPr id="66" name="矩形 65"/>
+          <p:cNvSpPr/>
+          <p:nvPr/>
+        </p:nvSpPr>
+        <p:spPr>
+          <a:xfrm>
+            <a:off x="4581456" y="3571594"/>
+            <a:ext cx="138224" cy="138224"/>
+          </a:xfrm>
+          <a:prstGeom prst="rect">
+            <a:avLst/>
+          </a:prstGeom>
+          <a:solidFill>
+            <a:schemeClr val="accent5">
+              <a:lumMod val="50000"/>
+            </a:schemeClr>
+          </a:solidFill>
+          <a:ln>
+            <a:solidFill>
+              <a:schemeClr val="accent5">
+                <a:lumMod val="50000"/>
+              </a:schemeClr>
+            </a:solidFill>
+          </a:ln>
+        </p:spPr>
+        <p:style>
+          <a:lnRef idx="2">
+            <a:schemeClr val="accent1">
+              <a:shade val="50000"/>
+            </a:schemeClr>
+          </a:lnRef>
+          <a:fillRef idx="1">
+            <a:schemeClr val="accent1"/>
+          </a:fillRef>
+          <a:effectRef idx="0">
+            <a:schemeClr val="accent1"/>
+          </a:effectRef>
+          <a:fontRef idx="minor">
+            <a:schemeClr val="lt1"/>
+          </a:fontRef>
+        </p:style>
+        <p:txBody>
+          <a:bodyPr rtlCol="0" anchor="ctr"/>
+          <a:lstStyle/>
+          <a:p>
+            <a:pPr algn="ctr"/>
+            <a:endParaRPr kumimoji="1" lang="zh-CN" altLang="en-US"/>
+          </a:p>
+        </p:txBody>
+      </p:sp>
+      <p:sp>
+        <p:nvSpPr>
+          <p:cNvPr id="67" name="矩形 66"/>
+          <p:cNvSpPr/>
+          <p:nvPr/>
+        </p:nvSpPr>
+        <p:spPr>
+          <a:xfrm>
+            <a:off x="4570805" y="3906208"/>
+            <a:ext cx="138224" cy="138224"/>
+          </a:xfrm>
+          <a:prstGeom prst="rect">
+            <a:avLst/>
+          </a:prstGeom>
+          <a:solidFill>
+            <a:schemeClr val="accent5">
+              <a:lumMod val="50000"/>
+            </a:schemeClr>
+          </a:solidFill>
+          <a:ln>
+            <a:solidFill>
+              <a:schemeClr val="accent5">
+                <a:lumMod val="50000"/>
+              </a:schemeClr>
+            </a:solidFill>
+          </a:ln>
+        </p:spPr>
+        <p:style>
+          <a:lnRef idx="2">
+            <a:schemeClr val="accent1">
+              <a:shade val="50000"/>
+            </a:schemeClr>
+          </a:lnRef>
+          <a:fillRef idx="1">
+            <a:schemeClr val="accent1"/>
+          </a:fillRef>
+          <a:effectRef idx="0">
+            <a:schemeClr val="accent1"/>
+          </a:effectRef>
+          <a:fontRef idx="minor">
+            <a:schemeClr val="lt1"/>
+          </a:fontRef>
+        </p:style>
+        <p:txBody>
+          <a:bodyPr rtlCol="0" anchor="ctr"/>
+          <a:lstStyle/>
+          <a:p>
+            <a:pPr algn="ctr"/>
+            <a:endParaRPr kumimoji="1" lang="zh-CN" altLang="en-US"/>
+          </a:p>
+        </p:txBody>
+      </p:sp>
+      <p:sp>
+        <p:nvSpPr>
+          <p:cNvPr id="68" name="矩形 67"/>
+          <p:cNvSpPr/>
+          <p:nvPr/>
+        </p:nvSpPr>
+        <p:spPr>
+          <a:xfrm>
+            <a:off x="4562468" y="4241347"/>
+            <a:ext cx="138224" cy="138224"/>
+          </a:xfrm>
+          <a:prstGeom prst="rect">
+            <a:avLst/>
+          </a:prstGeom>
+          <a:solidFill>
+            <a:schemeClr val="accent5">
+              <a:lumMod val="50000"/>
+            </a:schemeClr>
+          </a:solidFill>
+          <a:ln>
+            <a:solidFill>
+              <a:schemeClr val="accent5">
+                <a:lumMod val="50000"/>
+              </a:schemeClr>
+            </a:solidFill>
+          </a:ln>
+        </p:spPr>
+        <p:style>
+          <a:lnRef idx="2">
+            <a:schemeClr val="accent1">
+              <a:shade val="50000"/>
+            </a:schemeClr>
+          </a:lnRef>
+          <a:fillRef idx="1">
+            <a:schemeClr val="accent1"/>
+          </a:fillRef>
+          <a:effectRef idx="0">
+            <a:schemeClr val="accent1"/>
+          </a:effectRef>
+          <a:fontRef idx="minor">
+            <a:schemeClr val="lt1"/>
+          </a:fontRef>
+        </p:style>
+        <p:txBody>
+          <a:bodyPr rtlCol="0" anchor="ctr"/>
+          <a:lstStyle/>
+          <a:p>
+            <a:pPr algn="ctr"/>
+            <a:endParaRPr kumimoji="1" lang="zh-CN" altLang="en-US"/>
+          </a:p>
+        </p:txBody>
+      </p:sp>
+      <p:sp>
+        <p:nvSpPr>
+          <p:cNvPr id="69" name="矩形 68"/>
+          <p:cNvSpPr/>
+          <p:nvPr/>
+        </p:nvSpPr>
+        <p:spPr>
+          <a:xfrm>
+            <a:off x="4570805" y="4592330"/>
+            <a:ext cx="138224" cy="138224"/>
+          </a:xfrm>
+          <a:prstGeom prst="rect">
+            <a:avLst/>
+          </a:prstGeom>
+          <a:solidFill>
+            <a:schemeClr val="accent5">
+              <a:lumMod val="50000"/>
+            </a:schemeClr>
+          </a:solidFill>
+          <a:ln>
+            <a:solidFill>
+              <a:schemeClr val="accent5">
+                <a:lumMod val="50000"/>
+              </a:schemeClr>
+            </a:solidFill>
+          </a:ln>
+        </p:spPr>
+        <p:style>
+          <a:lnRef idx="2">
+            <a:schemeClr val="accent1">
+              <a:shade val="50000"/>
+            </a:schemeClr>
+          </a:lnRef>
+          <a:fillRef idx="1">
+            <a:schemeClr val="accent1"/>
+          </a:fillRef>
+          <a:effectRef idx="0">
+            <a:schemeClr val="accent1"/>
+          </a:effectRef>
+          <a:fontRef idx="minor">
+            <a:schemeClr val="lt1"/>
+          </a:fontRef>
+        </p:style>
+        <p:txBody>
+          <a:bodyPr rtlCol="0" anchor="ctr"/>
+          <a:lstStyle/>
+          <a:p>
+            <a:pPr algn="ctr"/>
+            <a:endParaRPr kumimoji="1" lang="zh-CN" altLang="en-US"/>
+          </a:p>
+        </p:txBody>
+      </p:sp>
+      <p:sp>
+        <p:nvSpPr>
+          <p:cNvPr id="70" name="矩形 69"/>
+          <p:cNvSpPr/>
+          <p:nvPr/>
+        </p:nvSpPr>
+        <p:spPr>
+          <a:xfrm>
+            <a:off x="1974968" y="4929593"/>
+            <a:ext cx="138224" cy="138224"/>
+          </a:xfrm>
+          <a:prstGeom prst="rect">
+            <a:avLst/>
+          </a:prstGeom>
+          <a:solidFill>
+            <a:schemeClr val="accent5">
+              <a:lumMod val="50000"/>
+            </a:schemeClr>
+          </a:solidFill>
+          <a:ln>
+            <a:solidFill>
+              <a:schemeClr val="accent5">
+                <a:lumMod val="50000"/>
+              </a:schemeClr>
+            </a:solidFill>
+          </a:ln>
+        </p:spPr>
+        <p:style>
+          <a:lnRef idx="2">
+            <a:schemeClr val="accent1">
+              <a:shade val="50000"/>
+            </a:schemeClr>
+          </a:lnRef>
+          <a:fillRef idx="1">
+            <a:schemeClr val="accent1"/>
+          </a:fillRef>
+          <a:effectRef idx="0">
+            <a:schemeClr val="accent1"/>
+          </a:effectRef>
+          <a:fontRef idx="minor">
+            <a:schemeClr val="lt1"/>
+          </a:fontRef>
+        </p:style>
+        <p:txBody>
+          <a:bodyPr rtlCol="0" anchor="ctr"/>
+          <a:lstStyle/>
+          <a:p>
+            <a:pPr algn="ctr"/>
+            <a:endParaRPr kumimoji="1" lang="zh-CN" altLang="en-US"/>
+          </a:p>
+        </p:txBody>
+      </p:sp>
+      <p:sp>
+        <p:nvSpPr>
+          <p:cNvPr id="71" name="椭圆 70"/>
+          <p:cNvSpPr/>
+          <p:nvPr/>
+        </p:nvSpPr>
+        <p:spPr>
+          <a:xfrm>
+            <a:off x="1964336" y="5254340"/>
+            <a:ext cx="159488" cy="159488"/>
+          </a:xfrm>
+          <a:prstGeom prst="ellipse">
+            <a:avLst/>
+          </a:prstGeom>
+          <a:solidFill>
+            <a:schemeClr val="accent5">
+              <a:lumMod val="50000"/>
+            </a:schemeClr>
+          </a:solidFill>
+          <a:ln>
+            <a:solidFill>
+              <a:schemeClr val="accent5">
+                <a:lumMod val="50000"/>
+              </a:schemeClr>
+            </a:solidFill>
+          </a:ln>
+        </p:spPr>
+        <p:style>
+          <a:lnRef idx="2">
+            <a:schemeClr val="accent1">
+              <a:shade val="50000"/>
+            </a:schemeClr>
+          </a:lnRef>
+          <a:fillRef idx="1">
+            <a:schemeClr val="accent1"/>
+          </a:fillRef>
+          <a:effectRef idx="0">
+            <a:schemeClr val="accent1"/>
+          </a:effectRef>
+          <a:fontRef idx="minor">
+            <a:schemeClr val="lt1"/>
+          </a:fontRef>
+        </p:style>
+        <p:txBody>
+          <a:bodyPr rtlCol="0" anchor="ctr"/>
+          <a:lstStyle/>
+          <a:p>
+            <a:pPr algn="ctr"/>
+            <a:endParaRPr kumimoji="1" lang="zh-CN" altLang="en-US"/>
+          </a:p>
+        </p:txBody>
+      </p:sp>
+      <p:sp>
+        <p:nvSpPr>
+          <p:cNvPr id="72" name="矩形 71"/>
+          <p:cNvSpPr/>
+          <p:nvPr/>
+        </p:nvSpPr>
+        <p:spPr>
+          <a:xfrm>
+            <a:off x="2351036" y="5264293"/>
+            <a:ext cx="138224" cy="138224"/>
+          </a:xfrm>
+          <a:prstGeom prst="rect">
+            <a:avLst/>
+          </a:prstGeom>
+          <a:solidFill>
+            <a:schemeClr val="accent5">
+              <a:lumMod val="50000"/>
+            </a:schemeClr>
+          </a:solidFill>
+          <a:ln>
+            <a:solidFill>
+              <a:schemeClr val="accent5">
+                <a:lumMod val="50000"/>
+              </a:schemeClr>
+            </a:solidFill>
+          </a:ln>
+        </p:spPr>
+        <p:style>
+          <a:lnRef idx="2">
+            <a:schemeClr val="accent1">
+              <a:shade val="50000"/>
+            </a:schemeClr>
+          </a:lnRef>
+          <a:fillRef idx="1">
+            <a:schemeClr val="accent1"/>
+          </a:fillRef>
+          <a:effectRef idx="0">
+            <a:schemeClr val="accent1"/>
+          </a:effectRef>
+          <a:fontRef idx="minor">
+            <a:schemeClr val="lt1"/>
+          </a:fontRef>
+        </p:style>
+        <p:txBody>
+          <a:bodyPr rtlCol="0" anchor="ctr"/>
+          <a:lstStyle/>
+          <a:p>
+            <a:pPr algn="ctr"/>
+            <a:endParaRPr kumimoji="1" lang="zh-CN" altLang="en-US"/>
+          </a:p>
+        </p:txBody>
+      </p:sp>
+      <p:sp>
+        <p:nvSpPr>
+          <p:cNvPr id="73" name="椭圆 72"/>
+          <p:cNvSpPr/>
+          <p:nvPr/>
+        </p:nvSpPr>
+        <p:spPr>
+          <a:xfrm>
+            <a:off x="2704334" y="5252744"/>
+            <a:ext cx="159488" cy="159488"/>
+          </a:xfrm>
+          <a:prstGeom prst="ellipse">
+            <a:avLst/>
+          </a:prstGeom>
+          <a:solidFill>
+            <a:schemeClr val="accent5">
+              <a:lumMod val="50000"/>
+            </a:schemeClr>
+          </a:solidFill>
+          <a:ln>
+            <a:solidFill>
+              <a:schemeClr val="accent5">
+                <a:lumMod val="50000"/>
+              </a:schemeClr>
+            </a:solidFill>
+          </a:ln>
+        </p:spPr>
+        <p:style>
+          <a:lnRef idx="2">
+            <a:schemeClr val="accent1">
+              <a:shade val="50000"/>
+            </a:schemeClr>
+          </a:lnRef>
+          <a:fillRef idx="1">
+            <a:schemeClr val="accent1"/>
+          </a:fillRef>
+          <a:effectRef idx="0">
+            <a:schemeClr val="accent1"/>
+          </a:effectRef>
+          <a:fontRef idx="minor">
+            <a:schemeClr val="lt1"/>
+          </a:fontRef>
+        </p:style>
+        <p:txBody>
+          <a:bodyPr rtlCol="0" anchor="ctr"/>
+          <a:lstStyle/>
+          <a:p>
+            <a:pPr algn="ctr"/>
+            <a:endParaRPr kumimoji="1" lang="zh-CN" altLang="en-US"/>
+          </a:p>
+        </p:txBody>
+      </p:sp>
+      <p:cxnSp>
+        <p:nvCxnSpPr>
+          <p:cNvPr id="1302" name="直线连接符 1301"/>
+          <p:cNvCxnSpPr>
+            <a:stCxn id="5" idx="6"/>
+            <a:endCxn id="6" idx="1"/>
+          </p:cNvCxnSpPr>
+          <p:nvPr/>
+        </p:nvCxnSpPr>
+        <p:spPr>
+          <a:xfrm flipV="1">
+            <a:off x="1368713" y="2970954"/>
+            <a:ext cx="238545" cy="671669"/>
+          </a:xfrm>
+          <a:prstGeom prst="line">
+            <a:avLst/>
+          </a:prstGeom>
+          <a:ln w="25400">
+            <a:solidFill>
+              <a:schemeClr val="accent5">
+                <a:lumMod val="50000"/>
+              </a:schemeClr>
+            </a:solidFill>
+          </a:ln>
+        </p:spPr>
+        <p:style>
+          <a:lnRef idx="1">
+            <a:schemeClr val="accent1"/>
+          </a:lnRef>
+          <a:fillRef idx="0">
+            <a:schemeClr val="accent1"/>
+          </a:fillRef>
+          <a:effectRef idx="0">
+            <a:schemeClr val="accent1"/>
+          </a:effectRef>
+          <a:fontRef idx="minor">
+            <a:schemeClr val="tx1"/>
+          </a:fontRef>
+        </p:style>
+      </p:cxnSp>
+      <p:cxnSp>
+        <p:nvCxnSpPr>
+          <p:cNvPr id="1304" name="直线连接符 1303"/>
+          <p:cNvCxnSpPr>
+            <a:stCxn id="6" idx="3"/>
+            <a:endCxn id="11" idx="2"/>
+          </p:cNvCxnSpPr>
+          <p:nvPr/>
+        </p:nvCxnSpPr>
+        <p:spPr>
+          <a:xfrm flipV="1">
+            <a:off x="1745482" y="2634765"/>
+            <a:ext cx="242771" cy="336189"/>
+          </a:xfrm>
+          <a:prstGeom prst="line">
+            <a:avLst/>
+          </a:prstGeom>
+          <a:ln w="25400">
+            <a:solidFill>
+              <a:schemeClr val="accent5">
+                <a:lumMod val="50000"/>
+              </a:schemeClr>
+            </a:solidFill>
+          </a:ln>
+        </p:spPr>
+        <p:style>
+          <a:lnRef idx="1">
+            <a:schemeClr val="accent1"/>
+          </a:lnRef>
+          <a:fillRef idx="0">
+            <a:schemeClr val="accent1"/>
+          </a:fillRef>
+          <a:effectRef idx="0">
+            <a:schemeClr val="accent1"/>
+          </a:effectRef>
+          <a:fontRef idx="minor">
+            <a:schemeClr val="tx1"/>
+          </a:fontRef>
+        </p:style>
+      </p:cxnSp>
+      <p:cxnSp>
+        <p:nvCxnSpPr>
+          <p:cNvPr id="1306" name="直线连接符 1305"/>
+          <p:cNvCxnSpPr>
+            <a:stCxn id="11" idx="6"/>
+            <a:endCxn id="15" idx="1"/>
+          </p:cNvCxnSpPr>
+          <p:nvPr/>
+        </p:nvCxnSpPr>
+        <p:spPr>
+          <a:xfrm flipV="1">
+            <a:off x="2147741" y="2292938"/>
+            <a:ext cx="203295" cy="341827"/>
+          </a:xfrm>
+          <a:prstGeom prst="line">
+            <a:avLst/>
+          </a:prstGeom>
+          <a:ln w="25400">
+            <a:solidFill>
+              <a:schemeClr val="accent5">
+                <a:lumMod val="50000"/>
+              </a:schemeClr>
+            </a:solidFill>
+          </a:ln>
+        </p:spPr>
+        <p:style>
+          <a:lnRef idx="1">
+            <a:schemeClr val="accent1"/>
+          </a:lnRef>
+          <a:fillRef idx="0">
+            <a:schemeClr val="accent1"/>
+          </a:fillRef>
+          <a:effectRef idx="0">
+            <a:schemeClr val="accent1"/>
+          </a:effectRef>
+          <a:fontRef idx="minor">
+            <a:schemeClr val="tx1"/>
+          </a:fontRef>
+        </p:style>
+      </p:cxnSp>
+      <p:cxnSp>
+        <p:nvCxnSpPr>
+          <p:cNvPr id="1308" name="直线连接符 1307"/>
+          <p:cNvCxnSpPr>
+            <a:stCxn id="11" idx="6"/>
+            <a:endCxn id="13" idx="1"/>
+          </p:cNvCxnSpPr>
+          <p:nvPr/>
+        </p:nvCxnSpPr>
+        <p:spPr>
+          <a:xfrm>
+            <a:off x="2147741" y="2634765"/>
+            <a:ext cx="213927" cy="326180"/>
+          </a:xfrm>
+          <a:prstGeom prst="line">
+            <a:avLst/>
+          </a:prstGeom>
+          <a:ln w="25400">
+            <a:solidFill>
+              <a:schemeClr val="accent5">
+                <a:lumMod val="50000"/>
+              </a:schemeClr>
+            </a:solidFill>
+          </a:ln>
+        </p:spPr>
+        <p:style>
+          <a:lnRef idx="1">
+            <a:schemeClr val="accent1"/>
+          </a:lnRef>
+          <a:fillRef idx="0">
+            <a:schemeClr val="accent1"/>
+          </a:fillRef>
+          <a:effectRef idx="0">
+            <a:schemeClr val="accent1"/>
+          </a:effectRef>
+          <a:fontRef idx="minor">
+            <a:schemeClr val="tx1"/>
+          </a:fontRef>
+        </p:style>
+      </p:cxnSp>
+      <p:cxnSp>
+        <p:nvCxnSpPr>
+          <p:cNvPr id="1310" name="直线连接符 1309"/>
+          <p:cNvCxnSpPr>
+            <a:stCxn id="6" idx="3"/>
+            <a:endCxn id="12" idx="2"/>
+          </p:cNvCxnSpPr>
+          <p:nvPr/>
+        </p:nvCxnSpPr>
+        <p:spPr>
+          <a:xfrm>
+            <a:off x="1745482" y="2970954"/>
+            <a:ext cx="218854" cy="331640"/>
+          </a:xfrm>
+          <a:prstGeom prst="line">
+            <a:avLst/>
+          </a:prstGeom>
+          <a:ln w="25400">
+            <a:solidFill>
+              <a:schemeClr val="accent5">
+                <a:lumMod val="50000"/>
+              </a:schemeClr>
+            </a:solidFill>
+          </a:ln>
+        </p:spPr>
+        <p:style>
+          <a:lnRef idx="1">
+            <a:schemeClr val="accent1"/>
+          </a:lnRef>
+          <a:fillRef idx="0">
+            <a:schemeClr val="accent1"/>
+          </a:fillRef>
+          <a:effectRef idx="0">
+            <a:schemeClr val="accent1"/>
+          </a:effectRef>
+          <a:fontRef idx="minor">
+            <a:schemeClr val="tx1"/>
+          </a:fontRef>
+        </p:style>
+      </p:cxnSp>
+      <p:cxnSp>
+        <p:nvCxnSpPr>
+          <p:cNvPr id="1312" name="直线连接符 1311"/>
+          <p:cNvCxnSpPr>
+            <a:stCxn id="12" idx="6"/>
+            <a:endCxn id="14" idx="1"/>
+          </p:cNvCxnSpPr>
+          <p:nvPr/>
+        </p:nvCxnSpPr>
+        <p:spPr>
+          <a:xfrm>
+            <a:off x="2123824" y="3302594"/>
+            <a:ext cx="237844" cy="8063"/>
+          </a:xfrm>
+          <a:prstGeom prst="line">
+            <a:avLst/>
+          </a:prstGeom>
+          <a:ln w="25400">
+            <a:solidFill>
+              <a:schemeClr val="accent5">
+                <a:lumMod val="50000"/>
+              </a:schemeClr>
+            </a:solidFill>
+          </a:ln>
+        </p:spPr>
+        <p:style>
+          <a:lnRef idx="1">
+            <a:schemeClr val="accent1"/>
+          </a:lnRef>
+          <a:fillRef idx="0">
+            <a:schemeClr val="accent1"/>
+          </a:fillRef>
+          <a:effectRef idx="0">
+            <a:schemeClr val="accent1"/>
+          </a:effectRef>
+          <a:fontRef idx="minor">
+            <a:schemeClr val="tx1"/>
+          </a:fontRef>
+        </p:style>
+      </p:cxnSp>
+      <p:cxnSp>
+        <p:nvCxnSpPr>
+          <p:cNvPr id="1314" name="直线连接符 1313"/>
+          <p:cNvCxnSpPr>
+            <a:stCxn id="5" idx="6"/>
+            <a:endCxn id="7" idx="2"/>
+          </p:cNvCxnSpPr>
+          <p:nvPr/>
+        </p:nvCxnSpPr>
+        <p:spPr>
+          <a:xfrm>
+            <a:off x="1368713" y="3642623"/>
+            <a:ext cx="228590" cy="0"/>
+          </a:xfrm>
+          <a:prstGeom prst="line">
+            <a:avLst/>
+          </a:prstGeom>
+          <a:ln w="25400">
+            <a:solidFill>
+              <a:schemeClr val="accent5">
+                <a:lumMod val="50000"/>
+              </a:schemeClr>
+            </a:solidFill>
+          </a:ln>
+        </p:spPr>
+        <p:style>
+          <a:lnRef idx="1">
+            <a:schemeClr val="accent1"/>
+          </a:lnRef>
+          <a:fillRef idx="0">
+            <a:schemeClr val="accent1"/>
+          </a:fillRef>
+          <a:effectRef idx="0">
+            <a:schemeClr val="accent1"/>
+          </a:effectRef>
+          <a:fontRef idx="minor">
+            <a:schemeClr val="tx1"/>
+          </a:fontRef>
+        </p:style>
+      </p:cxnSp>
+      <p:cxnSp>
+        <p:nvCxnSpPr>
+          <p:cNvPr id="1316" name="直线连接符 1315"/>
+          <p:cNvCxnSpPr>
+            <a:stCxn id="7" idx="6"/>
+            <a:endCxn id="17" idx="2"/>
+          </p:cNvCxnSpPr>
+          <p:nvPr/>
+        </p:nvCxnSpPr>
+        <p:spPr>
+          <a:xfrm>
+            <a:off x="1756791" y="3642623"/>
+            <a:ext cx="218677" cy="4433"/>
+          </a:xfrm>
+          <a:prstGeom prst="line">
+            <a:avLst/>
+          </a:prstGeom>
+          <a:ln w="25400">
+            <a:solidFill>
+              <a:schemeClr val="accent5">
+                <a:lumMod val="50000"/>
+              </a:schemeClr>
+            </a:solidFill>
+          </a:ln>
+        </p:spPr>
+        <p:style>
+          <a:lnRef idx="1">
+            <a:schemeClr val="accent1"/>
+          </a:lnRef>
+          <a:fillRef idx="0">
+            <a:schemeClr val="accent1"/>
+          </a:fillRef>
+          <a:effectRef idx="0">
+            <a:schemeClr val="accent1"/>
+          </a:effectRef>
+          <a:fontRef idx="minor">
+            <a:schemeClr val="tx1"/>
+          </a:fontRef>
+        </p:style>
+      </p:cxnSp>
+      <p:cxnSp>
+        <p:nvCxnSpPr>
+          <p:cNvPr id="1318" name="直线连接符 1317"/>
+          <p:cNvCxnSpPr>
+            <a:stCxn id="17" idx="6"/>
+            <a:endCxn id="20" idx="1"/>
+          </p:cNvCxnSpPr>
+          <p:nvPr/>
+        </p:nvCxnSpPr>
+        <p:spPr>
+          <a:xfrm>
+            <a:off x="2134956" y="3647056"/>
+            <a:ext cx="211250" cy="4312"/>
+          </a:xfrm>
+          <a:prstGeom prst="line">
+            <a:avLst/>
+          </a:prstGeom>
+          <a:ln w="25400">
+            <a:solidFill>
+              <a:schemeClr val="accent5">
+                <a:lumMod val="50000"/>
+              </a:schemeClr>
+            </a:solidFill>
+          </a:ln>
+        </p:spPr>
+        <p:style>
+          <a:lnRef idx="1">
+            <a:schemeClr val="accent1"/>
+          </a:lnRef>
+          <a:fillRef idx="0">
+            <a:schemeClr val="accent1"/>
+          </a:fillRef>
+          <a:effectRef idx="0">
+            <a:schemeClr val="accent1"/>
+          </a:effectRef>
+          <a:fontRef idx="minor">
+            <a:schemeClr val="tx1"/>
+          </a:fontRef>
+        </p:style>
+      </p:cxnSp>
+      <p:cxnSp>
+        <p:nvCxnSpPr>
+          <p:cNvPr id="1320" name="直线连接符 1319"/>
+          <p:cNvCxnSpPr>
+            <a:stCxn id="20" idx="3"/>
+            <a:endCxn id="19" idx="2"/>
+          </p:cNvCxnSpPr>
+          <p:nvPr/>
+        </p:nvCxnSpPr>
+        <p:spPr>
+          <a:xfrm flipV="1">
+            <a:off x="2484430" y="3300104"/>
+            <a:ext cx="229532" cy="351264"/>
+          </a:xfrm>
+          <a:prstGeom prst="line">
+            <a:avLst/>
+          </a:prstGeom>
+          <a:ln w="25400">
+            <a:solidFill>
+              <a:schemeClr val="accent5">
+                <a:lumMod val="50000"/>
+              </a:schemeClr>
+            </a:solidFill>
+          </a:ln>
+        </p:spPr>
+        <p:style>
+          <a:lnRef idx="1">
+            <a:schemeClr val="accent1"/>
+          </a:lnRef>
+          <a:fillRef idx="0">
+            <a:schemeClr val="accent1"/>
+          </a:fillRef>
+          <a:effectRef idx="0">
+            <a:schemeClr val="accent1"/>
+          </a:effectRef>
+          <a:fontRef idx="minor">
+            <a:schemeClr val="tx1"/>
+          </a:fontRef>
+        </p:style>
+      </p:cxnSp>
+      <p:cxnSp>
+        <p:nvCxnSpPr>
+          <p:cNvPr id="1322" name="直线连接符 1321"/>
+          <p:cNvCxnSpPr>
+            <a:stCxn id="20" idx="3"/>
+            <a:endCxn id="21" idx="2"/>
+          </p:cNvCxnSpPr>
+          <p:nvPr/>
+        </p:nvCxnSpPr>
+        <p:spPr>
+          <a:xfrm>
+            <a:off x="2484430" y="3651368"/>
+            <a:ext cx="229532" cy="319093"/>
+          </a:xfrm>
+          <a:prstGeom prst="line">
+            <a:avLst/>
+          </a:prstGeom>
+          <a:ln w="25400">
+            <a:solidFill>
+              <a:schemeClr val="accent5">
+                <a:lumMod val="50000"/>
+              </a:schemeClr>
+            </a:solidFill>
+          </a:ln>
+        </p:spPr>
+        <p:style>
+          <a:lnRef idx="1">
+            <a:schemeClr val="accent1"/>
+          </a:lnRef>
+          <a:fillRef idx="0">
+            <a:schemeClr val="accent1"/>
+          </a:fillRef>
+          <a:effectRef idx="0">
+            <a:schemeClr val="accent1"/>
+          </a:effectRef>
+          <a:fontRef idx="minor">
+            <a:schemeClr val="tx1"/>
+          </a:fontRef>
+        </p:style>
+      </p:cxnSp>
+      <p:cxnSp>
+        <p:nvCxnSpPr>
+          <p:cNvPr id="1324" name="直线连接符 1323"/>
+          <p:cNvCxnSpPr>
+            <a:stCxn id="19" idx="6"/>
+            <a:endCxn id="22" idx="2"/>
+          </p:cNvCxnSpPr>
+          <p:nvPr/>
+        </p:nvCxnSpPr>
+        <p:spPr>
+          <a:xfrm flipV="1">
+            <a:off x="2873450" y="2981586"/>
+            <a:ext cx="207336" cy="318518"/>
+          </a:xfrm>
+          <a:prstGeom prst="line">
+            <a:avLst/>
+          </a:prstGeom>
+          <a:ln w="25400">
+            <a:solidFill>
+              <a:schemeClr val="accent5">
+                <a:lumMod val="50000"/>
+              </a:schemeClr>
+            </a:solidFill>
+          </a:ln>
+        </p:spPr>
+        <p:style>
+          <a:lnRef idx="1">
+            <a:schemeClr val="accent1"/>
+          </a:lnRef>
+          <a:fillRef idx="0">
+            <a:schemeClr val="accent1"/>
+          </a:fillRef>
+          <a:effectRef idx="0">
+            <a:schemeClr val="accent1"/>
+          </a:effectRef>
+          <a:fontRef idx="minor">
+            <a:schemeClr val="tx1"/>
+          </a:fontRef>
+        </p:style>
+      </p:cxnSp>
+      <p:cxnSp>
+        <p:nvCxnSpPr>
+          <p:cNvPr id="1326" name="直线连接符 1325"/>
+          <p:cNvCxnSpPr>
+            <a:stCxn id="19" idx="6"/>
+            <a:endCxn id="23" idx="2"/>
+          </p:cNvCxnSpPr>
+          <p:nvPr/>
+        </p:nvCxnSpPr>
+        <p:spPr>
+          <a:xfrm>
+            <a:off x="2873450" y="3300104"/>
+            <a:ext cx="195594" cy="334130"/>
+          </a:xfrm>
+          <a:prstGeom prst="line">
+            <a:avLst/>
+          </a:prstGeom>
+          <a:ln w="25400">
+            <a:solidFill>
+              <a:schemeClr val="accent5">
+                <a:lumMod val="50000"/>
+              </a:schemeClr>
+            </a:solidFill>
+          </a:ln>
+        </p:spPr>
+        <p:style>
+          <a:lnRef idx="1">
+            <a:schemeClr val="accent1"/>
+          </a:lnRef>
+          <a:fillRef idx="0">
+            <a:schemeClr val="accent1"/>
+          </a:fillRef>
+          <a:effectRef idx="0">
+            <a:schemeClr val="accent1"/>
+          </a:effectRef>
+          <a:fontRef idx="minor">
+            <a:schemeClr val="tx1"/>
+          </a:fontRef>
+        </p:style>
+      </p:cxnSp>
+      <p:cxnSp>
+        <p:nvCxnSpPr>
+          <p:cNvPr id="1329" name="直线连接符 1328"/>
+          <p:cNvCxnSpPr>
+            <a:stCxn id="23" idx="6"/>
+            <a:endCxn id="24" idx="1"/>
+          </p:cNvCxnSpPr>
+          <p:nvPr/>
+        </p:nvCxnSpPr>
+        <p:spPr>
+          <a:xfrm flipV="1">
+            <a:off x="3228532" y="3310736"/>
+            <a:ext cx="235056" cy="323498"/>
+          </a:xfrm>
+          <a:prstGeom prst="line">
+            <a:avLst/>
+          </a:prstGeom>
+          <a:ln w="25400">
+            <a:solidFill>
+              <a:schemeClr val="accent5">
+                <a:lumMod val="50000"/>
+              </a:schemeClr>
+            </a:solidFill>
+          </a:ln>
+        </p:spPr>
+        <p:style>
+          <a:lnRef idx="1">
+            <a:schemeClr val="accent1"/>
+          </a:lnRef>
+          <a:fillRef idx="0">
+            <a:schemeClr val="accent1"/>
+          </a:fillRef>
+          <a:effectRef idx="0">
+            <a:schemeClr val="accent1"/>
+          </a:effectRef>
+          <a:fontRef idx="minor">
+            <a:schemeClr val="tx1"/>
+          </a:fontRef>
+        </p:style>
+      </p:cxnSp>
+      <p:cxnSp>
+        <p:nvCxnSpPr>
+          <p:cNvPr id="1331" name="直线连接符 1330"/>
+          <p:cNvCxnSpPr>
+            <a:stCxn id="23" idx="6"/>
+            <a:endCxn id="25" idx="2"/>
+          </p:cNvCxnSpPr>
+          <p:nvPr/>
+        </p:nvCxnSpPr>
+        <p:spPr>
+          <a:xfrm>
+            <a:off x="3228532" y="3634234"/>
+            <a:ext cx="213792" cy="347717"/>
+          </a:xfrm>
+          <a:prstGeom prst="line">
+            <a:avLst/>
+          </a:prstGeom>
+          <a:ln w="25400">
+            <a:solidFill>
+              <a:schemeClr val="accent5">
+                <a:lumMod val="50000"/>
+              </a:schemeClr>
+            </a:solidFill>
+          </a:ln>
+        </p:spPr>
+        <p:style>
+          <a:lnRef idx="1">
+            <a:schemeClr val="accent1"/>
+          </a:lnRef>
+          <a:fillRef idx="0">
+            <a:schemeClr val="accent1"/>
+          </a:fillRef>
+          <a:effectRef idx="0">
+            <a:schemeClr val="accent1"/>
+          </a:effectRef>
+          <a:fontRef idx="minor">
+            <a:schemeClr val="tx1"/>
+          </a:fontRef>
+        </p:style>
+      </p:cxnSp>
+      <p:cxnSp>
+        <p:nvCxnSpPr>
+          <p:cNvPr id="1333" name="直线连接符 1332"/>
+          <p:cNvCxnSpPr>
+            <a:stCxn id="24" idx="3"/>
+            <a:endCxn id="26" idx="2"/>
+          </p:cNvCxnSpPr>
+          <p:nvPr/>
+        </p:nvCxnSpPr>
+        <p:spPr>
+          <a:xfrm>
+            <a:off x="3601812" y="3310736"/>
+            <a:ext cx="229809" cy="0"/>
+          </a:xfrm>
+          <a:prstGeom prst="line">
+            <a:avLst/>
+          </a:prstGeom>
+          <a:ln w="25400">
+            <a:solidFill>
+              <a:schemeClr val="accent5">
+                <a:lumMod val="50000"/>
+              </a:schemeClr>
+            </a:solidFill>
+          </a:ln>
+        </p:spPr>
+        <p:style>
+          <a:lnRef idx="1">
+            <a:schemeClr val="accent1"/>
+          </a:lnRef>
+          <a:fillRef idx="0">
+            <a:schemeClr val="accent1"/>
+          </a:fillRef>
+          <a:effectRef idx="0">
+            <a:schemeClr val="accent1"/>
+          </a:effectRef>
+          <a:fontRef idx="minor">
+            <a:schemeClr val="tx1"/>
+          </a:fontRef>
+        </p:style>
+      </p:cxnSp>
+      <p:cxnSp>
+        <p:nvCxnSpPr>
+          <p:cNvPr id="1335" name="直线连接符 1334"/>
+          <p:cNvCxnSpPr>
+            <a:stCxn id="25" idx="6"/>
+            <a:endCxn id="63" idx="1"/>
+          </p:cNvCxnSpPr>
+          <p:nvPr/>
+        </p:nvCxnSpPr>
+        <p:spPr>
+          <a:xfrm flipV="1">
+            <a:off x="3601812" y="3977321"/>
+            <a:ext cx="229248" cy="4630"/>
+          </a:xfrm>
+          <a:prstGeom prst="line">
+            <a:avLst/>
+          </a:prstGeom>
+          <a:ln w="25400">
+            <a:solidFill>
+              <a:schemeClr val="accent5">
+                <a:lumMod val="50000"/>
+              </a:schemeClr>
+            </a:solidFill>
+          </a:ln>
+        </p:spPr>
+        <p:style>
+          <a:lnRef idx="1">
+            <a:schemeClr val="accent1"/>
+          </a:lnRef>
+          <a:fillRef idx="0">
+            <a:schemeClr val="accent1"/>
+          </a:fillRef>
+          <a:effectRef idx="0">
+            <a:schemeClr val="accent1"/>
+          </a:effectRef>
+          <a:fontRef idx="minor">
+            <a:schemeClr val="tx1"/>
+          </a:fontRef>
+        </p:style>
+      </p:cxnSp>
+      <p:cxnSp>
+        <p:nvCxnSpPr>
+          <p:cNvPr id="1337" name="直线连接符 1336"/>
+          <p:cNvCxnSpPr>
+            <a:stCxn id="63" idx="3"/>
+            <a:endCxn id="64" idx="2"/>
+          </p:cNvCxnSpPr>
+          <p:nvPr/>
+        </p:nvCxnSpPr>
+        <p:spPr>
+          <a:xfrm>
+            <a:off x="3969284" y="3977321"/>
+            <a:ext cx="229370" cy="2001"/>
+          </a:xfrm>
+          <a:prstGeom prst="line">
+            <a:avLst/>
+          </a:prstGeom>
+          <a:ln w="25400">
+            <a:solidFill>
+              <a:schemeClr val="accent5">
+                <a:lumMod val="50000"/>
+              </a:schemeClr>
+            </a:solidFill>
+          </a:ln>
+        </p:spPr>
+        <p:style>
+          <a:lnRef idx="1">
+            <a:schemeClr val="accent1"/>
+          </a:lnRef>
+          <a:fillRef idx="0">
+            <a:schemeClr val="accent1"/>
+          </a:fillRef>
+          <a:effectRef idx="0">
+            <a:schemeClr val="accent1"/>
+          </a:effectRef>
+          <a:fontRef idx="minor">
+            <a:schemeClr val="tx1"/>
+          </a:fontRef>
+        </p:style>
+      </p:cxnSp>
+      <p:cxnSp>
+        <p:nvCxnSpPr>
+          <p:cNvPr id="1339" name="直线连接符 1338"/>
+          <p:cNvCxnSpPr>
+            <a:stCxn id="64" idx="6"/>
+            <a:endCxn id="65" idx="1"/>
+          </p:cNvCxnSpPr>
+          <p:nvPr/>
+        </p:nvCxnSpPr>
+        <p:spPr>
+          <a:xfrm flipV="1">
+            <a:off x="4358142" y="3306625"/>
+            <a:ext cx="223314" cy="672697"/>
+          </a:xfrm>
+          <a:prstGeom prst="line">
+            <a:avLst/>
+          </a:prstGeom>
+          <a:ln w="25400">
+            <a:solidFill>
+              <a:schemeClr val="accent5">
+                <a:lumMod val="50000"/>
+              </a:schemeClr>
+            </a:solidFill>
+          </a:ln>
+        </p:spPr>
+        <p:style>
+          <a:lnRef idx="1">
+            <a:schemeClr val="accent1"/>
+          </a:lnRef>
+          <a:fillRef idx="0">
+            <a:schemeClr val="accent1"/>
+          </a:fillRef>
+          <a:effectRef idx="0">
+            <a:schemeClr val="accent1"/>
+          </a:effectRef>
+          <a:fontRef idx="minor">
+            <a:schemeClr val="tx1"/>
+          </a:fontRef>
+        </p:style>
+      </p:cxnSp>
+      <p:cxnSp>
+        <p:nvCxnSpPr>
+          <p:cNvPr id="1342" name="直线连接符 1341"/>
+          <p:cNvCxnSpPr>
+            <a:stCxn id="64" idx="6"/>
+            <a:endCxn id="66" idx="1"/>
+          </p:cNvCxnSpPr>
+          <p:nvPr/>
+        </p:nvCxnSpPr>
+        <p:spPr>
+          <a:xfrm flipV="1">
+            <a:off x="4358142" y="3640706"/>
+            <a:ext cx="223314" cy="338616"/>
+          </a:xfrm>
+          <a:prstGeom prst="line">
+            <a:avLst/>
+          </a:prstGeom>
+          <a:ln w="25400">
+            <a:solidFill>
+              <a:schemeClr val="accent5">
+                <a:lumMod val="50000"/>
+              </a:schemeClr>
+            </a:solidFill>
+          </a:ln>
+        </p:spPr>
+        <p:style>
+          <a:lnRef idx="1">
+            <a:schemeClr val="accent1"/>
+          </a:lnRef>
+          <a:fillRef idx="0">
+            <a:schemeClr val="accent1"/>
+          </a:fillRef>
+          <a:effectRef idx="0">
+            <a:schemeClr val="accent1"/>
+          </a:effectRef>
+          <a:fontRef idx="minor">
+            <a:schemeClr val="tx1"/>
+          </a:fontRef>
+        </p:style>
+      </p:cxnSp>
+      <p:cxnSp>
+        <p:nvCxnSpPr>
+          <p:cNvPr id="1344" name="直线连接符 1343"/>
+          <p:cNvCxnSpPr>
+            <a:stCxn id="64" idx="6"/>
+            <a:endCxn id="67" idx="1"/>
+          </p:cNvCxnSpPr>
+          <p:nvPr/>
+        </p:nvCxnSpPr>
+        <p:spPr>
+          <a:xfrm flipV="1">
+            <a:off x="4358142" y="3975320"/>
+            <a:ext cx="212663" cy="4002"/>
+          </a:xfrm>
+          <a:prstGeom prst="line">
+            <a:avLst/>
+          </a:prstGeom>
+          <a:ln w="25400">
+            <a:solidFill>
+              <a:schemeClr val="accent5">
+                <a:lumMod val="50000"/>
+              </a:schemeClr>
+            </a:solidFill>
+          </a:ln>
+        </p:spPr>
+        <p:style>
+          <a:lnRef idx="1">
+            <a:schemeClr val="accent1"/>
+          </a:lnRef>
+          <a:fillRef idx="0">
+            <a:schemeClr val="accent1"/>
+          </a:fillRef>
+          <a:effectRef idx="0">
+            <a:schemeClr val="accent1"/>
+          </a:effectRef>
+          <a:fontRef idx="minor">
+            <a:schemeClr val="tx1"/>
+          </a:fontRef>
+        </p:style>
+      </p:cxnSp>
+      <p:cxnSp>
+        <p:nvCxnSpPr>
+          <p:cNvPr id="1346" name="直线连接符 1345"/>
+          <p:cNvCxnSpPr>
+            <a:stCxn id="64" idx="6"/>
+            <a:endCxn id="68" idx="1"/>
+          </p:cNvCxnSpPr>
+          <p:nvPr/>
+        </p:nvCxnSpPr>
+        <p:spPr>
+          <a:xfrm>
+            <a:off x="4358142" y="3979322"/>
+            <a:ext cx="204326" cy="331137"/>
+          </a:xfrm>
+          <a:prstGeom prst="line">
+            <a:avLst/>
+          </a:prstGeom>
+          <a:ln w="25400">
+            <a:solidFill>
+              <a:schemeClr val="accent5">
+                <a:lumMod val="50000"/>
+              </a:schemeClr>
+            </a:solidFill>
+          </a:ln>
+        </p:spPr>
+        <p:style>
+          <a:lnRef idx="1">
+            <a:schemeClr val="accent1"/>
+          </a:lnRef>
+          <a:fillRef idx="0">
+            <a:schemeClr val="accent1"/>
+          </a:fillRef>
+          <a:effectRef idx="0">
+            <a:schemeClr val="accent1"/>
+          </a:effectRef>
+          <a:fontRef idx="minor">
+            <a:schemeClr val="tx1"/>
+          </a:fontRef>
+        </p:style>
+      </p:cxnSp>
+      <p:cxnSp>
+        <p:nvCxnSpPr>
+          <p:cNvPr id="1348" name="直线连接符 1347"/>
+          <p:cNvCxnSpPr>
+            <a:stCxn id="64" idx="6"/>
+            <a:endCxn id="69" idx="1"/>
+          </p:cNvCxnSpPr>
+          <p:nvPr/>
+        </p:nvCxnSpPr>
+        <p:spPr>
+          <a:xfrm>
+            <a:off x="4358142" y="3979322"/>
+            <a:ext cx="212663" cy="682120"/>
+          </a:xfrm>
+          <a:prstGeom prst="line">
+            <a:avLst/>
+          </a:prstGeom>
+          <a:ln w="25400">
+            <a:solidFill>
+              <a:schemeClr val="accent5">
+                <a:lumMod val="50000"/>
+              </a:schemeClr>
+            </a:solidFill>
+          </a:ln>
+        </p:spPr>
+        <p:style>
+          <a:lnRef idx="1">
+            <a:schemeClr val="accent1"/>
+          </a:lnRef>
+          <a:fillRef idx="0">
+            <a:schemeClr val="accent1"/>
+          </a:fillRef>
+          <a:effectRef idx="0">
+            <a:schemeClr val="accent1"/>
+          </a:effectRef>
+          <a:fontRef idx="minor">
+            <a:schemeClr val="tx1"/>
+          </a:fontRef>
+        </p:style>
+      </p:cxnSp>
+      <p:cxnSp>
+        <p:nvCxnSpPr>
+          <p:cNvPr id="1350" name="直线连接符 1349"/>
+          <p:cNvCxnSpPr>
+            <a:stCxn id="5" idx="6"/>
+            <a:endCxn id="8" idx="2"/>
+          </p:cNvCxnSpPr>
+          <p:nvPr/>
+        </p:nvCxnSpPr>
+        <p:spPr>
+          <a:xfrm>
+            <a:off x="1368713" y="3642623"/>
+            <a:ext cx="228590" cy="1369382"/>
+          </a:xfrm>
+          <a:prstGeom prst="line">
+            <a:avLst/>
+          </a:prstGeom>
+          <a:ln w="25400">
+            <a:solidFill>
+              <a:schemeClr val="accent5">
+                <a:lumMod val="50000"/>
+              </a:schemeClr>
+            </a:solidFill>
+          </a:ln>
+        </p:spPr>
+        <p:style>
+          <a:lnRef idx="1">
+            <a:schemeClr val="accent1"/>
+          </a:lnRef>
+          <a:fillRef idx="0">
+            <a:schemeClr val="accent1"/>
+          </a:fillRef>
+          <a:effectRef idx="0">
+            <a:schemeClr val="accent1"/>
+          </a:effectRef>
+          <a:fontRef idx="minor">
+            <a:schemeClr val="tx1"/>
+          </a:fontRef>
+        </p:style>
+      </p:cxnSp>
+      <p:cxnSp>
+        <p:nvCxnSpPr>
+          <p:cNvPr id="1352" name="直线连接符 1351"/>
+          <p:cNvCxnSpPr>
+            <a:stCxn id="8" idx="6"/>
+            <a:endCxn id="16" idx="1"/>
+          </p:cNvCxnSpPr>
+          <p:nvPr/>
+        </p:nvCxnSpPr>
+        <p:spPr>
+          <a:xfrm flipV="1">
+            <a:off x="1756791" y="4646671"/>
+            <a:ext cx="219796" cy="365334"/>
+          </a:xfrm>
+          <a:prstGeom prst="line">
+            <a:avLst/>
+          </a:prstGeom>
+          <a:ln w="25400">
+            <a:solidFill>
+              <a:schemeClr val="accent5">
+                <a:lumMod val="50000"/>
+              </a:schemeClr>
+            </a:solidFill>
+          </a:ln>
+        </p:spPr>
+        <p:style>
+          <a:lnRef idx="1">
+            <a:schemeClr val="accent1"/>
+          </a:lnRef>
+          <a:fillRef idx="0">
+            <a:schemeClr val="accent1"/>
+          </a:fillRef>
+          <a:effectRef idx="0">
+            <a:schemeClr val="accent1"/>
+          </a:effectRef>
+          <a:fontRef idx="minor">
+            <a:schemeClr val="tx1"/>
+          </a:fontRef>
+        </p:style>
+      </p:cxnSp>
+      <p:cxnSp>
+        <p:nvCxnSpPr>
+          <p:cNvPr id="1354" name="直线连接符 1353"/>
+          <p:cNvCxnSpPr>
+            <a:stCxn id="8" idx="6"/>
+            <a:endCxn id="70" idx="1"/>
+          </p:cNvCxnSpPr>
+          <p:nvPr/>
+        </p:nvCxnSpPr>
+        <p:spPr>
+          <a:xfrm flipV="1">
+            <a:off x="1756791" y="4998705"/>
+            <a:ext cx="218177" cy="13300"/>
+          </a:xfrm>
+          <a:prstGeom prst="line">
+            <a:avLst/>
+          </a:prstGeom>
+          <a:ln w="25400">
+            <a:solidFill>
+              <a:schemeClr val="accent5">
+                <a:lumMod val="50000"/>
+              </a:schemeClr>
+            </a:solidFill>
+          </a:ln>
+        </p:spPr>
+        <p:style>
+          <a:lnRef idx="1">
+            <a:schemeClr val="accent1"/>
+          </a:lnRef>
+          <a:fillRef idx="0">
+            <a:schemeClr val="accent1"/>
+          </a:fillRef>
+          <a:effectRef idx="0">
+            <a:schemeClr val="accent1"/>
+          </a:effectRef>
+          <a:fontRef idx="minor">
+            <a:schemeClr val="tx1"/>
+          </a:fontRef>
+        </p:style>
+      </p:cxnSp>
+      <p:cxnSp>
+        <p:nvCxnSpPr>
+          <p:cNvPr id="1356" name="直线连接符 1355"/>
+          <p:cNvCxnSpPr>
+            <a:stCxn id="8" idx="6"/>
+            <a:endCxn id="71" idx="2"/>
+          </p:cNvCxnSpPr>
+          <p:nvPr/>
+        </p:nvCxnSpPr>
+        <p:spPr>
+          <a:xfrm>
+            <a:off x="1756791" y="5012005"/>
+            <a:ext cx="207545" cy="322079"/>
+          </a:xfrm>
+          <a:prstGeom prst="line">
+            <a:avLst/>
+          </a:prstGeom>
+          <a:ln w="25400">
+            <a:solidFill>
+              <a:schemeClr val="accent5">
+                <a:lumMod val="50000"/>
+              </a:schemeClr>
+            </a:solidFill>
+          </a:ln>
+        </p:spPr>
+        <p:style>
+          <a:lnRef idx="1">
+            <a:schemeClr val="accent1"/>
+          </a:lnRef>
+          <a:fillRef idx="0">
+            <a:schemeClr val="accent1"/>
+          </a:fillRef>
+          <a:effectRef idx="0">
+            <a:schemeClr val="accent1"/>
+          </a:effectRef>
+          <a:fontRef idx="minor">
+            <a:schemeClr val="tx1"/>
+          </a:fontRef>
+        </p:style>
+      </p:cxnSp>
+      <p:cxnSp>
+        <p:nvCxnSpPr>
+          <p:cNvPr id="1358" name="直线连接符 1357"/>
+          <p:cNvCxnSpPr>
+            <a:stCxn id="16" idx="3"/>
+            <a:endCxn id="18" idx="2"/>
+          </p:cNvCxnSpPr>
+          <p:nvPr/>
+        </p:nvCxnSpPr>
+        <p:spPr>
+          <a:xfrm>
+            <a:off x="2114811" y="4646671"/>
+            <a:ext cx="236225" cy="10632"/>
+          </a:xfrm>
+          <a:prstGeom prst="line">
+            <a:avLst/>
+          </a:prstGeom>
+          <a:ln w="25400">
+            <a:solidFill>
+              <a:schemeClr val="accent5">
+                <a:lumMod val="50000"/>
+              </a:schemeClr>
+            </a:solidFill>
+          </a:ln>
+        </p:spPr>
+        <p:style>
+          <a:lnRef idx="1">
+            <a:schemeClr val="accent1"/>
+          </a:lnRef>
+          <a:fillRef idx="0">
+            <a:schemeClr val="accent1"/>
+          </a:fillRef>
+          <a:effectRef idx="0">
+            <a:schemeClr val="accent1"/>
+          </a:effectRef>
+          <a:fontRef idx="minor">
+            <a:schemeClr val="tx1"/>
+          </a:fontRef>
+        </p:style>
+      </p:cxnSp>
+      <p:cxnSp>
+        <p:nvCxnSpPr>
+          <p:cNvPr id="1360" name="直线连接符 1359"/>
+          <p:cNvCxnSpPr>
+            <a:stCxn id="71" idx="6"/>
+            <a:endCxn id="72" idx="1"/>
+          </p:cNvCxnSpPr>
+          <p:nvPr/>
+        </p:nvCxnSpPr>
+        <p:spPr>
+          <a:xfrm flipV="1">
+            <a:off x="2123824" y="5333405"/>
+            <a:ext cx="227212" cy="679"/>
+          </a:xfrm>
+          <a:prstGeom prst="line">
+            <a:avLst/>
+          </a:prstGeom>
+          <a:ln w="25400">
+            <a:solidFill>
+              <a:schemeClr val="accent5">
+                <a:lumMod val="50000"/>
+              </a:schemeClr>
+            </a:solidFill>
+          </a:ln>
+        </p:spPr>
+        <p:style>
+          <a:lnRef idx="1">
+            <a:schemeClr val="accent1"/>
+          </a:lnRef>
+          <a:fillRef idx="0">
+            <a:schemeClr val="accent1"/>
+          </a:fillRef>
+          <a:effectRef idx="0">
+            <a:schemeClr val="accent1"/>
+          </a:effectRef>
+          <a:fontRef idx="minor">
+            <a:schemeClr val="tx1"/>
+          </a:fontRef>
+        </p:style>
+      </p:cxnSp>
+      <p:cxnSp>
+        <p:nvCxnSpPr>
+          <p:cNvPr id="1364" name="直线连接符 1363"/>
+          <p:cNvCxnSpPr>
+            <a:stCxn id="72" idx="3"/>
+            <a:endCxn id="73" idx="2"/>
+          </p:cNvCxnSpPr>
+          <p:nvPr/>
+        </p:nvCxnSpPr>
+        <p:spPr>
+          <a:xfrm flipV="1">
+            <a:off x="2489260" y="5332488"/>
+            <a:ext cx="215074" cy="917"/>
+          </a:xfrm>
+          <a:prstGeom prst="line">
+            <a:avLst/>
+          </a:prstGeom>
+          <a:ln w="25400">
+            <a:solidFill>
+              <a:schemeClr val="accent5">
+                <a:lumMod val="50000"/>
+              </a:schemeClr>
+            </a:solidFill>
+          </a:ln>
+        </p:spPr>
+        <p:style>
+          <a:lnRef idx="1">
+            <a:schemeClr val="accent1"/>
+          </a:lnRef>
+          <a:fillRef idx="0">
+            <a:schemeClr val="accent1"/>
+          </a:fillRef>
+          <a:effectRef idx="0">
+            <a:schemeClr val="accent1"/>
+          </a:effectRef>
+          <a:fontRef idx="minor">
+            <a:schemeClr val="tx1"/>
+          </a:fontRef>
+        </p:style>
+      </p:cxnSp>
+      <p:cxnSp>
+        <p:nvCxnSpPr>
+          <p:cNvPr id="1366" name="直线连接符 1365"/>
+          <p:cNvCxnSpPr>
+            <a:stCxn id="18" idx="6"/>
+            <a:endCxn id="52" idx="2"/>
+          </p:cNvCxnSpPr>
+          <p:nvPr/>
+        </p:nvCxnSpPr>
+        <p:spPr>
+          <a:xfrm flipV="1">
+            <a:off x="2510524" y="4326155"/>
+            <a:ext cx="203438" cy="331148"/>
+          </a:xfrm>
+          <a:prstGeom prst="line">
+            <a:avLst/>
+          </a:prstGeom>
+          <a:ln w="25400">
+            <a:solidFill>
+              <a:schemeClr val="accent5">
+                <a:lumMod val="50000"/>
+              </a:schemeClr>
+            </a:solidFill>
+          </a:ln>
+        </p:spPr>
+        <p:style>
+          <a:lnRef idx="1">
+            <a:schemeClr val="accent1"/>
+          </a:lnRef>
+          <a:fillRef idx="0">
+            <a:schemeClr val="accent1"/>
+          </a:fillRef>
+          <a:effectRef idx="0">
+            <a:schemeClr val="accent1"/>
+          </a:effectRef>
+          <a:fontRef idx="minor">
+            <a:schemeClr val="tx1"/>
+          </a:fontRef>
+        </p:style>
+      </p:cxnSp>
+      <p:cxnSp>
+        <p:nvCxnSpPr>
+          <p:cNvPr id="1368" name="直线连接符 1367"/>
+          <p:cNvCxnSpPr>
+            <a:stCxn id="18" idx="6"/>
+            <a:endCxn id="46" idx="2"/>
+          </p:cNvCxnSpPr>
+          <p:nvPr/>
+        </p:nvCxnSpPr>
+        <p:spPr>
+          <a:xfrm>
+            <a:off x="2510524" y="4657303"/>
+            <a:ext cx="193810" cy="332174"/>
+          </a:xfrm>
+          <a:prstGeom prst="line">
+            <a:avLst/>
+          </a:prstGeom>
+          <a:ln w="25400">
+            <a:solidFill>
+              <a:schemeClr val="accent5">
+                <a:lumMod val="50000"/>
+              </a:schemeClr>
+            </a:solidFill>
+          </a:ln>
+        </p:spPr>
+        <p:style>
+          <a:lnRef idx="1">
+            <a:schemeClr val="accent1"/>
+          </a:lnRef>
+          <a:fillRef idx="0">
+            <a:schemeClr val="accent1"/>
+          </a:fillRef>
+          <a:effectRef idx="0">
+            <a:schemeClr val="accent1"/>
+          </a:effectRef>
+          <a:fontRef idx="minor">
+            <a:schemeClr val="tx1"/>
+          </a:fontRef>
+        </p:style>
+      </p:cxnSp>
+      <p:cxnSp>
+        <p:nvCxnSpPr>
+          <p:cNvPr id="1370" name="直线连接符 1369"/>
+          <p:cNvCxnSpPr>
+            <a:stCxn id="52" idx="6"/>
+            <a:endCxn id="54" idx="1"/>
+          </p:cNvCxnSpPr>
+          <p:nvPr/>
+        </p:nvCxnSpPr>
+        <p:spPr>
+          <a:xfrm flipV="1">
+            <a:off x="2873450" y="4315523"/>
+            <a:ext cx="216858" cy="10632"/>
+          </a:xfrm>
+          <a:prstGeom prst="line">
+            <a:avLst/>
+          </a:prstGeom>
+          <a:ln w="25400">
+            <a:solidFill>
+              <a:schemeClr val="accent5">
+                <a:lumMod val="50000"/>
+              </a:schemeClr>
+            </a:solidFill>
+          </a:ln>
+        </p:spPr>
+        <p:style>
+          <a:lnRef idx="1">
+            <a:schemeClr val="accent1"/>
+          </a:lnRef>
+          <a:fillRef idx="0">
+            <a:schemeClr val="accent1"/>
+          </a:fillRef>
+          <a:effectRef idx="0">
+            <a:schemeClr val="accent1"/>
+          </a:effectRef>
+          <a:fontRef idx="minor">
+            <a:schemeClr val="tx1"/>
+          </a:fontRef>
+        </p:style>
+      </p:cxnSp>
+      <p:cxnSp>
+        <p:nvCxnSpPr>
+          <p:cNvPr id="1372" name="直线连接符 1371"/>
+          <p:cNvCxnSpPr>
+            <a:stCxn id="46" idx="6"/>
+            <a:endCxn id="47" idx="1"/>
+          </p:cNvCxnSpPr>
+          <p:nvPr/>
+        </p:nvCxnSpPr>
+        <p:spPr>
+          <a:xfrm flipV="1">
+            <a:off x="2863822" y="4661442"/>
+            <a:ext cx="226486" cy="328035"/>
+          </a:xfrm>
+          <a:prstGeom prst="line">
+            <a:avLst/>
+          </a:prstGeom>
+          <a:ln w="25400">
+            <a:solidFill>
+              <a:schemeClr val="accent5">
+                <a:lumMod val="50000"/>
+              </a:schemeClr>
+            </a:solidFill>
+          </a:ln>
+        </p:spPr>
+        <p:style>
+          <a:lnRef idx="1">
+            <a:schemeClr val="accent1"/>
+          </a:lnRef>
+          <a:fillRef idx="0">
+            <a:schemeClr val="accent1"/>
+          </a:fillRef>
+          <a:effectRef idx="0">
+            <a:schemeClr val="accent1"/>
+          </a:effectRef>
+          <a:fontRef idx="minor">
+            <a:schemeClr val="tx1"/>
+          </a:fontRef>
+        </p:style>
+      </p:cxnSp>
+      <p:cxnSp>
+        <p:nvCxnSpPr>
+          <p:cNvPr id="1374" name="直线连接符 1373"/>
+          <p:cNvCxnSpPr>
+            <a:stCxn id="46" idx="6"/>
+            <a:endCxn id="56" idx="2"/>
+          </p:cNvCxnSpPr>
+          <p:nvPr/>
+        </p:nvCxnSpPr>
+        <p:spPr>
+          <a:xfrm>
+            <a:off x="2863822" y="4989477"/>
+            <a:ext cx="215854" cy="343928"/>
+          </a:xfrm>
+          <a:prstGeom prst="line">
+            <a:avLst/>
+          </a:prstGeom>
+          <a:ln w="25400">
+            <a:solidFill>
+              <a:schemeClr val="accent5">
+                <a:lumMod val="50000"/>
+              </a:schemeClr>
+            </a:solidFill>
+          </a:ln>
+        </p:spPr>
+        <p:style>
+          <a:lnRef idx="1">
+            <a:schemeClr val="accent1"/>
+          </a:lnRef>
+          <a:fillRef idx="0">
+            <a:schemeClr val="accent1"/>
+          </a:fillRef>
+          <a:effectRef idx="0">
+            <a:schemeClr val="accent1"/>
+          </a:effectRef>
+          <a:fontRef idx="minor">
+            <a:schemeClr val="tx1"/>
+          </a:fontRef>
+        </p:style>
+      </p:cxnSp>
+      <p:cxnSp>
+        <p:nvCxnSpPr>
+          <p:cNvPr id="1376" name="直线连接符 1375"/>
+          <p:cNvCxnSpPr>
+            <a:stCxn id="47" idx="3"/>
+            <a:endCxn id="48" idx="2"/>
+          </p:cNvCxnSpPr>
+          <p:nvPr/>
+        </p:nvCxnSpPr>
+        <p:spPr>
+          <a:xfrm flipV="1">
+            <a:off x="3228532" y="4658249"/>
+            <a:ext cx="213792" cy="3193"/>
+          </a:xfrm>
+          <a:prstGeom prst="line">
+            <a:avLst/>
+          </a:prstGeom>
+          <a:ln w="25400">
+            <a:solidFill>
+              <a:schemeClr val="accent5">
+                <a:lumMod val="50000"/>
+              </a:schemeClr>
+            </a:solidFill>
+          </a:ln>
+        </p:spPr>
+        <p:style>
+          <a:lnRef idx="1">
+            <a:schemeClr val="accent1"/>
+          </a:lnRef>
+          <a:fillRef idx="0">
+            <a:schemeClr val="accent1"/>
+          </a:fillRef>
+          <a:effectRef idx="0">
+            <a:schemeClr val="accent1"/>
+          </a:effectRef>
+          <a:fontRef idx="minor">
+            <a:schemeClr val="tx1"/>
+          </a:fontRef>
+        </p:style>
+      </p:cxnSp>
+      <p:cxnSp>
+        <p:nvCxnSpPr>
+          <p:cNvPr id="1378" name="直线连接符 1377"/>
+          <p:cNvCxnSpPr>
+            <a:stCxn id="56" idx="6"/>
+            <a:endCxn id="57" idx="1"/>
+          </p:cNvCxnSpPr>
+          <p:nvPr/>
+        </p:nvCxnSpPr>
+        <p:spPr>
+          <a:xfrm flipV="1">
+            <a:off x="3239164" y="5332488"/>
+            <a:ext cx="213792" cy="917"/>
+          </a:xfrm>
+          <a:prstGeom prst="line">
+            <a:avLst/>
+          </a:prstGeom>
+          <a:ln w="25400">
+            <a:solidFill>
+              <a:schemeClr val="accent5">
+                <a:lumMod val="50000"/>
+              </a:schemeClr>
+            </a:solidFill>
+          </a:ln>
+        </p:spPr>
+        <p:style>
+          <a:lnRef idx="1">
+            <a:schemeClr val="accent1"/>
+          </a:lnRef>
+          <a:fillRef idx="0">
+            <a:schemeClr val="accent1"/>
+          </a:fillRef>
+          <a:effectRef idx="0">
+            <a:schemeClr val="accent1"/>
+          </a:effectRef>
+          <a:fontRef idx="minor">
+            <a:schemeClr val="tx1"/>
+          </a:fontRef>
+        </p:style>
+      </p:cxnSp>
+      <p:cxnSp>
+        <p:nvCxnSpPr>
+          <p:cNvPr id="1380" name="直线连接符 1379"/>
+          <p:cNvCxnSpPr>
+            <a:stCxn id="57" idx="3"/>
+            <a:endCxn id="58" idx="2"/>
+          </p:cNvCxnSpPr>
+          <p:nvPr/>
+        </p:nvCxnSpPr>
+        <p:spPr>
+          <a:xfrm flipV="1">
+            <a:off x="3591180" y="4997788"/>
+            <a:ext cx="240441" cy="334700"/>
+          </a:xfrm>
+          <a:prstGeom prst="line">
+            <a:avLst/>
+          </a:prstGeom>
+          <a:ln w="25400">
+            <a:solidFill>
+              <a:schemeClr val="accent5">
+                <a:lumMod val="50000"/>
+              </a:schemeClr>
+            </a:solidFill>
+          </a:ln>
+        </p:spPr>
+        <p:style>
+          <a:lnRef idx="1">
+            <a:schemeClr val="accent1"/>
+          </a:lnRef>
+          <a:fillRef idx="0">
+            <a:schemeClr val="accent1"/>
+          </a:fillRef>
+          <a:effectRef idx="0">
+            <a:schemeClr val="accent1"/>
+          </a:effectRef>
+          <a:fontRef idx="minor">
+            <a:schemeClr val="tx1"/>
+          </a:fontRef>
+        </p:style>
+      </p:cxnSp>
+      <p:cxnSp>
+        <p:nvCxnSpPr>
+          <p:cNvPr id="1382" name="直线连接符 1381"/>
+          <p:cNvCxnSpPr>
+            <a:stCxn id="57" idx="3"/>
+            <a:endCxn id="59" idx="2"/>
+          </p:cNvCxnSpPr>
+          <p:nvPr/>
+        </p:nvCxnSpPr>
+        <p:spPr>
+          <a:xfrm>
+            <a:off x="3591180" y="5332488"/>
+            <a:ext cx="229248" cy="339651"/>
+          </a:xfrm>
+          <a:prstGeom prst="line">
+            <a:avLst/>
+          </a:prstGeom>
+          <a:ln w="25400">
+            <a:solidFill>
+              <a:schemeClr val="accent5">
+                <a:lumMod val="50000"/>
+              </a:schemeClr>
+            </a:solidFill>
+          </a:ln>
+        </p:spPr>
+        <p:style>
+          <a:lnRef idx="1">
+            <a:schemeClr val="accent1"/>
+          </a:lnRef>
+          <a:fillRef idx="0">
+            <a:schemeClr val="accent1"/>
+          </a:fillRef>
+          <a:effectRef idx="0">
+            <a:schemeClr val="accent1"/>
+          </a:effectRef>
+          <a:fontRef idx="minor">
+            <a:schemeClr val="tx1"/>
+          </a:fontRef>
+        </p:style>
+      </p:cxnSp>
+      <p:cxnSp>
+        <p:nvCxnSpPr>
+          <p:cNvPr id="1384" name="直线连接符 1383"/>
+          <p:cNvCxnSpPr>
+            <a:stCxn id="58" idx="6"/>
+            <a:endCxn id="60" idx="2"/>
+          </p:cNvCxnSpPr>
+          <p:nvPr/>
+        </p:nvCxnSpPr>
+        <p:spPr>
+          <a:xfrm>
+            <a:off x="3991109" y="4997788"/>
+            <a:ext cx="207545" cy="0"/>
+          </a:xfrm>
+          <a:prstGeom prst="line">
+            <a:avLst/>
+          </a:prstGeom>
+          <a:ln w="25400">
+            <a:solidFill>
+              <a:schemeClr val="accent5">
+                <a:lumMod val="50000"/>
+              </a:schemeClr>
+            </a:solidFill>
+          </a:ln>
+        </p:spPr>
+        <p:style>
+          <a:lnRef idx="1">
+            <a:schemeClr val="accent1"/>
+          </a:lnRef>
+          <a:fillRef idx="0">
+            <a:schemeClr val="accent1"/>
+          </a:fillRef>
+          <a:effectRef idx="0">
+            <a:schemeClr val="accent1"/>
+          </a:effectRef>
+          <a:fontRef idx="minor">
+            <a:schemeClr val="tx1"/>
+          </a:fontRef>
+        </p:style>
+      </p:cxnSp>
+      <p:cxnSp>
+        <p:nvCxnSpPr>
+          <p:cNvPr id="1386" name="直线连接符 1385"/>
+          <p:cNvCxnSpPr>
+            <a:stCxn id="59" idx="6"/>
+            <a:endCxn id="62" idx="1"/>
+          </p:cNvCxnSpPr>
+          <p:nvPr/>
+        </p:nvCxnSpPr>
+        <p:spPr>
+          <a:xfrm>
+            <a:off x="3979916" y="5672139"/>
+            <a:ext cx="218738" cy="0"/>
+          </a:xfrm>
+          <a:prstGeom prst="line">
+            <a:avLst/>
+          </a:prstGeom>
+          <a:ln w="25400">
+            <a:solidFill>
+              <a:schemeClr val="accent5">
+                <a:lumMod val="50000"/>
+              </a:schemeClr>
+            </a:solidFill>
+          </a:ln>
+        </p:spPr>
+        <p:style>
+          <a:lnRef idx="1">
+            <a:schemeClr val="accent1"/>
+          </a:lnRef>
+          <a:fillRef idx="0">
+            <a:schemeClr val="accent1"/>
+          </a:fillRef>
+          <a:effectRef idx="0">
+            <a:schemeClr val="accent1"/>
+          </a:effectRef>
+          <a:fontRef idx="minor">
+            <a:schemeClr val="tx1"/>
+          </a:fontRef>
+        </p:style>
+      </p:cxnSp>
+      <p:cxnSp>
+        <p:nvCxnSpPr>
+          <p:cNvPr id="1388" name="直线连接符 1387"/>
+          <p:cNvCxnSpPr>
+            <a:stCxn id="60" idx="6"/>
+            <a:endCxn id="61" idx="1"/>
+          </p:cNvCxnSpPr>
+          <p:nvPr/>
+        </p:nvCxnSpPr>
+        <p:spPr>
+          <a:xfrm>
+            <a:off x="4358142" y="4997788"/>
+            <a:ext cx="207545" cy="0"/>
+          </a:xfrm>
+          <a:prstGeom prst="line">
+            <a:avLst/>
+          </a:prstGeom>
+          <a:ln w="25400">
+            <a:solidFill>
+              <a:schemeClr val="accent5">
+                <a:lumMod val="50000"/>
+              </a:schemeClr>
+            </a:solidFill>
+          </a:ln>
+        </p:spPr>
+        <p:style>
+          <a:lnRef idx="1">
+            <a:schemeClr val="accent1"/>
+          </a:lnRef>
+          <a:fillRef idx="0">
+            <a:schemeClr val="accent1"/>
+          </a:fillRef>
+          <a:effectRef idx="0">
+            <a:schemeClr val="accent1"/>
+          </a:effectRef>
+          <a:fontRef idx="minor">
+            <a:schemeClr val="tx1"/>
+          </a:fontRef>
+        </p:style>
+      </p:cxnSp>
     </p:spTree>
     <p:extLst>
       <p:ext uri="{BB962C8B-B14F-4D97-AF65-F5344CB8AC3E}">
-        <p14:creationId xmlns:p14="http://schemas.microsoft.com/office/powerpoint/2010/main" val="252578498"/>
+        <p14:creationId xmlns:p14="http://schemas.microsoft.com/office/powerpoint/2010/main" val="664479214"/>
       </p:ext>
     </p:extLst>
   </p:cSld>
@@ -25031,7 +28933,7 @@
           </a:bodyPr>
           <a:lstStyle/>
           <a:p>
-            <a:pPr marL="342900" indent="-342900">
+            <a:pPr marL="457200" indent="-457200">
               <a:buFont typeface="Arial" charset="0"/>
               <a:buChar char="•"/>
             </a:pPr>
@@ -25045,24 +28947,118 @@
             </a:r>
             <a:r>
               <a:rPr kumimoji="1" lang="zh-CN" altLang="en-US" sz="2800" dirty="0" smtClean="0"/>
-              <a:t> </a:t>
-            </a:r>
-            <a:r>
-              <a:rPr kumimoji="1" lang="zh-CN" altLang="en-US" sz="2800" dirty="0" smtClean="0"/>
-              <a:t>面向</a:t>
-            </a:r>
-            <a:r>
-              <a:rPr kumimoji="1" lang="zh-CN" altLang="en-US" sz="2800" dirty="0"/>
-              <a:t>因果经验的查询推荐方法</a:t>
+              <a:t> 面向搜索经验的查询推荐方法的提出</a:t>
             </a:r>
             <a:endParaRPr kumimoji="1" lang="zh-CN" altLang="en-US" sz="2800" dirty="0"/>
+          </a:p>
+        </p:txBody>
+      </p:sp>
+      <p:sp>
+        <p:nvSpPr>
+          <p:cNvPr id="9" name="文本框 8"/>
+          <p:cNvSpPr txBox="1"/>
+          <p:nvPr/>
+        </p:nvSpPr>
+        <p:spPr>
+          <a:xfrm>
+            <a:off x="800100" y="2789902"/>
+            <a:ext cx="7646670" cy="461665"/>
+          </a:xfrm>
+          <a:prstGeom prst="rect">
+            <a:avLst/>
+          </a:prstGeom>
+          <a:noFill/>
+        </p:spPr>
+        <p:txBody>
+          <a:bodyPr wrap="square" rtlCol="0">
+            <a:spAutoFit/>
+          </a:bodyPr>
+          <a:lstStyle/>
+          <a:p>
+            <a:pPr marL="342900" indent="-342900">
+              <a:buFont typeface="Arial" charset="0"/>
+              <a:buChar char="•"/>
+            </a:pPr>
+            <a:r>
+              <a:rPr kumimoji="1" lang="zh-CN" altLang="en-US" sz="2400" dirty="0" smtClean="0"/>
+              <a:t>面向因果经验的查询推荐方法</a:t>
+            </a:r>
+            <a:endParaRPr kumimoji="1" lang="zh-CN" altLang="en-US" sz="2400" dirty="0"/>
+          </a:p>
+        </p:txBody>
+      </p:sp>
+      <p:sp>
+        <p:nvSpPr>
+          <p:cNvPr id="10" name="文本框 9"/>
+          <p:cNvSpPr txBox="1"/>
+          <p:nvPr/>
+        </p:nvSpPr>
+        <p:spPr>
+          <a:xfrm>
+            <a:off x="800100" y="3399502"/>
+            <a:ext cx="7646670" cy="461665"/>
+          </a:xfrm>
+          <a:prstGeom prst="rect">
+            <a:avLst/>
+          </a:prstGeom>
+          <a:noFill/>
+        </p:spPr>
+        <p:txBody>
+          <a:bodyPr wrap="square" rtlCol="0">
+            <a:spAutoFit/>
+          </a:bodyPr>
+          <a:lstStyle/>
+          <a:p>
+            <a:pPr marL="342900" indent="-342900">
+              <a:buFont typeface="Arial" charset="0"/>
+              <a:buChar char="•"/>
+            </a:pPr>
+            <a:r>
+              <a:rPr kumimoji="1" lang="zh-CN" altLang="en-US" sz="2400" dirty="0" smtClean="0"/>
+              <a:t>子任务内部的查询推荐方法</a:t>
+            </a:r>
+            <a:endParaRPr kumimoji="1" lang="zh-CN" altLang="en-US" sz="2400" dirty="0"/>
+          </a:p>
+        </p:txBody>
+      </p:sp>
+      <p:sp>
+        <p:nvSpPr>
+          <p:cNvPr id="5" name="文本框 4"/>
+          <p:cNvSpPr txBox="1"/>
+          <p:nvPr/>
+        </p:nvSpPr>
+        <p:spPr>
+          <a:xfrm>
+            <a:off x="800100" y="4009102"/>
+            <a:ext cx="7646670" cy="461665"/>
+          </a:xfrm>
+          <a:prstGeom prst="rect">
+            <a:avLst/>
+          </a:prstGeom>
+          <a:noFill/>
+        </p:spPr>
+        <p:txBody>
+          <a:bodyPr wrap="square" rtlCol="0">
+            <a:spAutoFit/>
+          </a:bodyPr>
+          <a:lstStyle/>
+          <a:p>
+            <a:pPr marL="342900" indent="-342900">
+              <a:buFont typeface="Arial" charset="0"/>
+              <a:buChar char="•"/>
+            </a:pPr>
+            <a:r>
+              <a:rPr kumimoji="1" lang="zh-CN" altLang="en-US" sz="2400" dirty="0" smtClean="0"/>
+              <a:t>跨子任务的查询推荐方法</a:t>
+            </a:r>
+            <a:endParaRPr kumimoji="1" lang="zh-CN" altLang="en-US" sz="2400" dirty="0"/>
           </a:p>
         </p:txBody>
       </p:sp>
     </p:spTree>
     <p:extLst>
       <p:ext uri="{BB962C8B-B14F-4D97-AF65-F5344CB8AC3E}">
-        <p14:creationId xmlns:p14="http://schemas.microsoft.com/office/powerpoint/2010/main" val="1183724492"/>
+        <p14:creationId xmlns:p14="http://schemas.microsoft.com/office/powerpoint/2010/main" val="252578498"/>
       </p:ext>
     </p:extLst>
   </p:cSld>
@@ -25127,33 +29123,780 @@
               <a:t>研究方法 </a:t>
             </a:r>
             <a:r>
-              <a:rPr kumimoji="1" lang="en-US" altLang="zh-CN" sz="2800" dirty="0" smtClean="0"/>
+              <a:rPr kumimoji="1" lang="en-US" altLang="zh-CN" sz="2800" dirty="0"/>
               <a:t>-</a:t>
             </a:r>
             <a:r>
               <a:rPr kumimoji="1" lang="zh-CN" altLang="en-US" sz="2800" dirty="0" smtClean="0"/>
-              <a:t> </a:t>
-            </a:r>
-            <a:r>
-              <a:rPr kumimoji="1" lang="zh-CN" altLang="en-US" sz="2800" dirty="0" smtClean="0"/>
-              <a:t>子</a:t>
-            </a:r>
-            <a:r>
-              <a:rPr kumimoji="1" lang="zh-CN" altLang="en-US" sz="2800" dirty="0"/>
-              <a:t>任务内部的查询推荐</a:t>
-            </a:r>
-            <a:r>
-              <a:rPr kumimoji="1" lang="zh-CN" altLang="en-US" sz="2800" dirty="0" smtClean="0"/>
-              <a:t>方法</a:t>
+              <a:t> 对应关系</a:t>
             </a:r>
             <a:endParaRPr kumimoji="1" lang="zh-CN" altLang="en-US" sz="2800" dirty="0"/>
           </a:p>
         </p:txBody>
       </p:sp>
+      <p:grpSp>
+        <p:nvGrpSpPr>
+          <p:cNvPr id="25" name="组 24"/>
+          <p:cNvGrpSpPr/>
+          <p:nvPr/>
+        </p:nvGrpSpPr>
+        <p:grpSpPr>
+          <a:xfrm>
+            <a:off x="1524000" y="980662"/>
+            <a:ext cx="6771861" cy="1974574"/>
+            <a:chOff x="1524000" y="980662"/>
+            <a:chExt cx="6771861" cy="1974574"/>
+          </a:xfrm>
+        </p:grpSpPr>
+        <p:sp>
+          <p:nvSpPr>
+            <p:cNvPr id="2" name="矩形 1"/>
+            <p:cNvSpPr/>
+            <p:nvPr/>
+          </p:nvSpPr>
+          <p:spPr>
+            <a:xfrm>
+              <a:off x="1524000" y="980662"/>
+              <a:ext cx="6771861" cy="1974574"/>
+            </a:xfrm>
+            <a:prstGeom prst="rect">
+              <a:avLst/>
+            </a:prstGeom>
+            <a:ln>
+              <a:solidFill>
+                <a:schemeClr val="tx1"/>
+              </a:solidFill>
+              <a:prstDash val="dash"/>
+            </a:ln>
+          </p:spPr>
+          <p:style>
+            <a:lnRef idx="2">
+              <a:schemeClr val="accent6"/>
+            </a:lnRef>
+            <a:fillRef idx="1">
+              <a:schemeClr val="lt1"/>
+            </a:fillRef>
+            <a:effectRef idx="0">
+              <a:schemeClr val="accent6"/>
+            </a:effectRef>
+            <a:fontRef idx="minor">
+              <a:schemeClr val="dk1"/>
+            </a:fontRef>
+          </p:style>
+          <p:txBody>
+            <a:bodyPr rtlCol="0" anchor="ctr"/>
+            <a:lstStyle/>
+            <a:p>
+              <a:pPr algn="ctr"/>
+              <a:endParaRPr kumimoji="1" lang="zh-CN" altLang="en-US"/>
+            </a:p>
+          </p:txBody>
+        </p:sp>
+        <p:sp>
+          <p:nvSpPr>
+            <p:cNvPr id="6" name="矩形 5"/>
+            <p:cNvSpPr/>
+            <p:nvPr/>
+          </p:nvSpPr>
+          <p:spPr>
+            <a:xfrm>
+              <a:off x="1802295" y="1603513"/>
+              <a:ext cx="2835965" cy="1086678"/>
+            </a:xfrm>
+            <a:prstGeom prst="rect">
+              <a:avLst/>
+            </a:prstGeom>
+            <a:ln>
+              <a:solidFill>
+                <a:schemeClr val="tx1"/>
+              </a:solidFill>
+              <a:prstDash val="dash"/>
+            </a:ln>
+          </p:spPr>
+          <p:style>
+            <a:lnRef idx="2">
+              <a:schemeClr val="accent6"/>
+            </a:lnRef>
+            <a:fillRef idx="1">
+              <a:schemeClr val="lt1"/>
+            </a:fillRef>
+            <a:effectRef idx="0">
+              <a:schemeClr val="accent6"/>
+            </a:effectRef>
+            <a:fontRef idx="minor">
+              <a:schemeClr val="dk1"/>
+            </a:fontRef>
+          </p:style>
+          <p:txBody>
+            <a:bodyPr rtlCol="0" anchor="ctr"/>
+            <a:lstStyle/>
+            <a:p>
+              <a:pPr algn="ctr"/>
+              <a:endParaRPr kumimoji="1" lang="zh-CN" altLang="en-US"/>
+            </a:p>
+          </p:txBody>
+        </p:sp>
+        <p:sp>
+          <p:nvSpPr>
+            <p:cNvPr id="11" name="矩形 10"/>
+            <p:cNvSpPr/>
+            <p:nvPr/>
+          </p:nvSpPr>
+          <p:spPr>
+            <a:xfrm>
+              <a:off x="5148469" y="1618238"/>
+              <a:ext cx="2882347" cy="1086678"/>
+            </a:xfrm>
+            <a:prstGeom prst="rect">
+              <a:avLst/>
+            </a:prstGeom>
+            <a:ln>
+              <a:solidFill>
+                <a:schemeClr val="tx1"/>
+              </a:solidFill>
+              <a:prstDash val="dash"/>
+            </a:ln>
+          </p:spPr>
+          <p:style>
+            <a:lnRef idx="2">
+              <a:schemeClr val="accent6"/>
+            </a:lnRef>
+            <a:fillRef idx="1">
+              <a:schemeClr val="lt1"/>
+            </a:fillRef>
+            <a:effectRef idx="0">
+              <a:schemeClr val="accent6"/>
+            </a:effectRef>
+            <a:fontRef idx="minor">
+              <a:schemeClr val="dk1"/>
+            </a:fontRef>
+          </p:style>
+          <p:txBody>
+            <a:bodyPr rtlCol="0" anchor="ctr"/>
+            <a:lstStyle/>
+            <a:p>
+              <a:pPr algn="ctr"/>
+              <a:endParaRPr kumimoji="1" lang="zh-CN" altLang="en-US"/>
+            </a:p>
+          </p:txBody>
+        </p:sp>
+        <p:sp>
+          <p:nvSpPr>
+            <p:cNvPr id="7" name="文本框 6"/>
+            <p:cNvSpPr txBox="1"/>
+            <p:nvPr/>
+          </p:nvSpPr>
+          <p:spPr>
+            <a:xfrm>
+              <a:off x="1865242" y="1823685"/>
+              <a:ext cx="2710070" cy="646331"/>
+            </a:xfrm>
+            <a:prstGeom prst="rect">
+              <a:avLst/>
+            </a:prstGeom>
+            <a:noFill/>
+          </p:spPr>
+          <p:txBody>
+            <a:bodyPr wrap="square" rtlCol="0">
+              <a:spAutoFit/>
+            </a:bodyPr>
+            <a:lstStyle/>
+            <a:p>
+              <a:pPr algn="ctr"/>
+              <a:r>
+                <a:rPr kumimoji="1" lang="zh-CN" altLang="en-US" dirty="0" smtClean="0"/>
+                <a:t>基于查询</a:t>
+              </a:r>
+              <a:r>
+                <a:rPr kumimoji="1" lang="en-US" altLang="zh-CN" dirty="0" smtClean="0"/>
+                <a:t>-</a:t>
+              </a:r>
+              <a:r>
+                <a:rPr kumimoji="1" lang="zh-CN" altLang="en-US" dirty="0" smtClean="0"/>
+                <a:t>点击</a:t>
+              </a:r>
+              <a:r>
+                <a:rPr kumimoji="1" lang="en-US" altLang="zh-CN" dirty="0" smtClean="0"/>
+                <a:t>-</a:t>
+              </a:r>
+              <a:r>
+                <a:rPr kumimoji="1" lang="zh-CN" altLang="en-US" dirty="0" smtClean="0"/>
+                <a:t>查询序列识别的</a:t>
+              </a:r>
+              <a:r>
+                <a:rPr kumimoji="1" lang="zh-CN" altLang="en-US" b="1" dirty="0" smtClean="0"/>
+                <a:t>因果经验</a:t>
+              </a:r>
+              <a:r>
+                <a:rPr kumimoji="1" lang="zh-CN" altLang="en-US" dirty="0" smtClean="0"/>
+                <a:t>提取算法</a:t>
+              </a:r>
+              <a:endParaRPr kumimoji="1" lang="zh-CN" altLang="en-US" dirty="0"/>
+            </a:p>
+          </p:txBody>
+        </p:sp>
+        <p:sp>
+          <p:nvSpPr>
+            <p:cNvPr id="8" name="文本框 7"/>
+            <p:cNvSpPr txBox="1"/>
+            <p:nvPr/>
+          </p:nvSpPr>
+          <p:spPr>
+            <a:xfrm>
+              <a:off x="3233528" y="980662"/>
+              <a:ext cx="3551582" cy="369332"/>
+            </a:xfrm>
+            <a:prstGeom prst="rect">
+              <a:avLst/>
+            </a:prstGeom>
+            <a:noFill/>
+          </p:spPr>
+          <p:txBody>
+            <a:bodyPr wrap="square" rtlCol="0">
+              <a:spAutoFit/>
+            </a:bodyPr>
+            <a:lstStyle/>
+            <a:p>
+              <a:r>
+                <a:rPr kumimoji="1" lang="zh-CN" altLang="en-US" dirty="0" smtClean="0"/>
+                <a:t>基于时间树的搜索</a:t>
+              </a:r>
+              <a:r>
+                <a:rPr kumimoji="1" lang="zh-CN" altLang="en-US" smtClean="0"/>
+                <a:t>经验提取方法</a:t>
+              </a:r>
+              <a:endParaRPr kumimoji="1" lang="zh-CN" altLang="en-US"/>
+            </a:p>
+          </p:txBody>
+        </p:sp>
+        <p:sp>
+          <p:nvSpPr>
+            <p:cNvPr id="12" name="文本框 11"/>
+            <p:cNvSpPr txBox="1"/>
+            <p:nvPr/>
+          </p:nvSpPr>
+          <p:spPr>
+            <a:xfrm>
+              <a:off x="5234607" y="1838411"/>
+              <a:ext cx="2710070" cy="646331"/>
+            </a:xfrm>
+            <a:prstGeom prst="rect">
+              <a:avLst/>
+            </a:prstGeom>
+            <a:noFill/>
+          </p:spPr>
+          <p:txBody>
+            <a:bodyPr wrap="square" rtlCol="0">
+              <a:spAutoFit/>
+            </a:bodyPr>
+            <a:lstStyle/>
+            <a:p>
+              <a:pPr algn="ctr"/>
+              <a:r>
+                <a:rPr kumimoji="1" lang="zh-CN" altLang="en-US" dirty="0" smtClean="0"/>
+                <a:t>基于子任务划分的</a:t>
+              </a:r>
+              <a:endParaRPr kumimoji="1" lang="en-US" altLang="zh-CN" dirty="0" smtClean="0"/>
+            </a:p>
+            <a:p>
+              <a:pPr algn="ctr"/>
+              <a:r>
+                <a:rPr kumimoji="1" lang="zh-CN" altLang="en-US" b="1" dirty="0" smtClean="0"/>
+                <a:t>主题经验</a:t>
+              </a:r>
+              <a:r>
+                <a:rPr kumimoji="1" lang="zh-CN" altLang="en-US" dirty="0" smtClean="0"/>
+                <a:t>提取算法</a:t>
+              </a:r>
+              <a:endParaRPr kumimoji="1" lang="zh-CN" altLang="en-US" dirty="0"/>
+            </a:p>
+          </p:txBody>
+        </p:sp>
+      </p:grpSp>
+      <p:grpSp>
+        <p:nvGrpSpPr>
+          <p:cNvPr id="34" name="组 33"/>
+          <p:cNvGrpSpPr/>
+          <p:nvPr/>
+        </p:nvGrpSpPr>
+        <p:grpSpPr>
+          <a:xfrm>
+            <a:off x="1524000" y="4101549"/>
+            <a:ext cx="6771861" cy="2025888"/>
+            <a:chOff x="1524000" y="4101549"/>
+            <a:chExt cx="6771861" cy="2025888"/>
+          </a:xfrm>
+        </p:grpSpPr>
+        <p:sp>
+          <p:nvSpPr>
+            <p:cNvPr id="13" name="矩形 12"/>
+            <p:cNvSpPr/>
+            <p:nvPr/>
+          </p:nvSpPr>
+          <p:spPr>
+            <a:xfrm>
+              <a:off x="1524000" y="4101549"/>
+              <a:ext cx="6771861" cy="1974574"/>
+            </a:xfrm>
+            <a:prstGeom prst="rect">
+              <a:avLst/>
+            </a:prstGeom>
+            <a:ln>
+              <a:solidFill>
+                <a:schemeClr val="tx1"/>
+              </a:solidFill>
+              <a:prstDash val="dash"/>
+            </a:ln>
+          </p:spPr>
+          <p:style>
+            <a:lnRef idx="2">
+              <a:schemeClr val="accent6"/>
+            </a:lnRef>
+            <a:fillRef idx="1">
+              <a:schemeClr val="lt1"/>
+            </a:fillRef>
+            <a:effectRef idx="0">
+              <a:schemeClr val="accent6"/>
+            </a:effectRef>
+            <a:fontRef idx="minor">
+              <a:schemeClr val="dk1"/>
+            </a:fontRef>
+          </p:style>
+          <p:txBody>
+            <a:bodyPr rtlCol="0" anchor="ctr"/>
+            <a:lstStyle/>
+            <a:p>
+              <a:pPr algn="ctr"/>
+              <a:endParaRPr kumimoji="1" lang="zh-CN" altLang="en-US"/>
+            </a:p>
+          </p:txBody>
+        </p:sp>
+        <p:sp>
+          <p:nvSpPr>
+            <p:cNvPr id="14" name="矩形 13"/>
+            <p:cNvSpPr/>
+            <p:nvPr/>
+          </p:nvSpPr>
+          <p:spPr>
+            <a:xfrm>
+              <a:off x="1729407" y="4386488"/>
+              <a:ext cx="1934817" cy="1086678"/>
+            </a:xfrm>
+            <a:prstGeom prst="rect">
+              <a:avLst/>
+            </a:prstGeom>
+            <a:ln>
+              <a:solidFill>
+                <a:schemeClr val="tx1"/>
+              </a:solidFill>
+              <a:prstDash val="dash"/>
+            </a:ln>
+          </p:spPr>
+          <p:style>
+            <a:lnRef idx="2">
+              <a:schemeClr val="accent6"/>
+            </a:lnRef>
+            <a:fillRef idx="1">
+              <a:schemeClr val="lt1"/>
+            </a:fillRef>
+            <a:effectRef idx="0">
+              <a:schemeClr val="accent6"/>
+            </a:effectRef>
+            <a:fontRef idx="minor">
+              <a:schemeClr val="dk1"/>
+            </a:fontRef>
+          </p:style>
+          <p:txBody>
+            <a:bodyPr rtlCol="0" anchor="ctr"/>
+            <a:lstStyle/>
+            <a:p>
+              <a:pPr algn="ctr"/>
+              <a:endParaRPr kumimoji="1" lang="zh-CN" altLang="en-US"/>
+            </a:p>
+          </p:txBody>
+        </p:sp>
+        <p:sp>
+          <p:nvSpPr>
+            <p:cNvPr id="15" name="文本框 14"/>
+            <p:cNvSpPr txBox="1"/>
+            <p:nvPr/>
+          </p:nvSpPr>
+          <p:spPr>
+            <a:xfrm>
+              <a:off x="3233528" y="5758105"/>
+              <a:ext cx="3551582" cy="369332"/>
+            </a:xfrm>
+            <a:prstGeom prst="rect">
+              <a:avLst/>
+            </a:prstGeom>
+            <a:noFill/>
+          </p:spPr>
+          <p:txBody>
+            <a:bodyPr wrap="square" rtlCol="0">
+              <a:spAutoFit/>
+            </a:bodyPr>
+            <a:lstStyle/>
+            <a:p>
+              <a:r>
+                <a:rPr kumimoji="1" lang="zh-CN" altLang="en-US" dirty="0" smtClean="0"/>
+                <a:t>面向搜索经验的查询推荐方法</a:t>
+              </a:r>
+              <a:endParaRPr kumimoji="1" lang="zh-CN" altLang="en-US" dirty="0"/>
+            </a:p>
+          </p:txBody>
+        </p:sp>
+        <p:sp>
+          <p:nvSpPr>
+            <p:cNvPr id="16" name="文本框 15"/>
+            <p:cNvSpPr txBox="1"/>
+            <p:nvPr/>
+          </p:nvSpPr>
+          <p:spPr>
+            <a:xfrm>
+              <a:off x="1729406" y="4606661"/>
+              <a:ext cx="1934818" cy="646331"/>
+            </a:xfrm>
+            <a:prstGeom prst="rect">
+              <a:avLst/>
+            </a:prstGeom>
+            <a:noFill/>
+          </p:spPr>
+          <p:txBody>
+            <a:bodyPr wrap="square" rtlCol="0">
+              <a:spAutoFit/>
+            </a:bodyPr>
+            <a:lstStyle/>
+            <a:p>
+              <a:pPr algn="ctr"/>
+              <a:r>
+                <a:rPr kumimoji="1" lang="zh-CN" altLang="en-US" dirty="0" smtClean="0"/>
+                <a:t>面向</a:t>
+              </a:r>
+              <a:r>
+                <a:rPr kumimoji="1" lang="zh-CN" altLang="en-US" b="1" dirty="0" smtClean="0"/>
+                <a:t>因果经验</a:t>
+              </a:r>
+              <a:r>
+                <a:rPr kumimoji="1" lang="zh-CN" altLang="en-US" dirty="0" smtClean="0"/>
+                <a:t>的</a:t>
+              </a:r>
+              <a:endParaRPr kumimoji="1" lang="en-US" altLang="zh-CN" dirty="0" smtClean="0"/>
+            </a:p>
+            <a:p>
+              <a:pPr algn="ctr"/>
+              <a:r>
+                <a:rPr kumimoji="1" lang="zh-CN" altLang="en-US" dirty="0" smtClean="0"/>
+                <a:t>查询推荐方法</a:t>
+              </a:r>
+              <a:endParaRPr kumimoji="1" lang="zh-CN" altLang="en-US" dirty="0"/>
+            </a:p>
+          </p:txBody>
+        </p:sp>
+        <p:sp>
+          <p:nvSpPr>
+            <p:cNvPr id="17" name="矩形 16"/>
+            <p:cNvSpPr/>
+            <p:nvPr/>
+          </p:nvSpPr>
+          <p:spPr>
+            <a:xfrm>
+              <a:off x="3942521" y="4386488"/>
+              <a:ext cx="1934817" cy="1086678"/>
+            </a:xfrm>
+            <a:prstGeom prst="rect">
+              <a:avLst/>
+            </a:prstGeom>
+            <a:ln>
+              <a:solidFill>
+                <a:schemeClr val="tx1"/>
+              </a:solidFill>
+              <a:prstDash val="dash"/>
+            </a:ln>
+          </p:spPr>
+          <p:style>
+            <a:lnRef idx="2">
+              <a:schemeClr val="accent6"/>
+            </a:lnRef>
+            <a:fillRef idx="1">
+              <a:schemeClr val="lt1"/>
+            </a:fillRef>
+            <a:effectRef idx="0">
+              <a:schemeClr val="accent6"/>
+            </a:effectRef>
+            <a:fontRef idx="minor">
+              <a:schemeClr val="dk1"/>
+            </a:fontRef>
+          </p:style>
+          <p:txBody>
+            <a:bodyPr rtlCol="0" anchor="ctr"/>
+            <a:lstStyle/>
+            <a:p>
+              <a:pPr algn="ctr"/>
+              <a:endParaRPr kumimoji="1" lang="zh-CN" altLang="en-US"/>
+            </a:p>
+          </p:txBody>
+        </p:sp>
+        <p:sp>
+          <p:nvSpPr>
+            <p:cNvPr id="18" name="文本框 17"/>
+            <p:cNvSpPr txBox="1"/>
+            <p:nvPr/>
+          </p:nvSpPr>
+          <p:spPr>
+            <a:xfrm>
+              <a:off x="3942520" y="4606661"/>
+              <a:ext cx="1934818" cy="646331"/>
+            </a:xfrm>
+            <a:prstGeom prst="rect">
+              <a:avLst/>
+            </a:prstGeom>
+            <a:noFill/>
+          </p:spPr>
+          <p:txBody>
+            <a:bodyPr wrap="square" rtlCol="0">
+              <a:spAutoFit/>
+            </a:bodyPr>
+            <a:lstStyle/>
+            <a:p>
+              <a:pPr algn="ctr"/>
+              <a:r>
+                <a:rPr kumimoji="1" lang="zh-CN" altLang="en-US" b="1" dirty="0" smtClean="0"/>
+                <a:t>子任务内部</a:t>
+              </a:r>
+              <a:r>
+                <a:rPr kumimoji="1" lang="zh-CN" altLang="en-US" dirty="0" smtClean="0"/>
+                <a:t>的</a:t>
+              </a:r>
+              <a:endParaRPr kumimoji="1" lang="en-US" altLang="zh-CN" dirty="0" smtClean="0"/>
+            </a:p>
+            <a:p>
+              <a:pPr algn="ctr"/>
+              <a:r>
+                <a:rPr kumimoji="1" lang="zh-CN" altLang="en-US" dirty="0" smtClean="0"/>
+                <a:t>查询推荐方法</a:t>
+              </a:r>
+              <a:endParaRPr kumimoji="1" lang="zh-CN" altLang="en-US" dirty="0"/>
+            </a:p>
+          </p:txBody>
+        </p:sp>
+        <p:sp>
+          <p:nvSpPr>
+            <p:cNvPr id="19" name="矩形 18"/>
+            <p:cNvSpPr/>
+            <p:nvPr/>
+          </p:nvSpPr>
+          <p:spPr>
+            <a:xfrm>
+              <a:off x="6165571" y="4386488"/>
+              <a:ext cx="1934817" cy="1086678"/>
+            </a:xfrm>
+            <a:prstGeom prst="rect">
+              <a:avLst/>
+            </a:prstGeom>
+            <a:ln>
+              <a:solidFill>
+                <a:schemeClr val="tx1"/>
+              </a:solidFill>
+              <a:prstDash val="dash"/>
+            </a:ln>
+          </p:spPr>
+          <p:style>
+            <a:lnRef idx="2">
+              <a:schemeClr val="accent6"/>
+            </a:lnRef>
+            <a:fillRef idx="1">
+              <a:schemeClr val="lt1"/>
+            </a:fillRef>
+            <a:effectRef idx="0">
+              <a:schemeClr val="accent6"/>
+            </a:effectRef>
+            <a:fontRef idx="minor">
+              <a:schemeClr val="dk1"/>
+            </a:fontRef>
+          </p:style>
+          <p:txBody>
+            <a:bodyPr rtlCol="0" anchor="ctr"/>
+            <a:lstStyle/>
+            <a:p>
+              <a:pPr algn="ctr"/>
+              <a:endParaRPr kumimoji="1" lang="zh-CN" altLang="en-US"/>
+            </a:p>
+          </p:txBody>
+        </p:sp>
+        <p:sp>
+          <p:nvSpPr>
+            <p:cNvPr id="20" name="文本框 19"/>
+            <p:cNvSpPr txBox="1"/>
+            <p:nvPr/>
+          </p:nvSpPr>
+          <p:spPr>
+            <a:xfrm>
+              <a:off x="6165570" y="4606661"/>
+              <a:ext cx="1934818" cy="646331"/>
+            </a:xfrm>
+            <a:prstGeom prst="rect">
+              <a:avLst/>
+            </a:prstGeom>
+            <a:noFill/>
+          </p:spPr>
+          <p:txBody>
+            <a:bodyPr wrap="square" rtlCol="0">
+              <a:spAutoFit/>
+            </a:bodyPr>
+            <a:lstStyle/>
+            <a:p>
+              <a:pPr algn="ctr"/>
+              <a:r>
+                <a:rPr kumimoji="1" lang="zh-CN" altLang="en-US" b="1" dirty="0" smtClean="0"/>
+                <a:t>跨子任务</a:t>
+              </a:r>
+              <a:r>
+                <a:rPr kumimoji="1" lang="zh-CN" altLang="en-US" dirty="0" smtClean="0"/>
+                <a:t>的</a:t>
+              </a:r>
+              <a:endParaRPr kumimoji="1" lang="en-US" altLang="zh-CN" dirty="0" smtClean="0"/>
+            </a:p>
+            <a:p>
+              <a:pPr algn="ctr"/>
+              <a:r>
+                <a:rPr kumimoji="1" lang="zh-CN" altLang="en-US" dirty="0" smtClean="0"/>
+                <a:t>查询推荐方法</a:t>
+              </a:r>
+              <a:endParaRPr kumimoji="1" lang="zh-CN" altLang="en-US" dirty="0"/>
+            </a:p>
+          </p:txBody>
+        </p:sp>
+      </p:grpSp>
+      <p:cxnSp>
+        <p:nvCxnSpPr>
+          <p:cNvPr id="36" name="直线箭头连接符 35"/>
+          <p:cNvCxnSpPr>
+            <a:stCxn id="6" idx="2"/>
+            <a:endCxn id="14" idx="0"/>
+          </p:cNvCxnSpPr>
+          <p:nvPr/>
+        </p:nvCxnSpPr>
+        <p:spPr>
+          <a:xfrm flipH="1">
+            <a:off x="2696816" y="2690191"/>
+            <a:ext cx="523462" cy="1696297"/>
+          </a:xfrm>
+          <a:prstGeom prst="straightConnector1">
+            <a:avLst/>
+          </a:prstGeom>
+          <a:ln w="38100">
+            <a:solidFill>
+              <a:schemeClr val="tx1">
+                <a:lumMod val="95000"/>
+                <a:lumOff val="5000"/>
+              </a:schemeClr>
+            </a:solidFill>
+            <a:tailEnd type="triangle"/>
+          </a:ln>
+        </p:spPr>
+        <p:style>
+          <a:lnRef idx="1">
+            <a:schemeClr val="accent1"/>
+          </a:lnRef>
+          <a:fillRef idx="0">
+            <a:schemeClr val="accent1"/>
+          </a:fillRef>
+          <a:effectRef idx="0">
+            <a:schemeClr val="accent1"/>
+          </a:effectRef>
+          <a:fontRef idx="minor">
+            <a:schemeClr val="tx1"/>
+          </a:fontRef>
+        </p:style>
+      </p:cxnSp>
+      <p:cxnSp>
+        <p:nvCxnSpPr>
+          <p:cNvPr id="38" name="直线箭头连接符 37"/>
+          <p:cNvCxnSpPr>
+            <a:stCxn id="11" idx="2"/>
+            <a:endCxn id="17" idx="0"/>
+          </p:cNvCxnSpPr>
+          <p:nvPr/>
+        </p:nvCxnSpPr>
+        <p:spPr>
+          <a:xfrm flipH="1">
+            <a:off x="4909930" y="2704916"/>
+            <a:ext cx="1679713" cy="1681572"/>
+          </a:xfrm>
+          <a:prstGeom prst="straightConnector1">
+            <a:avLst/>
+          </a:prstGeom>
+          <a:ln w="38100">
+            <a:solidFill>
+              <a:schemeClr val="tx1">
+                <a:lumMod val="95000"/>
+                <a:lumOff val="5000"/>
+              </a:schemeClr>
+            </a:solidFill>
+            <a:tailEnd type="triangle"/>
+          </a:ln>
+        </p:spPr>
+        <p:style>
+          <a:lnRef idx="1">
+            <a:schemeClr val="accent1"/>
+          </a:lnRef>
+          <a:fillRef idx="0">
+            <a:schemeClr val="accent1"/>
+          </a:fillRef>
+          <a:effectRef idx="0">
+            <a:schemeClr val="accent1"/>
+          </a:effectRef>
+          <a:fontRef idx="minor">
+            <a:schemeClr val="tx1"/>
+          </a:fontRef>
+        </p:style>
+      </p:cxnSp>
+      <p:cxnSp>
+        <p:nvCxnSpPr>
+          <p:cNvPr id="40" name="直线箭头连接符 39"/>
+          <p:cNvCxnSpPr>
+            <a:stCxn id="11" idx="2"/>
+            <a:endCxn id="19" idx="0"/>
+          </p:cNvCxnSpPr>
+          <p:nvPr/>
+        </p:nvCxnSpPr>
+        <p:spPr>
+          <a:xfrm>
+            <a:off x="6589643" y="2704916"/>
+            <a:ext cx="543337" cy="1681572"/>
+          </a:xfrm>
+          <a:prstGeom prst="straightConnector1">
+            <a:avLst/>
+          </a:prstGeom>
+          <a:ln w="38100">
+            <a:solidFill>
+              <a:schemeClr val="tx1">
+                <a:lumMod val="95000"/>
+                <a:lumOff val="5000"/>
+              </a:schemeClr>
+            </a:solidFill>
+            <a:tailEnd type="triangle"/>
+          </a:ln>
+        </p:spPr>
+        <p:style>
+          <a:lnRef idx="1">
+            <a:schemeClr val="accent1"/>
+          </a:lnRef>
+          <a:fillRef idx="0">
+            <a:schemeClr val="accent1"/>
+          </a:fillRef>
+          <a:effectRef idx="0">
+            <a:schemeClr val="accent1"/>
+          </a:effectRef>
+          <a:fontRef idx="minor">
+            <a:schemeClr val="tx1"/>
+          </a:fontRef>
+        </p:style>
+      </p:cxnSp>
     </p:spTree>
     <p:extLst>
       <p:ext uri="{BB962C8B-B14F-4D97-AF65-F5344CB8AC3E}">
-        <p14:creationId xmlns:p14="http://schemas.microsoft.com/office/powerpoint/2010/main" val="895109818"/>
+        <p14:creationId xmlns:p14="http://schemas.microsoft.com/office/powerpoint/2010/main" val="1311906114"/>
       </p:ext>
     </p:extLst>
   </p:cSld>
@@ -25316,7 +30059,7 @@
           </a:bodyPr>
           <a:lstStyle/>
           <a:p>
-            <a:pPr marL="457200" indent="-457200">
+            <a:pPr marL="342900" indent="-342900">
               <a:buFont typeface="Arial" charset="0"/>
               <a:buChar char="•"/>
             </a:pPr>
@@ -25330,28 +30073,19 @@
             </a:r>
             <a:r>
               <a:rPr kumimoji="1" lang="zh-CN" altLang="en-US" sz="2800" dirty="0" smtClean="0"/>
-              <a:t> </a:t>
-            </a:r>
-            <a:r>
-              <a:rPr kumimoji="1" lang="zh-CN" altLang="en-US" sz="2800" dirty="0" smtClean="0"/>
-              <a:t>跨</a:t>
+              <a:t> 面向</a:t>
             </a:r>
             <a:r>
               <a:rPr kumimoji="1" lang="zh-CN" altLang="en-US" sz="2800" dirty="0"/>
-              <a:t>子任务的查询推荐</a:t>
+              <a:t>因果经验的查询推荐方法</a:t>
             </a:r>
-            <a:r>
-              <a:rPr kumimoji="1" lang="zh-CN" altLang="en-US" sz="2800" dirty="0" smtClean="0"/>
-              <a:t>方法</a:t>
-            </a:r>
-            <a:endParaRPr kumimoji="1" lang="zh-CN" altLang="en-US" sz="2800" dirty="0"/>
           </a:p>
         </p:txBody>
       </p:sp>
     </p:spTree>
     <p:extLst>
       <p:ext uri="{BB962C8B-B14F-4D97-AF65-F5344CB8AC3E}">
-        <p14:creationId xmlns:p14="http://schemas.microsoft.com/office/powerpoint/2010/main" val="987763891"/>
+        <p14:creationId xmlns:p14="http://schemas.microsoft.com/office/powerpoint/2010/main" val="1183724492"/>
       </p:ext>
     </p:extLst>
   </p:cSld>
@@ -25394,6 +30128,180 @@
         <p:spPr>
           <a:xfrm>
             <a:off x="274320" y="194310"/>
+            <a:ext cx="8172450" cy="523220"/>
+          </a:xfrm>
+          <a:prstGeom prst="rect">
+            <a:avLst/>
+          </a:prstGeom>
+          <a:noFill/>
+        </p:spPr>
+        <p:txBody>
+          <a:bodyPr wrap="square" rtlCol="0">
+            <a:spAutoFit/>
+          </a:bodyPr>
+          <a:lstStyle/>
+          <a:p>
+            <a:pPr marL="457200" indent="-457200">
+              <a:buFont typeface="Arial" charset="0"/>
+              <a:buChar char="•"/>
+            </a:pPr>
+            <a:r>
+              <a:rPr kumimoji="1" lang="zh-CN" altLang="en-US" sz="2800" dirty="0" smtClean="0"/>
+              <a:t>研究方法 </a:t>
+            </a:r>
+            <a:r>
+              <a:rPr kumimoji="1" lang="en-US" altLang="zh-CN" sz="2800" dirty="0" smtClean="0"/>
+              <a:t>-</a:t>
+            </a:r>
+            <a:r>
+              <a:rPr kumimoji="1" lang="zh-CN" altLang="en-US" sz="2800" dirty="0" smtClean="0"/>
+              <a:t> 子</a:t>
+            </a:r>
+            <a:r>
+              <a:rPr kumimoji="1" lang="zh-CN" altLang="en-US" sz="2800" dirty="0"/>
+              <a:t>任务内部的查询推荐</a:t>
+            </a:r>
+            <a:r>
+              <a:rPr kumimoji="1" lang="zh-CN" altLang="en-US" sz="2800" dirty="0" smtClean="0"/>
+              <a:t>方法</a:t>
+            </a:r>
+            <a:endParaRPr kumimoji="1" lang="zh-CN" altLang="en-US" sz="2800" dirty="0"/>
+          </a:p>
+        </p:txBody>
+      </p:sp>
+    </p:spTree>
+    <p:extLst>
+      <p:ext uri="{BB962C8B-B14F-4D97-AF65-F5344CB8AC3E}">
+        <p14:creationId xmlns:p14="http://schemas.microsoft.com/office/powerpoint/2010/main" val="895109818"/>
+      </p:ext>
+    </p:extLst>
+  </p:cSld>
+  <p:clrMapOvr>
+    <a:masterClrMapping/>
+  </p:clrMapOvr>
+  <p:timing>
+    <p:tnLst>
+      <p:par>
+        <p:cTn id="1" dur="indefinite" restart="never" nodeType="tmRoot"/>
+      </p:par>
+    </p:tnLst>
+  </p:timing>
+</p:sld>
+</file>
+
+<file path=ppt/slides/slide22.xml><?xml version="1.0" encoding="utf-8"?>
+<p:sld xmlns:a="http://schemas.openxmlformats.org/drawingml/2006/main" xmlns:r="http://schemas.openxmlformats.org/officeDocument/2006/relationships" xmlns:p="http://schemas.openxmlformats.org/presentationml/2006/main">
+  <p:cSld>
+    <p:spTree>
+      <p:nvGrpSpPr>
+        <p:cNvPr id="1" name=""/>
+        <p:cNvGrpSpPr/>
+        <p:nvPr/>
+      </p:nvGrpSpPr>
+      <p:grpSpPr>
+        <a:xfrm>
+          <a:off x="0" y="0"/>
+          <a:ext cx="0" cy="0"/>
+          <a:chOff x="0" y="0"/>
+          <a:chExt cx="0" cy="0"/>
+        </a:xfrm>
+      </p:grpSpPr>
+      <p:sp>
+        <p:nvSpPr>
+          <p:cNvPr id="4" name="文本框 3"/>
+          <p:cNvSpPr txBox="1"/>
+          <p:nvPr/>
+        </p:nvSpPr>
+        <p:spPr>
+          <a:xfrm>
+            <a:off x="274320" y="194310"/>
+            <a:ext cx="8172450" cy="523220"/>
+          </a:xfrm>
+          <a:prstGeom prst="rect">
+            <a:avLst/>
+          </a:prstGeom>
+          <a:noFill/>
+        </p:spPr>
+        <p:txBody>
+          <a:bodyPr wrap="square" rtlCol="0">
+            <a:spAutoFit/>
+          </a:bodyPr>
+          <a:lstStyle/>
+          <a:p>
+            <a:pPr marL="457200" indent="-457200">
+              <a:buFont typeface="Arial" charset="0"/>
+              <a:buChar char="•"/>
+            </a:pPr>
+            <a:r>
+              <a:rPr kumimoji="1" lang="zh-CN" altLang="en-US" sz="2800" dirty="0" smtClean="0"/>
+              <a:t>研究方法 </a:t>
+            </a:r>
+            <a:r>
+              <a:rPr kumimoji="1" lang="en-US" altLang="zh-CN" sz="2800" dirty="0" smtClean="0"/>
+              <a:t>-</a:t>
+            </a:r>
+            <a:r>
+              <a:rPr kumimoji="1" lang="zh-CN" altLang="en-US" sz="2800" dirty="0" smtClean="0"/>
+              <a:t> 跨</a:t>
+            </a:r>
+            <a:r>
+              <a:rPr kumimoji="1" lang="zh-CN" altLang="en-US" sz="2800" dirty="0"/>
+              <a:t>子任务的查询推荐</a:t>
+            </a:r>
+            <a:r>
+              <a:rPr kumimoji="1" lang="zh-CN" altLang="en-US" sz="2800" dirty="0" smtClean="0"/>
+              <a:t>方法</a:t>
+            </a:r>
+            <a:endParaRPr kumimoji="1" lang="zh-CN" altLang="en-US" sz="2800" dirty="0"/>
+          </a:p>
+        </p:txBody>
+      </p:sp>
+    </p:spTree>
+    <p:extLst>
+      <p:ext uri="{BB962C8B-B14F-4D97-AF65-F5344CB8AC3E}">
+        <p14:creationId xmlns:p14="http://schemas.microsoft.com/office/powerpoint/2010/main" val="987763891"/>
+      </p:ext>
+    </p:extLst>
+  </p:cSld>
+  <p:clrMapOvr>
+    <a:masterClrMapping/>
+  </p:clrMapOvr>
+  <p:timing>
+    <p:tnLst>
+      <p:par>
+        <p:cTn id="1" dur="indefinite" restart="never" nodeType="tmRoot"/>
+      </p:par>
+    </p:tnLst>
+  </p:timing>
+</p:sld>
+</file>
+
+<file path=ppt/slides/slide23.xml><?xml version="1.0" encoding="utf-8"?>
+<p:sld xmlns:a="http://schemas.openxmlformats.org/drawingml/2006/main" xmlns:r="http://schemas.openxmlformats.org/officeDocument/2006/relationships" xmlns:p="http://schemas.openxmlformats.org/presentationml/2006/main">
+  <p:cSld>
+    <p:spTree>
+      <p:nvGrpSpPr>
+        <p:cNvPr id="1" name=""/>
+        <p:cNvGrpSpPr/>
+        <p:nvPr/>
+      </p:nvGrpSpPr>
+      <p:grpSpPr>
+        <a:xfrm>
+          <a:off x="0" y="0"/>
+          <a:ext cx="0" cy="0"/>
+          <a:chOff x="0" y="0"/>
+          <a:chExt cx="0" cy="0"/>
+        </a:xfrm>
+      </p:grpSpPr>
+      <p:sp>
+        <p:nvSpPr>
+          <p:cNvPr id="4" name="文本框 3"/>
+          <p:cNvSpPr txBox="1"/>
+          <p:nvPr/>
+        </p:nvSpPr>
+        <p:spPr>
+          <a:xfrm>
+            <a:off x="274320" y="194310"/>
             <a:ext cx="8869680" cy="523220"/>
           </a:xfrm>
           <a:prstGeom prst="rect">
@@ -25506,7 +30414,7 @@
 </p:sld>
 </file>
 
-<file path=ppt/slides/slide22.xml><?xml version="1.0" encoding="utf-8"?>
+<file path=ppt/slides/slide24.xml><?xml version="1.0" encoding="utf-8"?>
 <p:sld xmlns:a="http://schemas.openxmlformats.org/drawingml/2006/main" xmlns:r="http://schemas.openxmlformats.org/officeDocument/2006/relationships" xmlns:p="http://schemas.openxmlformats.org/presentationml/2006/main">
   <p:cSld>
     <p:spTree>
